--- a/前后端分离初探.pptx
+++ b/前后端分离初探.pptx
@@ -2539,11 +2539,7 @@
           <a:p>
             <a:r>
               <a:rPr lang="zh-CN" altLang="en-US" dirty="0"/>
-              <a:t>了解数据驱动基本原理，怎么</a:t>
-            </a:r>
-            <a:r>
-              <a:rPr lang="en-US" altLang="zh-CN" dirty="0"/>
-              <a:t>watch</a:t>
+              <a:t>https://blog.csdn.net/AN0692/article/details/79209004</a:t>
             </a:r>
             <a:endParaRPr lang="zh-CN" altLang="en-US" dirty="0"/>
           </a:p>
@@ -2623,6 +2619,10 @@
           <a:bodyPr/>
           <a:lstStyle/>
           <a:p>
+            <a:r>
+              <a:rPr lang="zh-CN" altLang="en-US" dirty="0"/>
+              <a:t>https://yq.aliyun.com/articles/610380</a:t>
+            </a:r>
             <a:endParaRPr lang="zh-CN" altLang="en-US" dirty="0"/>
           </a:p>
         </p:txBody>
@@ -3362,28 +3362,14 @@
           <a:lstStyle/>
           <a:p>
             <a:r>
-              <a:rPr lang="en-US" altLang="zh-CN" sz="1200" dirty="0"/>
-              <a:t>El</a:t>
-            </a:r>
-            <a:r>
-              <a:rPr lang="zh-CN" altLang="en-US" sz="1200" dirty="0"/>
-              <a:t>：上面的例子中将数据绑定给了</a:t>
-            </a:r>
-            <a:r>
-              <a:rPr lang="en-US" altLang="zh-CN" sz="1200" dirty="0"/>
-              <a:t>#app</a:t>
-            </a:r>
-            <a:endParaRPr lang="en-US" altLang="zh-CN" sz="1200" dirty="0"/>
-          </a:p>
-          <a:p>
-            <a:endParaRPr lang="en-US" altLang="zh-CN" sz="1200" dirty="0"/>
-          </a:p>
-          <a:p>
+              <a:rPr lang="zh-CN" altLang="en-US" dirty="0"/>
+              <a:t>例子 </a:t>
+            </a:r>
             <a:r>
               <a:rPr lang="en-US" altLang="zh-CN" dirty="0"/>
-              <a:t>https://www.cnblogs.com/zhengjialux/p/5871980.html</a:t>
-            </a:r>
-            <a:endParaRPr lang="zh-CN" altLang="en-US" dirty="0"/>
+              <a:t>vuedemo vue-router.html</a:t>
+            </a:r>
+            <a:endParaRPr lang="en-US" altLang="zh-CN" dirty="0"/>
           </a:p>
         </p:txBody>
       </p:sp>
@@ -3520,6 +3506,16 @@
             </a:r>
             <a:endParaRPr lang="zh-CN" altLang="en-US" dirty="0"/>
           </a:p>
+          <a:p>
+            <a:endParaRPr lang="en-US" altLang="zh-CN" dirty="0"/>
+          </a:p>
+          <a:p>
+            <a:r>
+              <a:rPr lang="en-US" altLang="zh-CN" dirty="0"/>
+              <a:t>vuedemo</a:t>
+            </a:r>
+            <a:endParaRPr lang="en-US" altLang="zh-CN" dirty="0"/>
+          </a:p>
         </p:txBody>
       </p:sp>
       <p:sp>
@@ -5772,6 +5768,34 @@
               <a:buNone/>
             </a:pPr>
             <a:r>
+              <a:rPr lang="zh-CN" altLang="en-US" sz="1200" dirty="0" err="1">
+                <a:sym typeface="Arial" panose="020B0604020202020204"/>
+              </a:rPr>
+              <a:t>命令行运行：</a:t>
+            </a:r>
+            <a:r>
+              <a:rPr lang="en-US" altLang="zh-CN" sz="1200" dirty="0" err="1">
+                <a:sym typeface="Arial" panose="020B0604020202020204"/>
+              </a:rPr>
+              <a:t>将这个hello.js打包为hello.bundle.js</a:t>
+            </a:r>
+            <a:endParaRPr lang="en-US" altLang="zh-CN" sz="1200" dirty="0" err="1">
+              <a:sym typeface="Arial" panose="020B0604020202020204"/>
+            </a:endParaRPr>
+          </a:p>
+          <a:p>
+            <a:pPr marL="0" indent="0">
+              <a:buNone/>
+            </a:pPr>
+            <a:endParaRPr lang="en-US" altLang="zh-CN" sz="1200" dirty="0" err="1">
+              <a:sym typeface="Arial" panose="020B0604020202020204"/>
+            </a:endParaRPr>
+          </a:p>
+          <a:p>
+            <a:pPr marL="0" indent="0">
+              <a:buNone/>
+            </a:pPr>
+            <a:r>
               <a:rPr lang="en-US" altLang="zh-CN" sz="1200" dirty="0" err="1">
                 <a:sym typeface="Arial" panose="020B0604020202020204"/>
               </a:rPr>
@@ -6165,7 +6189,31 @@
           <a:lstStyle/>
           <a:p>
             <a:pPr fontAlgn="base"/>
-            <a:endParaRPr lang="zh-CN" altLang="en-US" sz="1200" b="0" i="0" kern="1200" dirty="0">
+            <a:r>
+              <a:rPr lang="zh-CN" altLang="en-US" sz="1200" b="0" i="0" kern="1200" dirty="0">
+                <a:solidFill>
+                  <a:schemeClr val="tx1"/>
+                </a:solidFill>
+                <a:effectLst/>
+                <a:latin typeface="+mn-lt"/>
+                <a:ea typeface="+mn-ea"/>
+                <a:cs typeface="+mn-cs"/>
+              </a:rPr>
+              <a:t>例子 </a:t>
+            </a:r>
+            <a:r>
+              <a:rPr lang="en-US" altLang="zh-CN" sz="1200" b="0" i="0" kern="1200" dirty="0">
+                <a:solidFill>
+                  <a:schemeClr val="tx1"/>
+                </a:solidFill>
+                <a:effectLst/>
+                <a:latin typeface="+mn-lt"/>
+                <a:ea typeface="+mn-ea"/>
+                <a:cs typeface="+mn-cs"/>
+              </a:rPr>
+              <a:t>webpackdemo</a:t>
+            </a:r>
+            <a:endParaRPr lang="en-US" altLang="zh-CN" sz="1200" b="0" i="0" kern="1200" dirty="0">
               <a:solidFill>
                 <a:schemeClr val="tx1"/>
               </a:solidFill>
@@ -17664,6 +17712,556 @@
           </a:p>
         </p:txBody>
       </p:sp>
+      <p:sp>
+        <p:nvSpPr>
+          <p:cNvPr id="6" name="内容占位符 2"/>
+          <p:cNvSpPr txBox="1"/>
+          <p:nvPr/>
+        </p:nvSpPr>
+        <p:spPr>
+          <a:xfrm>
+            <a:off x="838200" y="1825625"/>
+            <a:ext cx="10515600" cy="580725"/>
+          </a:xfrm>
+          <a:prstGeom prst="rect">
+            <a:avLst/>
+          </a:prstGeom>
+        </p:spPr>
+        <p:txBody>
+          <a:bodyPr vert="horz" lIns="91440" tIns="45720" rIns="91440" bIns="45720" rtlCol="0">
+            <a:normAutofit/>
+          </a:bodyPr>
+          <a:lstStyle>
+            <a:lvl1pPr marL="228600" indent="-228600" algn="l" defTabSz="914400" rtl="0" eaLnBrk="1" latinLnBrk="0" hangingPunct="1">
+              <a:lnSpc>
+                <a:spcPct val="90000"/>
+              </a:lnSpc>
+              <a:spcBef>
+                <a:spcPts val="1000"/>
+              </a:spcBef>
+              <a:buFont typeface="Arial" panose="020B0604020202020204" pitchFamily="34" charset="0"/>
+              <a:buChar char="•"/>
+              <a:defRPr sz="2800" kern="1200">
+                <a:solidFill>
+                  <a:schemeClr val="tx1"/>
+                </a:solidFill>
+                <a:latin typeface="+mn-lt"/>
+                <a:ea typeface="+mn-ea"/>
+                <a:cs typeface="+mn-cs"/>
+              </a:defRPr>
+            </a:lvl1pPr>
+            <a:lvl2pPr marL="685800" indent="-228600" algn="l" defTabSz="914400" rtl="0" eaLnBrk="1" latinLnBrk="0" hangingPunct="1">
+              <a:lnSpc>
+                <a:spcPct val="90000"/>
+              </a:lnSpc>
+              <a:spcBef>
+                <a:spcPts val="500"/>
+              </a:spcBef>
+              <a:buFont typeface="Arial" panose="020B0604020202020204" pitchFamily="34" charset="0"/>
+              <a:buChar char="•"/>
+              <a:defRPr sz="2400" kern="1200">
+                <a:solidFill>
+                  <a:schemeClr val="tx1"/>
+                </a:solidFill>
+                <a:latin typeface="+mn-lt"/>
+                <a:ea typeface="+mn-ea"/>
+                <a:cs typeface="+mn-cs"/>
+              </a:defRPr>
+            </a:lvl2pPr>
+            <a:lvl3pPr marL="1143000" indent="-228600" algn="l" defTabSz="914400" rtl="0" eaLnBrk="1" latinLnBrk="0" hangingPunct="1">
+              <a:lnSpc>
+                <a:spcPct val="90000"/>
+              </a:lnSpc>
+              <a:spcBef>
+                <a:spcPts val="500"/>
+              </a:spcBef>
+              <a:buFont typeface="Arial" panose="020B0604020202020204" pitchFamily="34" charset="0"/>
+              <a:buChar char="•"/>
+              <a:defRPr sz="2000" kern="1200">
+                <a:solidFill>
+                  <a:schemeClr val="tx1"/>
+                </a:solidFill>
+                <a:latin typeface="+mn-lt"/>
+                <a:ea typeface="+mn-ea"/>
+                <a:cs typeface="+mn-cs"/>
+              </a:defRPr>
+            </a:lvl3pPr>
+            <a:lvl4pPr marL="1600200" indent="-228600" algn="l" defTabSz="914400" rtl="0" eaLnBrk="1" latinLnBrk="0" hangingPunct="1">
+              <a:lnSpc>
+                <a:spcPct val="90000"/>
+              </a:lnSpc>
+              <a:spcBef>
+                <a:spcPts val="500"/>
+              </a:spcBef>
+              <a:buFont typeface="Arial" panose="020B0604020202020204" pitchFamily="34" charset="0"/>
+              <a:buChar char="•"/>
+              <a:defRPr sz="1800" kern="1200">
+                <a:solidFill>
+                  <a:schemeClr val="tx1"/>
+                </a:solidFill>
+                <a:latin typeface="+mn-lt"/>
+                <a:ea typeface="+mn-ea"/>
+                <a:cs typeface="+mn-cs"/>
+              </a:defRPr>
+            </a:lvl4pPr>
+            <a:lvl5pPr marL="2057400" indent="-228600" algn="l" defTabSz="914400" rtl="0" eaLnBrk="1" latinLnBrk="0" hangingPunct="1">
+              <a:lnSpc>
+                <a:spcPct val="90000"/>
+              </a:lnSpc>
+              <a:spcBef>
+                <a:spcPts val="500"/>
+              </a:spcBef>
+              <a:buFont typeface="Arial" panose="020B0604020202020204" pitchFamily="34" charset="0"/>
+              <a:buChar char="•"/>
+              <a:defRPr sz="1800" kern="1200">
+                <a:solidFill>
+                  <a:schemeClr val="tx1"/>
+                </a:solidFill>
+                <a:latin typeface="+mn-lt"/>
+                <a:ea typeface="+mn-ea"/>
+                <a:cs typeface="+mn-cs"/>
+              </a:defRPr>
+            </a:lvl5pPr>
+            <a:lvl6pPr marL="2514600" indent="-228600" algn="l" defTabSz="914400" rtl="0" eaLnBrk="1" latinLnBrk="0" hangingPunct="1">
+              <a:lnSpc>
+                <a:spcPct val="90000"/>
+              </a:lnSpc>
+              <a:spcBef>
+                <a:spcPts val="500"/>
+              </a:spcBef>
+              <a:buFont typeface="Arial" panose="020B0604020202020204" pitchFamily="34" charset="0"/>
+              <a:buChar char="•"/>
+              <a:defRPr sz="1800" kern="1200">
+                <a:solidFill>
+                  <a:schemeClr val="tx1"/>
+                </a:solidFill>
+                <a:latin typeface="+mn-lt"/>
+                <a:ea typeface="+mn-ea"/>
+                <a:cs typeface="+mn-cs"/>
+              </a:defRPr>
+            </a:lvl6pPr>
+            <a:lvl7pPr marL="2971800" indent="-228600" algn="l" defTabSz="914400" rtl="0" eaLnBrk="1" latinLnBrk="0" hangingPunct="1">
+              <a:lnSpc>
+                <a:spcPct val="90000"/>
+              </a:lnSpc>
+              <a:spcBef>
+                <a:spcPts val="500"/>
+              </a:spcBef>
+              <a:buFont typeface="Arial" panose="020B0604020202020204" pitchFamily="34" charset="0"/>
+              <a:buChar char="•"/>
+              <a:defRPr sz="1800" kern="1200">
+                <a:solidFill>
+                  <a:schemeClr val="tx1"/>
+                </a:solidFill>
+                <a:latin typeface="+mn-lt"/>
+                <a:ea typeface="+mn-ea"/>
+                <a:cs typeface="+mn-cs"/>
+              </a:defRPr>
+            </a:lvl7pPr>
+            <a:lvl8pPr marL="3429000" indent="-228600" algn="l" defTabSz="914400" rtl="0" eaLnBrk="1" latinLnBrk="0" hangingPunct="1">
+              <a:lnSpc>
+                <a:spcPct val="90000"/>
+              </a:lnSpc>
+              <a:spcBef>
+                <a:spcPts val="500"/>
+              </a:spcBef>
+              <a:buFont typeface="Arial" panose="020B0604020202020204" pitchFamily="34" charset="0"/>
+              <a:buChar char="•"/>
+              <a:defRPr sz="1800" kern="1200">
+                <a:solidFill>
+                  <a:schemeClr val="tx1"/>
+                </a:solidFill>
+                <a:latin typeface="+mn-lt"/>
+                <a:ea typeface="+mn-ea"/>
+                <a:cs typeface="+mn-cs"/>
+              </a:defRPr>
+            </a:lvl8pPr>
+            <a:lvl9pPr marL="3886200" indent="-228600" algn="l" defTabSz="914400" rtl="0" eaLnBrk="1" latinLnBrk="0" hangingPunct="1">
+              <a:lnSpc>
+                <a:spcPct val="90000"/>
+              </a:lnSpc>
+              <a:spcBef>
+                <a:spcPts val="500"/>
+              </a:spcBef>
+              <a:buFont typeface="Arial" panose="020B0604020202020204" pitchFamily="34" charset="0"/>
+              <a:buChar char="•"/>
+              <a:defRPr sz="1800" kern="1200">
+                <a:solidFill>
+                  <a:schemeClr val="tx1"/>
+                </a:solidFill>
+                <a:latin typeface="+mn-lt"/>
+                <a:ea typeface="+mn-ea"/>
+                <a:cs typeface="+mn-cs"/>
+              </a:defRPr>
+            </a:lvl9pPr>
+          </a:lstStyle>
+          <a:p>
+            <a:r>
+              <a:rPr lang="zh-CN" altLang="en-US" dirty="0"/>
+              <a:t>什么是数据驱动</a:t>
+            </a:r>
+            <a:endParaRPr lang="zh-CN" altLang="en-US" dirty="0"/>
+          </a:p>
+        </p:txBody>
+      </p:sp>
+      <p:sp>
+        <p:nvSpPr>
+          <p:cNvPr id="4" name="Rectangle 1"/>
+          <p:cNvSpPr>
+            <a:spLocks noGrp="1" noChangeArrowheads="1"/>
+          </p:cNvSpPr>
+          <p:nvPr>
+            <p:ph idx="1"/>
+          </p:nvPr>
+        </p:nvSpPr>
+        <p:spPr bwMode="auto">
+          <a:xfrm>
+            <a:off x="1318231" y="2406644"/>
+            <a:ext cx="8843408" cy="1628775"/>
+          </a:xfrm>
+          <a:prstGeom prst="rect">
+            <a:avLst/>
+          </a:prstGeom>
+          <a:solidFill>
+            <a:schemeClr val="bg1"/>
+          </a:solidFill>
+          <a:ln>
+            <a:noFill/>
+          </a:ln>
+          <a:effectLst/>
+        </p:spPr>
+        <p:txBody>
+          <a:bodyPr vert="horz" wrap="square" lIns="0" tIns="0" rIns="0" bIns="152352" numCol="1" anchor="ctr" anchorCtr="0" compatLnSpc="1">
+            <a:spAutoFit/>
+          </a:bodyPr>
+          <a:p>
+            <a:pPr marL="0" lvl="0" indent="0" eaLnBrk="0" fontAlgn="base" hangingPunct="0">
+              <a:lnSpc>
+                <a:spcPct val="150000"/>
+              </a:lnSpc>
+              <a:spcBef>
+                <a:spcPct val="0"/>
+              </a:spcBef>
+              <a:spcAft>
+                <a:spcPct val="0"/>
+              </a:spcAft>
+              <a:buNone/>
+            </a:pPr>
+            <a:r>
+              <a:rPr sz="2000">
+                <a:latin typeface="+mj-lt"/>
+                <a:ea typeface="+mj-ea"/>
+                <a:cs typeface="+mj-cs"/>
+              </a:rPr>
+              <a:t>所谓的数据驱动就是当数据发生变化的时候，用户界面发生相应的变化，开发者不需要手动的去修改dom</a:t>
+            </a:r>
+            <a:endParaRPr sz="2000">
+              <a:latin typeface="+mj-lt"/>
+              <a:ea typeface="+mj-ea"/>
+              <a:cs typeface="+mj-cs"/>
+            </a:endParaRPr>
+          </a:p>
+          <a:p>
+            <a:pPr marL="0" lvl="0" indent="0" eaLnBrk="0" fontAlgn="base" hangingPunct="0">
+              <a:lnSpc>
+                <a:spcPct val="150000"/>
+              </a:lnSpc>
+              <a:spcBef>
+                <a:spcPct val="0"/>
+              </a:spcBef>
+              <a:spcAft>
+                <a:spcPct val="0"/>
+              </a:spcAft>
+              <a:buNone/>
+            </a:pPr>
+            <a:endParaRPr lang="zh-CN" altLang="zh-CN" sz="2400" dirty="0">
+              <a:latin typeface="+mj-lt"/>
+              <a:ea typeface="+mj-ea"/>
+              <a:cs typeface="+mj-cs"/>
+            </a:endParaRPr>
+          </a:p>
+        </p:txBody>
+      </p:sp>
+      <p:sp>
+        <p:nvSpPr>
+          <p:cNvPr id="3" name="Rectangle 1"/>
+          <p:cNvSpPr>
+            <a:spLocks noGrp="1" noChangeArrowheads="1"/>
+          </p:cNvSpPr>
+          <p:nvPr/>
+        </p:nvSpPr>
+        <p:spPr bwMode="auto">
+          <a:xfrm>
+            <a:off x="1318260" y="3742373"/>
+            <a:ext cx="5039995" cy="2921635"/>
+          </a:xfrm>
+          <a:prstGeom prst="rect">
+            <a:avLst/>
+          </a:prstGeom>
+          <a:solidFill>
+            <a:schemeClr val="bg1"/>
+          </a:solidFill>
+          <a:ln>
+            <a:noFill/>
+          </a:ln>
+          <a:effectLst/>
+        </p:spPr>
+        <p:txBody>
+          <a:bodyPr vert="horz" wrap="square" lIns="0" tIns="0" rIns="0" bIns="152352" numCol="1" rtlCol="0" anchor="ctr" anchorCtr="0" compatLnSpc="1">
+            <a:spAutoFit/>
+          </a:bodyPr>
+          <a:lstStyle>
+            <a:lvl1pPr marL="228600" indent="-228600" algn="l" defTabSz="914400" rtl="0" eaLnBrk="1" latinLnBrk="0" hangingPunct="1">
+              <a:lnSpc>
+                <a:spcPct val="90000"/>
+              </a:lnSpc>
+              <a:spcBef>
+                <a:spcPts val="1000"/>
+              </a:spcBef>
+              <a:buFont typeface="Arial" panose="020B0604020202020204" pitchFamily="34" charset="0"/>
+              <a:buChar char="•"/>
+              <a:defRPr sz="2800" kern="1200">
+                <a:solidFill>
+                  <a:schemeClr val="tx1"/>
+                </a:solidFill>
+                <a:latin typeface="+mn-lt"/>
+                <a:ea typeface="+mn-ea"/>
+                <a:cs typeface="+mn-cs"/>
+              </a:defRPr>
+            </a:lvl1pPr>
+            <a:lvl2pPr marL="685800" indent="-228600" algn="l" defTabSz="914400" rtl="0" eaLnBrk="1" latinLnBrk="0" hangingPunct="1">
+              <a:lnSpc>
+                <a:spcPct val="90000"/>
+              </a:lnSpc>
+              <a:spcBef>
+                <a:spcPts val="500"/>
+              </a:spcBef>
+              <a:buFont typeface="Arial" panose="020B0604020202020204" pitchFamily="34" charset="0"/>
+              <a:buChar char="•"/>
+              <a:defRPr sz="2400" kern="1200">
+                <a:solidFill>
+                  <a:schemeClr val="tx1"/>
+                </a:solidFill>
+                <a:latin typeface="+mn-lt"/>
+                <a:ea typeface="+mn-ea"/>
+                <a:cs typeface="+mn-cs"/>
+              </a:defRPr>
+            </a:lvl2pPr>
+            <a:lvl3pPr marL="1143000" indent="-228600" algn="l" defTabSz="914400" rtl="0" eaLnBrk="1" latinLnBrk="0" hangingPunct="1">
+              <a:lnSpc>
+                <a:spcPct val="90000"/>
+              </a:lnSpc>
+              <a:spcBef>
+                <a:spcPts val="500"/>
+              </a:spcBef>
+              <a:buFont typeface="Arial" panose="020B0604020202020204" pitchFamily="34" charset="0"/>
+              <a:buChar char="•"/>
+              <a:defRPr sz="2000" kern="1200">
+                <a:solidFill>
+                  <a:schemeClr val="tx1"/>
+                </a:solidFill>
+                <a:latin typeface="+mn-lt"/>
+                <a:ea typeface="+mn-ea"/>
+                <a:cs typeface="+mn-cs"/>
+              </a:defRPr>
+            </a:lvl3pPr>
+            <a:lvl4pPr marL="1600200" indent="-228600" algn="l" defTabSz="914400" rtl="0" eaLnBrk="1" latinLnBrk="0" hangingPunct="1">
+              <a:lnSpc>
+                <a:spcPct val="90000"/>
+              </a:lnSpc>
+              <a:spcBef>
+                <a:spcPts val="500"/>
+              </a:spcBef>
+              <a:buFont typeface="Arial" panose="020B0604020202020204" pitchFamily="34" charset="0"/>
+              <a:buChar char="•"/>
+              <a:defRPr sz="1800" kern="1200">
+                <a:solidFill>
+                  <a:schemeClr val="tx1"/>
+                </a:solidFill>
+                <a:latin typeface="+mn-lt"/>
+                <a:ea typeface="+mn-ea"/>
+                <a:cs typeface="+mn-cs"/>
+              </a:defRPr>
+            </a:lvl4pPr>
+            <a:lvl5pPr marL="2057400" indent="-228600" algn="l" defTabSz="914400" rtl="0" eaLnBrk="1" latinLnBrk="0" hangingPunct="1">
+              <a:lnSpc>
+                <a:spcPct val="90000"/>
+              </a:lnSpc>
+              <a:spcBef>
+                <a:spcPts val="500"/>
+              </a:spcBef>
+              <a:buFont typeface="Arial" panose="020B0604020202020204" pitchFamily="34" charset="0"/>
+              <a:buChar char="•"/>
+              <a:defRPr sz="1800" kern="1200">
+                <a:solidFill>
+                  <a:schemeClr val="tx1"/>
+                </a:solidFill>
+                <a:latin typeface="+mn-lt"/>
+                <a:ea typeface="+mn-ea"/>
+                <a:cs typeface="+mn-cs"/>
+              </a:defRPr>
+            </a:lvl5pPr>
+            <a:lvl6pPr marL="2514600" indent="-228600" algn="l" defTabSz="914400" rtl="0" eaLnBrk="1" latinLnBrk="0" hangingPunct="1">
+              <a:lnSpc>
+                <a:spcPct val="90000"/>
+              </a:lnSpc>
+              <a:spcBef>
+                <a:spcPts val="500"/>
+              </a:spcBef>
+              <a:buFont typeface="Arial" panose="020B0604020202020204" pitchFamily="34" charset="0"/>
+              <a:buChar char="•"/>
+              <a:defRPr sz="1800" kern="1200">
+                <a:solidFill>
+                  <a:schemeClr val="tx1"/>
+                </a:solidFill>
+                <a:latin typeface="+mn-lt"/>
+                <a:ea typeface="+mn-ea"/>
+                <a:cs typeface="+mn-cs"/>
+              </a:defRPr>
+            </a:lvl6pPr>
+            <a:lvl7pPr marL="2971800" indent="-228600" algn="l" defTabSz="914400" rtl="0" eaLnBrk="1" latinLnBrk="0" hangingPunct="1">
+              <a:lnSpc>
+                <a:spcPct val="90000"/>
+              </a:lnSpc>
+              <a:spcBef>
+                <a:spcPts val="500"/>
+              </a:spcBef>
+              <a:buFont typeface="Arial" panose="020B0604020202020204" pitchFamily="34" charset="0"/>
+              <a:buChar char="•"/>
+              <a:defRPr sz="1800" kern="1200">
+                <a:solidFill>
+                  <a:schemeClr val="tx1"/>
+                </a:solidFill>
+                <a:latin typeface="+mn-lt"/>
+                <a:ea typeface="+mn-ea"/>
+                <a:cs typeface="+mn-cs"/>
+              </a:defRPr>
+            </a:lvl7pPr>
+            <a:lvl8pPr marL="3429000" indent="-228600" algn="l" defTabSz="914400" rtl="0" eaLnBrk="1" latinLnBrk="0" hangingPunct="1">
+              <a:lnSpc>
+                <a:spcPct val="90000"/>
+              </a:lnSpc>
+              <a:spcBef>
+                <a:spcPts val="500"/>
+              </a:spcBef>
+              <a:buFont typeface="Arial" panose="020B0604020202020204" pitchFamily="34" charset="0"/>
+              <a:buChar char="•"/>
+              <a:defRPr sz="1800" kern="1200">
+                <a:solidFill>
+                  <a:schemeClr val="tx1"/>
+                </a:solidFill>
+                <a:latin typeface="+mn-lt"/>
+                <a:ea typeface="+mn-ea"/>
+                <a:cs typeface="+mn-cs"/>
+              </a:defRPr>
+            </a:lvl8pPr>
+            <a:lvl9pPr marL="3886200" indent="-228600" algn="l" defTabSz="914400" rtl="0" eaLnBrk="1" latinLnBrk="0" hangingPunct="1">
+              <a:lnSpc>
+                <a:spcPct val="90000"/>
+              </a:lnSpc>
+              <a:spcBef>
+                <a:spcPts val="500"/>
+              </a:spcBef>
+              <a:buFont typeface="Arial" panose="020B0604020202020204" pitchFamily="34" charset="0"/>
+              <a:buChar char="•"/>
+              <a:defRPr sz="1800" kern="1200">
+                <a:solidFill>
+                  <a:schemeClr val="tx1"/>
+                </a:solidFill>
+                <a:latin typeface="+mn-lt"/>
+                <a:ea typeface="+mn-ea"/>
+                <a:cs typeface="+mn-cs"/>
+              </a:defRPr>
+            </a:lvl9pPr>
+          </a:lstStyle>
+          <a:p>
+            <a:pPr marL="0" lvl="0" indent="0" eaLnBrk="0" fontAlgn="base" hangingPunct="0">
+              <a:lnSpc>
+                <a:spcPct val="150000"/>
+              </a:lnSpc>
+              <a:spcBef>
+                <a:spcPct val="0"/>
+              </a:spcBef>
+              <a:spcAft>
+                <a:spcPct val="0"/>
+              </a:spcAft>
+              <a:buNone/>
+            </a:pPr>
+            <a:r>
+              <a:rPr lang="zh-CN" sz="2000">
+                <a:latin typeface="+mj-lt"/>
+                <a:ea typeface="+mj-ea"/>
+                <a:cs typeface="+mj-cs"/>
+              </a:rPr>
+              <a:t>原理：</a:t>
+            </a:r>
+            <a:endParaRPr lang="zh-CN" sz="2000">
+              <a:latin typeface="+mj-lt"/>
+              <a:ea typeface="+mj-ea"/>
+              <a:cs typeface="+mj-cs"/>
+            </a:endParaRPr>
+          </a:p>
+          <a:p>
+            <a:pPr marL="0" lvl="0" indent="0" eaLnBrk="0" fontAlgn="base" hangingPunct="0">
+              <a:lnSpc>
+                <a:spcPct val="150000"/>
+              </a:lnSpc>
+              <a:spcBef>
+                <a:spcPct val="0"/>
+              </a:spcBef>
+              <a:spcAft>
+                <a:spcPct val="0"/>
+              </a:spcAft>
+              <a:buNone/>
+            </a:pPr>
+            <a:r>
+              <a:rPr lang="zh-CN" sz="2000">
+                <a:latin typeface="+mj-lt"/>
+                <a:ea typeface="+mj-ea"/>
+                <a:cs typeface="+mj-cs"/>
+              </a:rPr>
+              <a:t>遍历实例化对象选项中的</a:t>
+            </a:r>
+            <a:r>
+              <a:rPr lang="en-US" altLang="zh-CN" sz="2000">
+                <a:latin typeface="+mj-lt"/>
+                <a:ea typeface="+mj-ea"/>
+                <a:cs typeface="+mj-cs"/>
+              </a:rPr>
+              <a:t>data</a:t>
+            </a:r>
+            <a:r>
+              <a:rPr lang="zh-CN" altLang="en-US" sz="2000">
+                <a:latin typeface="+mj-lt"/>
+                <a:ea typeface="+mj-ea"/>
+                <a:cs typeface="+mj-cs"/>
+              </a:rPr>
+              <a:t>，使用Object.defineProperty 把这些属性全部转为 getter/setter，同时每一个实例对象都有一个watcher实例对象，通过</a:t>
+            </a:r>
+            <a:r>
+              <a:rPr lang="en-US" altLang="zh-CN" sz="2000">
+                <a:latin typeface="+mj-lt"/>
+                <a:ea typeface="+mj-ea"/>
+                <a:cs typeface="+mj-cs"/>
+              </a:rPr>
+              <a:t>watcher</a:t>
+            </a:r>
+            <a:r>
+              <a:rPr lang="zh-CN" altLang="en-US" sz="2000">
+                <a:latin typeface="+mj-lt"/>
+                <a:ea typeface="+mj-ea"/>
+                <a:cs typeface="+mj-cs"/>
+              </a:rPr>
+              <a:t>建立视图与数据之间的联系</a:t>
+            </a:r>
+            <a:endParaRPr lang="zh-CN" altLang="zh-CN" sz="2400" dirty="0">
+              <a:latin typeface="+mj-lt"/>
+              <a:ea typeface="+mj-ea"/>
+              <a:cs typeface="+mj-cs"/>
+            </a:endParaRPr>
+          </a:p>
+        </p:txBody>
+      </p:sp>
       <p:pic>
         <p:nvPicPr>
           <p:cNvPr id="5" name="图片 4"/>
@@ -17686,252 +18284,8 @@
         </p:blipFill>
         <p:spPr>
           <a:xfrm>
-            <a:off x="1506128" y="2856774"/>
+            <a:off x="6503578" y="3520349"/>
             <a:ext cx="5404154" cy="2870957"/>
-          </a:xfrm>
-          <a:prstGeom prst="rect">
-            <a:avLst/>
-          </a:prstGeom>
-        </p:spPr>
-      </p:pic>
-      <p:sp>
-        <p:nvSpPr>
-          <p:cNvPr id="6" name="内容占位符 2"/>
-          <p:cNvSpPr txBox="1"/>
-          <p:nvPr/>
-        </p:nvSpPr>
-        <p:spPr>
-          <a:xfrm>
-            <a:off x="838200" y="1825625"/>
-            <a:ext cx="10515600" cy="580725"/>
-          </a:xfrm>
-          <a:prstGeom prst="rect">
-            <a:avLst/>
-          </a:prstGeom>
-        </p:spPr>
-        <p:txBody>
-          <a:bodyPr vert="horz" lIns="91440" tIns="45720" rIns="91440" bIns="45720" rtlCol="0">
-            <a:normAutofit/>
-          </a:bodyPr>
-          <a:lstStyle>
-            <a:lvl1pPr marL="228600" indent="-228600" algn="l" defTabSz="914400" rtl="0" eaLnBrk="1" latinLnBrk="0" hangingPunct="1">
-              <a:lnSpc>
-                <a:spcPct val="90000"/>
-              </a:lnSpc>
-              <a:spcBef>
-                <a:spcPts val="1000"/>
-              </a:spcBef>
-              <a:buFont typeface="Arial" panose="020B0604020202020204" pitchFamily="34" charset="0"/>
-              <a:buChar char="•"/>
-              <a:defRPr sz="2800" kern="1200">
-                <a:solidFill>
-                  <a:schemeClr val="tx1"/>
-                </a:solidFill>
-                <a:latin typeface="+mn-lt"/>
-                <a:ea typeface="+mn-ea"/>
-                <a:cs typeface="+mn-cs"/>
-              </a:defRPr>
-            </a:lvl1pPr>
-            <a:lvl2pPr marL="685800" indent="-228600" algn="l" defTabSz="914400" rtl="0" eaLnBrk="1" latinLnBrk="0" hangingPunct="1">
-              <a:lnSpc>
-                <a:spcPct val="90000"/>
-              </a:lnSpc>
-              <a:spcBef>
-                <a:spcPts val="500"/>
-              </a:spcBef>
-              <a:buFont typeface="Arial" panose="020B0604020202020204" pitchFamily="34" charset="0"/>
-              <a:buChar char="•"/>
-              <a:defRPr sz="2400" kern="1200">
-                <a:solidFill>
-                  <a:schemeClr val="tx1"/>
-                </a:solidFill>
-                <a:latin typeface="+mn-lt"/>
-                <a:ea typeface="+mn-ea"/>
-                <a:cs typeface="+mn-cs"/>
-              </a:defRPr>
-            </a:lvl2pPr>
-            <a:lvl3pPr marL="1143000" indent="-228600" algn="l" defTabSz="914400" rtl="0" eaLnBrk="1" latinLnBrk="0" hangingPunct="1">
-              <a:lnSpc>
-                <a:spcPct val="90000"/>
-              </a:lnSpc>
-              <a:spcBef>
-                <a:spcPts val="500"/>
-              </a:spcBef>
-              <a:buFont typeface="Arial" panose="020B0604020202020204" pitchFamily="34" charset="0"/>
-              <a:buChar char="•"/>
-              <a:defRPr sz="2000" kern="1200">
-                <a:solidFill>
-                  <a:schemeClr val="tx1"/>
-                </a:solidFill>
-                <a:latin typeface="+mn-lt"/>
-                <a:ea typeface="+mn-ea"/>
-                <a:cs typeface="+mn-cs"/>
-              </a:defRPr>
-            </a:lvl3pPr>
-            <a:lvl4pPr marL="1600200" indent="-228600" algn="l" defTabSz="914400" rtl="0" eaLnBrk="1" latinLnBrk="0" hangingPunct="1">
-              <a:lnSpc>
-                <a:spcPct val="90000"/>
-              </a:lnSpc>
-              <a:spcBef>
-                <a:spcPts val="500"/>
-              </a:spcBef>
-              <a:buFont typeface="Arial" panose="020B0604020202020204" pitchFamily="34" charset="0"/>
-              <a:buChar char="•"/>
-              <a:defRPr sz="1800" kern="1200">
-                <a:solidFill>
-                  <a:schemeClr val="tx1"/>
-                </a:solidFill>
-                <a:latin typeface="+mn-lt"/>
-                <a:ea typeface="+mn-ea"/>
-                <a:cs typeface="+mn-cs"/>
-              </a:defRPr>
-            </a:lvl4pPr>
-            <a:lvl5pPr marL="2057400" indent="-228600" algn="l" defTabSz="914400" rtl="0" eaLnBrk="1" latinLnBrk="0" hangingPunct="1">
-              <a:lnSpc>
-                <a:spcPct val="90000"/>
-              </a:lnSpc>
-              <a:spcBef>
-                <a:spcPts val="500"/>
-              </a:spcBef>
-              <a:buFont typeface="Arial" panose="020B0604020202020204" pitchFamily="34" charset="0"/>
-              <a:buChar char="•"/>
-              <a:defRPr sz="1800" kern="1200">
-                <a:solidFill>
-                  <a:schemeClr val="tx1"/>
-                </a:solidFill>
-                <a:latin typeface="+mn-lt"/>
-                <a:ea typeface="+mn-ea"/>
-                <a:cs typeface="+mn-cs"/>
-              </a:defRPr>
-            </a:lvl5pPr>
-            <a:lvl6pPr marL="2514600" indent="-228600" algn="l" defTabSz="914400" rtl="0" eaLnBrk="1" latinLnBrk="0" hangingPunct="1">
-              <a:lnSpc>
-                <a:spcPct val="90000"/>
-              </a:lnSpc>
-              <a:spcBef>
-                <a:spcPts val="500"/>
-              </a:spcBef>
-              <a:buFont typeface="Arial" panose="020B0604020202020204" pitchFamily="34" charset="0"/>
-              <a:buChar char="•"/>
-              <a:defRPr sz="1800" kern="1200">
-                <a:solidFill>
-                  <a:schemeClr val="tx1"/>
-                </a:solidFill>
-                <a:latin typeface="+mn-lt"/>
-                <a:ea typeface="+mn-ea"/>
-                <a:cs typeface="+mn-cs"/>
-              </a:defRPr>
-            </a:lvl6pPr>
-            <a:lvl7pPr marL="2971800" indent="-228600" algn="l" defTabSz="914400" rtl="0" eaLnBrk="1" latinLnBrk="0" hangingPunct="1">
-              <a:lnSpc>
-                <a:spcPct val="90000"/>
-              </a:lnSpc>
-              <a:spcBef>
-                <a:spcPts val="500"/>
-              </a:spcBef>
-              <a:buFont typeface="Arial" panose="020B0604020202020204" pitchFamily="34" charset="0"/>
-              <a:buChar char="•"/>
-              <a:defRPr sz="1800" kern="1200">
-                <a:solidFill>
-                  <a:schemeClr val="tx1"/>
-                </a:solidFill>
-                <a:latin typeface="+mn-lt"/>
-                <a:ea typeface="+mn-ea"/>
-                <a:cs typeface="+mn-cs"/>
-              </a:defRPr>
-            </a:lvl7pPr>
-            <a:lvl8pPr marL="3429000" indent="-228600" algn="l" defTabSz="914400" rtl="0" eaLnBrk="1" latinLnBrk="0" hangingPunct="1">
-              <a:lnSpc>
-                <a:spcPct val="90000"/>
-              </a:lnSpc>
-              <a:spcBef>
-                <a:spcPts val="500"/>
-              </a:spcBef>
-              <a:buFont typeface="Arial" panose="020B0604020202020204" pitchFamily="34" charset="0"/>
-              <a:buChar char="•"/>
-              <a:defRPr sz="1800" kern="1200">
-                <a:solidFill>
-                  <a:schemeClr val="tx1"/>
-                </a:solidFill>
-                <a:latin typeface="+mn-lt"/>
-                <a:ea typeface="+mn-ea"/>
-                <a:cs typeface="+mn-cs"/>
-              </a:defRPr>
-            </a:lvl8pPr>
-            <a:lvl9pPr marL="3886200" indent="-228600" algn="l" defTabSz="914400" rtl="0" eaLnBrk="1" latinLnBrk="0" hangingPunct="1">
-              <a:lnSpc>
-                <a:spcPct val="90000"/>
-              </a:lnSpc>
-              <a:spcBef>
-                <a:spcPts val="500"/>
-              </a:spcBef>
-              <a:buFont typeface="Arial" panose="020B0604020202020204" pitchFamily="34" charset="0"/>
-              <a:buChar char="•"/>
-              <a:defRPr sz="1800" kern="1200">
-                <a:solidFill>
-                  <a:schemeClr val="tx1"/>
-                </a:solidFill>
-                <a:latin typeface="+mn-lt"/>
-                <a:ea typeface="+mn-ea"/>
-                <a:cs typeface="+mn-cs"/>
-              </a:defRPr>
-            </a:lvl9pPr>
-          </a:lstStyle>
-          <a:p>
-            <a:r>
-              <a:rPr lang="en-US" altLang="zh-CN" dirty="0"/>
-              <a:t>DOM</a:t>
-            </a:r>
-            <a:r>
-              <a:rPr lang="zh-CN" altLang="en-US" dirty="0"/>
-              <a:t>是数据的一种自然映射</a:t>
-            </a:r>
-            <a:endParaRPr lang="zh-CN" altLang="en-US" dirty="0"/>
-          </a:p>
-        </p:txBody>
-      </p:sp>
-      <p:pic>
-        <p:nvPicPr>
-          <p:cNvPr id="10" name="图片 9"/>
-          <p:cNvPicPr>
-            <a:picLocks noChangeAspect="1"/>
-          </p:cNvPicPr>
-          <p:nvPr/>
-        </p:nvPicPr>
-        <p:blipFill>
-          <a:blip r:embed="rId2"/>
-          <a:stretch>
-            <a:fillRect/>
-          </a:stretch>
-        </p:blipFill>
-        <p:spPr>
-          <a:xfrm>
-            <a:off x="7649038" y="2406350"/>
-            <a:ext cx="3704762" cy="2933333"/>
-          </a:xfrm>
-          <a:prstGeom prst="rect">
-            <a:avLst/>
-          </a:prstGeom>
-        </p:spPr>
-      </p:pic>
-      <p:pic>
-        <p:nvPicPr>
-          <p:cNvPr id="13" name="图片 12"/>
-          <p:cNvPicPr>
-            <a:picLocks noChangeAspect="1"/>
-          </p:cNvPicPr>
-          <p:nvPr/>
-        </p:nvPicPr>
-        <p:blipFill>
-          <a:blip r:embed="rId3"/>
-          <a:stretch>
-            <a:fillRect/>
-          </a:stretch>
-        </p:blipFill>
-        <p:spPr>
-          <a:xfrm>
-            <a:off x="7649038" y="5577551"/>
-            <a:ext cx="2028571" cy="685714"/>
           </a:xfrm>
           <a:prstGeom prst="rect">
             <a:avLst/>
@@ -17963,237 +18317,6 @@
           <a:chExt cx="0" cy="0"/>
         </a:xfrm>
       </p:grpSpPr>
-      <p:sp>
-        <p:nvSpPr>
-          <p:cNvPr id="2" name="标题 1"/>
-          <p:cNvSpPr>
-            <a:spLocks noGrp="1"/>
-          </p:cNvSpPr>
-          <p:nvPr>
-            <p:ph type="title"/>
-          </p:nvPr>
-        </p:nvSpPr>
-        <p:spPr/>
-        <p:txBody>
-          <a:bodyPr/>
-          <a:lstStyle/>
-          <a:p>
-            <a:r>
-              <a:rPr lang="zh-CN" altLang="en-US" dirty="0"/>
-              <a:t>核心</a:t>
-            </a:r>
-            <a:r>
-              <a:rPr lang="en-US" altLang="zh-CN" dirty="0"/>
-              <a:t>--</a:t>
-            </a:r>
-            <a:r>
-              <a:rPr lang="zh-CN" altLang="en-US" dirty="0"/>
-              <a:t>组件化</a:t>
-            </a:r>
-            <a:endParaRPr lang="zh-CN" altLang="en-US" dirty="0"/>
-          </a:p>
-        </p:txBody>
-      </p:sp>
-      <p:sp>
-        <p:nvSpPr>
-          <p:cNvPr id="6" name="内容占位符 2"/>
-          <p:cNvSpPr txBox="1"/>
-          <p:nvPr/>
-        </p:nvSpPr>
-        <p:spPr>
-          <a:xfrm>
-            <a:off x="838200" y="1825625"/>
-            <a:ext cx="10515600" cy="580725"/>
-          </a:xfrm>
-          <a:prstGeom prst="rect">
-            <a:avLst/>
-          </a:prstGeom>
-        </p:spPr>
-        <p:txBody>
-          <a:bodyPr vert="horz" lIns="91440" tIns="45720" rIns="91440" bIns="45720" rtlCol="0">
-            <a:normAutofit/>
-          </a:bodyPr>
-          <a:lstStyle>
-            <a:lvl1pPr marL="228600" indent="-228600" algn="l" defTabSz="914400" rtl="0" eaLnBrk="1" latinLnBrk="0" hangingPunct="1">
-              <a:lnSpc>
-                <a:spcPct val="90000"/>
-              </a:lnSpc>
-              <a:spcBef>
-                <a:spcPts val="1000"/>
-              </a:spcBef>
-              <a:buFont typeface="Arial" panose="020B0604020202020204" pitchFamily="34" charset="0"/>
-              <a:buChar char="•"/>
-              <a:defRPr sz="2800" kern="1200">
-                <a:solidFill>
-                  <a:schemeClr val="tx1"/>
-                </a:solidFill>
-                <a:latin typeface="+mn-lt"/>
-                <a:ea typeface="+mn-ea"/>
-                <a:cs typeface="+mn-cs"/>
-              </a:defRPr>
-            </a:lvl1pPr>
-            <a:lvl2pPr marL="685800" indent="-228600" algn="l" defTabSz="914400" rtl="0" eaLnBrk="1" latinLnBrk="0" hangingPunct="1">
-              <a:lnSpc>
-                <a:spcPct val="90000"/>
-              </a:lnSpc>
-              <a:spcBef>
-                <a:spcPts val="500"/>
-              </a:spcBef>
-              <a:buFont typeface="Arial" panose="020B0604020202020204" pitchFamily="34" charset="0"/>
-              <a:buChar char="•"/>
-              <a:defRPr sz="2400" kern="1200">
-                <a:solidFill>
-                  <a:schemeClr val="tx1"/>
-                </a:solidFill>
-                <a:latin typeface="+mn-lt"/>
-                <a:ea typeface="+mn-ea"/>
-                <a:cs typeface="+mn-cs"/>
-              </a:defRPr>
-            </a:lvl2pPr>
-            <a:lvl3pPr marL="1143000" indent="-228600" algn="l" defTabSz="914400" rtl="0" eaLnBrk="1" latinLnBrk="0" hangingPunct="1">
-              <a:lnSpc>
-                <a:spcPct val="90000"/>
-              </a:lnSpc>
-              <a:spcBef>
-                <a:spcPts val="500"/>
-              </a:spcBef>
-              <a:buFont typeface="Arial" panose="020B0604020202020204" pitchFamily="34" charset="0"/>
-              <a:buChar char="•"/>
-              <a:defRPr sz="2000" kern="1200">
-                <a:solidFill>
-                  <a:schemeClr val="tx1"/>
-                </a:solidFill>
-                <a:latin typeface="+mn-lt"/>
-                <a:ea typeface="+mn-ea"/>
-                <a:cs typeface="+mn-cs"/>
-              </a:defRPr>
-            </a:lvl3pPr>
-            <a:lvl4pPr marL="1600200" indent="-228600" algn="l" defTabSz="914400" rtl="0" eaLnBrk="1" latinLnBrk="0" hangingPunct="1">
-              <a:lnSpc>
-                <a:spcPct val="90000"/>
-              </a:lnSpc>
-              <a:spcBef>
-                <a:spcPts val="500"/>
-              </a:spcBef>
-              <a:buFont typeface="Arial" panose="020B0604020202020204" pitchFamily="34" charset="0"/>
-              <a:buChar char="•"/>
-              <a:defRPr sz="1800" kern="1200">
-                <a:solidFill>
-                  <a:schemeClr val="tx1"/>
-                </a:solidFill>
-                <a:latin typeface="+mn-lt"/>
-                <a:ea typeface="+mn-ea"/>
-                <a:cs typeface="+mn-cs"/>
-              </a:defRPr>
-            </a:lvl4pPr>
-            <a:lvl5pPr marL="2057400" indent="-228600" algn="l" defTabSz="914400" rtl="0" eaLnBrk="1" latinLnBrk="0" hangingPunct="1">
-              <a:lnSpc>
-                <a:spcPct val="90000"/>
-              </a:lnSpc>
-              <a:spcBef>
-                <a:spcPts val="500"/>
-              </a:spcBef>
-              <a:buFont typeface="Arial" panose="020B0604020202020204" pitchFamily="34" charset="0"/>
-              <a:buChar char="•"/>
-              <a:defRPr sz="1800" kern="1200">
-                <a:solidFill>
-                  <a:schemeClr val="tx1"/>
-                </a:solidFill>
-                <a:latin typeface="+mn-lt"/>
-                <a:ea typeface="+mn-ea"/>
-                <a:cs typeface="+mn-cs"/>
-              </a:defRPr>
-            </a:lvl5pPr>
-            <a:lvl6pPr marL="2514600" indent="-228600" algn="l" defTabSz="914400" rtl="0" eaLnBrk="1" latinLnBrk="0" hangingPunct="1">
-              <a:lnSpc>
-                <a:spcPct val="90000"/>
-              </a:lnSpc>
-              <a:spcBef>
-                <a:spcPts val="500"/>
-              </a:spcBef>
-              <a:buFont typeface="Arial" panose="020B0604020202020204" pitchFamily="34" charset="0"/>
-              <a:buChar char="•"/>
-              <a:defRPr sz="1800" kern="1200">
-                <a:solidFill>
-                  <a:schemeClr val="tx1"/>
-                </a:solidFill>
-                <a:latin typeface="+mn-lt"/>
-                <a:ea typeface="+mn-ea"/>
-                <a:cs typeface="+mn-cs"/>
-              </a:defRPr>
-            </a:lvl6pPr>
-            <a:lvl7pPr marL="2971800" indent="-228600" algn="l" defTabSz="914400" rtl="0" eaLnBrk="1" latinLnBrk="0" hangingPunct="1">
-              <a:lnSpc>
-                <a:spcPct val="90000"/>
-              </a:lnSpc>
-              <a:spcBef>
-                <a:spcPts val="500"/>
-              </a:spcBef>
-              <a:buFont typeface="Arial" panose="020B0604020202020204" pitchFamily="34" charset="0"/>
-              <a:buChar char="•"/>
-              <a:defRPr sz="1800" kern="1200">
-                <a:solidFill>
-                  <a:schemeClr val="tx1"/>
-                </a:solidFill>
-                <a:latin typeface="+mn-lt"/>
-                <a:ea typeface="+mn-ea"/>
-                <a:cs typeface="+mn-cs"/>
-              </a:defRPr>
-            </a:lvl7pPr>
-            <a:lvl8pPr marL="3429000" indent="-228600" algn="l" defTabSz="914400" rtl="0" eaLnBrk="1" latinLnBrk="0" hangingPunct="1">
-              <a:lnSpc>
-                <a:spcPct val="90000"/>
-              </a:lnSpc>
-              <a:spcBef>
-                <a:spcPts val="500"/>
-              </a:spcBef>
-              <a:buFont typeface="Arial" panose="020B0604020202020204" pitchFamily="34" charset="0"/>
-              <a:buChar char="•"/>
-              <a:defRPr sz="1800" kern="1200">
-                <a:solidFill>
-                  <a:schemeClr val="tx1"/>
-                </a:solidFill>
-                <a:latin typeface="+mn-lt"/>
-                <a:ea typeface="+mn-ea"/>
-                <a:cs typeface="+mn-cs"/>
-              </a:defRPr>
-            </a:lvl8pPr>
-            <a:lvl9pPr marL="3886200" indent="-228600" algn="l" defTabSz="914400" rtl="0" eaLnBrk="1" latinLnBrk="0" hangingPunct="1">
-              <a:lnSpc>
-                <a:spcPct val="90000"/>
-              </a:lnSpc>
-              <a:spcBef>
-                <a:spcPts val="500"/>
-              </a:spcBef>
-              <a:buFont typeface="Arial" panose="020B0604020202020204" pitchFamily="34" charset="0"/>
-              <a:buChar char="•"/>
-              <a:defRPr sz="1800" kern="1200">
-                <a:solidFill>
-                  <a:schemeClr val="tx1"/>
-                </a:solidFill>
-                <a:latin typeface="+mn-lt"/>
-                <a:ea typeface="+mn-ea"/>
-                <a:cs typeface="+mn-cs"/>
-              </a:defRPr>
-            </a:lvl9pPr>
-          </a:lstStyle>
-          <a:p>
-            <a:r>
-              <a:rPr lang="zh-CN" altLang="en-US" dirty="0"/>
-              <a:t>扩展</a:t>
-            </a:r>
-            <a:r>
-              <a:rPr lang="en-US" altLang="zh-CN" dirty="0"/>
-              <a:t>HTML</a:t>
-            </a:r>
-            <a:r>
-              <a:rPr lang="zh-CN" altLang="en-US" dirty="0"/>
-              <a:t>元素，封装可重用的代码</a:t>
-            </a:r>
-            <a:endParaRPr lang="zh-CN" altLang="en-US" dirty="0"/>
-          </a:p>
-        </p:txBody>
-      </p:sp>
       <p:pic>
         <p:nvPicPr>
           <p:cNvPr id="7" name="图片 6"/>
@@ -18216,7 +18339,7 @@
         </p:blipFill>
         <p:spPr>
           <a:xfrm>
-            <a:off x="2562392" y="2681232"/>
+            <a:off x="2931327" y="3939167"/>
             <a:ext cx="7067215" cy="2734399"/>
           </a:xfrm>
           <a:prstGeom prst="rect">
@@ -18224,6 +18347,342 @@
           </a:prstGeom>
         </p:spPr>
       </p:pic>
+      <p:sp>
+        <p:nvSpPr>
+          <p:cNvPr id="2" name="标题 1"/>
+          <p:cNvSpPr>
+            <a:spLocks noGrp="1"/>
+          </p:cNvSpPr>
+          <p:nvPr>
+            <p:ph type="title"/>
+          </p:nvPr>
+        </p:nvSpPr>
+        <p:spPr/>
+        <p:txBody>
+          <a:bodyPr/>
+          <a:lstStyle/>
+          <a:p>
+            <a:r>
+              <a:rPr lang="zh-CN" altLang="en-US" dirty="0"/>
+              <a:t>核心</a:t>
+            </a:r>
+            <a:r>
+              <a:rPr lang="en-US" altLang="zh-CN" dirty="0"/>
+              <a:t>--</a:t>
+            </a:r>
+            <a:r>
+              <a:rPr lang="zh-CN" altLang="en-US" dirty="0"/>
+              <a:t>组件化</a:t>
+            </a:r>
+            <a:endParaRPr lang="zh-CN" altLang="en-US" dirty="0"/>
+          </a:p>
+        </p:txBody>
+      </p:sp>
+      <p:sp>
+        <p:nvSpPr>
+          <p:cNvPr id="5" name="内容占位符 2"/>
+          <p:cNvSpPr txBox="1"/>
+          <p:nvPr/>
+        </p:nvSpPr>
+        <p:spPr>
+          <a:xfrm>
+            <a:off x="838200" y="1825625"/>
+            <a:ext cx="10515600" cy="580725"/>
+          </a:xfrm>
+          <a:prstGeom prst="rect">
+            <a:avLst/>
+          </a:prstGeom>
+        </p:spPr>
+        <p:txBody>
+          <a:bodyPr vert="horz" lIns="91440" tIns="45720" rIns="91440" bIns="45720" rtlCol="0">
+            <a:normAutofit/>
+          </a:bodyPr>
+          <a:lstStyle>
+            <a:lvl1pPr marL="228600" indent="-228600" algn="l" defTabSz="914400" rtl="0" eaLnBrk="1" latinLnBrk="0" hangingPunct="1">
+              <a:lnSpc>
+                <a:spcPct val="90000"/>
+              </a:lnSpc>
+              <a:spcBef>
+                <a:spcPts val="1000"/>
+              </a:spcBef>
+              <a:buFont typeface="Arial" panose="020B0604020202020204" pitchFamily="34" charset="0"/>
+              <a:buChar char="•"/>
+              <a:defRPr sz="2800" kern="1200">
+                <a:solidFill>
+                  <a:schemeClr val="tx1"/>
+                </a:solidFill>
+                <a:latin typeface="+mn-lt"/>
+                <a:ea typeface="+mn-ea"/>
+                <a:cs typeface="+mn-cs"/>
+              </a:defRPr>
+            </a:lvl1pPr>
+            <a:lvl2pPr marL="685800" indent="-228600" algn="l" defTabSz="914400" rtl="0" eaLnBrk="1" latinLnBrk="0" hangingPunct="1">
+              <a:lnSpc>
+                <a:spcPct val="90000"/>
+              </a:lnSpc>
+              <a:spcBef>
+                <a:spcPts val="500"/>
+              </a:spcBef>
+              <a:buFont typeface="Arial" panose="020B0604020202020204" pitchFamily="34" charset="0"/>
+              <a:buChar char="•"/>
+              <a:defRPr sz="2400" kern="1200">
+                <a:solidFill>
+                  <a:schemeClr val="tx1"/>
+                </a:solidFill>
+                <a:latin typeface="+mn-lt"/>
+                <a:ea typeface="+mn-ea"/>
+                <a:cs typeface="+mn-cs"/>
+              </a:defRPr>
+            </a:lvl2pPr>
+            <a:lvl3pPr marL="1143000" indent="-228600" algn="l" defTabSz="914400" rtl="0" eaLnBrk="1" latinLnBrk="0" hangingPunct="1">
+              <a:lnSpc>
+                <a:spcPct val="90000"/>
+              </a:lnSpc>
+              <a:spcBef>
+                <a:spcPts val="500"/>
+              </a:spcBef>
+              <a:buFont typeface="Arial" panose="020B0604020202020204" pitchFamily="34" charset="0"/>
+              <a:buChar char="•"/>
+              <a:defRPr sz="2000" kern="1200">
+                <a:solidFill>
+                  <a:schemeClr val="tx1"/>
+                </a:solidFill>
+                <a:latin typeface="+mn-lt"/>
+                <a:ea typeface="+mn-ea"/>
+                <a:cs typeface="+mn-cs"/>
+              </a:defRPr>
+            </a:lvl3pPr>
+            <a:lvl4pPr marL="1600200" indent="-228600" algn="l" defTabSz="914400" rtl="0" eaLnBrk="1" latinLnBrk="0" hangingPunct="1">
+              <a:lnSpc>
+                <a:spcPct val="90000"/>
+              </a:lnSpc>
+              <a:spcBef>
+                <a:spcPts val="500"/>
+              </a:spcBef>
+              <a:buFont typeface="Arial" panose="020B0604020202020204" pitchFamily="34" charset="0"/>
+              <a:buChar char="•"/>
+              <a:defRPr sz="1800" kern="1200">
+                <a:solidFill>
+                  <a:schemeClr val="tx1"/>
+                </a:solidFill>
+                <a:latin typeface="+mn-lt"/>
+                <a:ea typeface="+mn-ea"/>
+                <a:cs typeface="+mn-cs"/>
+              </a:defRPr>
+            </a:lvl4pPr>
+            <a:lvl5pPr marL="2057400" indent="-228600" algn="l" defTabSz="914400" rtl="0" eaLnBrk="1" latinLnBrk="0" hangingPunct="1">
+              <a:lnSpc>
+                <a:spcPct val="90000"/>
+              </a:lnSpc>
+              <a:spcBef>
+                <a:spcPts val="500"/>
+              </a:spcBef>
+              <a:buFont typeface="Arial" panose="020B0604020202020204" pitchFamily="34" charset="0"/>
+              <a:buChar char="•"/>
+              <a:defRPr sz="1800" kern="1200">
+                <a:solidFill>
+                  <a:schemeClr val="tx1"/>
+                </a:solidFill>
+                <a:latin typeface="+mn-lt"/>
+                <a:ea typeface="+mn-ea"/>
+                <a:cs typeface="+mn-cs"/>
+              </a:defRPr>
+            </a:lvl5pPr>
+            <a:lvl6pPr marL="2514600" indent="-228600" algn="l" defTabSz="914400" rtl="0" eaLnBrk="1" latinLnBrk="0" hangingPunct="1">
+              <a:lnSpc>
+                <a:spcPct val="90000"/>
+              </a:lnSpc>
+              <a:spcBef>
+                <a:spcPts val="500"/>
+              </a:spcBef>
+              <a:buFont typeface="Arial" panose="020B0604020202020204" pitchFamily="34" charset="0"/>
+              <a:buChar char="•"/>
+              <a:defRPr sz="1800" kern="1200">
+                <a:solidFill>
+                  <a:schemeClr val="tx1"/>
+                </a:solidFill>
+                <a:latin typeface="+mn-lt"/>
+                <a:ea typeface="+mn-ea"/>
+                <a:cs typeface="+mn-cs"/>
+              </a:defRPr>
+            </a:lvl6pPr>
+            <a:lvl7pPr marL="2971800" indent="-228600" algn="l" defTabSz="914400" rtl="0" eaLnBrk="1" latinLnBrk="0" hangingPunct="1">
+              <a:lnSpc>
+                <a:spcPct val="90000"/>
+              </a:lnSpc>
+              <a:spcBef>
+                <a:spcPts val="500"/>
+              </a:spcBef>
+              <a:buFont typeface="Arial" panose="020B0604020202020204" pitchFamily="34" charset="0"/>
+              <a:buChar char="•"/>
+              <a:defRPr sz="1800" kern="1200">
+                <a:solidFill>
+                  <a:schemeClr val="tx1"/>
+                </a:solidFill>
+                <a:latin typeface="+mn-lt"/>
+                <a:ea typeface="+mn-ea"/>
+                <a:cs typeface="+mn-cs"/>
+              </a:defRPr>
+            </a:lvl7pPr>
+            <a:lvl8pPr marL="3429000" indent="-228600" algn="l" defTabSz="914400" rtl="0" eaLnBrk="1" latinLnBrk="0" hangingPunct="1">
+              <a:lnSpc>
+                <a:spcPct val="90000"/>
+              </a:lnSpc>
+              <a:spcBef>
+                <a:spcPts val="500"/>
+              </a:spcBef>
+              <a:buFont typeface="Arial" panose="020B0604020202020204" pitchFamily="34" charset="0"/>
+              <a:buChar char="•"/>
+              <a:defRPr sz="1800" kern="1200">
+                <a:solidFill>
+                  <a:schemeClr val="tx1"/>
+                </a:solidFill>
+                <a:latin typeface="+mn-lt"/>
+                <a:ea typeface="+mn-ea"/>
+                <a:cs typeface="+mn-cs"/>
+              </a:defRPr>
+            </a:lvl8pPr>
+            <a:lvl9pPr marL="3886200" indent="-228600" algn="l" defTabSz="914400" rtl="0" eaLnBrk="1" latinLnBrk="0" hangingPunct="1">
+              <a:lnSpc>
+                <a:spcPct val="90000"/>
+              </a:lnSpc>
+              <a:spcBef>
+                <a:spcPts val="500"/>
+              </a:spcBef>
+              <a:buFont typeface="Arial" panose="020B0604020202020204" pitchFamily="34" charset="0"/>
+              <a:buChar char="•"/>
+              <a:defRPr sz="1800" kern="1200">
+                <a:solidFill>
+                  <a:schemeClr val="tx1"/>
+                </a:solidFill>
+                <a:latin typeface="+mn-lt"/>
+                <a:ea typeface="+mn-ea"/>
+                <a:cs typeface="+mn-cs"/>
+              </a:defRPr>
+            </a:lvl9pPr>
+          </a:lstStyle>
+          <a:p>
+            <a:r>
+              <a:rPr lang="zh-CN" altLang="en-US" dirty="0"/>
+              <a:t>什么是组件</a:t>
+            </a:r>
+            <a:endParaRPr lang="zh-CN" altLang="en-US" dirty="0"/>
+          </a:p>
+        </p:txBody>
+      </p:sp>
+      <p:sp>
+        <p:nvSpPr>
+          <p:cNvPr id="8" name="Rectangle 1"/>
+          <p:cNvSpPr>
+            <a:spLocks noGrp="1" noChangeArrowheads="1"/>
+          </p:cNvSpPr>
+          <p:nvPr>
+            <p:ph idx="1"/>
+          </p:nvPr>
+        </p:nvSpPr>
+        <p:spPr bwMode="auto">
+          <a:xfrm>
+            <a:off x="1179830" y="2430145"/>
+            <a:ext cx="8002270" cy="1998345"/>
+          </a:xfrm>
+          <a:prstGeom prst="rect">
+            <a:avLst/>
+          </a:prstGeom>
+          <a:solidFill>
+            <a:schemeClr val="bg1"/>
+          </a:solidFill>
+          <a:ln>
+            <a:noFill/>
+          </a:ln>
+          <a:effectLst/>
+        </p:spPr>
+        <p:txBody>
+          <a:bodyPr vert="horz" wrap="square" lIns="0" tIns="0" rIns="0" bIns="152352" numCol="1" anchor="ctr" anchorCtr="0" compatLnSpc="1">
+            <a:spAutoFit/>
+          </a:bodyPr>
+          <a:p>
+            <a:pPr marL="0" lvl="0" indent="0" eaLnBrk="0" fontAlgn="base" hangingPunct="0">
+              <a:lnSpc>
+                <a:spcPct val="150000"/>
+              </a:lnSpc>
+              <a:spcBef>
+                <a:spcPct val="0"/>
+              </a:spcBef>
+              <a:spcAft>
+                <a:spcPct val="0"/>
+              </a:spcAft>
+              <a:buNone/>
+            </a:pPr>
+            <a:r>
+              <a:rPr sz="2000">
+                <a:latin typeface="+mj-lt"/>
+                <a:ea typeface="+mj-ea"/>
+                <a:cs typeface="+mj-cs"/>
+              </a:rPr>
+              <a:t>扩展HTML元素，封装可重用的代码。</a:t>
+            </a:r>
+            <a:endParaRPr sz="2000">
+              <a:latin typeface="+mj-lt"/>
+              <a:ea typeface="+mj-ea"/>
+              <a:cs typeface="+mj-cs"/>
+            </a:endParaRPr>
+          </a:p>
+          <a:p>
+            <a:pPr marL="0" lvl="0" indent="0" eaLnBrk="0" fontAlgn="base" hangingPunct="0">
+              <a:lnSpc>
+                <a:spcPct val="150000"/>
+              </a:lnSpc>
+              <a:spcBef>
+                <a:spcPct val="0"/>
+              </a:spcBef>
+              <a:spcAft>
+                <a:spcPct val="0"/>
+              </a:spcAft>
+              <a:buNone/>
+            </a:pPr>
+            <a:r>
+              <a:rPr sz="2000">
+                <a:latin typeface="+mj-lt"/>
+                <a:ea typeface="+mj-ea"/>
+                <a:cs typeface="+mj-cs"/>
+              </a:rPr>
+              <a:t>页面上每个独立的可视/可交互区域都可以视为一个组件</a:t>
+            </a:r>
+            <a:endParaRPr sz="2000">
+              <a:latin typeface="+mj-lt"/>
+              <a:ea typeface="+mj-ea"/>
+              <a:cs typeface="+mj-cs"/>
+            </a:endParaRPr>
+          </a:p>
+          <a:p>
+            <a:pPr marL="0" lvl="0" indent="0" eaLnBrk="0" fontAlgn="base" hangingPunct="0">
+              <a:lnSpc>
+                <a:spcPct val="150000"/>
+              </a:lnSpc>
+              <a:spcBef>
+                <a:spcPct val="0"/>
+              </a:spcBef>
+              <a:spcAft>
+                <a:spcPct val="0"/>
+              </a:spcAft>
+              <a:buNone/>
+            </a:pPr>
+            <a:r>
+              <a:rPr sz="2000">
+                <a:latin typeface="+mj-lt"/>
+                <a:ea typeface="+mj-ea"/>
+                <a:cs typeface="+mj-cs"/>
+              </a:rPr>
+              <a:t>每个组件对应一个工程目录，组件所需要的各种资源在这个目录下就进维护。页面是组件的容器，组件可以嵌套自由组合形成完整的页面</a:t>
+            </a:r>
+            <a:endParaRPr lang="zh-CN" altLang="zh-CN" sz="2400" dirty="0">
+              <a:latin typeface="+mj-lt"/>
+              <a:ea typeface="+mj-ea"/>
+              <a:cs typeface="+mj-cs"/>
+            </a:endParaRPr>
+          </a:p>
+        </p:txBody>
+      </p:sp>
     </p:spTree>
   </p:cSld>
   <p:clrMapOvr>
@@ -21570,7 +22029,7 @@
             </a:pPr>
             <a:r>
               <a:rPr lang="en-US" altLang="zh-CN" sz="1800" dirty="0"/>
-              <a:t>2</a:t>
+              <a:t>3</a:t>
             </a:r>
             <a:r>
               <a:rPr lang="zh-CN" altLang="en-US" sz="1800" dirty="0"/>
@@ -22809,7 +23268,7 @@
             </a:pPr>
             <a:r>
               <a:rPr lang="en-US" altLang="zh-CN" sz="1800" dirty="0"/>
-              <a:t>2</a:t>
+              <a:t>3</a:t>
             </a:r>
             <a:r>
               <a:rPr lang="zh-CN" altLang="en-US" sz="1800" dirty="0"/>
@@ -24087,7 +24546,7 @@
             </a:pPr>
             <a:r>
               <a:rPr lang="en-US" altLang="zh-CN" sz="1800" dirty="0"/>
-              <a:t>3</a:t>
+              <a:t>4</a:t>
             </a:r>
             <a:r>
               <a:rPr lang="zh-CN" altLang="en-US" sz="1800" dirty="0"/>
@@ -24304,11 +24763,7 @@
             </a:r>
             <a:r>
               <a:rPr lang="zh-CN" altLang="en-US" sz="1800" dirty="0"/>
-              <a:t>）</a:t>
-            </a:r>
-            <a:r>
-              <a:rPr lang="zh-CN" altLang="en-US" sz="1800" dirty="0"/>
-              <a:t>引入路由：&lt;script src="https://unpkg.com/vue-router/dist/vue-router.js"&gt;&lt;/script&gt;</a:t>
+              <a:t>）引入路由：&lt;script src="https://unpkg.com/vue-router/dist/vue-router.js"&gt;&lt;/script&gt;</a:t>
             </a:r>
             <a:endParaRPr lang="zh-CN" altLang="en-US" sz="1800" dirty="0"/>
           </a:p>
@@ -26786,13 +27241,7 @@
               <a:rPr lang="zh-CN" altLang="en-US" sz="1600" dirty="0">
                 <a:sym typeface="+mn-ea"/>
               </a:rPr>
-              <a:t>引入组件，注册</a:t>
-            </a:r>
-            <a:r>
-              <a:rPr lang="zh-CN" altLang="en-US" sz="1600" dirty="0">
-                <a:sym typeface="+mn-ea"/>
-              </a:rPr>
-              <a:t>组件以及子组件</a:t>
+              <a:t>引入组件，注册组件以及子组件</a:t>
             </a:r>
             <a:endParaRPr lang="zh-CN" altLang="en-US" sz="1600" dirty="0"/>
           </a:p>
@@ -27351,11 +27800,7 @@
             </a:r>
             <a:r>
               <a:rPr lang="zh-CN" altLang="en-US" sz="1600" dirty="0"/>
-              <a:t>文件，</a:t>
-            </a:r>
-            <a:r>
-              <a:rPr lang="zh-CN" altLang="en-US" sz="1600" dirty="0"/>
-              <a:t>定义组件</a:t>
+              <a:t>文件，定义组件</a:t>
             </a:r>
             <a:endParaRPr lang="en-US" altLang="zh-CN" sz="1600" dirty="0"/>
           </a:p>
@@ -28419,15 +28864,7 @@
                 <a:ea typeface="+mj-ea"/>
                 <a:cs typeface="+mj-cs"/>
               </a:rPr>
-              <a:t>语法</a:t>
-            </a:r>
-            <a:r>
-              <a:rPr lang="zh-CN" altLang="en-US" sz="1600" dirty="0">
-                <a:latin typeface="+mj-lt"/>
-                <a:ea typeface="+mj-ea"/>
-                <a:cs typeface="+mj-cs"/>
-              </a:rPr>
-              <a:t>，创建数据模板即接口</a:t>
+              <a:t>语法，创建数据模板即接口</a:t>
             </a:r>
             <a:endParaRPr lang="zh-CN" altLang="en-US" sz="1600" dirty="0">
               <a:latin typeface="+mj-lt"/>
@@ -34342,16 +34779,7 @@
                 <a:cs typeface="+mj-cs"/>
                 <a:sym typeface="Arial" panose="020B0604020202020204"/>
               </a:rPr>
-              <a:t>命令行运行</a:t>
-            </a:r>
-            <a:r>
-              <a:rPr lang="zh-CN" altLang="en-US" sz="2000" dirty="0">
-                <a:latin typeface="+mj-lt"/>
-                <a:ea typeface="+mj-ea"/>
-                <a:cs typeface="+mj-cs"/>
-                <a:sym typeface="Arial" panose="020B0604020202020204"/>
-              </a:rPr>
-              <a:t>：webpack hello.js hello.bundle.js</a:t>
+              <a:t>命令行运行：webpack hello.js hello.bundle.js</a:t>
             </a:r>
             <a:endParaRPr lang="zh-CN" altLang="en-US" sz="2000" dirty="0">
               <a:latin typeface="+mj-lt"/>

--- a/前后端分离初探.pptx
+++ b/前后端分离初探.pptx
@@ -3,60 +3,60 @@
 <p:presentation xmlns:a="http://schemas.openxmlformats.org/drawingml/2006/main" xmlns:r="http://schemas.openxmlformats.org/officeDocument/2006/relationships" xmlns:p="http://schemas.openxmlformats.org/presentationml/2006/main">
   <p:sldMasterIdLst>
     <p:sldMasterId id="2147483648" r:id="rId1"/>
-    <p:sldMasterId id="2147483660" r:id="rId2"/>
+    <p:sldMasterId id="2147483660" r:id="rId3"/>
   </p:sldMasterIdLst>
   <p:notesMasterIdLst>
-    <p:notesMasterId r:id="rId51"/>
+    <p:notesMasterId r:id="rId8"/>
   </p:notesMasterIdLst>
   <p:sldIdLst>
-    <p:sldId id="256" r:id="rId3"/>
-    <p:sldId id="258" r:id="rId4"/>
-    <p:sldId id="667" r:id="rId5"/>
-    <p:sldId id="666" r:id="rId6"/>
-    <p:sldId id="730" r:id="rId7"/>
-    <p:sldId id="728" r:id="rId8"/>
-    <p:sldId id="729" r:id="rId9"/>
-    <p:sldId id="278" r:id="rId10"/>
-    <p:sldId id="267" r:id="rId11"/>
-    <p:sldId id="268" r:id="rId12"/>
-    <p:sldId id="727" r:id="rId13"/>
-    <p:sldId id="273" r:id="rId14"/>
-    <p:sldId id="693" r:id="rId15"/>
-    <p:sldId id="274" r:id="rId16"/>
-    <p:sldId id="276" r:id="rId17"/>
-    <p:sldId id="670" r:id="rId18"/>
-    <p:sldId id="669" r:id="rId19"/>
-    <p:sldId id="272" r:id="rId20"/>
-    <p:sldId id="672" r:id="rId21"/>
-    <p:sldId id="280" r:id="rId22"/>
-    <p:sldId id="281" r:id="rId23"/>
-    <p:sldId id="282" r:id="rId24"/>
-    <p:sldId id="678" r:id="rId25"/>
-    <p:sldId id="679" r:id="rId26"/>
-    <p:sldId id="731" r:id="rId27"/>
-    <p:sldId id="732" r:id="rId28"/>
-    <p:sldId id="741" r:id="rId29"/>
-    <p:sldId id="733" r:id="rId30"/>
-    <p:sldId id="660" r:id="rId31"/>
-    <p:sldId id="688" r:id="rId32"/>
-    <p:sldId id="690" r:id="rId33"/>
-    <p:sldId id="691" r:id="rId34"/>
-    <p:sldId id="686" r:id="rId35"/>
-    <p:sldId id="743" r:id="rId36"/>
-    <p:sldId id="742" r:id="rId37"/>
-    <p:sldId id="661" r:id="rId38"/>
-    <p:sldId id="657" r:id="rId39"/>
-    <p:sldId id="739" r:id="rId40"/>
-    <p:sldId id="738" r:id="rId41"/>
-    <p:sldId id="634" r:id="rId42"/>
-    <p:sldId id="292" r:id="rId43"/>
-    <p:sldId id="740" r:id="rId44"/>
-    <p:sldId id="293" r:id="rId45"/>
-    <p:sldId id="663" r:id="rId46"/>
-    <p:sldId id="664" r:id="rId47"/>
-    <p:sldId id="290" r:id="rId48"/>
-    <p:sldId id="288" r:id="rId49"/>
-    <p:sldId id="630" r:id="rId50"/>
+    <p:sldId id="256" r:id="rId4"/>
+    <p:sldId id="258" r:id="rId5"/>
+    <p:sldId id="667" r:id="rId6"/>
+    <p:sldId id="666" r:id="rId7"/>
+    <p:sldId id="730" r:id="rId9"/>
+    <p:sldId id="728" r:id="rId10"/>
+    <p:sldId id="729" r:id="rId11"/>
+    <p:sldId id="278" r:id="rId12"/>
+    <p:sldId id="267" r:id="rId13"/>
+    <p:sldId id="268" r:id="rId14"/>
+    <p:sldId id="727" r:id="rId15"/>
+    <p:sldId id="273" r:id="rId16"/>
+    <p:sldId id="693" r:id="rId17"/>
+    <p:sldId id="274" r:id="rId18"/>
+    <p:sldId id="276" r:id="rId19"/>
+    <p:sldId id="670" r:id="rId20"/>
+    <p:sldId id="669" r:id="rId21"/>
+    <p:sldId id="272" r:id="rId22"/>
+    <p:sldId id="672" r:id="rId23"/>
+    <p:sldId id="280" r:id="rId24"/>
+    <p:sldId id="281" r:id="rId25"/>
+    <p:sldId id="282" r:id="rId26"/>
+    <p:sldId id="678" r:id="rId27"/>
+    <p:sldId id="679" r:id="rId28"/>
+    <p:sldId id="731" r:id="rId29"/>
+    <p:sldId id="732" r:id="rId30"/>
+    <p:sldId id="741" r:id="rId31"/>
+    <p:sldId id="733" r:id="rId32"/>
+    <p:sldId id="660" r:id="rId33"/>
+    <p:sldId id="688" r:id="rId34"/>
+    <p:sldId id="690" r:id="rId35"/>
+    <p:sldId id="691" r:id="rId36"/>
+    <p:sldId id="686" r:id="rId37"/>
+    <p:sldId id="743" r:id="rId38"/>
+    <p:sldId id="742" r:id="rId39"/>
+    <p:sldId id="661" r:id="rId40"/>
+    <p:sldId id="657" r:id="rId41"/>
+    <p:sldId id="738" r:id="rId42"/>
+    <p:sldId id="739" r:id="rId43"/>
+    <p:sldId id="634" r:id="rId44"/>
+    <p:sldId id="292" r:id="rId45"/>
+    <p:sldId id="740" r:id="rId46"/>
+    <p:sldId id="293" r:id="rId47"/>
+    <p:sldId id="663" r:id="rId48"/>
+    <p:sldId id="664" r:id="rId49"/>
+    <p:sldId id="290" r:id="rId50"/>
+    <p:sldId id="288" r:id="rId51"/>
+    <p:sldId id="630" r:id="rId52"/>
   </p:sldIdLst>
   <p:sldSz cx="12192000" cy="6858000"/>
   <p:notesSz cx="6858000" cy="9144000"/>
@@ -155,11 +155,6 @@
       </a:defRPr>
     </a:lvl9pPr>
   </p:defaultTextStyle>
-  <p:extLst>
-    <p:ext uri="{EFAFB233-063F-42B5-8137-9DF3F51BA10A}">
-      <p15:sldGuideLst xmlns:p15="http://schemas.microsoft.com/office/powerpoint/2012/main"/>
-    </p:ext>
-  </p:extLst>
 </p:presentation>
 </file>
 
@@ -251,7 +246,6 @@
           <a:p>
             <a:fld id="{ECD57496-627A-418F-AB33-BCD8DBD33136}" type="datetimeFigureOut">
               <a:rPr lang="zh-CN" altLang="en-US" smtClean="0"/>
-              <a:t>2018/12/20</a:t>
             </a:fld>
             <a:endParaRPr lang="zh-CN" altLang="en-US"/>
           </a:p>
@@ -318,6 +312,7 @@
               <a:rPr lang="zh-CN" altLang="en-US"/>
               <a:t>编辑母版文本样式</a:t>
             </a:r>
+            <a:endParaRPr lang="zh-CN" altLang="en-US"/>
           </a:p>
           <a:p>
             <a:pPr lvl="1"/>
@@ -325,6 +320,7 @@
               <a:rPr lang="zh-CN" altLang="en-US"/>
               <a:t>第二级</a:t>
             </a:r>
+            <a:endParaRPr lang="zh-CN" altLang="en-US"/>
           </a:p>
           <a:p>
             <a:pPr lvl="2"/>
@@ -332,6 +328,7 @@
               <a:rPr lang="zh-CN" altLang="en-US"/>
               <a:t>第三级</a:t>
             </a:r>
+            <a:endParaRPr lang="zh-CN" altLang="en-US"/>
           </a:p>
           <a:p>
             <a:pPr lvl="3"/>
@@ -339,6 +336,7 @@
               <a:rPr lang="zh-CN" altLang="en-US"/>
               <a:t>第四级</a:t>
             </a:r>
+            <a:endParaRPr lang="zh-CN" altLang="en-US"/>
           </a:p>
           <a:p>
             <a:pPr lvl="4"/>
@@ -346,6 +344,7 @@
               <a:rPr lang="zh-CN" altLang="en-US"/>
               <a:t>第五级</a:t>
             </a:r>
+            <a:endParaRPr lang="zh-CN" altLang="en-US"/>
           </a:p>
         </p:txBody>
       </p:sp>
@@ -409,7 +408,6 @@
           <a:p>
             <a:fld id="{35FE79B1-D4B2-422A-B5C3-4CE0FAC25B12}" type="slidenum">
               <a:rPr lang="zh-CN" altLang="en-US" smtClean="0"/>
-              <a:t>‹#›</a:t>
             </a:fld>
             <a:endParaRPr lang="zh-CN" altLang="en-US"/>
           </a:p>
@@ -568,6 +566,7 @@
               <a:rPr lang="zh-CN" altLang="en-US" dirty="0"/>
               <a:t>什么是前后端分离</a:t>
             </a:r>
+            <a:endParaRPr lang="zh-CN" altLang="en-US" dirty="0"/>
           </a:p>
         </p:txBody>
       </p:sp>
@@ -588,7 +587,6 @@
           <a:p>
             <a:fld id="{35FE79B1-D4B2-422A-B5C3-4CE0FAC25B12}" type="slidenum">
               <a:rPr lang="zh-CN" altLang="en-US" smtClean="0"/>
-              <a:t>4</a:t>
             </a:fld>
             <a:endParaRPr lang="zh-CN" altLang="en-US"/>
           </a:p>
@@ -674,6 +672,7 @@
               <a:rPr lang="zh-CN" altLang="en-US" dirty="0"/>
               <a:t>，</a:t>
             </a:r>
+            <a:endParaRPr lang="zh-CN" altLang="en-US" dirty="0"/>
           </a:p>
           <a:p>
             <a:endParaRPr lang="zh-CN" altLang="en-US" dirty="0"/>
@@ -691,6 +690,7 @@
               <a:rPr lang="zh-CN" altLang="en-US" dirty="0"/>
               <a:t>的框架都能实现模块化，</a:t>
             </a:r>
+            <a:endParaRPr lang="zh-CN" altLang="en-US" dirty="0"/>
           </a:p>
         </p:txBody>
       </p:sp>
@@ -711,7 +711,6 @@
           <a:p>
             <a:fld id="{35FE79B1-D4B2-422A-B5C3-4CE0FAC25B12}" type="slidenum">
               <a:rPr lang="zh-CN" altLang="en-US" smtClean="0"/>
-              <a:t>13</a:t>
             </a:fld>
             <a:endParaRPr lang="zh-CN" altLang="en-US"/>
           </a:p>
@@ -797,6 +796,7 @@
               <a:rPr lang="zh-CN" altLang="en-US" dirty="0"/>
               <a:t>，</a:t>
             </a:r>
+            <a:endParaRPr lang="zh-CN" altLang="en-US" dirty="0"/>
           </a:p>
           <a:p>
             <a:endParaRPr lang="zh-CN" altLang="en-US" dirty="0"/>
@@ -814,6 +814,7 @@
               <a:rPr lang="zh-CN" altLang="en-US" dirty="0"/>
               <a:t>的框架都能实现模块化，</a:t>
             </a:r>
+            <a:endParaRPr lang="zh-CN" altLang="en-US" dirty="0"/>
           </a:p>
         </p:txBody>
       </p:sp>
@@ -834,7 +835,6 @@
           <a:p>
             <a:fld id="{35FE79B1-D4B2-422A-B5C3-4CE0FAC25B12}" type="slidenum">
               <a:rPr lang="zh-CN" altLang="en-US" smtClean="0"/>
-              <a:t>14</a:t>
             </a:fld>
             <a:endParaRPr lang="zh-CN" altLang="en-US"/>
           </a:p>
@@ -920,6 +920,7 @@
               <a:rPr lang="zh-CN" altLang="en-US" dirty="0"/>
               <a:t>，</a:t>
             </a:r>
+            <a:endParaRPr lang="zh-CN" altLang="en-US" dirty="0"/>
           </a:p>
         </p:txBody>
       </p:sp>
@@ -940,7 +941,6 @@
           <a:p>
             <a:fld id="{35FE79B1-D4B2-422A-B5C3-4CE0FAC25B12}" type="slidenum">
               <a:rPr lang="zh-CN" altLang="en-US" smtClean="0"/>
-              <a:t>15</a:t>
             </a:fld>
             <a:endParaRPr lang="zh-CN" altLang="en-US"/>
           </a:p>
@@ -1866,7 +1866,6 @@
           <a:p>
             <a:fld id="{35FE79B1-D4B2-422A-B5C3-4CE0FAC25B12}" type="slidenum">
               <a:rPr lang="zh-CN" altLang="en-US" smtClean="0"/>
-              <a:t>17</a:t>
             </a:fld>
             <a:endParaRPr lang="zh-CN" altLang="en-US"/>
           </a:p>
@@ -2165,6 +2164,15 @@
               </a:rPr>
               <a:t>。</a:t>
             </a:r>
+            <a:endParaRPr lang="zh-CN" altLang="en-US" sz="1200" b="0" i="0" kern="1200" dirty="0">
+              <a:solidFill>
+                <a:schemeClr val="tx1"/>
+              </a:solidFill>
+              <a:effectLst/>
+              <a:latin typeface="+mn-lt"/>
+              <a:ea typeface="+mn-ea"/>
+              <a:cs typeface="+mn-cs"/>
+            </a:endParaRPr>
           </a:p>
           <a:p>
             <a:pPr fontAlgn="base"/>
@@ -2240,6 +2248,15 @@
               </a:rPr>
               <a:t>.</a:t>
             </a:r>
+            <a:endParaRPr lang="en-US" altLang="zh-CN" sz="1200" b="0" i="0" kern="1200" dirty="0">
+              <a:solidFill>
+                <a:schemeClr val="tx1"/>
+              </a:solidFill>
+              <a:effectLst/>
+              <a:latin typeface="+mn-lt"/>
+              <a:ea typeface="+mn-ea"/>
+              <a:cs typeface="+mn-cs"/>
+            </a:endParaRPr>
           </a:p>
           <a:p>
             <a:pPr fontAlgn="base"/>
@@ -2447,6 +2464,15 @@
               </a:rPr>
               <a:t>等</a:t>
             </a:r>
+            <a:endParaRPr lang="zh-CN" altLang="en-US" sz="1200" b="0" i="0" kern="1200" dirty="0">
+              <a:solidFill>
+                <a:schemeClr val="tx1"/>
+              </a:solidFill>
+              <a:effectLst/>
+              <a:latin typeface="+mn-lt"/>
+              <a:ea typeface="+mn-ea"/>
+              <a:cs typeface="+mn-cs"/>
+            </a:endParaRPr>
           </a:p>
         </p:txBody>
       </p:sp>
@@ -2467,7 +2493,6 @@
           <a:p>
             <a:fld id="{35FE79B1-D4B2-422A-B5C3-4CE0FAC25B12}" type="slidenum">
               <a:rPr lang="zh-CN" altLang="en-US" smtClean="0"/>
-              <a:t>20</a:t>
             </a:fld>
             <a:endParaRPr lang="zh-CN" altLang="en-US"/>
           </a:p>
@@ -2529,6 +2554,7 @@
               <a:rPr lang="zh-CN" altLang="en-US" dirty="0"/>
               <a:t>https://blog.csdn.net/AN0692/article/details/79209004</a:t>
             </a:r>
+            <a:endParaRPr lang="zh-CN" altLang="en-US" dirty="0"/>
           </a:p>
         </p:txBody>
       </p:sp>
@@ -2549,7 +2575,6 @@
           <a:p>
             <a:fld id="{35FE79B1-D4B2-422A-B5C3-4CE0FAC25B12}" type="slidenum">
               <a:rPr lang="zh-CN" altLang="en-US" smtClean="0"/>
-              <a:t>21</a:t>
             </a:fld>
             <a:endParaRPr lang="zh-CN" altLang="en-US"/>
           </a:p>
@@ -2611,6 +2636,7 @@
               <a:rPr lang="zh-CN" altLang="en-US" dirty="0"/>
               <a:t>https://yq.aliyun.com/articles/610380</a:t>
             </a:r>
+            <a:endParaRPr lang="zh-CN" altLang="en-US" dirty="0"/>
           </a:p>
         </p:txBody>
       </p:sp>
@@ -2631,7 +2657,6 @@
           <a:p>
             <a:fld id="{35FE79B1-D4B2-422A-B5C3-4CE0FAC25B12}" type="slidenum">
               <a:rPr lang="zh-CN" altLang="en-US" smtClean="0"/>
-              <a:t>22</a:t>
             </a:fld>
             <a:endParaRPr lang="zh-CN" altLang="en-US"/>
           </a:p>
@@ -2689,6 +2714,17 @@
           <a:bodyPr/>
           <a:lstStyle/>
           <a:p>
+            <a:r>
+              <a:rPr lang="zh-CN" altLang="en-US" dirty="0"/>
+              <a:t>然后使用npm install -g cnpm --registry=https://registry.npm.taobao.org安装淘宝的cnpm</a:t>
+            </a:r>
+            <a:endParaRPr lang="zh-CN" altLang="en-US" dirty="0"/>
+          </a:p>
+          <a:p>
+            <a:r>
+              <a:rPr lang="zh-CN" altLang="en-US" dirty="0"/>
+              <a:t>然后就可以使用cnpm命令了</a:t>
+            </a:r>
             <a:endParaRPr lang="zh-CN" altLang="en-US" dirty="0"/>
           </a:p>
         </p:txBody>
@@ -2710,7 +2746,6 @@
           <a:p>
             <a:fld id="{35FE79B1-D4B2-422A-B5C3-4CE0FAC25B12}" type="slidenum">
               <a:rPr lang="zh-CN" altLang="en-US" smtClean="0"/>
-              <a:t>23</a:t>
             </a:fld>
             <a:endParaRPr lang="zh-CN" altLang="en-US"/>
           </a:p>
@@ -2793,6 +2828,7 @@
               <a:rPr sz="1200" dirty="0"/>
               <a:t>}}数据会随着myVue实例里的myData数据的变动而变动</a:t>
             </a:r>
+            <a:endParaRPr sz="1200" dirty="0"/>
           </a:p>
         </p:txBody>
       </p:sp>
@@ -2813,7 +2849,6 @@
           <a:p>
             <a:fld id="{35FE79B1-D4B2-422A-B5C3-4CE0FAC25B12}" type="slidenum">
               <a:rPr lang="zh-CN" altLang="en-US" smtClean="0"/>
-              <a:t>24</a:t>
             </a:fld>
             <a:endParaRPr lang="zh-CN" altLang="en-US"/>
           </a:p>
@@ -2875,6 +2910,7 @@
               <a:rPr lang="zh-CN" altLang="en-US" dirty="0"/>
               <a:t>v-if如果条件不成立，那么vue不会把你的标签渲染到页面上。</a:t>
             </a:r>
+            <a:endParaRPr lang="zh-CN" altLang="en-US" dirty="0"/>
           </a:p>
           <a:p>
             <a:r>
@@ -2889,6 +2925,7 @@
               <a:rPr lang="zh-CN" altLang="en-US" dirty="0"/>
               <a:t>也可以通过这种方式绑定</a:t>
             </a:r>
+            <a:endParaRPr lang="zh-CN" altLang="en-US" dirty="0"/>
           </a:p>
           <a:p>
             <a:endParaRPr lang="zh-CN" altLang="en-US" dirty="0"/>
@@ -2906,6 +2943,7 @@
               <a:rPr lang="zh-CN" altLang="en-US" dirty="0"/>
               <a:t>表单元素的双向绑定</a:t>
             </a:r>
+            <a:endParaRPr lang="zh-CN" altLang="en-US" dirty="0"/>
           </a:p>
         </p:txBody>
       </p:sp>
@@ -2926,7 +2964,6 @@
           <a:p>
             <a:fld id="{35FE79B1-D4B2-422A-B5C3-4CE0FAC25B12}" type="slidenum">
               <a:rPr lang="zh-CN" altLang="en-US" smtClean="0"/>
-              <a:t>25</a:t>
             </a:fld>
             <a:endParaRPr lang="zh-CN" altLang="en-US"/>
           </a:p>
@@ -3027,6 +3064,7 @@
               <a:rPr lang="en-US" altLang="zh-CN" dirty="0"/>
               <a:t>Controller</a:t>
             </a:r>
+            <a:endParaRPr lang="en-US" altLang="zh-CN" dirty="0"/>
           </a:p>
           <a:p>
             <a:r>
@@ -3080,6 +3118,7 @@
               <a:rPr lang="zh-CN" altLang="en-US" dirty="0"/>
               <a:t>后端只负责提供数据，更专注于业务</a:t>
             </a:r>
+            <a:endParaRPr lang="zh-CN" altLang="en-US" dirty="0"/>
           </a:p>
           <a:p>
             <a:endParaRPr lang="zh-CN" altLang="en-US" dirty="0"/>
@@ -3097,6 +3136,7 @@
               <a:rPr lang="zh-CN" altLang="en-US" dirty="0"/>
               <a:t>，变成了前端响应浏览器</a:t>
             </a:r>
+            <a:endParaRPr lang="zh-CN" altLang="en-US" dirty="0"/>
           </a:p>
         </p:txBody>
       </p:sp>
@@ -3117,7 +3157,6 @@
           <a:p>
             <a:fld id="{35FE79B1-D4B2-422A-B5C3-4CE0FAC25B12}" type="slidenum">
               <a:rPr lang="zh-CN" altLang="en-US" smtClean="0"/>
-              <a:t>5</a:t>
             </a:fld>
             <a:endParaRPr lang="zh-CN" altLang="en-US"/>
           </a:p>
@@ -3179,12 +3218,14 @@
               <a:rPr lang="zh-CN" altLang="en-US" dirty="0"/>
               <a:t>全局注册，注册的组件需要在初始化根实例之前注册了组件；</a:t>
             </a:r>
+            <a:endParaRPr lang="zh-CN" altLang="en-US" dirty="0"/>
           </a:p>
           <a:p>
             <a:r>
               <a:rPr lang="zh-CN" altLang="en-US" dirty="0"/>
               <a:t>局部注册的好处 就是当你使用的是webpack这样的构建系统时，如果是用全局注册的这种方法注册的组件，那么当你不使用某一个组件的时候，它仍然会存在最终的构建结果之中，这就增加的无谓的js下载。</a:t>
             </a:r>
+            <a:endParaRPr lang="zh-CN" altLang="en-US" dirty="0"/>
           </a:p>
         </p:txBody>
       </p:sp>
@@ -3205,7 +3246,6 @@
           <a:p>
             <a:fld id="{35FE79B1-D4B2-422A-B5C3-4CE0FAC25B12}" type="slidenum">
               <a:rPr lang="zh-CN" altLang="en-US" smtClean="0"/>
-              <a:t>26</a:t>
             </a:fld>
             <a:endParaRPr lang="zh-CN" altLang="en-US"/>
           </a:p>
@@ -3267,6 +3307,7 @@
               <a:rPr lang="zh-CN" altLang="en-US" dirty="0"/>
               <a:t>https://blog.csdn.net/feilzhang/article/details/81014072</a:t>
             </a:r>
+            <a:endParaRPr lang="zh-CN" altLang="en-US" dirty="0"/>
           </a:p>
         </p:txBody>
       </p:sp>
@@ -3287,7 +3328,6 @@
           <a:p>
             <a:fld id="{35FE79B1-D4B2-422A-B5C3-4CE0FAC25B12}" type="slidenum">
               <a:rPr lang="zh-CN" altLang="en-US" smtClean="0"/>
-              <a:t>27</a:t>
             </a:fld>
             <a:endParaRPr lang="zh-CN" altLang="en-US"/>
           </a:p>
@@ -3353,6 +3393,30 @@
               <a:rPr lang="en-US" altLang="zh-CN" dirty="0"/>
               <a:t>vuedemo vue-router.html</a:t>
             </a:r>
+            <a:endParaRPr lang="en-US" altLang="zh-CN" dirty="0"/>
+          </a:p>
+          <a:p>
+            <a:r>
+              <a:rPr lang="zh-CN" altLang="en-US" dirty="0"/>
+              <a:t>一个路由由两部分组成，</a:t>
+            </a:r>
+            <a:r>
+              <a:rPr lang="en-US" altLang="zh-CN" dirty="0"/>
+              <a:t>path</a:t>
+            </a:r>
+            <a:r>
+              <a:rPr lang="zh-CN" altLang="en-US" dirty="0"/>
+              <a:t>和</a:t>
+            </a:r>
+            <a:r>
+              <a:rPr lang="en-US" altLang="zh-CN" dirty="0"/>
+              <a:t>component </a:t>
+            </a:r>
+            <a:r>
+              <a:rPr lang="zh-CN" altLang="en-US" dirty="0"/>
+              <a:t>路径，和组件</a:t>
+            </a:r>
+            <a:endParaRPr lang="zh-CN" altLang="en-US" dirty="0"/>
           </a:p>
         </p:txBody>
       </p:sp>
@@ -3373,7 +3437,6 @@
           <a:p>
             <a:fld id="{35FE79B1-D4B2-422A-B5C3-4CE0FAC25B12}" type="slidenum">
               <a:rPr lang="zh-CN" altLang="en-US" smtClean="0"/>
-              <a:t>28</a:t>
             </a:fld>
             <a:endParaRPr lang="zh-CN" altLang="en-US"/>
           </a:p>
@@ -3488,6 +3551,7 @@
               <a:rPr lang="zh-CN" altLang="en-US" dirty="0"/>
               <a:t>：项目说明</a:t>
             </a:r>
+            <a:endParaRPr lang="zh-CN" altLang="en-US" dirty="0"/>
           </a:p>
           <a:p>
             <a:endParaRPr lang="en-US" altLang="zh-CN" dirty="0"/>
@@ -3497,6 +3561,7 @@
               <a:rPr lang="en-US" altLang="zh-CN" dirty="0"/>
               <a:t>vuedemo</a:t>
             </a:r>
+            <a:endParaRPr lang="en-US" altLang="zh-CN" dirty="0"/>
           </a:p>
         </p:txBody>
       </p:sp>
@@ -3517,7 +3582,6 @@
           <a:p>
             <a:fld id="{35FE79B1-D4B2-422A-B5C3-4CE0FAC25B12}" type="slidenum">
               <a:rPr lang="zh-CN" altLang="en-US" smtClean="0"/>
-              <a:t>29</a:t>
             </a:fld>
             <a:endParaRPr lang="zh-CN" altLang="en-US"/>
           </a:p>
@@ -3591,6 +3655,7 @@
               <a:rPr lang="en-US" altLang="zh-CN" dirty="0"/>
               <a:t>npm install element-ui</a:t>
             </a:r>
+            <a:endParaRPr lang="en-US" altLang="zh-CN" dirty="0"/>
           </a:p>
           <a:p>
             <a:r>
@@ -3609,12 +3674,14 @@
               <a:rPr lang="en-US" altLang="zh-CN" dirty="0"/>
               <a:t>npm install mockjs</a:t>
             </a:r>
+            <a:endParaRPr lang="en-US" altLang="zh-CN" dirty="0"/>
           </a:p>
           <a:p>
             <a:r>
               <a:rPr lang="zh-CN" altLang="en-US" dirty="0"/>
               <a:t>然后就可以在项目中使用了</a:t>
             </a:r>
+            <a:endParaRPr lang="zh-CN" altLang="en-US" dirty="0"/>
           </a:p>
         </p:txBody>
       </p:sp>
@@ -3635,7 +3702,6 @@
           <a:p>
             <a:fld id="{35FE79B1-D4B2-422A-B5C3-4CE0FAC25B12}" type="slidenum">
               <a:rPr lang="zh-CN" altLang="en-US" smtClean="0"/>
-              <a:t>30</a:t>
             </a:fld>
             <a:endParaRPr lang="zh-CN" altLang="en-US"/>
           </a:p>
@@ -3750,6 +3816,7 @@
               <a:rPr lang="zh-CN" altLang="en-US" dirty="0"/>
               <a:t>：项目说明</a:t>
             </a:r>
+            <a:endParaRPr lang="zh-CN" altLang="en-US" dirty="0"/>
           </a:p>
         </p:txBody>
       </p:sp>
@@ -3770,7 +3837,6 @@
           <a:p>
             <a:fld id="{35FE79B1-D4B2-422A-B5C3-4CE0FAC25B12}" type="slidenum">
               <a:rPr lang="zh-CN" altLang="en-US" smtClean="0"/>
-              <a:t>31</a:t>
             </a:fld>
             <a:endParaRPr lang="zh-CN" altLang="en-US"/>
           </a:p>
@@ -3885,6 +3951,7 @@
               <a:rPr lang="zh-CN" altLang="en-US" dirty="0"/>
               <a:t>：项目说明</a:t>
             </a:r>
+            <a:endParaRPr lang="zh-CN" altLang="en-US" dirty="0"/>
           </a:p>
         </p:txBody>
       </p:sp>
@@ -3905,7 +3972,6 @@
           <a:p>
             <a:fld id="{35FE79B1-D4B2-422A-B5C3-4CE0FAC25B12}" type="slidenum">
               <a:rPr lang="zh-CN" altLang="en-US" smtClean="0"/>
-              <a:t>32</a:t>
             </a:fld>
             <a:endParaRPr lang="zh-CN" altLang="en-US"/>
           </a:p>
@@ -4100,6 +4166,14 @@
               </a:rPr>
               <a:t>，包含组件：带校验的表单，功能强大的表格，导航菜单，日历，进度条，面包屑等</a:t>
             </a:r>
+            <a:endParaRPr lang="zh-CN" altLang="en-US" sz="1200" kern="1200" dirty="0">
+              <a:solidFill>
+                <a:schemeClr val="tx1"/>
+              </a:solidFill>
+              <a:latin typeface="+mn-lt"/>
+              <a:ea typeface="+mn-ea"/>
+              <a:cs typeface="+mn-cs"/>
+            </a:endParaRPr>
           </a:p>
           <a:p>
             <a:endParaRPr lang="zh-CN" altLang="en-US" dirty="0"/>
@@ -4123,7 +4197,6 @@
           <a:p>
             <a:fld id="{35FE79B1-D4B2-422A-B5C3-4CE0FAC25B12}" type="slidenum">
               <a:rPr lang="zh-CN" altLang="en-US" smtClean="0"/>
-              <a:t>33</a:t>
             </a:fld>
             <a:endParaRPr lang="zh-CN" altLang="en-US"/>
           </a:p>
@@ -4193,6 +4266,7 @@
               <a:rPr lang="zh-CN" altLang="en-US" dirty="0"/>
               <a:t>的情况下</a:t>
             </a:r>
+            <a:endParaRPr lang="zh-CN" altLang="en-US" dirty="0"/>
           </a:p>
         </p:txBody>
       </p:sp>
@@ -4213,18 +4287,12 @@
           <a:p>
             <a:fld id="{35FE79B1-D4B2-422A-B5C3-4CE0FAC25B12}" type="slidenum">
               <a:rPr lang="zh-CN" altLang="en-US" smtClean="0"/>
-              <a:t>34</a:t>
             </a:fld>
             <a:endParaRPr lang="zh-CN" altLang="en-US"/>
           </a:p>
         </p:txBody>
       </p:sp>
     </p:spTree>
-    <p:extLst>
-      <p:ext uri="{BB962C8B-B14F-4D97-AF65-F5344CB8AC3E}">
-        <p14:creationId xmlns:p14="http://schemas.microsoft.com/office/powerpoint/2010/main" val="2589883786"/>
-      </p:ext>
-    </p:extLst>
   </p:cSld>
   <p:clrMapOvr>
     <a:masterClrMapping/>
@@ -4297,18 +4365,12 @@
           <a:p>
             <a:fld id="{35FE79B1-D4B2-422A-B5C3-4CE0FAC25B12}" type="slidenum">
               <a:rPr lang="zh-CN" altLang="en-US" smtClean="0"/>
-              <a:t>35</a:t>
             </a:fld>
             <a:endParaRPr lang="zh-CN" altLang="en-US"/>
           </a:p>
         </p:txBody>
       </p:sp>
     </p:spTree>
-    <p:extLst>
-      <p:ext uri="{BB962C8B-B14F-4D97-AF65-F5344CB8AC3E}">
-        <p14:creationId xmlns:p14="http://schemas.microsoft.com/office/powerpoint/2010/main" val="1859357663"/>
-      </p:ext>
-    </p:extLst>
   </p:cSld>
   <p:clrMapOvr>
     <a:masterClrMapping/>
@@ -4403,6 +4465,7 @@
               <a:rPr lang="en-US" altLang="zh-CN" dirty="0"/>
               <a:t>Controller</a:t>
             </a:r>
+            <a:endParaRPr lang="en-US" altLang="zh-CN" dirty="0"/>
           </a:p>
           <a:p>
             <a:r>
@@ -4456,6 +4519,7 @@
               <a:rPr lang="zh-CN" altLang="en-US" dirty="0"/>
               <a:t>后端只负责提供数据，更专注于业务</a:t>
             </a:r>
+            <a:endParaRPr lang="zh-CN" altLang="en-US" dirty="0"/>
           </a:p>
           <a:p>
             <a:endParaRPr lang="zh-CN" altLang="en-US" dirty="0"/>
@@ -4473,6 +4537,7 @@
               <a:rPr lang="zh-CN" altLang="en-US" dirty="0"/>
               <a:t>，变成了前端响应浏览器</a:t>
             </a:r>
+            <a:endParaRPr lang="zh-CN" altLang="en-US" dirty="0"/>
           </a:p>
         </p:txBody>
       </p:sp>
@@ -4493,7 +4558,6 @@
           <a:p>
             <a:fld id="{35FE79B1-D4B2-422A-B5C3-4CE0FAC25B12}" type="slidenum">
               <a:rPr lang="zh-CN" altLang="en-US" smtClean="0"/>
-              <a:t>6</a:t>
             </a:fld>
             <a:endParaRPr lang="zh-CN" altLang="en-US"/>
           </a:p>
@@ -4608,6 +4672,7 @@
               <a:rPr lang="zh-CN" altLang="en-US" dirty="0"/>
               <a:t>：项目说明</a:t>
             </a:r>
+            <a:endParaRPr lang="zh-CN" altLang="en-US" dirty="0"/>
           </a:p>
         </p:txBody>
       </p:sp>
@@ -4628,7 +4693,6 @@
           <a:p>
             <a:fld id="{35FE79B1-D4B2-422A-B5C3-4CE0FAC25B12}" type="slidenum">
               <a:rPr lang="zh-CN" altLang="en-US" smtClean="0"/>
-              <a:t>36</a:t>
             </a:fld>
             <a:endParaRPr lang="zh-CN" altLang="en-US"/>
           </a:p>
@@ -4707,7 +4771,6 @@
           <a:p>
             <a:fld id="{35FE79B1-D4B2-422A-B5C3-4CE0FAC25B12}" type="slidenum">
               <a:rPr lang="zh-CN" altLang="en-US" smtClean="0"/>
-              <a:t>37</a:t>
             </a:fld>
             <a:endParaRPr lang="zh-CN" altLang="en-US"/>
           </a:p>
@@ -4765,262 +4828,69 @@
           <a:bodyPr/>
           <a:lstStyle/>
           <a:p>
+            <a:r>
+              <a:rPr lang="zh-CN" altLang="en-US" dirty="0">
+                <a:sym typeface="+mn-ea"/>
+              </a:rPr>
+              <a:t>背景</a:t>
+            </a:r>
+            <a:endParaRPr lang="zh-CN" altLang="en-US" dirty="0">
+              <a:sym typeface="+mn-ea"/>
+            </a:endParaRPr>
+          </a:p>
+          <a:p>
+            <a:r>
+              <a:rPr lang="en-US" altLang="zh-CN" dirty="0"/>
+              <a:t>Webpack </a:t>
+            </a:r>
+            <a:r>
+              <a:rPr lang="zh-CN" altLang="en-US" dirty="0"/>
+              <a:t>可以把其他资源都打包成浏览器能够识别的语言，</a:t>
+            </a:r>
+            <a:r>
+              <a:rPr lang="en-US" altLang="zh-CN" dirty="0"/>
+              <a:t>html </a:t>
+            </a:r>
+            <a:r>
+              <a:rPr lang="en-US" altLang="zh-CN" dirty="0" err="1"/>
+              <a:t>js</a:t>
+            </a:r>
+            <a:r>
+              <a:rPr lang="en-US" altLang="zh-CN" dirty="0"/>
+              <a:t> </a:t>
+            </a:r>
+            <a:r>
+              <a:rPr lang="en-US" altLang="zh-CN" dirty="0" err="1"/>
+              <a:t>css</a:t>
+            </a:r>
+            <a:r>
+              <a:rPr lang="en-US" altLang="zh-CN" dirty="0"/>
+              <a:t> </a:t>
+            </a:r>
+            <a:r>
+              <a:rPr lang="en-US" altLang="zh-CN" dirty="0" err="1"/>
+              <a:t>png</a:t>
+            </a:r>
+            <a:endParaRPr lang="en-US" altLang="zh-CN" dirty="0"/>
+          </a:p>
+          <a:p>
+            <a:r>
+              <a:rPr lang="zh-CN" altLang="en-US" dirty="0"/>
+              <a:t>当 webpack 处理应用程序时，它会递归地构建一个依赖关系图(dependency graph)，其中包含应用程序需要的每个模块，然后将所有这些模块打包成少量的bundle - 通常只有一个，由浏览器加载。最后页面只需要引用出口文件，打开页面时，会通过出口文件加载所有的资源，显示在页面上</a:t>
+            </a:r>
+            <a:endParaRPr lang="en-US" altLang="zh-CN" dirty="0"/>
+          </a:p>
+          <a:p>
             <a:pPr fontAlgn="base"/>
-            <a:r>
-              <a:rPr lang="en-US" altLang="zh-CN" sz="1200" b="0" i="0" kern="1200" dirty="0">
-                <a:solidFill>
-                  <a:schemeClr val="tx1"/>
-                </a:solidFill>
-                <a:effectLst/>
-                <a:latin typeface="+mn-lt"/>
-                <a:ea typeface="+mn-ea"/>
-                <a:cs typeface="+mn-cs"/>
-              </a:rPr>
-              <a:t>1</a:t>
-            </a:r>
-            <a:r>
-              <a:rPr lang="zh-CN" altLang="en-US" sz="1200" b="0" i="0" kern="1200" dirty="0">
-                <a:solidFill>
-                  <a:schemeClr val="tx1"/>
-                </a:solidFill>
-                <a:effectLst/>
-                <a:latin typeface="+mn-lt"/>
-                <a:ea typeface="+mn-ea"/>
-                <a:cs typeface="+mn-cs"/>
-              </a:rPr>
-              <a:t>、</a:t>
-            </a:r>
-            <a:r>
-              <a:rPr lang="en-US" altLang="zh-CN" sz="1200" b="0" i="0" kern="1200" dirty="0">
-                <a:solidFill>
-                  <a:schemeClr val="tx1"/>
-                </a:solidFill>
-                <a:effectLst/>
-                <a:latin typeface="+mn-lt"/>
-                <a:ea typeface="+mn-ea"/>
-                <a:cs typeface="+mn-cs"/>
-              </a:rPr>
-              <a:t>webpack </a:t>
-            </a:r>
-            <a:r>
-              <a:rPr lang="zh-CN" altLang="en-US" sz="1200" b="0" i="0" kern="1200" dirty="0">
-                <a:solidFill>
-                  <a:schemeClr val="tx1"/>
-                </a:solidFill>
-                <a:effectLst/>
-                <a:latin typeface="+mn-lt"/>
-                <a:ea typeface="+mn-ea"/>
-                <a:cs typeface="+mn-cs"/>
-              </a:rPr>
-              <a:t>是当下最热门的</a:t>
-            </a:r>
-            <a:r>
-              <a:rPr lang="en-US" altLang="zh-CN" sz="1200" b="0" i="0" kern="1200" dirty="0">
-                <a:solidFill>
-                  <a:schemeClr val="tx1"/>
-                </a:solidFill>
-                <a:effectLst/>
-                <a:latin typeface="+mn-lt"/>
-                <a:ea typeface="+mn-ea"/>
-                <a:cs typeface="+mn-cs"/>
-              </a:rPr>
-              <a:t>&lt;strong&gt;</a:t>
-            </a:r>
-            <a:r>
-              <a:rPr lang="zh-CN" altLang="en-US" sz="1200" b="0" i="0" kern="1200" dirty="0">
-                <a:solidFill>
-                  <a:schemeClr val="tx1"/>
-                </a:solidFill>
-                <a:effectLst/>
-                <a:latin typeface="+mn-lt"/>
-                <a:ea typeface="+mn-ea"/>
-                <a:cs typeface="+mn-cs"/>
-              </a:rPr>
-              <a:t>前端资源模块化管理</a:t>
-            </a:r>
-            <a:r>
-              <a:rPr lang="en-US" altLang="zh-CN" sz="1200" b="0" i="0" kern="1200" dirty="0">
-                <a:solidFill>
-                  <a:schemeClr val="tx1"/>
-                </a:solidFill>
-                <a:effectLst/>
-                <a:latin typeface="+mn-lt"/>
-                <a:ea typeface="+mn-ea"/>
-                <a:cs typeface="+mn-cs"/>
-              </a:rPr>
-              <a:t>&lt;/strong&gt;</a:t>
-            </a:r>
-            <a:r>
-              <a:rPr lang="zh-CN" altLang="en-US" sz="1200" b="0" i="0" kern="1200" dirty="0">
-                <a:solidFill>
-                  <a:schemeClr val="tx1"/>
-                </a:solidFill>
-                <a:effectLst/>
-                <a:latin typeface="+mn-lt"/>
-                <a:ea typeface="+mn-ea"/>
-                <a:cs typeface="+mn-cs"/>
-              </a:rPr>
-              <a:t>和</a:t>
-            </a:r>
-            <a:r>
-              <a:rPr lang="en-US" altLang="zh-CN" sz="1200" b="0" i="0" kern="1200" dirty="0">
-                <a:solidFill>
-                  <a:schemeClr val="tx1"/>
-                </a:solidFill>
-                <a:effectLst/>
-                <a:latin typeface="+mn-lt"/>
-                <a:ea typeface="+mn-ea"/>
-                <a:cs typeface="+mn-cs"/>
-              </a:rPr>
-              <a:t>&lt;strong&gt;</a:t>
-            </a:r>
-            <a:r>
-              <a:rPr lang="zh-CN" altLang="en-US" sz="1200" b="0" i="0" kern="1200" dirty="0">
-                <a:solidFill>
-                  <a:schemeClr val="tx1"/>
-                </a:solidFill>
-                <a:effectLst/>
-                <a:latin typeface="+mn-lt"/>
-                <a:ea typeface="+mn-ea"/>
-                <a:cs typeface="+mn-cs"/>
-              </a:rPr>
-              <a:t>打包工具</a:t>
-            </a:r>
-            <a:r>
-              <a:rPr lang="en-US" altLang="zh-CN" sz="1200" b="0" i="0" kern="1200" dirty="0">
-                <a:solidFill>
-                  <a:schemeClr val="tx1"/>
-                </a:solidFill>
-                <a:effectLst/>
-                <a:latin typeface="+mn-lt"/>
-                <a:ea typeface="+mn-ea"/>
-                <a:cs typeface="+mn-cs"/>
-              </a:rPr>
-              <a:t>&lt;/strong&gt;</a:t>
-            </a:r>
-            <a:r>
-              <a:rPr lang="zh-CN" altLang="en-US" sz="1200" b="0" i="0" kern="1200" dirty="0">
-                <a:solidFill>
-                  <a:schemeClr val="tx1"/>
-                </a:solidFill>
-                <a:effectLst/>
-                <a:latin typeface="+mn-lt"/>
-                <a:ea typeface="+mn-ea"/>
-                <a:cs typeface="+mn-cs"/>
-              </a:rPr>
-              <a:t>。它可以将许多</a:t>
-            </a:r>
-            <a:r>
-              <a:rPr lang="en-US" altLang="zh-CN" sz="1200" b="0" i="0" kern="1200" dirty="0">
-                <a:solidFill>
-                  <a:schemeClr val="tx1"/>
-                </a:solidFill>
-                <a:effectLst/>
-                <a:latin typeface="+mn-lt"/>
-                <a:ea typeface="+mn-ea"/>
-                <a:cs typeface="+mn-cs"/>
-              </a:rPr>
-              <a:t>&lt;strong&gt;</a:t>
-            </a:r>
-            <a:r>
-              <a:rPr lang="zh-CN" altLang="en-US" sz="1200" b="0" i="0" kern="1200" dirty="0">
-                <a:solidFill>
-                  <a:schemeClr val="tx1"/>
-                </a:solidFill>
-                <a:effectLst/>
-                <a:latin typeface="+mn-lt"/>
-                <a:ea typeface="+mn-ea"/>
-                <a:cs typeface="+mn-cs"/>
-              </a:rPr>
-              <a:t>松散的模块</a:t>
-            </a:r>
-            <a:r>
-              <a:rPr lang="en-US" altLang="zh-CN" sz="1200" b="0" i="0" kern="1200" dirty="0">
-                <a:solidFill>
-                  <a:schemeClr val="tx1"/>
-                </a:solidFill>
-                <a:effectLst/>
-                <a:latin typeface="+mn-lt"/>
-                <a:ea typeface="+mn-ea"/>
-                <a:cs typeface="+mn-cs"/>
-              </a:rPr>
-              <a:t>&lt;/strong&gt;</a:t>
-            </a:r>
-            <a:r>
-              <a:rPr lang="zh-CN" altLang="en-US" sz="1200" b="0" i="0" kern="1200" dirty="0">
-                <a:solidFill>
-                  <a:schemeClr val="tx1"/>
-                </a:solidFill>
-                <a:effectLst/>
-                <a:latin typeface="+mn-lt"/>
-                <a:ea typeface="+mn-ea"/>
-                <a:cs typeface="+mn-cs"/>
-              </a:rPr>
-              <a:t>按照依赖和规则</a:t>
-            </a:r>
-            <a:r>
-              <a:rPr lang="en-US" altLang="zh-CN" sz="1200" b="0" i="0" kern="1200" dirty="0">
-                <a:solidFill>
-                  <a:schemeClr val="tx1"/>
-                </a:solidFill>
-                <a:effectLst/>
-                <a:latin typeface="+mn-lt"/>
-                <a:ea typeface="+mn-ea"/>
-                <a:cs typeface="+mn-cs"/>
-              </a:rPr>
-              <a:t>&lt;strong&gt;</a:t>
-            </a:r>
-            <a:r>
-              <a:rPr lang="zh-CN" altLang="en-US" sz="1200" b="0" i="0" kern="1200" dirty="0">
-                <a:solidFill>
-                  <a:schemeClr val="tx1"/>
-                </a:solidFill>
-                <a:effectLst/>
-                <a:latin typeface="+mn-lt"/>
-                <a:ea typeface="+mn-ea"/>
-                <a:cs typeface="+mn-cs"/>
-              </a:rPr>
-              <a:t>打包成符合生产环境部署的前端资源</a:t>
-            </a:r>
-            <a:r>
-              <a:rPr lang="en-US" altLang="zh-CN" sz="1200" b="0" i="0" kern="1200" dirty="0">
-                <a:solidFill>
-                  <a:schemeClr val="tx1"/>
-                </a:solidFill>
-                <a:effectLst/>
-                <a:latin typeface="+mn-lt"/>
-                <a:ea typeface="+mn-ea"/>
-                <a:cs typeface="+mn-cs"/>
-              </a:rPr>
-              <a:t>&lt;/strong&gt;</a:t>
-            </a:r>
-            <a:r>
-              <a:rPr lang="zh-CN" altLang="en-US" sz="1200" b="0" i="0" kern="1200" dirty="0">
-                <a:solidFill>
-                  <a:schemeClr val="tx1"/>
-                </a:solidFill>
-                <a:effectLst/>
-                <a:latin typeface="+mn-lt"/>
-                <a:ea typeface="+mn-ea"/>
-                <a:cs typeface="+mn-cs"/>
-              </a:rPr>
-              <a:t>。</a:t>
-            </a:r>
-          </a:p>
-          <a:p>
-            <a:pPr fontAlgn="base"/>
-            <a:r>
-              <a:rPr lang="zh-CN" altLang="en-US" sz="1200" b="0" i="0" kern="1200" dirty="0">
-                <a:solidFill>
-                  <a:schemeClr val="tx1"/>
-                </a:solidFill>
-                <a:effectLst/>
-                <a:latin typeface="+mn-lt"/>
-                <a:ea typeface="+mn-ea"/>
-                <a:cs typeface="+mn-cs"/>
-              </a:rPr>
-              <a:t>还可以将按需加载的模块进行代码分隔，等到实际需要的时候再异步加载。</a:t>
-            </a:r>
+            <a:endParaRPr lang="zh-CN" altLang="en-US" sz="1200" b="0" i="0" kern="1200" dirty="0">
+              <a:solidFill>
+                <a:schemeClr val="tx1"/>
+              </a:solidFill>
+              <a:effectLst/>
+              <a:latin typeface="+mn-lt"/>
+              <a:ea typeface="+mn-ea"/>
+              <a:cs typeface="+mn-cs"/>
+            </a:endParaRPr>
           </a:p>
         </p:txBody>
       </p:sp>
@@ -5041,7 +4911,6 @@
           <a:p>
             <a:fld id="{35FE79B1-D4B2-422A-B5C3-4CE0FAC25B12}" type="slidenum">
               <a:rPr lang="zh-CN" altLang="en-US" smtClean="0"/>
-              <a:t>38</a:t>
             </a:fld>
             <a:endParaRPr lang="zh-CN" altLang="en-US"/>
           </a:p>
@@ -5099,57 +4968,271 @@
           <a:bodyPr/>
           <a:lstStyle/>
           <a:p>
-            <a:r>
-              <a:rPr lang="zh-CN" altLang="en-US" dirty="0">
-                <a:sym typeface="+mn-ea"/>
-              </a:rPr>
-              <a:t>背景</a:t>
-            </a:r>
-          </a:p>
-          <a:p>
-            <a:r>
-              <a:rPr lang="en-US" altLang="zh-CN" dirty="0"/>
-              <a:t>Webpack </a:t>
-            </a:r>
-            <a:r>
-              <a:rPr lang="zh-CN" altLang="en-US" dirty="0"/>
-              <a:t>可以把其他资源都打包成浏览器能够识别的语言，</a:t>
-            </a:r>
-            <a:r>
-              <a:rPr lang="en-US" altLang="zh-CN" dirty="0"/>
-              <a:t>html </a:t>
-            </a:r>
-            <a:r>
-              <a:rPr lang="en-US" altLang="zh-CN" dirty="0" err="1"/>
-              <a:t>js</a:t>
-            </a:r>
-            <a:r>
-              <a:rPr lang="en-US" altLang="zh-CN" dirty="0"/>
-              <a:t> </a:t>
-            </a:r>
-            <a:r>
-              <a:rPr lang="en-US" altLang="zh-CN" dirty="0" err="1"/>
-              <a:t>css</a:t>
-            </a:r>
-            <a:r>
-              <a:rPr lang="en-US" altLang="zh-CN" dirty="0"/>
-              <a:t> </a:t>
-            </a:r>
-            <a:r>
-              <a:rPr lang="en-US" altLang="zh-CN" dirty="0" err="1"/>
-              <a:t>png</a:t>
-            </a:r>
-            <a:endParaRPr lang="en-US" altLang="zh-CN" dirty="0"/>
-          </a:p>
-          <a:p>
-            <a:r>
-              <a:rPr lang="zh-CN" altLang="en-US" dirty="0"/>
-              <a:t>当 webpack 处理应用程序时，它会递归地构建一个依赖关系图(dependency graph)，其中包含应用程序需要的每个模块，然后将所有这些模块打包成少量的bundle - 通常只有一个，由浏览器加载。最后页面只需要引用出口文件，打开页面时，会通过出口文件加载所有的资源，显示在页面上</a:t>
-            </a:r>
-            <a:endParaRPr lang="en-US" altLang="zh-CN" dirty="0"/>
-          </a:p>
-          <a:p>
             <a:pPr fontAlgn="base"/>
+            <a:r>
+              <a:rPr lang="en-US" altLang="zh-CN" sz="1200" b="0" i="0" kern="1200" dirty="0">
+                <a:solidFill>
+                  <a:schemeClr val="tx1"/>
+                </a:solidFill>
+                <a:effectLst/>
+                <a:latin typeface="+mn-lt"/>
+                <a:ea typeface="+mn-ea"/>
+                <a:cs typeface="+mn-cs"/>
+              </a:rPr>
+              <a:t>1</a:t>
+            </a:r>
+            <a:r>
+              <a:rPr lang="zh-CN" altLang="en-US" sz="1200" b="0" i="0" kern="1200" dirty="0">
+                <a:solidFill>
+                  <a:schemeClr val="tx1"/>
+                </a:solidFill>
+                <a:effectLst/>
+                <a:latin typeface="+mn-lt"/>
+                <a:ea typeface="+mn-ea"/>
+                <a:cs typeface="+mn-cs"/>
+              </a:rPr>
+              <a:t>、</a:t>
+            </a:r>
+            <a:r>
+              <a:rPr lang="en-US" altLang="zh-CN" sz="1200" b="0" i="0" kern="1200" dirty="0">
+                <a:solidFill>
+                  <a:schemeClr val="tx1"/>
+                </a:solidFill>
+                <a:effectLst/>
+                <a:latin typeface="+mn-lt"/>
+                <a:ea typeface="+mn-ea"/>
+                <a:cs typeface="+mn-cs"/>
+              </a:rPr>
+              <a:t>webpack </a:t>
+            </a:r>
+            <a:r>
+              <a:rPr lang="zh-CN" altLang="en-US" sz="1200" b="0" i="0" kern="1200" dirty="0">
+                <a:solidFill>
+                  <a:schemeClr val="tx1"/>
+                </a:solidFill>
+                <a:effectLst/>
+                <a:latin typeface="+mn-lt"/>
+                <a:ea typeface="+mn-ea"/>
+                <a:cs typeface="+mn-cs"/>
+              </a:rPr>
+              <a:t>是当下最热门的</a:t>
+            </a:r>
+            <a:r>
+              <a:rPr lang="en-US" altLang="zh-CN" sz="1200" b="0" i="0" kern="1200" dirty="0">
+                <a:solidFill>
+                  <a:schemeClr val="tx1"/>
+                </a:solidFill>
+                <a:effectLst/>
+                <a:latin typeface="+mn-lt"/>
+                <a:ea typeface="+mn-ea"/>
+                <a:cs typeface="+mn-cs"/>
+              </a:rPr>
+              <a:t>&lt;strong&gt;</a:t>
+            </a:r>
+            <a:r>
+              <a:rPr lang="zh-CN" altLang="en-US" sz="1200" b="0" i="0" kern="1200" dirty="0">
+                <a:solidFill>
+                  <a:schemeClr val="tx1"/>
+                </a:solidFill>
+                <a:effectLst/>
+                <a:latin typeface="+mn-lt"/>
+                <a:ea typeface="+mn-ea"/>
+                <a:cs typeface="+mn-cs"/>
+              </a:rPr>
+              <a:t>前端资源模块化管理</a:t>
+            </a:r>
+            <a:r>
+              <a:rPr lang="en-US" altLang="zh-CN" sz="1200" b="0" i="0" kern="1200" dirty="0">
+                <a:solidFill>
+                  <a:schemeClr val="tx1"/>
+                </a:solidFill>
+                <a:effectLst/>
+                <a:latin typeface="+mn-lt"/>
+                <a:ea typeface="+mn-ea"/>
+                <a:cs typeface="+mn-cs"/>
+              </a:rPr>
+              <a:t>&lt;/strong&gt;</a:t>
+            </a:r>
+            <a:r>
+              <a:rPr lang="zh-CN" altLang="en-US" sz="1200" b="0" i="0" kern="1200" dirty="0">
+                <a:solidFill>
+                  <a:schemeClr val="tx1"/>
+                </a:solidFill>
+                <a:effectLst/>
+                <a:latin typeface="+mn-lt"/>
+                <a:ea typeface="+mn-ea"/>
+                <a:cs typeface="+mn-cs"/>
+              </a:rPr>
+              <a:t>和</a:t>
+            </a:r>
+            <a:r>
+              <a:rPr lang="en-US" altLang="zh-CN" sz="1200" b="0" i="0" kern="1200" dirty="0">
+                <a:solidFill>
+                  <a:schemeClr val="tx1"/>
+                </a:solidFill>
+                <a:effectLst/>
+                <a:latin typeface="+mn-lt"/>
+                <a:ea typeface="+mn-ea"/>
+                <a:cs typeface="+mn-cs"/>
+              </a:rPr>
+              <a:t>&lt;strong&gt;</a:t>
+            </a:r>
+            <a:r>
+              <a:rPr lang="zh-CN" altLang="en-US" sz="1200" b="0" i="0" kern="1200" dirty="0">
+                <a:solidFill>
+                  <a:schemeClr val="tx1"/>
+                </a:solidFill>
+                <a:effectLst/>
+                <a:latin typeface="+mn-lt"/>
+                <a:ea typeface="+mn-ea"/>
+                <a:cs typeface="+mn-cs"/>
+              </a:rPr>
+              <a:t>打包工具</a:t>
+            </a:r>
+            <a:r>
+              <a:rPr lang="en-US" altLang="zh-CN" sz="1200" b="0" i="0" kern="1200" dirty="0">
+                <a:solidFill>
+                  <a:schemeClr val="tx1"/>
+                </a:solidFill>
+                <a:effectLst/>
+                <a:latin typeface="+mn-lt"/>
+                <a:ea typeface="+mn-ea"/>
+                <a:cs typeface="+mn-cs"/>
+              </a:rPr>
+              <a:t>&lt;/strong&gt;</a:t>
+            </a:r>
+            <a:r>
+              <a:rPr lang="zh-CN" altLang="en-US" sz="1200" b="0" i="0" kern="1200" dirty="0">
+                <a:solidFill>
+                  <a:schemeClr val="tx1"/>
+                </a:solidFill>
+                <a:effectLst/>
+                <a:latin typeface="+mn-lt"/>
+                <a:ea typeface="+mn-ea"/>
+                <a:cs typeface="+mn-cs"/>
+              </a:rPr>
+              <a:t>。它可以将许多</a:t>
+            </a:r>
+            <a:r>
+              <a:rPr lang="en-US" altLang="zh-CN" sz="1200" b="0" i="0" kern="1200" dirty="0">
+                <a:solidFill>
+                  <a:schemeClr val="tx1"/>
+                </a:solidFill>
+                <a:effectLst/>
+                <a:latin typeface="+mn-lt"/>
+                <a:ea typeface="+mn-ea"/>
+                <a:cs typeface="+mn-cs"/>
+              </a:rPr>
+              <a:t>&lt;strong&gt;</a:t>
+            </a:r>
+            <a:r>
+              <a:rPr lang="zh-CN" altLang="en-US" sz="1200" b="0" i="0" kern="1200" dirty="0">
+                <a:solidFill>
+                  <a:schemeClr val="tx1"/>
+                </a:solidFill>
+                <a:effectLst/>
+                <a:latin typeface="+mn-lt"/>
+                <a:ea typeface="+mn-ea"/>
+                <a:cs typeface="+mn-cs"/>
+              </a:rPr>
+              <a:t>松散的模块</a:t>
+            </a:r>
+            <a:r>
+              <a:rPr lang="en-US" altLang="zh-CN" sz="1200" b="0" i="0" kern="1200" dirty="0">
+                <a:solidFill>
+                  <a:schemeClr val="tx1"/>
+                </a:solidFill>
+                <a:effectLst/>
+                <a:latin typeface="+mn-lt"/>
+                <a:ea typeface="+mn-ea"/>
+                <a:cs typeface="+mn-cs"/>
+              </a:rPr>
+              <a:t>&lt;/strong&gt;</a:t>
+            </a:r>
+            <a:r>
+              <a:rPr lang="zh-CN" altLang="en-US" sz="1200" b="0" i="0" kern="1200" dirty="0">
+                <a:solidFill>
+                  <a:schemeClr val="tx1"/>
+                </a:solidFill>
+                <a:effectLst/>
+                <a:latin typeface="+mn-lt"/>
+                <a:ea typeface="+mn-ea"/>
+                <a:cs typeface="+mn-cs"/>
+              </a:rPr>
+              <a:t>按照依赖和规则</a:t>
+            </a:r>
+            <a:r>
+              <a:rPr lang="en-US" altLang="zh-CN" sz="1200" b="0" i="0" kern="1200" dirty="0">
+                <a:solidFill>
+                  <a:schemeClr val="tx1"/>
+                </a:solidFill>
+                <a:effectLst/>
+                <a:latin typeface="+mn-lt"/>
+                <a:ea typeface="+mn-ea"/>
+                <a:cs typeface="+mn-cs"/>
+              </a:rPr>
+              <a:t>&lt;strong&gt;</a:t>
+            </a:r>
+            <a:r>
+              <a:rPr lang="zh-CN" altLang="en-US" sz="1200" b="0" i="0" kern="1200" dirty="0">
+                <a:solidFill>
+                  <a:schemeClr val="tx1"/>
+                </a:solidFill>
+                <a:effectLst/>
+                <a:latin typeface="+mn-lt"/>
+                <a:ea typeface="+mn-ea"/>
+                <a:cs typeface="+mn-cs"/>
+              </a:rPr>
+              <a:t>打包成符合生产环境部署的前端资源</a:t>
+            </a:r>
+            <a:r>
+              <a:rPr lang="en-US" altLang="zh-CN" sz="1200" b="0" i="0" kern="1200" dirty="0">
+                <a:solidFill>
+                  <a:schemeClr val="tx1"/>
+                </a:solidFill>
+                <a:effectLst/>
+                <a:latin typeface="+mn-lt"/>
+                <a:ea typeface="+mn-ea"/>
+                <a:cs typeface="+mn-cs"/>
+              </a:rPr>
+              <a:t>&lt;/strong&gt;</a:t>
+            </a:r>
+            <a:r>
+              <a:rPr lang="zh-CN" altLang="en-US" sz="1200" b="0" i="0" kern="1200" dirty="0">
+                <a:solidFill>
+                  <a:schemeClr val="tx1"/>
+                </a:solidFill>
+                <a:effectLst/>
+                <a:latin typeface="+mn-lt"/>
+                <a:ea typeface="+mn-ea"/>
+                <a:cs typeface="+mn-cs"/>
+              </a:rPr>
+              <a:t>。</a:t>
+            </a:r>
+            <a:endParaRPr lang="zh-CN" altLang="en-US" sz="1200" b="0" i="0" kern="1200" dirty="0">
+              <a:solidFill>
+                <a:schemeClr val="tx1"/>
+              </a:solidFill>
+              <a:effectLst/>
+              <a:latin typeface="+mn-lt"/>
+              <a:ea typeface="+mn-ea"/>
+              <a:cs typeface="+mn-cs"/>
+            </a:endParaRPr>
+          </a:p>
+          <a:p>
+            <a:pPr fontAlgn="base"/>
+            <a:r>
+              <a:rPr lang="zh-CN" altLang="en-US" sz="1200" b="0" i="0" kern="1200" dirty="0">
+                <a:solidFill>
+                  <a:schemeClr val="tx1"/>
+                </a:solidFill>
+                <a:effectLst/>
+                <a:latin typeface="+mn-lt"/>
+                <a:ea typeface="+mn-ea"/>
+                <a:cs typeface="+mn-cs"/>
+              </a:rPr>
+              <a:t>还可以将按需加载的模块进行代码分隔，等到实际需要的时候再异步加载。</a:t>
+            </a:r>
             <a:endParaRPr lang="zh-CN" altLang="en-US" sz="1200" b="0" i="0" kern="1200" dirty="0">
               <a:solidFill>
                 <a:schemeClr val="tx1"/>
@@ -5179,7 +5262,6 @@
           <a:p>
             <a:fld id="{35FE79B1-D4B2-422A-B5C3-4CE0FAC25B12}" type="slidenum">
               <a:rPr lang="zh-CN" altLang="en-US" smtClean="0"/>
-              <a:t>39</a:t>
             </a:fld>
             <a:endParaRPr lang="zh-CN" altLang="en-US"/>
           </a:p>
@@ -5478,6 +5560,15 @@
               </a:rPr>
               <a:t>。</a:t>
             </a:r>
+            <a:endParaRPr lang="zh-CN" altLang="en-US" sz="1200" b="0" i="0" kern="1200" dirty="0">
+              <a:solidFill>
+                <a:schemeClr val="tx1"/>
+              </a:solidFill>
+              <a:effectLst/>
+              <a:latin typeface="+mn-lt"/>
+              <a:ea typeface="+mn-ea"/>
+              <a:cs typeface="+mn-cs"/>
+            </a:endParaRPr>
           </a:p>
           <a:p>
             <a:pPr fontAlgn="base"/>
@@ -5493,6 +5584,15 @@
               </a:rPr>
               <a:t>还可以将按需加载的模块进行代码分隔，等到实际需要的时候再异步加载。</a:t>
             </a:r>
+            <a:endParaRPr lang="zh-CN" altLang="en-US" sz="1200" b="0" i="0" kern="1200" dirty="0">
+              <a:solidFill>
+                <a:schemeClr val="tx1"/>
+              </a:solidFill>
+              <a:effectLst/>
+              <a:latin typeface="+mn-lt"/>
+              <a:ea typeface="+mn-ea"/>
+              <a:cs typeface="+mn-cs"/>
+            </a:endParaRPr>
           </a:p>
         </p:txBody>
       </p:sp>
@@ -5513,7 +5613,6 @@
           <a:p>
             <a:fld id="{35FE79B1-D4B2-422A-B5C3-4CE0FAC25B12}" type="slidenum">
               <a:rPr lang="zh-CN" altLang="en-US" smtClean="0"/>
-              <a:t>40</a:t>
             </a:fld>
             <a:endParaRPr lang="zh-CN" altLang="en-US"/>
           </a:p>
@@ -5744,6 +5843,9 @@
               </a:rPr>
               <a:t>文件，加载器，插件等</a:t>
             </a:r>
+            <a:endParaRPr lang="zh-CN" altLang="en-US" sz="1200" dirty="0">
+              <a:sym typeface="Arial" panose="020B0604020202020204"/>
+            </a:endParaRPr>
           </a:p>
           <a:p>
             <a:pPr marL="0" indent="0">
@@ -5820,7 +5922,6 @@
           <a:p>
             <a:fld id="{35FE79B1-D4B2-422A-B5C3-4CE0FAC25B12}" type="slidenum">
               <a:rPr lang="zh-CN" altLang="en-US" smtClean="0"/>
-              <a:t>41</a:t>
             </a:fld>
             <a:endParaRPr lang="zh-CN" altLang="en-US"/>
           </a:p>
@@ -5893,6 +5994,9 @@
               </a:rPr>
               <a:t>将这个hello.js打包为hello.bundle.js</a:t>
             </a:r>
+            <a:endParaRPr lang="en-US" altLang="zh-CN" sz="1200" dirty="0" err="1">
+              <a:sym typeface="Arial" panose="020B0604020202020204"/>
+            </a:endParaRPr>
           </a:p>
           <a:p>
             <a:pPr marL="0" indent="0">
@@ -6076,6 +6180,9 @@
               </a:rPr>
               <a:t>文件，加载器，插件等</a:t>
             </a:r>
+            <a:endParaRPr lang="zh-CN" altLang="en-US" sz="1200" dirty="0">
+              <a:sym typeface="Arial" panose="020B0604020202020204"/>
+            </a:endParaRPr>
           </a:p>
           <a:p>
             <a:pPr marL="0" indent="0">
@@ -6152,7 +6259,6 @@
           <a:p>
             <a:fld id="{35FE79B1-D4B2-422A-B5C3-4CE0FAC25B12}" type="slidenum">
               <a:rPr lang="zh-CN" altLang="en-US" smtClean="0"/>
-              <a:t>42</a:t>
             </a:fld>
             <a:endParaRPr lang="zh-CN" altLang="en-US"/>
           </a:p>
@@ -6240,7 +6346,6 @@
           <a:p>
             <a:fld id="{35FE79B1-D4B2-422A-B5C3-4CE0FAC25B12}" type="slidenum">
               <a:rPr lang="zh-CN" altLang="en-US" smtClean="0"/>
-              <a:t>43</a:t>
             </a:fld>
             <a:endParaRPr lang="zh-CN" altLang="en-US"/>
           </a:p>
@@ -6323,6 +6428,39 @@
               </a:rPr>
               <a:t>webpackdemo</a:t>
             </a:r>
+            <a:endParaRPr lang="en-US" altLang="zh-CN" sz="1200" b="0" i="0" kern="1200" dirty="0">
+              <a:solidFill>
+                <a:schemeClr val="tx1"/>
+              </a:solidFill>
+              <a:effectLst/>
+              <a:latin typeface="+mn-lt"/>
+              <a:ea typeface="+mn-ea"/>
+              <a:cs typeface="+mn-cs"/>
+            </a:endParaRPr>
+          </a:p>
+          <a:p>
+            <a:pPr fontAlgn="base"/>
+            <a:r>
+              <a:rPr lang="en-US" altLang="zh-CN" sz="1200" b="0" i="0" kern="1200" dirty="0">
+                <a:solidFill>
+                  <a:schemeClr val="tx1"/>
+                </a:solidFill>
+                <a:effectLst/>
+                <a:latin typeface="+mn-lt"/>
+                <a:ea typeface="+mn-ea"/>
+                <a:cs typeface="+mn-cs"/>
+              </a:rPr>
+              <a:t>--mode定义打包方式一般有两种默认为production,development为开发环境的代码,即不压缩的方式 }</a:t>
+            </a:r>
+            <a:endParaRPr lang="en-US" altLang="zh-CN" sz="1200" b="0" i="0" kern="1200" dirty="0">
+              <a:solidFill>
+                <a:schemeClr val="tx1"/>
+              </a:solidFill>
+              <a:effectLst/>
+              <a:latin typeface="+mn-lt"/>
+              <a:ea typeface="+mn-ea"/>
+              <a:cs typeface="+mn-cs"/>
+            </a:endParaRPr>
           </a:p>
         </p:txBody>
       </p:sp>
@@ -6343,7 +6481,6 @@
           <a:p>
             <a:fld id="{35FE79B1-D4B2-422A-B5C3-4CE0FAC25B12}" type="slidenum">
               <a:rPr lang="zh-CN" altLang="en-US" smtClean="0"/>
-              <a:t>44</a:t>
             </a:fld>
             <a:endParaRPr lang="zh-CN" altLang="en-US"/>
           </a:p>
@@ -6431,7 +6568,6 @@
           <a:p>
             <a:fld id="{35FE79B1-D4B2-422A-B5C3-4CE0FAC25B12}" type="slidenum">
               <a:rPr lang="zh-CN" altLang="en-US" smtClean="0"/>
-              <a:t>45</a:t>
             </a:fld>
             <a:endParaRPr lang="zh-CN" altLang="en-US"/>
           </a:p>
@@ -6532,6 +6668,7 @@
               <a:rPr lang="en-US" altLang="zh-CN" dirty="0"/>
               <a:t>Controller</a:t>
             </a:r>
+            <a:endParaRPr lang="en-US" altLang="zh-CN" dirty="0"/>
           </a:p>
           <a:p>
             <a:r>
@@ -6585,6 +6722,7 @@
               <a:rPr lang="zh-CN" altLang="en-US" dirty="0"/>
               <a:t>后端只负责提供数据，更专注于业务</a:t>
             </a:r>
+            <a:endParaRPr lang="zh-CN" altLang="en-US" dirty="0"/>
           </a:p>
           <a:p>
             <a:endParaRPr lang="zh-CN" altLang="en-US" dirty="0"/>
@@ -6602,6 +6740,7 @@
               <a:rPr lang="zh-CN" altLang="en-US" dirty="0"/>
               <a:t>，变成了前端响应浏览器</a:t>
             </a:r>
+            <a:endParaRPr lang="zh-CN" altLang="en-US" dirty="0"/>
           </a:p>
         </p:txBody>
       </p:sp>
@@ -6622,7 +6761,6 @@
           <a:p>
             <a:fld id="{35FE79B1-D4B2-422A-B5C3-4CE0FAC25B12}" type="slidenum">
               <a:rPr lang="zh-CN" altLang="en-US" smtClean="0"/>
-              <a:t>7</a:t>
             </a:fld>
             <a:endParaRPr lang="zh-CN" altLang="en-US"/>
           </a:p>
@@ -6710,7 +6848,6 @@
           <a:p>
             <a:fld id="{35FE79B1-D4B2-422A-B5C3-4CE0FAC25B12}" type="slidenum">
               <a:rPr lang="zh-CN" altLang="en-US" smtClean="0"/>
-              <a:t>46</a:t>
             </a:fld>
             <a:endParaRPr lang="zh-CN" altLang="en-US"/>
           </a:p>
@@ -6789,7 +6926,6 @@
           <a:p>
             <a:fld id="{35FE79B1-D4B2-422A-B5C3-4CE0FAC25B12}" type="slidenum">
               <a:rPr lang="zh-CN" altLang="en-US" smtClean="0"/>
-              <a:t>47</a:t>
             </a:fld>
             <a:endParaRPr lang="zh-CN" altLang="en-US"/>
           </a:p>
@@ -6868,7 +7004,6 @@
           <a:p>
             <a:fld id="{35FE79B1-D4B2-422A-B5C3-4CE0FAC25B12}" type="slidenum">
               <a:rPr lang="zh-CN" altLang="en-US" smtClean="0"/>
-              <a:t>48</a:t>
             </a:fld>
             <a:endParaRPr lang="zh-CN" altLang="en-US"/>
           </a:p>
@@ -6930,6 +7065,7 @@
               <a:rPr lang="zh-CN" altLang="en-US" dirty="0"/>
               <a:t>对比当前研发模式，进一步了解前后端分离</a:t>
             </a:r>
+            <a:endParaRPr lang="zh-CN" altLang="en-US" dirty="0"/>
           </a:p>
         </p:txBody>
       </p:sp>
@@ -6950,7 +7086,6 @@
           <a:p>
             <a:fld id="{35FE79B1-D4B2-422A-B5C3-4CE0FAC25B12}" type="slidenum">
               <a:rPr lang="zh-CN" altLang="en-US" smtClean="0"/>
-              <a:t>8</a:t>
             </a:fld>
             <a:endParaRPr lang="zh-CN" altLang="en-US"/>
           </a:p>
@@ -7029,7 +7164,6 @@
           <a:p>
             <a:fld id="{35FE79B1-D4B2-422A-B5C3-4CE0FAC25B12}" type="slidenum">
               <a:rPr lang="zh-CN" altLang="en-US" smtClean="0"/>
-              <a:t>9</a:t>
             </a:fld>
             <a:endParaRPr lang="zh-CN" altLang="en-US"/>
           </a:p>
@@ -7130,6 +7264,7 @@
               <a:rPr lang="en-US" altLang="zh-CN" dirty="0"/>
               <a:t>Controller</a:t>
             </a:r>
+            <a:endParaRPr lang="en-US" altLang="zh-CN" dirty="0"/>
           </a:p>
           <a:p>
             <a:r>
@@ -7183,6 +7318,7 @@
               <a:rPr lang="zh-CN" altLang="en-US" dirty="0"/>
               <a:t>后端只负责提供数据，更专注于业务</a:t>
             </a:r>
+            <a:endParaRPr lang="zh-CN" altLang="en-US" dirty="0"/>
           </a:p>
           <a:p>
             <a:endParaRPr lang="zh-CN" altLang="en-US" dirty="0"/>
@@ -7200,6 +7336,7 @@
               <a:rPr lang="zh-CN" altLang="en-US" dirty="0"/>
               <a:t>，变成了前端响应浏览器</a:t>
             </a:r>
+            <a:endParaRPr lang="zh-CN" altLang="en-US" dirty="0"/>
           </a:p>
         </p:txBody>
       </p:sp>
@@ -7220,7 +7357,6 @@
           <a:p>
             <a:fld id="{35FE79B1-D4B2-422A-B5C3-4CE0FAC25B12}" type="slidenum">
               <a:rPr lang="zh-CN" altLang="en-US" smtClean="0"/>
-              <a:t>10</a:t>
             </a:fld>
             <a:endParaRPr lang="zh-CN" altLang="en-US"/>
           </a:p>
@@ -7376,6 +7512,7 @@
               <a:rPr lang="zh-CN" altLang="en-US" dirty="0"/>
               <a:t>可以实现异步加载，当一个页面有很多模板拼接，可以实现，读文件并行，哪个文件先加载完成先渲染</a:t>
             </a:r>
+            <a:endParaRPr lang="zh-CN" altLang="en-US" dirty="0"/>
           </a:p>
         </p:txBody>
       </p:sp>
@@ -7396,7 +7533,6 @@
           <a:p>
             <a:fld id="{35FE79B1-D4B2-422A-B5C3-4CE0FAC25B12}" type="slidenum">
               <a:rPr lang="zh-CN" altLang="en-US" smtClean="0"/>
-              <a:t>11</a:t>
             </a:fld>
             <a:endParaRPr lang="zh-CN" altLang="en-US"/>
           </a:p>
@@ -7475,7 +7611,6 @@
           <a:p>
             <a:fld id="{35FE79B1-D4B2-422A-B5C3-4CE0FAC25B12}" type="slidenum">
               <a:rPr lang="zh-CN" altLang="en-US" smtClean="0"/>
-              <a:t>12</a:t>
             </a:fld>
             <a:endParaRPr lang="zh-CN" altLang="en-US"/>
           </a:p>
@@ -7534,6 +7669,7 @@
               <a:rPr lang="zh-CN" altLang="en-US"/>
               <a:t>单击此处编辑母版标题样式</a:t>
             </a:r>
+            <a:endParaRPr lang="zh-CN" altLang="en-US"/>
           </a:p>
         </p:txBody>
       </p:sp>
@@ -7598,6 +7734,7 @@
               <a:rPr lang="zh-CN" altLang="en-US"/>
               <a:t>单击此处编辑母版副标题样式</a:t>
             </a:r>
+            <a:endParaRPr lang="zh-CN" altLang="en-US"/>
           </a:p>
         </p:txBody>
       </p:sp>
@@ -7618,7 +7755,6 @@
           <a:p>
             <a:fld id="{751C2643-A31D-47E0-A415-A83F4543334B}" type="datetimeFigureOut">
               <a:rPr lang="zh-CN" altLang="en-US" smtClean="0"/>
-              <a:t>2018/12/20</a:t>
             </a:fld>
             <a:endParaRPr lang="zh-CN" altLang="en-US"/>
           </a:p>
@@ -7660,7 +7796,6 @@
           <a:p>
             <a:fld id="{C299A1FC-52DA-4A75-ADFA-CA6764EC8019}" type="slidenum">
               <a:rPr lang="zh-CN" altLang="en-US" smtClean="0"/>
-              <a:t>‹#›</a:t>
             </a:fld>
             <a:endParaRPr lang="zh-CN" altLang="en-US"/>
           </a:p>
@@ -7710,6 +7845,7 @@
               <a:rPr lang="zh-CN" altLang="en-US"/>
               <a:t>单击此处编辑母版标题样式</a:t>
             </a:r>
+            <a:endParaRPr lang="zh-CN" altLang="en-US"/>
           </a:p>
         </p:txBody>
       </p:sp>
@@ -7733,6 +7869,7 @@
               <a:rPr lang="zh-CN" altLang="en-US"/>
               <a:t>编辑母版文本样式</a:t>
             </a:r>
+            <a:endParaRPr lang="zh-CN" altLang="en-US"/>
           </a:p>
           <a:p>
             <a:pPr lvl="1"/>
@@ -7740,6 +7877,7 @@
               <a:rPr lang="zh-CN" altLang="en-US"/>
               <a:t>第二级</a:t>
             </a:r>
+            <a:endParaRPr lang="zh-CN" altLang="en-US"/>
           </a:p>
           <a:p>
             <a:pPr lvl="2"/>
@@ -7747,6 +7885,7 @@
               <a:rPr lang="zh-CN" altLang="en-US"/>
               <a:t>第三级</a:t>
             </a:r>
+            <a:endParaRPr lang="zh-CN" altLang="en-US"/>
           </a:p>
           <a:p>
             <a:pPr lvl="3"/>
@@ -7754,6 +7893,7 @@
               <a:rPr lang="zh-CN" altLang="en-US"/>
               <a:t>第四级</a:t>
             </a:r>
+            <a:endParaRPr lang="zh-CN" altLang="en-US"/>
           </a:p>
           <a:p>
             <a:pPr lvl="4"/>
@@ -7761,6 +7901,7 @@
               <a:rPr lang="zh-CN" altLang="en-US"/>
               <a:t>第五级</a:t>
             </a:r>
+            <a:endParaRPr lang="zh-CN" altLang="en-US"/>
           </a:p>
         </p:txBody>
       </p:sp>
@@ -7781,7 +7922,6 @@
           <a:p>
             <a:fld id="{751C2643-A31D-47E0-A415-A83F4543334B}" type="datetimeFigureOut">
               <a:rPr lang="zh-CN" altLang="en-US" smtClean="0"/>
-              <a:t>2018/12/20</a:t>
             </a:fld>
             <a:endParaRPr lang="zh-CN" altLang="en-US"/>
           </a:p>
@@ -7823,7 +7963,6 @@
           <a:p>
             <a:fld id="{C299A1FC-52DA-4A75-ADFA-CA6764EC8019}" type="slidenum">
               <a:rPr lang="zh-CN" altLang="en-US" smtClean="0"/>
-              <a:t>‹#›</a:t>
             </a:fld>
             <a:endParaRPr lang="zh-CN" altLang="en-US"/>
           </a:p>
@@ -7878,6 +8017,7 @@
               <a:rPr lang="zh-CN" altLang="en-US"/>
               <a:t>单击此处编辑母版标题样式</a:t>
             </a:r>
+            <a:endParaRPr lang="zh-CN" altLang="en-US"/>
           </a:p>
         </p:txBody>
       </p:sp>
@@ -7906,6 +8046,7 @@
               <a:rPr lang="zh-CN" altLang="en-US"/>
               <a:t>编辑母版文本样式</a:t>
             </a:r>
+            <a:endParaRPr lang="zh-CN" altLang="en-US"/>
           </a:p>
           <a:p>
             <a:pPr lvl="1"/>
@@ -7913,6 +8054,7 @@
               <a:rPr lang="zh-CN" altLang="en-US"/>
               <a:t>第二级</a:t>
             </a:r>
+            <a:endParaRPr lang="zh-CN" altLang="en-US"/>
           </a:p>
           <a:p>
             <a:pPr lvl="2"/>
@@ -7920,6 +8062,7 @@
               <a:rPr lang="zh-CN" altLang="en-US"/>
               <a:t>第三级</a:t>
             </a:r>
+            <a:endParaRPr lang="zh-CN" altLang="en-US"/>
           </a:p>
           <a:p>
             <a:pPr lvl="3"/>
@@ -7927,6 +8070,7 @@
               <a:rPr lang="zh-CN" altLang="en-US"/>
               <a:t>第四级</a:t>
             </a:r>
+            <a:endParaRPr lang="zh-CN" altLang="en-US"/>
           </a:p>
           <a:p>
             <a:pPr lvl="4"/>
@@ -7934,6 +8078,7 @@
               <a:rPr lang="zh-CN" altLang="en-US"/>
               <a:t>第五级</a:t>
             </a:r>
+            <a:endParaRPr lang="zh-CN" altLang="en-US"/>
           </a:p>
         </p:txBody>
       </p:sp>
@@ -7954,7 +8099,6 @@
           <a:p>
             <a:fld id="{751C2643-A31D-47E0-A415-A83F4543334B}" type="datetimeFigureOut">
               <a:rPr lang="zh-CN" altLang="en-US" smtClean="0"/>
-              <a:t>2018/12/20</a:t>
             </a:fld>
             <a:endParaRPr lang="zh-CN" altLang="en-US"/>
           </a:p>
@@ -7996,7 +8140,6 @@
           <a:p>
             <a:fld id="{C299A1FC-52DA-4A75-ADFA-CA6764EC8019}" type="slidenum">
               <a:rPr lang="zh-CN" altLang="en-US" smtClean="0"/>
-              <a:t>‹#›</a:t>
             </a:fld>
             <a:endParaRPr lang="zh-CN" altLang="en-US"/>
           </a:p>
@@ -8055,6 +8198,7 @@
               <a:rPr lang="zh-CN" altLang="en-US"/>
               <a:t>单击此处编辑母版标题样式</a:t>
             </a:r>
+            <a:endParaRPr lang="zh-CN" altLang="en-US"/>
           </a:p>
         </p:txBody>
       </p:sp>
@@ -8119,6 +8263,7 @@
               <a:rPr lang="zh-CN" altLang="en-US"/>
               <a:t>单击此处编辑母版副标题样式</a:t>
             </a:r>
+            <a:endParaRPr lang="zh-CN" altLang="en-US"/>
           </a:p>
         </p:txBody>
       </p:sp>
@@ -8139,7 +8284,6 @@
           <a:p>
             <a:fld id="{751C2643-A31D-47E0-A415-A83F4543334B}" type="datetimeFigureOut">
               <a:rPr lang="zh-CN" altLang="en-US" smtClean="0"/>
-              <a:t>2018/12/20</a:t>
             </a:fld>
             <a:endParaRPr lang="zh-CN" altLang="en-US"/>
           </a:p>
@@ -8181,7 +8325,6 @@
           <a:p>
             <a:fld id="{C299A1FC-52DA-4A75-ADFA-CA6764EC8019}" type="slidenum">
               <a:rPr lang="zh-CN" altLang="en-US" smtClean="0"/>
-              <a:t>‹#›</a:t>
             </a:fld>
             <a:endParaRPr lang="zh-CN" altLang="en-US"/>
           </a:p>
@@ -8231,6 +8374,7 @@
               <a:rPr lang="zh-CN" altLang="en-US"/>
               <a:t>单击此处编辑母版标题样式</a:t>
             </a:r>
+            <a:endParaRPr lang="zh-CN" altLang="en-US"/>
           </a:p>
         </p:txBody>
       </p:sp>
@@ -8254,6 +8398,7 @@
               <a:rPr lang="zh-CN" altLang="en-US"/>
               <a:t>编辑母版文本样式</a:t>
             </a:r>
+            <a:endParaRPr lang="zh-CN" altLang="en-US"/>
           </a:p>
           <a:p>
             <a:pPr lvl="1"/>
@@ -8261,6 +8406,7 @@
               <a:rPr lang="zh-CN" altLang="en-US"/>
               <a:t>第二级</a:t>
             </a:r>
+            <a:endParaRPr lang="zh-CN" altLang="en-US"/>
           </a:p>
           <a:p>
             <a:pPr lvl="2"/>
@@ -8268,6 +8414,7 @@
               <a:rPr lang="zh-CN" altLang="en-US"/>
               <a:t>第三级</a:t>
             </a:r>
+            <a:endParaRPr lang="zh-CN" altLang="en-US"/>
           </a:p>
           <a:p>
             <a:pPr lvl="3"/>
@@ -8275,6 +8422,7 @@
               <a:rPr lang="zh-CN" altLang="en-US"/>
               <a:t>第四级</a:t>
             </a:r>
+            <a:endParaRPr lang="zh-CN" altLang="en-US"/>
           </a:p>
           <a:p>
             <a:pPr lvl="4"/>
@@ -8282,6 +8430,7 @@
               <a:rPr lang="zh-CN" altLang="en-US"/>
               <a:t>第五级</a:t>
             </a:r>
+            <a:endParaRPr lang="zh-CN" altLang="en-US"/>
           </a:p>
         </p:txBody>
       </p:sp>
@@ -8302,7 +8451,6 @@
           <a:p>
             <a:fld id="{751C2643-A31D-47E0-A415-A83F4543334B}" type="datetimeFigureOut">
               <a:rPr lang="zh-CN" altLang="en-US" smtClean="0"/>
-              <a:t>2018/12/20</a:t>
             </a:fld>
             <a:endParaRPr lang="zh-CN" altLang="en-US"/>
           </a:p>
@@ -8344,7 +8492,6 @@
           <a:p>
             <a:fld id="{C299A1FC-52DA-4A75-ADFA-CA6764EC8019}" type="slidenum">
               <a:rPr lang="zh-CN" altLang="en-US" smtClean="0"/>
-              <a:t>‹#›</a:t>
             </a:fld>
             <a:endParaRPr lang="zh-CN" altLang="en-US"/>
           </a:p>
@@ -8403,6 +8550,7 @@
               <a:rPr lang="zh-CN" altLang="en-US"/>
               <a:t>单击此处编辑母版标题样式</a:t>
             </a:r>
+            <a:endParaRPr lang="zh-CN" altLang="en-US"/>
           </a:p>
         </p:txBody>
       </p:sp>
@@ -8522,6 +8670,7 @@
               <a:rPr lang="zh-CN" altLang="en-US"/>
               <a:t>编辑母版文本样式</a:t>
             </a:r>
+            <a:endParaRPr lang="zh-CN" altLang="en-US"/>
           </a:p>
         </p:txBody>
       </p:sp>
@@ -8542,7 +8691,6 @@
           <a:p>
             <a:fld id="{751C2643-A31D-47E0-A415-A83F4543334B}" type="datetimeFigureOut">
               <a:rPr lang="zh-CN" altLang="en-US" smtClean="0"/>
-              <a:t>2018/12/20</a:t>
             </a:fld>
             <a:endParaRPr lang="zh-CN" altLang="en-US"/>
           </a:p>
@@ -8584,7 +8732,6 @@
           <a:p>
             <a:fld id="{C299A1FC-52DA-4A75-ADFA-CA6764EC8019}" type="slidenum">
               <a:rPr lang="zh-CN" altLang="en-US" smtClean="0"/>
-              <a:t>‹#›</a:t>
             </a:fld>
             <a:endParaRPr lang="zh-CN" altLang="en-US"/>
           </a:p>
@@ -8634,6 +8781,7 @@
               <a:rPr lang="zh-CN" altLang="en-US"/>
               <a:t>单击此处编辑母版标题样式</a:t>
             </a:r>
+            <a:endParaRPr lang="zh-CN" altLang="en-US"/>
           </a:p>
         </p:txBody>
       </p:sp>
@@ -8662,6 +8810,7 @@
               <a:rPr lang="zh-CN" altLang="en-US"/>
               <a:t>编辑母版文本样式</a:t>
             </a:r>
+            <a:endParaRPr lang="zh-CN" altLang="en-US"/>
           </a:p>
           <a:p>
             <a:pPr lvl="1"/>
@@ -8669,6 +8818,7 @@
               <a:rPr lang="zh-CN" altLang="en-US"/>
               <a:t>第二级</a:t>
             </a:r>
+            <a:endParaRPr lang="zh-CN" altLang="en-US"/>
           </a:p>
           <a:p>
             <a:pPr lvl="2"/>
@@ -8676,6 +8826,7 @@
               <a:rPr lang="zh-CN" altLang="en-US"/>
               <a:t>第三级</a:t>
             </a:r>
+            <a:endParaRPr lang="zh-CN" altLang="en-US"/>
           </a:p>
           <a:p>
             <a:pPr lvl="3"/>
@@ -8683,6 +8834,7 @@
               <a:rPr lang="zh-CN" altLang="en-US"/>
               <a:t>第四级</a:t>
             </a:r>
+            <a:endParaRPr lang="zh-CN" altLang="en-US"/>
           </a:p>
           <a:p>
             <a:pPr lvl="4"/>
@@ -8690,6 +8842,7 @@
               <a:rPr lang="zh-CN" altLang="en-US"/>
               <a:t>第五级</a:t>
             </a:r>
+            <a:endParaRPr lang="zh-CN" altLang="en-US"/>
           </a:p>
         </p:txBody>
       </p:sp>
@@ -8718,6 +8871,7 @@
               <a:rPr lang="zh-CN" altLang="en-US"/>
               <a:t>编辑母版文本样式</a:t>
             </a:r>
+            <a:endParaRPr lang="zh-CN" altLang="en-US"/>
           </a:p>
           <a:p>
             <a:pPr lvl="1"/>
@@ -8725,6 +8879,7 @@
               <a:rPr lang="zh-CN" altLang="en-US"/>
               <a:t>第二级</a:t>
             </a:r>
+            <a:endParaRPr lang="zh-CN" altLang="en-US"/>
           </a:p>
           <a:p>
             <a:pPr lvl="2"/>
@@ -8732,6 +8887,7 @@
               <a:rPr lang="zh-CN" altLang="en-US"/>
               <a:t>第三级</a:t>
             </a:r>
+            <a:endParaRPr lang="zh-CN" altLang="en-US"/>
           </a:p>
           <a:p>
             <a:pPr lvl="3"/>
@@ -8739,6 +8895,7 @@
               <a:rPr lang="zh-CN" altLang="en-US"/>
               <a:t>第四级</a:t>
             </a:r>
+            <a:endParaRPr lang="zh-CN" altLang="en-US"/>
           </a:p>
           <a:p>
             <a:pPr lvl="4"/>
@@ -8746,6 +8903,7 @@
               <a:rPr lang="zh-CN" altLang="en-US"/>
               <a:t>第五级</a:t>
             </a:r>
+            <a:endParaRPr lang="zh-CN" altLang="en-US"/>
           </a:p>
         </p:txBody>
       </p:sp>
@@ -8766,7 +8924,6 @@
           <a:p>
             <a:fld id="{751C2643-A31D-47E0-A415-A83F4543334B}" type="datetimeFigureOut">
               <a:rPr lang="zh-CN" altLang="en-US" smtClean="0"/>
-              <a:t>2018/12/20</a:t>
             </a:fld>
             <a:endParaRPr lang="zh-CN" altLang="en-US"/>
           </a:p>
@@ -8808,7 +8965,6 @@
           <a:p>
             <a:fld id="{C299A1FC-52DA-4A75-ADFA-CA6764EC8019}" type="slidenum">
               <a:rPr lang="zh-CN" altLang="en-US" smtClean="0"/>
-              <a:t>‹#›</a:t>
             </a:fld>
             <a:endParaRPr lang="zh-CN" altLang="en-US"/>
           </a:p>
@@ -8863,6 +9019,7 @@
               <a:rPr lang="zh-CN" altLang="en-US"/>
               <a:t>单击此处编辑母版标题样式</a:t>
             </a:r>
+            <a:endParaRPr lang="zh-CN" altLang="en-US"/>
           </a:p>
         </p:txBody>
       </p:sp>
@@ -8928,6 +9085,7 @@
               <a:rPr lang="zh-CN" altLang="en-US"/>
               <a:t>编辑母版文本样式</a:t>
             </a:r>
+            <a:endParaRPr lang="zh-CN" altLang="en-US"/>
           </a:p>
         </p:txBody>
       </p:sp>
@@ -8956,6 +9114,7 @@
               <a:rPr lang="zh-CN" altLang="en-US"/>
               <a:t>编辑母版文本样式</a:t>
             </a:r>
+            <a:endParaRPr lang="zh-CN" altLang="en-US"/>
           </a:p>
           <a:p>
             <a:pPr lvl="1"/>
@@ -8963,6 +9122,7 @@
               <a:rPr lang="zh-CN" altLang="en-US"/>
               <a:t>第二级</a:t>
             </a:r>
+            <a:endParaRPr lang="zh-CN" altLang="en-US"/>
           </a:p>
           <a:p>
             <a:pPr lvl="2"/>
@@ -8970,6 +9130,7 @@
               <a:rPr lang="zh-CN" altLang="en-US"/>
               <a:t>第三级</a:t>
             </a:r>
+            <a:endParaRPr lang="zh-CN" altLang="en-US"/>
           </a:p>
           <a:p>
             <a:pPr lvl="3"/>
@@ -8977,6 +9138,7 @@
               <a:rPr lang="zh-CN" altLang="en-US"/>
               <a:t>第四级</a:t>
             </a:r>
+            <a:endParaRPr lang="zh-CN" altLang="en-US"/>
           </a:p>
           <a:p>
             <a:pPr lvl="4"/>
@@ -8984,6 +9146,7 @@
               <a:rPr lang="zh-CN" altLang="en-US"/>
               <a:t>第五级</a:t>
             </a:r>
+            <a:endParaRPr lang="zh-CN" altLang="en-US"/>
           </a:p>
         </p:txBody>
       </p:sp>
@@ -9049,6 +9212,7 @@
               <a:rPr lang="zh-CN" altLang="en-US"/>
               <a:t>编辑母版文本样式</a:t>
             </a:r>
+            <a:endParaRPr lang="zh-CN" altLang="en-US"/>
           </a:p>
         </p:txBody>
       </p:sp>
@@ -9077,6 +9241,7 @@
               <a:rPr lang="zh-CN" altLang="en-US"/>
               <a:t>编辑母版文本样式</a:t>
             </a:r>
+            <a:endParaRPr lang="zh-CN" altLang="en-US"/>
           </a:p>
           <a:p>
             <a:pPr lvl="1"/>
@@ -9084,6 +9249,7 @@
               <a:rPr lang="zh-CN" altLang="en-US"/>
               <a:t>第二级</a:t>
             </a:r>
+            <a:endParaRPr lang="zh-CN" altLang="en-US"/>
           </a:p>
           <a:p>
             <a:pPr lvl="2"/>
@@ -9091,6 +9257,7 @@
               <a:rPr lang="zh-CN" altLang="en-US"/>
               <a:t>第三级</a:t>
             </a:r>
+            <a:endParaRPr lang="zh-CN" altLang="en-US"/>
           </a:p>
           <a:p>
             <a:pPr lvl="3"/>
@@ -9098,6 +9265,7 @@
               <a:rPr lang="zh-CN" altLang="en-US"/>
               <a:t>第四级</a:t>
             </a:r>
+            <a:endParaRPr lang="zh-CN" altLang="en-US"/>
           </a:p>
           <a:p>
             <a:pPr lvl="4"/>
@@ -9105,6 +9273,7 @@
               <a:rPr lang="zh-CN" altLang="en-US"/>
               <a:t>第五级</a:t>
             </a:r>
+            <a:endParaRPr lang="zh-CN" altLang="en-US"/>
           </a:p>
         </p:txBody>
       </p:sp>
@@ -9125,7 +9294,6 @@
           <a:p>
             <a:fld id="{751C2643-A31D-47E0-A415-A83F4543334B}" type="datetimeFigureOut">
               <a:rPr lang="zh-CN" altLang="en-US" smtClean="0"/>
-              <a:t>2018/12/20</a:t>
             </a:fld>
             <a:endParaRPr lang="zh-CN" altLang="en-US"/>
           </a:p>
@@ -9167,7 +9335,6 @@
           <a:p>
             <a:fld id="{C299A1FC-52DA-4A75-ADFA-CA6764EC8019}" type="slidenum">
               <a:rPr lang="zh-CN" altLang="en-US" smtClean="0"/>
-              <a:t>‹#›</a:t>
             </a:fld>
             <a:endParaRPr lang="zh-CN" altLang="en-US"/>
           </a:p>
@@ -9217,6 +9384,7 @@
               <a:rPr lang="zh-CN" altLang="en-US"/>
               <a:t>单击此处编辑母版标题样式</a:t>
             </a:r>
+            <a:endParaRPr lang="zh-CN" altLang="en-US"/>
           </a:p>
         </p:txBody>
       </p:sp>
@@ -9237,7 +9405,6 @@
           <a:p>
             <a:fld id="{751C2643-A31D-47E0-A415-A83F4543334B}" type="datetimeFigureOut">
               <a:rPr lang="zh-CN" altLang="en-US" smtClean="0"/>
-              <a:t>2018/12/20</a:t>
             </a:fld>
             <a:endParaRPr lang="zh-CN" altLang="en-US"/>
           </a:p>
@@ -9279,7 +9446,6 @@
           <a:p>
             <a:fld id="{C299A1FC-52DA-4A75-ADFA-CA6764EC8019}" type="slidenum">
               <a:rPr lang="zh-CN" altLang="en-US" smtClean="0"/>
-              <a:t>‹#›</a:t>
             </a:fld>
             <a:endParaRPr lang="zh-CN" altLang="en-US"/>
           </a:p>
@@ -9327,7 +9493,6 @@
           <a:p>
             <a:fld id="{751C2643-A31D-47E0-A415-A83F4543334B}" type="datetimeFigureOut">
               <a:rPr lang="zh-CN" altLang="en-US" smtClean="0"/>
-              <a:t>2018/12/20</a:t>
             </a:fld>
             <a:endParaRPr lang="zh-CN" altLang="en-US"/>
           </a:p>
@@ -9369,7 +9534,6 @@
           <a:p>
             <a:fld id="{C299A1FC-52DA-4A75-ADFA-CA6764EC8019}" type="slidenum">
               <a:rPr lang="zh-CN" altLang="en-US" smtClean="0"/>
-              <a:t>‹#›</a:t>
             </a:fld>
             <a:endParaRPr lang="zh-CN" altLang="en-US"/>
           </a:p>
@@ -9428,6 +9592,7 @@
               <a:rPr lang="zh-CN" altLang="en-US"/>
               <a:t>单击此处编辑母版标题样式</a:t>
             </a:r>
+            <a:endParaRPr lang="zh-CN" altLang="en-US"/>
           </a:p>
         </p:txBody>
       </p:sp>
@@ -9484,6 +9649,7 @@
               <a:rPr lang="zh-CN" altLang="en-US"/>
               <a:t>编辑母版文本样式</a:t>
             </a:r>
+            <a:endParaRPr lang="zh-CN" altLang="en-US"/>
           </a:p>
           <a:p>
             <a:pPr lvl="1"/>
@@ -9491,6 +9657,7 @@
               <a:rPr lang="zh-CN" altLang="en-US"/>
               <a:t>第二级</a:t>
             </a:r>
+            <a:endParaRPr lang="zh-CN" altLang="en-US"/>
           </a:p>
           <a:p>
             <a:pPr lvl="2"/>
@@ -9498,6 +9665,7 @@
               <a:rPr lang="zh-CN" altLang="en-US"/>
               <a:t>第三级</a:t>
             </a:r>
+            <a:endParaRPr lang="zh-CN" altLang="en-US"/>
           </a:p>
           <a:p>
             <a:pPr lvl="3"/>
@@ -9505,6 +9673,7 @@
               <a:rPr lang="zh-CN" altLang="en-US"/>
               <a:t>第四级</a:t>
             </a:r>
+            <a:endParaRPr lang="zh-CN" altLang="en-US"/>
           </a:p>
           <a:p>
             <a:pPr lvl="4"/>
@@ -9512,6 +9681,7 @@
               <a:rPr lang="zh-CN" altLang="en-US"/>
               <a:t>第五级</a:t>
             </a:r>
+            <a:endParaRPr lang="zh-CN" altLang="en-US"/>
           </a:p>
         </p:txBody>
       </p:sp>
@@ -9577,6 +9747,7 @@
               <a:rPr lang="zh-CN" altLang="en-US"/>
               <a:t>编辑母版文本样式</a:t>
             </a:r>
+            <a:endParaRPr lang="zh-CN" altLang="en-US"/>
           </a:p>
         </p:txBody>
       </p:sp>
@@ -9597,7 +9768,6 @@
           <a:p>
             <a:fld id="{751C2643-A31D-47E0-A415-A83F4543334B}" type="datetimeFigureOut">
               <a:rPr lang="zh-CN" altLang="en-US" smtClean="0"/>
-              <a:t>2018/12/20</a:t>
             </a:fld>
             <a:endParaRPr lang="zh-CN" altLang="en-US"/>
           </a:p>
@@ -9639,7 +9809,6 @@
           <a:p>
             <a:fld id="{C299A1FC-52DA-4A75-ADFA-CA6764EC8019}" type="slidenum">
               <a:rPr lang="zh-CN" altLang="en-US" smtClean="0"/>
-              <a:t>‹#›</a:t>
             </a:fld>
             <a:endParaRPr lang="zh-CN" altLang="en-US"/>
           </a:p>
@@ -9689,6 +9858,7 @@
               <a:rPr lang="zh-CN" altLang="en-US"/>
               <a:t>单击此处编辑母版标题样式</a:t>
             </a:r>
+            <a:endParaRPr lang="zh-CN" altLang="en-US"/>
           </a:p>
         </p:txBody>
       </p:sp>
@@ -9712,6 +9882,7 @@
               <a:rPr lang="zh-CN" altLang="en-US"/>
               <a:t>编辑母版文本样式</a:t>
             </a:r>
+            <a:endParaRPr lang="zh-CN" altLang="en-US"/>
           </a:p>
           <a:p>
             <a:pPr lvl="1"/>
@@ -9719,6 +9890,7 @@
               <a:rPr lang="zh-CN" altLang="en-US"/>
               <a:t>第二级</a:t>
             </a:r>
+            <a:endParaRPr lang="zh-CN" altLang="en-US"/>
           </a:p>
           <a:p>
             <a:pPr lvl="2"/>
@@ -9726,6 +9898,7 @@
               <a:rPr lang="zh-CN" altLang="en-US"/>
               <a:t>第三级</a:t>
             </a:r>
+            <a:endParaRPr lang="zh-CN" altLang="en-US"/>
           </a:p>
           <a:p>
             <a:pPr lvl="3"/>
@@ -9733,6 +9906,7 @@
               <a:rPr lang="zh-CN" altLang="en-US"/>
               <a:t>第四级</a:t>
             </a:r>
+            <a:endParaRPr lang="zh-CN" altLang="en-US"/>
           </a:p>
           <a:p>
             <a:pPr lvl="4"/>
@@ -9740,6 +9914,7 @@
               <a:rPr lang="zh-CN" altLang="en-US"/>
               <a:t>第五级</a:t>
             </a:r>
+            <a:endParaRPr lang="zh-CN" altLang="en-US"/>
           </a:p>
         </p:txBody>
       </p:sp>
@@ -9760,7 +9935,6 @@
           <a:p>
             <a:fld id="{751C2643-A31D-47E0-A415-A83F4543334B}" type="datetimeFigureOut">
               <a:rPr lang="zh-CN" altLang="en-US" smtClean="0"/>
-              <a:t>2018/12/20</a:t>
             </a:fld>
             <a:endParaRPr lang="zh-CN" altLang="en-US"/>
           </a:p>
@@ -9802,7 +9976,6 @@
           <a:p>
             <a:fld id="{C299A1FC-52DA-4A75-ADFA-CA6764EC8019}" type="slidenum">
               <a:rPr lang="zh-CN" altLang="en-US" smtClean="0"/>
-              <a:t>‹#›</a:t>
             </a:fld>
             <a:endParaRPr lang="zh-CN" altLang="en-US"/>
           </a:p>
@@ -9861,6 +10034,7 @@
               <a:rPr lang="zh-CN" altLang="en-US"/>
               <a:t>单击此处编辑母版标题样式</a:t>
             </a:r>
+            <a:endParaRPr lang="zh-CN" altLang="en-US"/>
           </a:p>
         </p:txBody>
       </p:sp>
@@ -9987,6 +10161,7 @@
               <a:rPr lang="zh-CN" altLang="en-US"/>
               <a:t>编辑母版文本样式</a:t>
             </a:r>
+            <a:endParaRPr lang="zh-CN" altLang="en-US"/>
           </a:p>
         </p:txBody>
       </p:sp>
@@ -10007,7 +10182,6 @@
           <a:p>
             <a:fld id="{751C2643-A31D-47E0-A415-A83F4543334B}" type="datetimeFigureOut">
               <a:rPr lang="zh-CN" altLang="en-US" smtClean="0"/>
-              <a:t>2018/12/20</a:t>
             </a:fld>
             <a:endParaRPr lang="zh-CN" altLang="en-US"/>
           </a:p>
@@ -10049,7 +10223,6 @@
           <a:p>
             <a:fld id="{C299A1FC-52DA-4A75-ADFA-CA6764EC8019}" type="slidenum">
               <a:rPr lang="zh-CN" altLang="en-US" smtClean="0"/>
-              <a:t>‹#›</a:t>
             </a:fld>
             <a:endParaRPr lang="zh-CN" altLang="en-US"/>
           </a:p>
@@ -10099,6 +10272,7 @@
               <a:rPr lang="zh-CN" altLang="en-US"/>
               <a:t>单击此处编辑母版标题样式</a:t>
             </a:r>
+            <a:endParaRPr lang="zh-CN" altLang="en-US"/>
           </a:p>
         </p:txBody>
       </p:sp>
@@ -10122,6 +10296,7 @@
               <a:rPr lang="zh-CN" altLang="en-US"/>
               <a:t>编辑母版文本样式</a:t>
             </a:r>
+            <a:endParaRPr lang="zh-CN" altLang="en-US"/>
           </a:p>
           <a:p>
             <a:pPr lvl="1"/>
@@ -10129,6 +10304,7 @@
               <a:rPr lang="zh-CN" altLang="en-US"/>
               <a:t>第二级</a:t>
             </a:r>
+            <a:endParaRPr lang="zh-CN" altLang="en-US"/>
           </a:p>
           <a:p>
             <a:pPr lvl="2"/>
@@ -10136,6 +10312,7 @@
               <a:rPr lang="zh-CN" altLang="en-US"/>
               <a:t>第三级</a:t>
             </a:r>
+            <a:endParaRPr lang="zh-CN" altLang="en-US"/>
           </a:p>
           <a:p>
             <a:pPr lvl="3"/>
@@ -10143,6 +10320,7 @@
               <a:rPr lang="zh-CN" altLang="en-US"/>
               <a:t>第四级</a:t>
             </a:r>
+            <a:endParaRPr lang="zh-CN" altLang="en-US"/>
           </a:p>
           <a:p>
             <a:pPr lvl="4"/>
@@ -10150,6 +10328,7 @@
               <a:rPr lang="zh-CN" altLang="en-US"/>
               <a:t>第五级</a:t>
             </a:r>
+            <a:endParaRPr lang="zh-CN" altLang="en-US"/>
           </a:p>
         </p:txBody>
       </p:sp>
@@ -10170,7 +10349,6 @@
           <a:p>
             <a:fld id="{751C2643-A31D-47E0-A415-A83F4543334B}" type="datetimeFigureOut">
               <a:rPr lang="zh-CN" altLang="en-US" smtClean="0"/>
-              <a:t>2018/12/20</a:t>
             </a:fld>
             <a:endParaRPr lang="zh-CN" altLang="en-US"/>
           </a:p>
@@ -10212,7 +10390,6 @@
           <a:p>
             <a:fld id="{C299A1FC-52DA-4A75-ADFA-CA6764EC8019}" type="slidenum">
               <a:rPr lang="zh-CN" altLang="en-US" smtClean="0"/>
-              <a:t>‹#›</a:t>
             </a:fld>
             <a:endParaRPr lang="zh-CN" altLang="en-US"/>
           </a:p>
@@ -10267,6 +10444,7 @@
               <a:rPr lang="zh-CN" altLang="en-US"/>
               <a:t>单击此处编辑母版标题样式</a:t>
             </a:r>
+            <a:endParaRPr lang="zh-CN" altLang="en-US"/>
           </a:p>
         </p:txBody>
       </p:sp>
@@ -10295,6 +10473,7 @@
               <a:rPr lang="zh-CN" altLang="en-US"/>
               <a:t>编辑母版文本样式</a:t>
             </a:r>
+            <a:endParaRPr lang="zh-CN" altLang="en-US"/>
           </a:p>
           <a:p>
             <a:pPr lvl="1"/>
@@ -10302,6 +10481,7 @@
               <a:rPr lang="zh-CN" altLang="en-US"/>
               <a:t>第二级</a:t>
             </a:r>
+            <a:endParaRPr lang="zh-CN" altLang="en-US"/>
           </a:p>
           <a:p>
             <a:pPr lvl="2"/>
@@ -10309,6 +10489,7 @@
               <a:rPr lang="zh-CN" altLang="en-US"/>
               <a:t>第三级</a:t>
             </a:r>
+            <a:endParaRPr lang="zh-CN" altLang="en-US"/>
           </a:p>
           <a:p>
             <a:pPr lvl="3"/>
@@ -10316,6 +10497,7 @@
               <a:rPr lang="zh-CN" altLang="en-US"/>
               <a:t>第四级</a:t>
             </a:r>
+            <a:endParaRPr lang="zh-CN" altLang="en-US"/>
           </a:p>
           <a:p>
             <a:pPr lvl="4"/>
@@ -10323,6 +10505,7 @@
               <a:rPr lang="zh-CN" altLang="en-US"/>
               <a:t>第五级</a:t>
             </a:r>
+            <a:endParaRPr lang="zh-CN" altLang="en-US"/>
           </a:p>
         </p:txBody>
       </p:sp>
@@ -10343,7 +10526,6 @@
           <a:p>
             <a:fld id="{751C2643-A31D-47E0-A415-A83F4543334B}" type="datetimeFigureOut">
               <a:rPr lang="zh-CN" altLang="en-US" smtClean="0"/>
-              <a:t>2018/12/20</a:t>
             </a:fld>
             <a:endParaRPr lang="zh-CN" altLang="en-US"/>
           </a:p>
@@ -10385,7 +10567,6 @@
           <a:p>
             <a:fld id="{C299A1FC-52DA-4A75-ADFA-CA6764EC8019}" type="slidenum">
               <a:rPr lang="zh-CN" altLang="en-US" smtClean="0"/>
-              <a:t>‹#›</a:t>
             </a:fld>
             <a:endParaRPr lang="zh-CN" altLang="en-US"/>
           </a:p>
@@ -10444,6 +10625,7 @@
               <a:rPr lang="zh-CN" altLang="en-US"/>
               <a:t>单击此处编辑母版标题样式</a:t>
             </a:r>
+            <a:endParaRPr lang="zh-CN" altLang="en-US"/>
           </a:p>
         </p:txBody>
       </p:sp>
@@ -10563,6 +10745,7 @@
               <a:rPr lang="zh-CN" altLang="en-US"/>
               <a:t>编辑母版文本样式</a:t>
             </a:r>
+            <a:endParaRPr lang="zh-CN" altLang="en-US"/>
           </a:p>
         </p:txBody>
       </p:sp>
@@ -10583,7 +10766,6 @@
           <a:p>
             <a:fld id="{751C2643-A31D-47E0-A415-A83F4543334B}" type="datetimeFigureOut">
               <a:rPr lang="zh-CN" altLang="en-US" smtClean="0"/>
-              <a:t>2018/12/20</a:t>
             </a:fld>
             <a:endParaRPr lang="zh-CN" altLang="en-US"/>
           </a:p>
@@ -10625,7 +10807,6 @@
           <a:p>
             <a:fld id="{C299A1FC-52DA-4A75-ADFA-CA6764EC8019}" type="slidenum">
               <a:rPr lang="zh-CN" altLang="en-US" smtClean="0"/>
-              <a:t>‹#›</a:t>
             </a:fld>
             <a:endParaRPr lang="zh-CN" altLang="en-US"/>
           </a:p>
@@ -10675,6 +10856,7 @@
               <a:rPr lang="zh-CN" altLang="en-US"/>
               <a:t>单击此处编辑母版标题样式</a:t>
             </a:r>
+            <a:endParaRPr lang="zh-CN" altLang="en-US"/>
           </a:p>
         </p:txBody>
       </p:sp>
@@ -10703,6 +10885,7 @@
               <a:rPr lang="zh-CN" altLang="en-US"/>
               <a:t>编辑母版文本样式</a:t>
             </a:r>
+            <a:endParaRPr lang="zh-CN" altLang="en-US"/>
           </a:p>
           <a:p>
             <a:pPr lvl="1"/>
@@ -10710,6 +10893,7 @@
               <a:rPr lang="zh-CN" altLang="en-US"/>
               <a:t>第二级</a:t>
             </a:r>
+            <a:endParaRPr lang="zh-CN" altLang="en-US"/>
           </a:p>
           <a:p>
             <a:pPr lvl="2"/>
@@ -10717,6 +10901,7 @@
               <a:rPr lang="zh-CN" altLang="en-US"/>
               <a:t>第三级</a:t>
             </a:r>
+            <a:endParaRPr lang="zh-CN" altLang="en-US"/>
           </a:p>
           <a:p>
             <a:pPr lvl="3"/>
@@ -10724,6 +10909,7 @@
               <a:rPr lang="zh-CN" altLang="en-US"/>
               <a:t>第四级</a:t>
             </a:r>
+            <a:endParaRPr lang="zh-CN" altLang="en-US"/>
           </a:p>
           <a:p>
             <a:pPr lvl="4"/>
@@ -10731,6 +10917,7 @@
               <a:rPr lang="zh-CN" altLang="en-US"/>
               <a:t>第五级</a:t>
             </a:r>
+            <a:endParaRPr lang="zh-CN" altLang="en-US"/>
           </a:p>
         </p:txBody>
       </p:sp>
@@ -10759,6 +10946,7 @@
               <a:rPr lang="zh-CN" altLang="en-US"/>
               <a:t>编辑母版文本样式</a:t>
             </a:r>
+            <a:endParaRPr lang="zh-CN" altLang="en-US"/>
           </a:p>
           <a:p>
             <a:pPr lvl="1"/>
@@ -10766,6 +10954,7 @@
               <a:rPr lang="zh-CN" altLang="en-US"/>
               <a:t>第二级</a:t>
             </a:r>
+            <a:endParaRPr lang="zh-CN" altLang="en-US"/>
           </a:p>
           <a:p>
             <a:pPr lvl="2"/>
@@ -10773,6 +10962,7 @@
               <a:rPr lang="zh-CN" altLang="en-US"/>
               <a:t>第三级</a:t>
             </a:r>
+            <a:endParaRPr lang="zh-CN" altLang="en-US"/>
           </a:p>
           <a:p>
             <a:pPr lvl="3"/>
@@ -10780,6 +10970,7 @@
               <a:rPr lang="zh-CN" altLang="en-US"/>
               <a:t>第四级</a:t>
             </a:r>
+            <a:endParaRPr lang="zh-CN" altLang="en-US"/>
           </a:p>
           <a:p>
             <a:pPr lvl="4"/>
@@ -10787,6 +10978,7 @@
               <a:rPr lang="zh-CN" altLang="en-US"/>
               <a:t>第五级</a:t>
             </a:r>
+            <a:endParaRPr lang="zh-CN" altLang="en-US"/>
           </a:p>
         </p:txBody>
       </p:sp>
@@ -10807,7 +10999,6 @@
           <a:p>
             <a:fld id="{751C2643-A31D-47E0-A415-A83F4543334B}" type="datetimeFigureOut">
               <a:rPr lang="zh-CN" altLang="en-US" smtClean="0"/>
-              <a:t>2018/12/20</a:t>
             </a:fld>
             <a:endParaRPr lang="zh-CN" altLang="en-US"/>
           </a:p>
@@ -10849,7 +11040,6 @@
           <a:p>
             <a:fld id="{C299A1FC-52DA-4A75-ADFA-CA6764EC8019}" type="slidenum">
               <a:rPr lang="zh-CN" altLang="en-US" smtClean="0"/>
-              <a:t>‹#›</a:t>
             </a:fld>
             <a:endParaRPr lang="zh-CN" altLang="en-US"/>
           </a:p>
@@ -10904,6 +11094,7 @@
               <a:rPr lang="zh-CN" altLang="en-US"/>
               <a:t>单击此处编辑母版标题样式</a:t>
             </a:r>
+            <a:endParaRPr lang="zh-CN" altLang="en-US"/>
           </a:p>
         </p:txBody>
       </p:sp>
@@ -10969,6 +11160,7 @@
               <a:rPr lang="zh-CN" altLang="en-US"/>
               <a:t>编辑母版文本样式</a:t>
             </a:r>
+            <a:endParaRPr lang="zh-CN" altLang="en-US"/>
           </a:p>
         </p:txBody>
       </p:sp>
@@ -10997,6 +11189,7 @@
               <a:rPr lang="zh-CN" altLang="en-US"/>
               <a:t>编辑母版文本样式</a:t>
             </a:r>
+            <a:endParaRPr lang="zh-CN" altLang="en-US"/>
           </a:p>
           <a:p>
             <a:pPr lvl="1"/>
@@ -11004,6 +11197,7 @@
               <a:rPr lang="zh-CN" altLang="en-US"/>
               <a:t>第二级</a:t>
             </a:r>
+            <a:endParaRPr lang="zh-CN" altLang="en-US"/>
           </a:p>
           <a:p>
             <a:pPr lvl="2"/>
@@ -11011,6 +11205,7 @@
               <a:rPr lang="zh-CN" altLang="en-US"/>
               <a:t>第三级</a:t>
             </a:r>
+            <a:endParaRPr lang="zh-CN" altLang="en-US"/>
           </a:p>
           <a:p>
             <a:pPr lvl="3"/>
@@ -11018,6 +11213,7 @@
               <a:rPr lang="zh-CN" altLang="en-US"/>
               <a:t>第四级</a:t>
             </a:r>
+            <a:endParaRPr lang="zh-CN" altLang="en-US"/>
           </a:p>
           <a:p>
             <a:pPr lvl="4"/>
@@ -11025,6 +11221,7 @@
               <a:rPr lang="zh-CN" altLang="en-US"/>
               <a:t>第五级</a:t>
             </a:r>
+            <a:endParaRPr lang="zh-CN" altLang="en-US"/>
           </a:p>
         </p:txBody>
       </p:sp>
@@ -11090,6 +11287,7 @@
               <a:rPr lang="zh-CN" altLang="en-US"/>
               <a:t>编辑母版文本样式</a:t>
             </a:r>
+            <a:endParaRPr lang="zh-CN" altLang="en-US"/>
           </a:p>
         </p:txBody>
       </p:sp>
@@ -11118,6 +11316,7 @@
               <a:rPr lang="zh-CN" altLang="en-US"/>
               <a:t>编辑母版文本样式</a:t>
             </a:r>
+            <a:endParaRPr lang="zh-CN" altLang="en-US"/>
           </a:p>
           <a:p>
             <a:pPr lvl="1"/>
@@ -11125,6 +11324,7 @@
               <a:rPr lang="zh-CN" altLang="en-US"/>
               <a:t>第二级</a:t>
             </a:r>
+            <a:endParaRPr lang="zh-CN" altLang="en-US"/>
           </a:p>
           <a:p>
             <a:pPr lvl="2"/>
@@ -11132,6 +11332,7 @@
               <a:rPr lang="zh-CN" altLang="en-US"/>
               <a:t>第三级</a:t>
             </a:r>
+            <a:endParaRPr lang="zh-CN" altLang="en-US"/>
           </a:p>
           <a:p>
             <a:pPr lvl="3"/>
@@ -11139,6 +11340,7 @@
               <a:rPr lang="zh-CN" altLang="en-US"/>
               <a:t>第四级</a:t>
             </a:r>
+            <a:endParaRPr lang="zh-CN" altLang="en-US"/>
           </a:p>
           <a:p>
             <a:pPr lvl="4"/>
@@ -11146,6 +11348,7 @@
               <a:rPr lang="zh-CN" altLang="en-US"/>
               <a:t>第五级</a:t>
             </a:r>
+            <a:endParaRPr lang="zh-CN" altLang="en-US"/>
           </a:p>
         </p:txBody>
       </p:sp>
@@ -11166,7 +11369,6 @@
           <a:p>
             <a:fld id="{751C2643-A31D-47E0-A415-A83F4543334B}" type="datetimeFigureOut">
               <a:rPr lang="zh-CN" altLang="en-US" smtClean="0"/>
-              <a:t>2018/12/20</a:t>
             </a:fld>
             <a:endParaRPr lang="zh-CN" altLang="en-US"/>
           </a:p>
@@ -11208,7 +11410,6 @@
           <a:p>
             <a:fld id="{C299A1FC-52DA-4A75-ADFA-CA6764EC8019}" type="slidenum">
               <a:rPr lang="zh-CN" altLang="en-US" smtClean="0"/>
-              <a:t>‹#›</a:t>
             </a:fld>
             <a:endParaRPr lang="zh-CN" altLang="en-US"/>
           </a:p>
@@ -11258,6 +11459,7 @@
               <a:rPr lang="zh-CN" altLang="en-US"/>
               <a:t>单击此处编辑母版标题样式</a:t>
             </a:r>
+            <a:endParaRPr lang="zh-CN" altLang="en-US"/>
           </a:p>
         </p:txBody>
       </p:sp>
@@ -11278,7 +11480,6 @@
           <a:p>
             <a:fld id="{751C2643-A31D-47E0-A415-A83F4543334B}" type="datetimeFigureOut">
               <a:rPr lang="zh-CN" altLang="en-US" smtClean="0"/>
-              <a:t>2018/12/20</a:t>
             </a:fld>
             <a:endParaRPr lang="zh-CN" altLang="en-US"/>
           </a:p>
@@ -11320,7 +11521,6 @@
           <a:p>
             <a:fld id="{C299A1FC-52DA-4A75-ADFA-CA6764EC8019}" type="slidenum">
               <a:rPr lang="zh-CN" altLang="en-US" smtClean="0"/>
-              <a:t>‹#›</a:t>
             </a:fld>
             <a:endParaRPr lang="zh-CN" altLang="en-US"/>
           </a:p>
@@ -11368,7 +11568,6 @@
           <a:p>
             <a:fld id="{751C2643-A31D-47E0-A415-A83F4543334B}" type="datetimeFigureOut">
               <a:rPr lang="zh-CN" altLang="en-US" smtClean="0"/>
-              <a:t>2018/12/20</a:t>
             </a:fld>
             <a:endParaRPr lang="zh-CN" altLang="en-US"/>
           </a:p>
@@ -11410,7 +11609,6 @@
           <a:p>
             <a:fld id="{C299A1FC-52DA-4A75-ADFA-CA6764EC8019}" type="slidenum">
               <a:rPr lang="zh-CN" altLang="en-US" smtClean="0"/>
-              <a:t>‹#›</a:t>
             </a:fld>
             <a:endParaRPr lang="zh-CN" altLang="en-US"/>
           </a:p>
@@ -11469,6 +11667,7 @@
               <a:rPr lang="zh-CN" altLang="en-US"/>
               <a:t>单击此处编辑母版标题样式</a:t>
             </a:r>
+            <a:endParaRPr lang="zh-CN" altLang="en-US"/>
           </a:p>
         </p:txBody>
       </p:sp>
@@ -11525,6 +11724,7 @@
               <a:rPr lang="zh-CN" altLang="en-US"/>
               <a:t>编辑母版文本样式</a:t>
             </a:r>
+            <a:endParaRPr lang="zh-CN" altLang="en-US"/>
           </a:p>
           <a:p>
             <a:pPr lvl="1"/>
@@ -11532,6 +11732,7 @@
               <a:rPr lang="zh-CN" altLang="en-US"/>
               <a:t>第二级</a:t>
             </a:r>
+            <a:endParaRPr lang="zh-CN" altLang="en-US"/>
           </a:p>
           <a:p>
             <a:pPr lvl="2"/>
@@ -11539,6 +11740,7 @@
               <a:rPr lang="zh-CN" altLang="en-US"/>
               <a:t>第三级</a:t>
             </a:r>
+            <a:endParaRPr lang="zh-CN" altLang="en-US"/>
           </a:p>
           <a:p>
             <a:pPr lvl="3"/>
@@ -11546,6 +11748,7 @@
               <a:rPr lang="zh-CN" altLang="en-US"/>
               <a:t>第四级</a:t>
             </a:r>
+            <a:endParaRPr lang="zh-CN" altLang="en-US"/>
           </a:p>
           <a:p>
             <a:pPr lvl="4"/>
@@ -11553,6 +11756,7 @@
               <a:rPr lang="zh-CN" altLang="en-US"/>
               <a:t>第五级</a:t>
             </a:r>
+            <a:endParaRPr lang="zh-CN" altLang="en-US"/>
           </a:p>
         </p:txBody>
       </p:sp>
@@ -11618,6 +11822,7 @@
               <a:rPr lang="zh-CN" altLang="en-US"/>
               <a:t>编辑母版文本样式</a:t>
             </a:r>
+            <a:endParaRPr lang="zh-CN" altLang="en-US"/>
           </a:p>
         </p:txBody>
       </p:sp>
@@ -11638,7 +11843,6 @@
           <a:p>
             <a:fld id="{751C2643-A31D-47E0-A415-A83F4543334B}" type="datetimeFigureOut">
               <a:rPr lang="zh-CN" altLang="en-US" smtClean="0"/>
-              <a:t>2018/12/20</a:t>
             </a:fld>
             <a:endParaRPr lang="zh-CN" altLang="en-US"/>
           </a:p>
@@ -11680,7 +11884,6 @@
           <a:p>
             <a:fld id="{C299A1FC-52DA-4A75-ADFA-CA6764EC8019}" type="slidenum">
               <a:rPr lang="zh-CN" altLang="en-US" smtClean="0"/>
-              <a:t>‹#›</a:t>
             </a:fld>
             <a:endParaRPr lang="zh-CN" altLang="en-US"/>
           </a:p>
@@ -11739,6 +11942,7 @@
               <a:rPr lang="zh-CN" altLang="en-US"/>
               <a:t>单击此处编辑母版标题样式</a:t>
             </a:r>
+            <a:endParaRPr lang="zh-CN" altLang="en-US"/>
           </a:p>
         </p:txBody>
       </p:sp>
@@ -11865,6 +12069,7 @@
               <a:rPr lang="zh-CN" altLang="en-US"/>
               <a:t>编辑母版文本样式</a:t>
             </a:r>
+            <a:endParaRPr lang="zh-CN" altLang="en-US"/>
           </a:p>
         </p:txBody>
       </p:sp>
@@ -11885,7 +12090,6 @@
           <a:p>
             <a:fld id="{751C2643-A31D-47E0-A415-A83F4543334B}" type="datetimeFigureOut">
               <a:rPr lang="zh-CN" altLang="en-US" smtClean="0"/>
-              <a:t>2018/12/20</a:t>
             </a:fld>
             <a:endParaRPr lang="zh-CN" altLang="en-US"/>
           </a:p>
@@ -11927,7 +12131,6 @@
           <a:p>
             <a:fld id="{C299A1FC-52DA-4A75-ADFA-CA6764EC8019}" type="slidenum">
               <a:rPr lang="zh-CN" altLang="en-US" smtClean="0"/>
-              <a:t>‹#›</a:t>
             </a:fld>
             <a:endParaRPr lang="zh-CN" altLang="en-US"/>
           </a:p>
@@ -11992,6 +12195,7 @@
               <a:rPr lang="zh-CN" altLang="en-US"/>
               <a:t>单击此处编辑母版标题样式</a:t>
             </a:r>
+            <a:endParaRPr lang="zh-CN" altLang="en-US"/>
           </a:p>
         </p:txBody>
       </p:sp>
@@ -12025,6 +12229,7 @@
               <a:rPr lang="zh-CN" altLang="en-US"/>
               <a:t>编辑母版文本样式</a:t>
             </a:r>
+            <a:endParaRPr lang="zh-CN" altLang="en-US"/>
           </a:p>
           <a:p>
             <a:pPr lvl="1"/>
@@ -12032,6 +12237,7 @@
               <a:rPr lang="zh-CN" altLang="en-US"/>
               <a:t>第二级</a:t>
             </a:r>
+            <a:endParaRPr lang="zh-CN" altLang="en-US"/>
           </a:p>
           <a:p>
             <a:pPr lvl="2"/>
@@ -12039,6 +12245,7 @@
               <a:rPr lang="zh-CN" altLang="en-US"/>
               <a:t>第三级</a:t>
             </a:r>
+            <a:endParaRPr lang="zh-CN" altLang="en-US"/>
           </a:p>
           <a:p>
             <a:pPr lvl="3"/>
@@ -12046,6 +12253,7 @@
               <a:rPr lang="zh-CN" altLang="en-US"/>
               <a:t>第四级</a:t>
             </a:r>
+            <a:endParaRPr lang="zh-CN" altLang="en-US"/>
           </a:p>
           <a:p>
             <a:pPr lvl="4"/>
@@ -12053,6 +12261,7 @@
               <a:rPr lang="zh-CN" altLang="en-US"/>
               <a:t>第五级</a:t>
             </a:r>
+            <a:endParaRPr lang="zh-CN" altLang="en-US"/>
           </a:p>
         </p:txBody>
       </p:sp>
@@ -12091,7 +12300,6 @@
           <a:p>
             <a:fld id="{751C2643-A31D-47E0-A415-A83F4543334B}" type="datetimeFigureOut">
               <a:rPr lang="zh-CN" altLang="en-US" smtClean="0"/>
-              <a:t>2018/12/20</a:t>
             </a:fld>
             <a:endParaRPr lang="zh-CN" altLang="en-US"/>
           </a:p>
@@ -12169,7 +12377,6 @@
           <a:p>
             <a:fld id="{C299A1FC-52DA-4A75-ADFA-CA6764EC8019}" type="slidenum">
               <a:rPr lang="zh-CN" altLang="en-US" smtClean="0"/>
-              <a:t>‹#›</a:t>
             </a:fld>
             <a:endParaRPr lang="zh-CN" altLang="en-US"/>
           </a:p>
@@ -12525,6 +12732,7 @@
               <a:rPr lang="zh-CN" altLang="en-US"/>
               <a:t>单击此处编辑母版标题样式</a:t>
             </a:r>
+            <a:endParaRPr lang="zh-CN" altLang="en-US"/>
           </a:p>
         </p:txBody>
       </p:sp>
@@ -12558,6 +12766,7 @@
               <a:rPr lang="zh-CN" altLang="en-US"/>
               <a:t>编辑母版文本样式</a:t>
             </a:r>
+            <a:endParaRPr lang="zh-CN" altLang="en-US"/>
           </a:p>
           <a:p>
             <a:pPr lvl="1"/>
@@ -12565,6 +12774,7 @@
               <a:rPr lang="zh-CN" altLang="en-US"/>
               <a:t>第二级</a:t>
             </a:r>
+            <a:endParaRPr lang="zh-CN" altLang="en-US"/>
           </a:p>
           <a:p>
             <a:pPr lvl="2"/>
@@ -12572,6 +12782,7 @@
               <a:rPr lang="zh-CN" altLang="en-US"/>
               <a:t>第三级</a:t>
             </a:r>
+            <a:endParaRPr lang="zh-CN" altLang="en-US"/>
           </a:p>
           <a:p>
             <a:pPr lvl="3"/>
@@ -12579,6 +12790,7 @@
               <a:rPr lang="zh-CN" altLang="en-US"/>
               <a:t>第四级</a:t>
             </a:r>
+            <a:endParaRPr lang="zh-CN" altLang="en-US"/>
           </a:p>
           <a:p>
             <a:pPr lvl="4"/>
@@ -12586,6 +12798,7 @@
               <a:rPr lang="zh-CN" altLang="en-US"/>
               <a:t>第五级</a:t>
             </a:r>
+            <a:endParaRPr lang="zh-CN" altLang="en-US"/>
           </a:p>
         </p:txBody>
       </p:sp>
@@ -12624,7 +12837,6 @@
           <a:p>
             <a:fld id="{751C2643-A31D-47E0-A415-A83F4543334B}" type="datetimeFigureOut">
               <a:rPr lang="zh-CN" altLang="en-US" smtClean="0"/>
-              <a:t>2018/12/20</a:t>
             </a:fld>
             <a:endParaRPr lang="zh-CN" altLang="en-US"/>
           </a:p>
@@ -12702,7 +12914,6 @@
           <a:p>
             <a:fld id="{C299A1FC-52DA-4A75-ADFA-CA6764EC8019}" type="slidenum">
               <a:rPr lang="zh-CN" altLang="en-US" smtClean="0"/>
-              <a:t>‹#›</a:t>
             </a:fld>
             <a:endParaRPr lang="zh-CN" altLang="en-US"/>
           </a:p>
@@ -13043,6 +13254,7 @@
               <a:rPr lang="zh-CN" altLang="en-US" dirty="0"/>
               <a:t>前后端分离初探</a:t>
             </a:r>
+            <a:endParaRPr lang="zh-CN" altLang="en-US" dirty="0"/>
           </a:p>
         </p:txBody>
       </p:sp>
@@ -13178,6 +13390,7 @@
               <a:rPr lang="zh-CN" altLang="en-US" sz="2000" dirty="0"/>
               <a:t>数据处理等</a:t>
             </a:r>
+            <a:endParaRPr lang="zh-CN" altLang="en-US" sz="2000" dirty="0"/>
           </a:p>
           <a:p>
             <a:pPr marL="0" indent="0">
@@ -13403,6 +13616,7 @@
               <a:rPr lang="zh-CN" altLang="en-US" dirty="0"/>
               <a:t>为什么要前后端分离</a:t>
             </a:r>
+            <a:endParaRPr lang="zh-CN" altLang="en-US" dirty="0"/>
           </a:p>
         </p:txBody>
       </p:sp>
@@ -13415,7 +13629,7 @@
           <p:nvPr/>
         </p:nvPicPr>
         <p:blipFill>
-          <a:blip r:embed="rId3"/>
+          <a:blip r:embed="rId1"/>
           <a:stretch>
             <a:fillRect/>
           </a:stretch>
@@ -13668,6 +13882,7 @@
               <a:rPr lang="zh-CN" altLang="en-US" dirty="0"/>
               <a:t>前后端分离优点</a:t>
             </a:r>
+            <a:endParaRPr lang="zh-CN" altLang="en-US" dirty="0"/>
           </a:p>
         </p:txBody>
       </p:sp>
@@ -14118,7 +14333,7 @@
           <p:nvPr/>
         </p:nvPicPr>
         <p:blipFill>
-          <a:blip r:embed="rId3"/>
+          <a:blip r:embed="rId1"/>
           <a:stretch>
             <a:fillRect/>
           </a:stretch>
@@ -14177,6 +14392,7 @@
               <a:rPr lang="zh-CN" altLang="en-US" dirty="0"/>
               <a:t>前后端分离改造</a:t>
             </a:r>
+            <a:endParaRPr lang="zh-CN" altLang="en-US" dirty="0"/>
           </a:p>
         </p:txBody>
       </p:sp>
@@ -14243,6 +14459,11 @@
               </a:rPr>
               <a:t>接口服务化</a:t>
             </a:r>
+            <a:endParaRPr lang="zh-CN" altLang="zh-CN" sz="3200" dirty="0">
+              <a:latin typeface="+mj-lt"/>
+              <a:ea typeface="+mj-ea"/>
+              <a:cs typeface="+mj-cs"/>
+            </a:endParaRPr>
           </a:p>
           <a:p>
             <a:pPr marL="0" lvl="0" indent="0" eaLnBrk="0" fontAlgn="base" hangingPunct="0">
@@ -14274,6 +14495,11 @@
               </a:rPr>
               <a:t>代码模块化</a:t>
             </a:r>
+            <a:endParaRPr lang="zh-CN" altLang="zh-CN" sz="3200" dirty="0">
+              <a:latin typeface="+mj-lt"/>
+              <a:ea typeface="+mj-ea"/>
+              <a:cs typeface="+mj-cs"/>
+            </a:endParaRPr>
           </a:p>
           <a:p>
             <a:pPr marL="0" marR="0" lvl="0" indent="0" algn="l" defTabSz="914400" rtl="0" eaLnBrk="0" fontAlgn="base" latinLnBrk="0" hangingPunct="0">
@@ -14307,6 +14533,11 @@
               </a:rPr>
               <a:t>功能组件化</a:t>
             </a:r>
+            <a:endParaRPr lang="zh-CN" altLang="zh-CN" sz="3200" dirty="0">
+              <a:latin typeface="+mj-lt"/>
+              <a:ea typeface="+mj-ea"/>
+              <a:cs typeface="+mj-cs"/>
+            </a:endParaRPr>
           </a:p>
           <a:p>
             <a:pPr marL="0" marR="0" lvl="0" indent="0" algn="l" defTabSz="914400" rtl="0" eaLnBrk="0" fontAlgn="base" latinLnBrk="0" hangingPunct="0">
@@ -14381,6 +14612,7 @@
               <a:rPr lang="zh-CN" altLang="en-US" dirty="0"/>
               <a:t>接口服务化</a:t>
             </a:r>
+            <a:endParaRPr lang="zh-CN" altLang="en-US" dirty="0"/>
           </a:p>
         </p:txBody>
       </p:sp>
@@ -14469,7 +14701,7 @@
           <p:nvPr/>
         </p:nvPicPr>
         <p:blipFill>
-          <a:blip r:embed="rId3"/>
+          <a:blip r:embed="rId1"/>
           <a:srcRect/>
           <a:stretch>
             <a:fillRect/>
@@ -14535,8 +14767,9 @@
           <a:p>
             <a:r>
               <a:rPr lang="zh-CN" altLang="en-US" dirty="0"/>
-              <a:t>模块化</a:t>
-            </a:r>
+              <a:t>代码模块化</a:t>
+            </a:r>
+            <a:endParaRPr lang="zh-CN" altLang="en-US" dirty="0"/>
           </a:p>
         </p:txBody>
       </p:sp>
@@ -14552,8 +14785,8 @@
         </p:nvSpPr>
         <p:spPr bwMode="auto">
           <a:xfrm>
-            <a:off x="1052761" y="1957019"/>
-            <a:ext cx="9661622" cy="1202910"/>
+            <a:off x="1052761" y="1928872"/>
+            <a:ext cx="9661622" cy="1259205"/>
           </a:xfrm>
           <a:prstGeom prst="rect">
             <a:avLst/>
@@ -14592,7 +14825,7 @@
                 <a:ea typeface="+mj-ea"/>
                 <a:cs typeface="+mj-cs"/>
               </a:rPr>
-              <a:t>一个模块就是实现一个特定功能，有了模块我们就可以更方便的使用别人的代码，要用什么功能就加载什么模块</a:t>
+              <a:t>将特定功能封装到单独的模块中，有了模块我们就可以更方便的使用别人的代码，要用什么功能就加载什么模块</a:t>
             </a:r>
             <a:endParaRPr kumimoji="0" lang="zh-CN" altLang="zh-CN" sz="1400" b="0" i="0" u="none" strike="noStrike" cap="none" normalizeH="0" baseline="0" dirty="0">
               <a:ln>
@@ -14681,6 +14914,7 @@
               <a:rPr lang="en-US" altLang="zh-CN" sz="2400" dirty="0"/>
               <a:t>require.js</a:t>
             </a:r>
+            <a:endParaRPr lang="en-US" altLang="zh-CN" sz="2400" dirty="0"/>
           </a:p>
           <a:p>
             <a:pPr lvl="1"/>
@@ -14696,6 +14930,7 @@
               <a:rPr lang="en-US" altLang="zh-CN" sz="2400" dirty="0"/>
               <a:t>sea.js</a:t>
             </a:r>
+            <a:endParaRPr lang="en-US" altLang="zh-CN" sz="2400" dirty="0"/>
           </a:p>
           <a:p>
             <a:pPr lvl="1"/>
@@ -14739,6 +14974,7 @@
               <a:rPr lang="zh-CN" altLang="en-US" sz="2400" dirty="0"/>
               <a:t>）</a:t>
             </a:r>
+            <a:endParaRPr lang="zh-CN" altLang="en-US" sz="2400" dirty="0"/>
           </a:p>
         </p:txBody>
       </p:sp>
@@ -14784,8 +15020,9 @@
           <a:p>
             <a:r>
               <a:rPr lang="zh-CN" altLang="en-US" dirty="0"/>
-              <a:t>组件化</a:t>
-            </a:r>
+              <a:t>功能组件化</a:t>
+            </a:r>
+            <a:endParaRPr lang="zh-CN" altLang="en-US" dirty="0"/>
           </a:p>
         </p:txBody>
       </p:sp>
@@ -14801,8 +15038,8 @@
         </p:nvSpPr>
         <p:spPr bwMode="auto">
           <a:xfrm>
-            <a:off x="1052760" y="1678707"/>
-            <a:ext cx="7871793" cy="1759536"/>
+            <a:off x="1052760" y="1651695"/>
+            <a:ext cx="7871793" cy="1813560"/>
           </a:xfrm>
           <a:prstGeom prst="rect">
             <a:avLst/>
@@ -14855,7 +15092,7 @@
                 <a:ea typeface="+mj-ea"/>
                 <a:cs typeface="+mj-cs"/>
               </a:rPr>
-              <a:t>样式和其对应的功能作为独立的整体去看待，无论这个整体放在哪里去使用，它都具有一样的功能和样式，从而实现复用，这种整体化的细想就是组件化</a:t>
+              <a:t>样式和其对应的功能作为独立的整体去看待，无论这个整体放在哪里去使用，它都具有一样的功能和样式，从而实现复用，这种整体化的思想就是组件化</a:t>
             </a:r>
             <a:endParaRPr lang="zh-CN" altLang="zh-CN" sz="2400" dirty="0">
               <a:latin typeface="+mj-lt"/>
@@ -14873,7 +15110,7 @@
         </p:nvSpPr>
         <p:spPr>
           <a:xfrm>
-            <a:off x="1343890" y="3807751"/>
+            <a:off x="1322935" y="3925861"/>
             <a:ext cx="6927273" cy="2385231"/>
           </a:xfrm>
           <a:prstGeom prst="roundRect">
@@ -14925,6 +15162,7 @@
               <a:rPr lang="en-US" altLang="zh-CN" sz="2400" dirty="0"/>
               <a:t>Vue</a:t>
             </a:r>
+            <a:endParaRPr lang="en-US" altLang="zh-CN" sz="2400" dirty="0"/>
           </a:p>
           <a:p>
             <a:pPr lvl="1"/>
@@ -14948,6 +15186,7 @@
               <a:rPr lang="en-US" altLang="zh-CN" sz="2400" dirty="0"/>
               <a:t>React</a:t>
             </a:r>
+            <a:endParaRPr lang="en-US" altLang="zh-CN" sz="2400" dirty="0"/>
           </a:p>
           <a:p>
             <a:pPr lvl="1"/>
@@ -14988,7 +15227,7 @@
           <p:nvPr/>
         </p:nvPicPr>
         <p:blipFill>
-          <a:blip r:embed="rId3"/>
+          <a:blip r:embed="rId1"/>
           <a:stretch>
             <a:fillRect/>
           </a:stretch>
@@ -15051,6 +15290,7 @@
               <a:rPr lang="zh-CN" altLang="en-US" dirty="0"/>
               <a:t>、前端框架对比</a:t>
             </a:r>
+            <a:endParaRPr lang="zh-CN" altLang="en-US" dirty="0"/>
           </a:p>
         </p:txBody>
       </p:sp>
@@ -15103,6 +15343,7 @@
               <a:rPr lang="zh-CN" altLang="en-US" dirty="0"/>
               <a:t>前端框架对比</a:t>
             </a:r>
+            <a:endParaRPr lang="zh-CN" altLang="en-US" dirty="0"/>
           </a:p>
         </p:txBody>
       </p:sp>
@@ -15125,34 +15366,10 @@
                 <a:tableStyleId>{5C22544A-7EE6-4342-B048-85BDC9FD1C3A}</a:tableStyleId>
               </a:tblPr>
               <a:tblGrid>
-                <a:gridCol w="1295694">
-                  <a:extLst>
-                    <a:ext uri="{9D8B030D-6E8A-4147-A177-3AD203B41FA5}">
-                      <a16:colId xmlns:a16="http://schemas.microsoft.com/office/drawing/2014/main" val="20000"/>
-                    </a:ext>
-                  </a:extLst>
-                </a:gridCol>
-                <a:gridCol w="2696329">
-                  <a:extLst>
-                    <a:ext uri="{9D8B030D-6E8A-4147-A177-3AD203B41FA5}">
-                      <a16:colId xmlns:a16="http://schemas.microsoft.com/office/drawing/2014/main" val="20001"/>
-                    </a:ext>
-                  </a:extLst>
-                </a:gridCol>
-                <a:gridCol w="3246782">
-                  <a:extLst>
-                    <a:ext uri="{9D8B030D-6E8A-4147-A177-3AD203B41FA5}">
-                      <a16:colId xmlns:a16="http://schemas.microsoft.com/office/drawing/2014/main" val="20002"/>
-                    </a:ext>
-                  </a:extLst>
-                </a:gridCol>
-                <a:gridCol w="3021496">
-                  <a:extLst>
-                    <a:ext uri="{9D8B030D-6E8A-4147-A177-3AD203B41FA5}">
-                      <a16:colId xmlns:a16="http://schemas.microsoft.com/office/drawing/2014/main" val="20003"/>
-                    </a:ext>
-                  </a:extLst>
-                </a:gridCol>
+                <a:gridCol w="1295694"/>
+                <a:gridCol w="2696329"/>
+                <a:gridCol w="3246782"/>
+                <a:gridCol w="3021496"/>
               </a:tblGrid>
               <a:tr h="392614">
                 <a:tc>
@@ -15207,11 +15424,6 @@
                   </a:txBody>
                   <a:tcPr/>
                 </a:tc>
-                <a:extLst>
-                  <a:ext uri="{0D108BD9-81ED-4DB2-BD59-A6C34878D82A}">
-                    <a16:rowId xmlns:a16="http://schemas.microsoft.com/office/drawing/2014/main" val="10000"/>
-                  </a:ext>
-                </a:extLst>
               </a:tr>
               <a:tr h="392614">
                 <a:tc>
@@ -15223,6 +15435,7 @@
                         <a:rPr lang="zh-CN" altLang="en-US" dirty="0"/>
                         <a:t>创始人</a:t>
                       </a:r>
+                      <a:endParaRPr lang="zh-CN" altLang="en-US" dirty="0"/>
                     </a:p>
                   </a:txBody>
                   <a:tcPr/>
@@ -15244,6 +15457,7 @@
                         <a:rPr lang="zh-CN" altLang="en-US" dirty="0"/>
                         <a:t>提供支持</a:t>
                       </a:r>
+                      <a:endParaRPr lang="zh-CN" altLang="en-US" dirty="0"/>
                     </a:p>
                   </a:txBody>
                   <a:tcPr/>
@@ -15265,6 +15479,7 @@
                         <a:rPr lang="zh-CN" altLang="en-US" dirty="0"/>
                         <a:t>维护</a:t>
                       </a:r>
+                      <a:endParaRPr lang="zh-CN" altLang="en-US" dirty="0"/>
                     </a:p>
                   </a:txBody>
                   <a:tcPr/>
@@ -15282,15 +15497,11 @@
                         <a:rPr lang="zh-CN" altLang="en-US" dirty="0"/>
                         <a:t>前员工</a:t>
                       </a:r>
+                      <a:endParaRPr lang="zh-CN" altLang="en-US" dirty="0"/>
                     </a:p>
                   </a:txBody>
                   <a:tcPr/>
                 </a:tc>
-                <a:extLst>
-                  <a:ext uri="{0D108BD9-81ED-4DB2-BD59-A6C34878D82A}">
-                    <a16:rowId xmlns:a16="http://schemas.microsoft.com/office/drawing/2014/main" val="10001"/>
-                  </a:ext>
-                </a:extLst>
               </a:tr>
               <a:tr h="392614">
                 <a:tc>
@@ -15302,6 +15513,7 @@
                         <a:rPr lang="zh-CN" altLang="en-US" dirty="0"/>
                         <a:t>模型</a:t>
                       </a:r>
+                      <a:endParaRPr lang="zh-CN" altLang="en-US" dirty="0"/>
                     </a:p>
                   </a:txBody>
                   <a:tcPr/>
@@ -15323,6 +15535,7 @@
                         <a:rPr lang="zh-CN" altLang="en-US" dirty="0"/>
                         <a:t>架构</a:t>
                       </a:r>
+                      <a:endParaRPr lang="zh-CN" altLang="en-US" dirty="0"/>
                     </a:p>
                   </a:txBody>
                   <a:tcPr/>
@@ -15395,11 +15608,6 @@
                   </a:txBody>
                   <a:tcPr/>
                 </a:tc>
-                <a:extLst>
-                  <a:ext uri="{0D108BD9-81ED-4DB2-BD59-A6C34878D82A}">
-                    <a16:rowId xmlns:a16="http://schemas.microsoft.com/office/drawing/2014/main" val="10002"/>
-                  </a:ext>
-                </a:extLst>
               </a:tr>
               <a:tr h="392614">
                 <a:tc>
@@ -15411,6 +15619,7 @@
                         <a:rPr lang="zh-CN" altLang="en-US" dirty="0"/>
                         <a:t>类型</a:t>
                       </a:r>
+                      <a:endParaRPr lang="zh-CN" altLang="en-US" dirty="0"/>
                     </a:p>
                   </a:txBody>
                   <a:tcPr/>
@@ -15474,6 +15683,7 @@
                         <a:rPr lang="zh-CN" altLang="en-US" dirty="0"/>
                         <a:t>等</a:t>
                       </a:r>
+                      <a:endParaRPr lang="zh-CN" altLang="en-US" dirty="0"/>
                     </a:p>
                   </a:txBody>
                   <a:tcPr/>
@@ -15507,15 +15717,11 @@
                         <a:rPr lang="zh-CN" altLang="en-US" dirty="0"/>
                         <a:t>，轻量级</a:t>
                       </a:r>
+                      <a:endParaRPr lang="zh-CN" altLang="en-US" dirty="0"/>
                     </a:p>
                   </a:txBody>
                   <a:tcPr/>
                 </a:tc>
-                <a:extLst>
-                  <a:ext uri="{0D108BD9-81ED-4DB2-BD59-A6C34878D82A}">
-                    <a16:rowId xmlns:a16="http://schemas.microsoft.com/office/drawing/2014/main" val="10003"/>
-                  </a:ext>
-                </a:extLst>
               </a:tr>
               <a:tr h="392614">
                 <a:tc>
@@ -15527,6 +15733,7 @@
                         <a:rPr lang="zh-CN" altLang="en-US" dirty="0"/>
                         <a:t>数据</a:t>
                       </a:r>
+                      <a:endParaRPr lang="zh-CN" altLang="en-US" dirty="0"/>
                     </a:p>
                   </a:txBody>
                   <a:tcPr/>
@@ -15540,6 +15747,7 @@
                         <a:rPr lang="zh-CN" altLang="en-US" dirty="0"/>
                         <a:t>双向绑定</a:t>
                       </a:r>
+                      <a:endParaRPr lang="zh-CN" altLang="en-US" dirty="0"/>
                     </a:p>
                   </a:txBody>
                   <a:tcPr/>
@@ -15553,6 +15761,7 @@
                         <a:rPr lang="zh-CN" altLang="en-US" dirty="0"/>
                         <a:t>单向绑定</a:t>
                       </a:r>
+                      <a:endParaRPr lang="zh-CN" altLang="en-US" dirty="0"/>
                     </a:p>
                   </a:txBody>
                   <a:tcPr/>
@@ -15566,15 +15775,11 @@
                         <a:rPr lang="zh-CN" altLang="en-US" dirty="0"/>
                         <a:t>支持单向和双向绑定</a:t>
                       </a:r>
+                      <a:endParaRPr lang="zh-CN" altLang="en-US" dirty="0"/>
                     </a:p>
                   </a:txBody>
                   <a:tcPr/>
                 </a:tc>
-                <a:extLst>
-                  <a:ext uri="{0D108BD9-81ED-4DB2-BD59-A6C34878D82A}">
-                    <a16:rowId xmlns:a16="http://schemas.microsoft.com/office/drawing/2014/main" val="10004"/>
-                  </a:ext>
-                </a:extLst>
               </a:tr>
               <a:tr h="392614">
                 <a:tc>
@@ -15586,6 +15791,7 @@
                         <a:rPr lang="zh-CN" altLang="en-US" dirty="0"/>
                         <a:t>语言</a:t>
                       </a:r>
+                      <a:endParaRPr lang="zh-CN" altLang="en-US" dirty="0"/>
                     </a:p>
                   </a:txBody>
                   <a:tcPr/>
@@ -15680,11 +15886,6 @@
                   </a:txBody>
                   <a:tcPr/>
                 </a:tc>
-                <a:extLst>
-                  <a:ext uri="{0D108BD9-81ED-4DB2-BD59-A6C34878D82A}">
-                    <a16:rowId xmlns:a16="http://schemas.microsoft.com/office/drawing/2014/main" val="10005"/>
-                  </a:ext>
-                </a:extLst>
               </a:tr>
               <a:tr h="781767">
                 <a:tc>
@@ -15696,6 +15897,7 @@
                         <a:rPr lang="zh-CN" altLang="en-US" dirty="0"/>
                         <a:t>模板</a:t>
                       </a:r>
+                      <a:endParaRPr lang="zh-CN" altLang="en-US" dirty="0"/>
                     </a:p>
                   </a:txBody>
                   <a:tcPr/>
@@ -15793,15 +15995,11 @@
                         <a:rPr lang="zh-CN" altLang="en-US" dirty="0"/>
                         <a:t>单文件组件方式：模板，脚本，样式放在一个文件中</a:t>
                       </a:r>
+                      <a:endParaRPr lang="zh-CN" altLang="en-US" dirty="0"/>
                     </a:p>
                   </a:txBody>
                   <a:tcPr/>
                 </a:tc>
-                <a:extLst>
-                  <a:ext uri="{0D108BD9-81ED-4DB2-BD59-A6C34878D82A}">
-                    <a16:rowId xmlns:a16="http://schemas.microsoft.com/office/drawing/2014/main" val="10006"/>
-                  </a:ext>
-                </a:extLst>
               </a:tr>
               <a:tr h="392614">
                 <a:tc>
@@ -15813,6 +16011,7 @@
                         <a:rPr lang="zh-CN" altLang="en-US" dirty="0"/>
                         <a:t>学习曲线</a:t>
                       </a:r>
+                      <a:endParaRPr lang="zh-CN" altLang="en-US" dirty="0"/>
                     </a:p>
                   </a:txBody>
                   <a:tcPr/>
@@ -15826,6 +16025,7 @@
                         <a:rPr lang="zh-CN" altLang="en-US" dirty="0"/>
                         <a:t>陡峭的学习曲线</a:t>
                       </a:r>
+                      <a:endParaRPr lang="zh-CN" altLang="en-US" dirty="0"/>
                     </a:p>
                   </a:txBody>
                   <a:tcPr/>
@@ -15847,6 +16047,7 @@
                         <a:rPr lang="zh-CN" altLang="en-US" dirty="0"/>
                         <a:t>容易一些</a:t>
                       </a:r>
+                      <a:endParaRPr lang="zh-CN" altLang="en-US" dirty="0"/>
                     </a:p>
                   </a:txBody>
                   <a:tcPr/>
@@ -15860,15 +16061,11 @@
                         <a:rPr lang="zh-CN" altLang="en-US" dirty="0"/>
                         <a:t>小的学习曲线</a:t>
                       </a:r>
+                      <a:endParaRPr lang="zh-CN" altLang="en-US" dirty="0"/>
                     </a:p>
                   </a:txBody>
                   <a:tcPr/>
                 </a:tc>
-                <a:extLst>
-                  <a:ext uri="{0D108BD9-81ED-4DB2-BD59-A6C34878D82A}">
-                    <a16:rowId xmlns:a16="http://schemas.microsoft.com/office/drawing/2014/main" val="10007"/>
-                  </a:ext>
-                </a:extLst>
               </a:tr>
               <a:tr h="702198">
                 <a:tc>
@@ -15880,6 +16077,7 @@
                         <a:rPr lang="zh-CN" altLang="en-US" dirty="0"/>
                         <a:t>适用场景</a:t>
                       </a:r>
+                      <a:endParaRPr lang="zh-CN" altLang="en-US" dirty="0"/>
                     </a:p>
                   </a:txBody>
                   <a:tcPr/>
@@ -15893,6 +16091,7 @@
                         <a:rPr lang="zh-CN" altLang="en-US" dirty="0"/>
                         <a:t>专注大规模功能丰富的应用程序</a:t>
                       </a:r>
+                      <a:endParaRPr lang="zh-CN" altLang="en-US" dirty="0"/>
                     </a:p>
                   </a:txBody>
                   <a:tcPr/>
@@ -15930,6 +16129,7 @@
                         <a:rPr lang="zh-CN" altLang="en-US" dirty="0"/>
                         <a:t>开发和原生渲染应用</a:t>
                       </a:r>
+                      <a:endParaRPr lang="zh-CN" altLang="en-US" dirty="0"/>
                     </a:p>
                   </a:txBody>
                   <a:tcPr/>
@@ -15951,15 +16151,11 @@
                         <a:rPr lang="zh-CN" altLang="en-US" dirty="0"/>
                         <a:t>开发和单页面引用程序</a:t>
                       </a:r>
+                      <a:endParaRPr lang="zh-CN" altLang="en-US" dirty="0"/>
                     </a:p>
                   </a:txBody>
                   <a:tcPr/>
                 </a:tc>
-                <a:extLst>
-                  <a:ext uri="{0D108BD9-81ED-4DB2-BD59-A6C34878D82A}">
-                    <a16:rowId xmlns:a16="http://schemas.microsoft.com/office/drawing/2014/main" val="10008"/>
-                  </a:ext>
-                </a:extLst>
               </a:tr>
               <a:tr h="677663">
                 <a:tc>
@@ -15971,6 +16167,7 @@
                         <a:rPr lang="zh-CN" altLang="en-US" dirty="0"/>
                         <a:t>公司使用</a:t>
                       </a:r>
+                      <a:endParaRPr lang="zh-CN" altLang="en-US" dirty="0"/>
                     </a:p>
                   </a:txBody>
                   <a:tcPr/>
@@ -16069,11 +16266,6 @@
                   </a:txBody>
                   <a:tcPr/>
                 </a:tc>
-                <a:extLst>
-                  <a:ext uri="{0D108BD9-81ED-4DB2-BD59-A6C34878D82A}">
-                    <a16:rowId xmlns:a16="http://schemas.microsoft.com/office/drawing/2014/main" val="10009"/>
-                  </a:ext>
-                </a:extLst>
               </a:tr>
             </a:tbl>
           </a:graphicData>
@@ -16123,6 +16315,7 @@
               <a:rPr lang="zh-CN" altLang="en-US" dirty="0"/>
               <a:t>前端框架对比</a:t>
             </a:r>
+            <a:endParaRPr lang="zh-CN" altLang="en-US" dirty="0"/>
           </a:p>
         </p:txBody>
       </p:sp>
@@ -16166,6 +16359,7 @@
               <a:rPr lang="en-US" altLang="zh-CN" dirty="0"/>
               <a:t>Vue</a:t>
             </a:r>
+            <a:endParaRPr lang="en-US" altLang="zh-CN" dirty="0"/>
           </a:p>
         </p:txBody>
       </p:sp>
@@ -16527,6 +16721,11 @@
               </a:rPr>
               <a:t>的组件化</a:t>
             </a:r>
+            <a:endParaRPr lang="zh-CN" altLang="en-US" sz="2400" dirty="0">
+              <a:latin typeface="+mj-lt"/>
+              <a:ea typeface="+mj-ea"/>
+              <a:cs typeface="+mj-cs"/>
+            </a:endParaRPr>
           </a:p>
           <a:p>
             <a:pPr marL="0" indent="0" eaLnBrk="0" fontAlgn="base" hangingPunct="0">
@@ -16649,6 +16848,7 @@
               <a:rPr lang="zh-CN" altLang="en-US" dirty="0"/>
               <a:t>目录</a:t>
             </a:r>
+            <a:endParaRPr lang="zh-CN" altLang="en-US" dirty="0"/>
           </a:p>
         </p:txBody>
       </p:sp>
@@ -16879,6 +17079,7 @@
               <a:rPr lang="en-US" altLang="zh-CN" dirty="0"/>
               <a:t>webpack</a:t>
             </a:r>
+            <a:endParaRPr lang="en-US" altLang="zh-CN" dirty="0"/>
           </a:p>
           <a:p>
             <a:endParaRPr lang="zh-CN" altLang="en-US" dirty="0"/>
@@ -17057,6 +17258,11 @@
               </a:rPr>
               <a:t>等），也可以为复杂的单页应用提供驱动。</a:t>
             </a:r>
+            <a:endParaRPr lang="zh-CN" altLang="en-US" sz="2000" dirty="0">
+              <a:latin typeface="+mj-lt"/>
+              <a:ea typeface="+mj-ea"/>
+              <a:cs typeface="+mj-cs"/>
+            </a:endParaRPr>
           </a:p>
           <a:p>
             <a:pPr marL="0" lvl="0" indent="0" eaLnBrk="0" fontAlgn="base" hangingPunct="0">
@@ -17271,6 +17477,7 @@
               <a:rPr lang="zh-CN" altLang="en-US" dirty="0"/>
               <a:t> 是什么</a:t>
             </a:r>
+            <a:endParaRPr lang="zh-CN" altLang="en-US" dirty="0"/>
           </a:p>
         </p:txBody>
       </p:sp>
@@ -17462,6 +17669,7 @@
               <a:rPr lang="zh-CN" altLang="en-US" dirty="0"/>
               <a:t>核心</a:t>
             </a:r>
+            <a:endParaRPr lang="zh-CN" altLang="en-US" dirty="0"/>
           </a:p>
         </p:txBody>
       </p:sp>
@@ -17739,6 +17947,7 @@
               <a:rPr lang="zh-CN" altLang="en-US" dirty="0"/>
               <a:t>数据驱动</a:t>
             </a:r>
+            <a:endParaRPr lang="zh-CN" altLang="en-US" dirty="0"/>
           </a:p>
         </p:txBody>
       </p:sp>
@@ -17930,6 +18139,7 @@
               <a:rPr lang="zh-CN" altLang="en-US" dirty="0"/>
               <a:t>什么是数据驱动</a:t>
             </a:r>
+            <a:endParaRPr lang="zh-CN" altLang="en-US" dirty="0"/>
           </a:p>
         </p:txBody>
       </p:sp>
@@ -17985,6 +18195,11 @@
               </a:rPr>
               <a:t>所谓的数据驱动就是当数据发生变化的时候，用户界面发生相应的变化，开发者不需要手动的去修改dom</a:t>
             </a:r>
+            <a:endParaRPr sz="2000">
+              <a:latin typeface="+mj-lt"/>
+              <a:ea typeface="+mj-ea"/>
+              <a:cs typeface="+mj-cs"/>
+            </a:endParaRPr>
           </a:p>
           <a:p>
             <a:pPr marL="0" lvl="0" indent="0" eaLnBrk="0" fontAlgn="base" hangingPunct="0">
@@ -18220,6 +18435,11 @@
               </a:rPr>
               <a:t>原理：</a:t>
             </a:r>
+            <a:endParaRPr lang="zh-CN" sz="2000">
+              <a:latin typeface="+mj-lt"/>
+              <a:ea typeface="+mj-ea"/>
+              <a:cs typeface="+mj-cs"/>
+            </a:endParaRPr>
           </a:p>
           <a:p>
             <a:pPr marL="0" lvl="0" indent="0" eaLnBrk="0" fontAlgn="base" hangingPunct="0">
@@ -18291,7 +18511,7 @@
           <p:nvPr/>
         </p:nvPicPr>
         <p:blipFill>
-          <a:blip r:embed="rId3" cstate="print">
+          <a:blip r:embed="rId1" cstate="print">
             <a:extLst>
               <a:ext uri="{28A0092B-C50C-407E-A947-70E740481C1C}">
                 <a14:useLocalDpi xmlns:a14="http://schemas.microsoft.com/office/drawing/2010/main" val="0"/>
@@ -18346,7 +18566,7 @@
           <p:nvPr/>
         </p:nvPicPr>
         <p:blipFill>
-          <a:blip r:embed="rId3">
+          <a:blip r:embed="rId1">
             <a:extLst>
               <a:ext uri="{28A0092B-C50C-407E-A947-70E740481C1C}">
                 <a14:useLocalDpi xmlns:a14="http://schemas.microsoft.com/office/drawing/2010/main" val="0"/>
@@ -18394,6 +18614,7 @@
               <a:rPr lang="zh-CN" altLang="en-US" dirty="0"/>
               <a:t>组件化</a:t>
             </a:r>
+            <a:endParaRPr lang="zh-CN" altLang="en-US" dirty="0"/>
           </a:p>
         </p:txBody>
       </p:sp>
@@ -18582,9 +18803,18 @@
           </a:lstStyle>
           <a:p>
             <a:r>
+              <a:rPr lang="en-US" altLang="zh-CN" dirty="0"/>
+              <a:t>Vue</a:t>
+            </a:r>
+            <a:r>
               <a:rPr lang="zh-CN" altLang="en-US" dirty="0"/>
-              <a:t>什么是组件</a:t>
-            </a:r>
+              <a:t>对</a:t>
+            </a:r>
+            <a:r>
+              <a:rPr lang="zh-CN" altLang="en-US" dirty="0"/>
+              <a:t>组件化的实现</a:t>
+            </a:r>
+            <a:endParaRPr lang="zh-CN" altLang="en-US" dirty="0"/>
           </a:p>
         </p:txBody>
       </p:sp>
@@ -18640,6 +18870,11 @@
               </a:rPr>
               <a:t>扩展HTML元素，封装可重用的代码。</a:t>
             </a:r>
+            <a:endParaRPr sz="2000">
+              <a:latin typeface="+mj-lt"/>
+              <a:ea typeface="+mj-ea"/>
+              <a:cs typeface="+mj-cs"/>
+            </a:endParaRPr>
           </a:p>
           <a:p>
             <a:pPr marL="0" lvl="0" indent="0" eaLnBrk="0" fontAlgn="base" hangingPunct="0">
@@ -18662,6 +18897,11 @@
               </a:rPr>
               <a:t>页面上每个独立的可视/可交互区域都可以视为一个组件</a:t>
             </a:r>
+            <a:endParaRPr sz="2000">
+              <a:latin typeface="+mj-lt"/>
+              <a:ea typeface="+mj-ea"/>
+              <a:cs typeface="+mj-cs"/>
+            </a:endParaRPr>
           </a:p>
           <a:p>
             <a:pPr marL="0" lvl="0" indent="0" eaLnBrk="0" fontAlgn="base" hangingPunct="0">
@@ -18682,7 +18922,23 @@
                 <a:ea typeface="+mj-ea"/>
                 <a:cs typeface="+mj-cs"/>
               </a:rPr>
-              <a:t>每个组件对应一个工程目录，组件所需要的各种资源在这个目录下就进维护。页面是组件的容器，组件可以嵌套自由组合形成完整的页面</a:t>
+              <a:t>每个组件对应一个工程目录，组件所需要的各种资源在这个目录下就进维护。页面是组件的容器，组件可以嵌套</a:t>
+            </a:r>
+            <a:r>
+              <a:rPr lang="zh-CN" sz="2000">
+                <a:latin typeface="+mj-lt"/>
+                <a:ea typeface="+mj-ea"/>
+                <a:cs typeface="+mj-cs"/>
+              </a:rPr>
+              <a:t>或者</a:t>
+            </a:r>
+            <a:r>
+              <a:rPr sz="2000">
+                <a:latin typeface="+mj-lt"/>
+                <a:ea typeface="+mj-ea"/>
+                <a:cs typeface="+mj-cs"/>
+              </a:rPr>
+              <a:t>自由组合形成完整的页面</a:t>
             </a:r>
             <a:endParaRPr lang="zh-CN" altLang="zh-CN" sz="2400" dirty="0">
               <a:latin typeface="+mj-lt"/>
@@ -18905,6 +19161,7 @@
               <a:rPr lang="zh-CN" altLang="en-US" dirty="0"/>
               <a:t>安装方式</a:t>
             </a:r>
+            <a:endParaRPr lang="zh-CN" altLang="en-US" dirty="0"/>
           </a:p>
         </p:txBody>
       </p:sp>
@@ -19163,6 +19420,7 @@
               <a:rPr lang="en-US" altLang="zh-CN" sz="1800" dirty="0"/>
               <a:t>                            </a:t>
             </a:r>
+            <a:endParaRPr lang="en-US" altLang="zh-CN" sz="1800" dirty="0"/>
           </a:p>
         </p:txBody>
       </p:sp>
@@ -19213,6 +19471,7 @@
               <a:rPr lang="zh-CN" altLang="en-US" dirty="0"/>
               <a:t>用法</a:t>
             </a:r>
+            <a:endParaRPr lang="zh-CN" altLang="en-US" dirty="0"/>
           </a:p>
         </p:txBody>
       </p:sp>
@@ -19464,8 +19723,8 @@
         </p:nvSpPr>
         <p:spPr bwMode="auto">
           <a:xfrm>
-            <a:off x="3264022" y="4077772"/>
-            <a:ext cx="3778223" cy="2702102"/>
+            <a:off x="3274695" y="3986530"/>
+            <a:ext cx="4784725" cy="2198370"/>
           </a:xfrm>
           <a:prstGeom prst="rect">
             <a:avLst/>
@@ -19667,8 +19926,13 @@
             </a:r>
             <a:r>
               <a:rPr lang="en-US" altLang="zh-CN" sz="1800" dirty="0"/>
-              <a:t>-cli</a:t>
-            </a:r>
+              <a:t>-cli  // </a:t>
+            </a:r>
+            <a:r>
+              <a:rPr lang="zh-CN" altLang="en-US" sz="1800" dirty="0"/>
+              <a:t>安装脚手架</a:t>
+            </a:r>
+            <a:endParaRPr lang="en-US" altLang="zh-CN" sz="1800" dirty="0"/>
           </a:p>
           <a:p>
             <a:pPr marL="0" indent="0">
@@ -19693,6 +19957,7 @@
               <a:rPr lang="en-US" altLang="zh-CN" sz="1800" dirty="0"/>
               <a:t> webpack name</a:t>
             </a:r>
+            <a:endParaRPr lang="en-US" altLang="zh-CN" sz="1800" dirty="0"/>
           </a:p>
           <a:p>
             <a:pPr marL="0" indent="0">
@@ -19707,8 +19972,13 @@
             </a:r>
             <a:r>
               <a:rPr lang="en-US" altLang="zh-CN" sz="1800" dirty="0"/>
-              <a:t> install</a:t>
-            </a:r>
+              <a:t> install   // </a:t>
+            </a:r>
+            <a:r>
+              <a:rPr lang="zh-CN" altLang="en-US" sz="1800" dirty="0"/>
+              <a:t>安装依赖项</a:t>
+            </a:r>
+            <a:endParaRPr lang="en-US" altLang="zh-CN" sz="1800" dirty="0"/>
           </a:p>
           <a:p>
             <a:pPr marL="0" indent="0">
@@ -19723,21 +19993,13 @@
             </a:r>
             <a:r>
               <a:rPr lang="en-US" altLang="zh-CN" sz="1800" dirty="0"/>
-              <a:t> run dev</a:t>
-            </a:r>
-            <a:endParaRPr lang="zh-CN" altLang="en-US" sz="1800" dirty="0"/>
-          </a:p>
-          <a:p>
-            <a:pPr marL="0" indent="0">
-              <a:lnSpc>
-                <a:spcPct val="150000"/>
-              </a:lnSpc>
-              <a:buNone/>
-            </a:pPr>
-            <a:r>
-              <a:rPr lang="en-US" altLang="zh-CN" sz="1800" dirty="0"/>
-              <a:t>                            </a:t>
-            </a:r>
+              <a:t> run dev   // </a:t>
+            </a:r>
+            <a:r>
+              <a:rPr lang="zh-CN" altLang="en-US" sz="1800" dirty="0"/>
+              <a:t>运行</a:t>
+            </a:r>
+            <a:endParaRPr lang="en-US" altLang="zh-CN" sz="1800" dirty="0"/>
           </a:p>
         </p:txBody>
       </p:sp>
@@ -19954,6 +20216,7 @@
               <a:rPr lang="zh-CN" altLang="en-US" dirty="0"/>
               <a:t>直接引用</a:t>
             </a:r>
+            <a:endParaRPr lang="zh-CN" altLang="en-US" dirty="0"/>
           </a:p>
         </p:txBody>
       </p:sp>
@@ -20004,6 +20267,7 @@
               <a:rPr lang="zh-CN" altLang="en-US" dirty="0"/>
               <a:t>用法</a:t>
             </a:r>
+            <a:endParaRPr lang="zh-CN" altLang="en-US" dirty="0"/>
           </a:p>
         </p:txBody>
       </p:sp>
@@ -20465,6 +20729,7 @@
               <a:rPr lang="zh-CN" altLang="en-US" sz="1800" dirty="0"/>
               <a:t>号</a:t>
             </a:r>
+            <a:endParaRPr lang="zh-CN" altLang="en-US" sz="1800" dirty="0"/>
           </a:p>
           <a:p>
             <a:pPr marL="0" indent="0">
@@ -20481,6 +20746,7 @@
               <a:rPr lang="zh-CN" altLang="en-US" sz="1800" dirty="0"/>
               <a:t>：来绑定VUE实例的数据变量，每个不同变量之间用逗号分隔</a:t>
             </a:r>
+            <a:endParaRPr lang="zh-CN" altLang="en-US" sz="1800" dirty="0"/>
           </a:p>
           <a:p>
             <a:pPr marL="0" indent="0">
@@ -20502,7 +20768,7 @@
           <p:nvPr/>
         </p:nvPicPr>
         <p:blipFill>
-          <a:blip r:embed="rId3"/>
+          <a:blip r:embed="rId1"/>
           <a:stretch>
             <a:fillRect/>
           </a:stretch>
@@ -20730,6 +20996,7 @@
               <a:rPr lang="zh-CN" altLang="en-US" dirty="0"/>
               <a:t>直接引用</a:t>
             </a:r>
+            <a:endParaRPr lang="zh-CN" altLang="en-US" dirty="0"/>
           </a:p>
         </p:txBody>
       </p:sp>
@@ -20780,6 +21047,7 @@
               <a:rPr lang="zh-CN" altLang="en-US" dirty="0"/>
               <a:t>用法</a:t>
             </a:r>
+            <a:endParaRPr lang="zh-CN" altLang="en-US" dirty="0"/>
           </a:p>
         </p:txBody>
       </p:sp>
@@ -21226,6 +21494,7 @@
               <a:rPr lang="en-US" altLang="zh-CN" sz="1600" dirty="0"/>
               <a:t>	</a:t>
             </a:r>
+            <a:endParaRPr lang="en-US" altLang="zh-CN" sz="1600" dirty="0"/>
           </a:p>
         </p:txBody>
       </p:sp>
@@ -21436,6 +21705,7 @@
               <a:rPr lang="en-US" altLang="zh-CN" sz="1600" dirty="0"/>
               <a:t>{{title}}</a:t>
             </a:r>
+            <a:endParaRPr lang="en-US" altLang="zh-CN" sz="1600" dirty="0"/>
           </a:p>
           <a:p>
             <a:pPr marL="0" indent="0">
@@ -21456,6 +21726,7 @@
               <a:rPr lang="zh-CN" altLang="en-US" sz="1600" dirty="0"/>
               <a:t>指令：&lt;div v-bind:id="dynamicId"&gt;&lt;/div&gt;</a:t>
             </a:r>
+            <a:endParaRPr lang="zh-CN" altLang="en-US" sz="1600" dirty="0"/>
           </a:p>
           <a:p>
             <a:pPr marL="0" indent="0">
@@ -21515,6 +21786,7 @@
               <a:rPr lang="zh-CN" altLang="en-US" sz="1600" dirty="0"/>
               <a:t>绑定之后，当表达式值发生改变，其产生的连带影响，会响应式地作用于 DOM</a:t>
             </a:r>
+            <a:endParaRPr lang="zh-CN" altLang="en-US" sz="1600" dirty="0"/>
           </a:p>
           <a:p>
             <a:pPr marL="0" indent="0">
@@ -21551,6 +21823,7 @@
               <a:rPr sz="1600" dirty="0"/>
               <a:t>&lt;span v-bind:style='{color:color}'&gt;{{ title }}&lt;/span&gt;</a:t>
             </a:r>
+            <a:endParaRPr sz="1600" dirty="0"/>
           </a:p>
         </p:txBody>
       </p:sp>
@@ -21767,6 +22040,7 @@
               <a:rPr lang="zh-CN" altLang="en-US" dirty="0"/>
               <a:t>直接引用</a:t>
             </a:r>
+            <a:endParaRPr lang="zh-CN" altLang="en-US" dirty="0"/>
           </a:p>
         </p:txBody>
       </p:sp>
@@ -21817,6 +22091,7 @@
               <a:rPr lang="zh-CN" altLang="en-US" dirty="0"/>
               <a:t>用法</a:t>
             </a:r>
+            <a:endParaRPr lang="zh-CN" altLang="en-US" dirty="0"/>
           </a:p>
         </p:txBody>
       </p:sp>
@@ -22233,6 +22508,7 @@
               <a:rPr lang="zh-CN" altLang="en-US" sz="1800" dirty="0"/>
               <a:t>全局注册：Vue.component('component-name',{</a:t>
             </a:r>
+            <a:endParaRPr lang="zh-CN" altLang="en-US" sz="1800" dirty="0"/>
           </a:p>
           <a:p>
             <a:pPr marL="0" indent="0">
@@ -22245,6 +22521,7 @@
               <a:rPr lang="en-US" altLang="zh-CN" sz="1800" dirty="0"/>
               <a:t>	/* ... */  })</a:t>
             </a:r>
+            <a:endParaRPr lang="en-US" altLang="zh-CN" sz="1800" dirty="0"/>
           </a:p>
         </p:txBody>
       </p:sp>
@@ -22258,7 +22535,7 @@
         </p:nvSpPr>
         <p:spPr bwMode="auto">
           <a:xfrm>
-            <a:off x="1757045" y="5171123"/>
+            <a:off x="1757045" y="5599748"/>
             <a:ext cx="5003800" cy="1110615"/>
           </a:xfrm>
           <a:prstGeom prst="rect">
@@ -22451,6 +22728,7 @@
               <a:rPr lang="zh-CN" altLang="en-US" sz="1800" dirty="0"/>
               <a:t>调用：</a:t>
             </a:r>
+            <a:endParaRPr lang="zh-CN" altLang="en-US" sz="1800" dirty="0"/>
           </a:p>
           <a:p>
             <a:pPr marL="0" indent="0">
@@ -22690,6 +22968,7 @@
               <a:rPr lang="zh-CN" altLang="en-US" sz="1800" dirty="0"/>
               <a:t>局部注册：</a:t>
             </a:r>
+            <a:endParaRPr lang="zh-CN" altLang="en-US" sz="1800" dirty="0"/>
           </a:p>
           <a:p>
             <a:pPr marL="0" indent="0" fontAlgn="auto">
@@ -22700,8 +22979,9 @@
             </a:pPr>
             <a:r>
               <a:rPr lang="zh-CN" altLang="en-US" sz="1800" dirty="0"/>
-              <a:t>var ComponentA = { /* ... */ }</a:t>
-            </a:r>
+              <a:t>定义：var ComponentA = { /* ... */ }</a:t>
+            </a:r>
+            <a:endParaRPr lang="zh-CN" altLang="en-US" sz="1800" dirty="0"/>
           </a:p>
           <a:p>
             <a:pPr marL="0" indent="0" fontAlgn="auto">
@@ -22712,8 +22992,9 @@
             </a:pPr>
             <a:r>
               <a:rPr lang="zh-CN" altLang="en-US" sz="1800" dirty="0"/>
-              <a:t>根实例中定义</a:t>
-            </a:r>
+              <a:t>根实例中注册</a:t>
+            </a:r>
+            <a:endParaRPr lang="zh-CN" altLang="en-US" sz="1800" dirty="0"/>
           </a:p>
           <a:p>
             <a:pPr marL="0" indent="0" fontAlgn="auto">
@@ -22726,6 +23007,7 @@
               <a:rPr lang="zh-CN" altLang="en-US" sz="1800" dirty="0"/>
               <a:t>new Vue({</a:t>
             </a:r>
+            <a:endParaRPr lang="zh-CN" altLang="en-US" sz="1800" dirty="0"/>
           </a:p>
           <a:p>
             <a:pPr marL="0" indent="0" fontAlgn="auto">
@@ -22738,6 +23020,7 @@
               <a:rPr lang="zh-CN" altLang="en-US" sz="1800" dirty="0"/>
               <a:t>  el: '#app'</a:t>
             </a:r>
+            <a:endParaRPr lang="zh-CN" altLang="en-US" sz="1800" dirty="0"/>
           </a:p>
           <a:p>
             <a:pPr marL="0" indent="0" fontAlgn="auto">
@@ -22766,6 +23049,7 @@
               <a:rPr lang="zh-CN" altLang="en-US" sz="1800" dirty="0"/>
               <a:t>': ComponentA  }</a:t>
             </a:r>
+            <a:endParaRPr lang="zh-CN" altLang="en-US" sz="1800" dirty="0"/>
           </a:p>
           <a:p>
             <a:pPr marL="0" indent="0" fontAlgn="auto">
@@ -22778,6 +23062,7 @@
               <a:rPr lang="zh-CN" altLang="en-US" sz="1800" dirty="0"/>
               <a:t>})</a:t>
             </a:r>
+            <a:endParaRPr lang="zh-CN" altLang="en-US" sz="1800" dirty="0"/>
           </a:p>
         </p:txBody>
       </p:sp>
@@ -22994,6 +23279,7 @@
               <a:rPr lang="zh-CN" altLang="en-US" dirty="0"/>
               <a:t>直接引用</a:t>
             </a:r>
+            <a:endParaRPr lang="zh-CN" altLang="en-US" dirty="0"/>
           </a:p>
         </p:txBody>
       </p:sp>
@@ -23044,6 +23330,7 @@
               <a:rPr lang="zh-CN" altLang="en-US" dirty="0"/>
               <a:t>用法</a:t>
             </a:r>
+            <a:endParaRPr lang="zh-CN" altLang="en-US" dirty="0"/>
           </a:p>
         </p:txBody>
       </p:sp>
@@ -23460,6 +23747,7 @@
               <a:rPr lang="zh-CN" altLang="en-US" sz="1800" dirty="0"/>
               <a:t>定义组件</a:t>
             </a:r>
+            <a:endParaRPr lang="zh-CN" altLang="en-US" sz="1800" dirty="0"/>
           </a:p>
           <a:p>
             <a:pPr marL="0" indent="0" fontAlgn="auto">
@@ -23472,6 +23760,7 @@
               <a:rPr lang="zh-CN" altLang="en-US" sz="1800" dirty="0"/>
               <a:t>&lt;template&gt;</a:t>
             </a:r>
+            <a:endParaRPr lang="zh-CN" altLang="en-US" sz="1800" dirty="0"/>
           </a:p>
           <a:p>
             <a:pPr marL="0" indent="0" fontAlgn="auto">
@@ -23492,6 +23781,7 @@
               <a:rPr lang="zh-CN" altLang="en-US" sz="1800" dirty="0"/>
               <a:t>&lt;/div&gt;</a:t>
             </a:r>
+            <a:endParaRPr lang="zh-CN" altLang="en-US" sz="1800" dirty="0"/>
           </a:p>
           <a:p>
             <a:pPr marL="0" indent="0" fontAlgn="auto">
@@ -23518,6 +23808,9 @@
               </a:rPr>
               <a:t>template&gt;</a:t>
             </a:r>
+            <a:endParaRPr lang="zh-CN" altLang="en-US" sz="1800" dirty="0">
+              <a:sym typeface="+mn-ea"/>
+            </a:endParaRPr>
           </a:p>
           <a:p>
             <a:pPr marL="0" indent="0" fontAlgn="auto">
@@ -23530,6 +23823,7 @@
               <a:rPr lang="en-US" altLang="zh-CN" sz="1800" dirty="0"/>
               <a:t>&lt;style&gt;&lt;/style&gt;</a:t>
             </a:r>
+            <a:endParaRPr lang="en-US" altLang="zh-CN" sz="1800" dirty="0"/>
           </a:p>
           <a:p>
             <a:pPr marL="0" indent="0" fontAlgn="auto">
@@ -23542,6 +23836,7 @@
               <a:rPr lang="en-US" altLang="zh-CN" sz="1800" dirty="0"/>
               <a:t>&lt;script&gt;&lt;/script&gt;</a:t>
             </a:r>
+            <a:endParaRPr lang="en-US" altLang="zh-CN" sz="1800" dirty="0"/>
           </a:p>
         </p:txBody>
       </p:sp>
@@ -23774,6 +24069,7 @@
               <a:rPr lang="zh-CN" altLang="en-US" sz="1800" dirty="0"/>
               <a:t>'</a:t>
             </a:r>
+            <a:endParaRPr lang="zh-CN" altLang="en-US" sz="1800" dirty="0"/>
           </a:p>
           <a:p>
             <a:pPr marL="0" indent="0">
@@ -23786,6 +24082,7 @@
               <a:rPr lang="zh-CN" altLang="en-US" sz="1800" dirty="0"/>
               <a:t>注册组件：</a:t>
             </a:r>
+            <a:endParaRPr lang="zh-CN" altLang="en-US" sz="1800" dirty="0"/>
           </a:p>
           <a:p>
             <a:pPr marL="0" indent="0" fontAlgn="auto">
@@ -23798,6 +24095,7 @@
               <a:rPr lang="zh-CN" altLang="en-US" sz="1800" dirty="0"/>
               <a:t>export default {</a:t>
             </a:r>
+            <a:endParaRPr lang="zh-CN" altLang="en-US" sz="1800" dirty="0"/>
           </a:p>
           <a:p>
             <a:pPr marL="0" indent="0" fontAlgn="auto">
@@ -24042,6 +24340,7 @@
               <a:rPr lang="zh-CN" altLang="en-US" sz="1800" dirty="0"/>
               <a:t>页面中，实现特定的功能</a:t>
             </a:r>
+            <a:endParaRPr lang="zh-CN" altLang="en-US" sz="1800" dirty="0"/>
           </a:p>
         </p:txBody>
       </p:sp>
@@ -24258,6 +24557,7 @@
               <a:rPr lang="zh-CN" altLang="en-US" dirty="0"/>
               <a:t>直接引用</a:t>
             </a:r>
+            <a:endParaRPr lang="zh-CN" altLang="en-US" dirty="0"/>
           </a:p>
         </p:txBody>
       </p:sp>
@@ -24308,6 +24608,7 @@
               <a:rPr lang="zh-CN" altLang="en-US" dirty="0"/>
               <a:t>用法</a:t>
             </a:r>
+            <a:endParaRPr lang="zh-CN" altLang="en-US" dirty="0"/>
           </a:p>
         </p:txBody>
       </p:sp>
@@ -24531,8 +24832,8 @@
         </p:nvSpPr>
         <p:spPr bwMode="auto">
           <a:xfrm>
-            <a:off x="1474470" y="3353435"/>
-            <a:ext cx="7079615" cy="2613660"/>
+            <a:off x="1624965" y="3295015"/>
+            <a:ext cx="8696960" cy="3285490"/>
           </a:xfrm>
           <a:prstGeom prst="rect">
             <a:avLst/>
@@ -24728,6 +25029,7 @@
               <a:rPr lang="zh-CN" altLang="en-US" sz="1800" dirty="0"/>
               <a:t>）引入路由：&lt;script src="https://unpkg.com/vue-router/dist/vue-router.js"&gt;&lt;/script&gt;</a:t>
             </a:r>
+            <a:endParaRPr lang="zh-CN" altLang="en-US" sz="1800" dirty="0"/>
           </a:p>
           <a:p>
             <a:pPr marL="0" indent="0">
@@ -24760,6 +25062,7 @@
               <a:rPr lang="zh-CN" altLang="en-US" sz="1800" dirty="0"/>
               <a:t>定义渲染位置</a:t>
             </a:r>
+            <a:endParaRPr lang="zh-CN" altLang="en-US" sz="1800" dirty="0"/>
           </a:p>
           <a:p>
             <a:pPr marL="0" indent="0">
@@ -24774,7 +25077,7 @@
             </a:r>
             <a:r>
               <a:rPr lang="zh-CN" altLang="en-US" sz="1800" dirty="0"/>
-              <a:t>）const routes = {</a:t>
+              <a:t>）定义路由：const routes = {</a:t>
             </a:r>
             <a:r>
               <a:rPr lang="en-US" altLang="zh-CN" sz="1800" dirty="0"/>
@@ -24782,12 +25085,13 @@
             </a:r>
             <a:r>
               <a:rPr lang="zh-CN" altLang="en-US" sz="1800" dirty="0"/>
-              <a:t>定义</a:t>
+              <a:t>定义路由的</a:t>
             </a:r>
             <a:r>
               <a:rPr lang="en-US" altLang="zh-CN" sz="1800" dirty="0"/>
-              <a:t>path name component</a:t>
-            </a:r>
+              <a:t>path component name</a:t>
+            </a:r>
+            <a:endParaRPr lang="en-US" altLang="zh-CN" sz="1800" dirty="0"/>
           </a:p>
           <a:p>
             <a:pPr marL="0" indent="0">
@@ -24798,7 +25102,75 @@
             </a:pPr>
             <a:r>
               <a:rPr lang="en-US" altLang="zh-CN" sz="1800" dirty="0"/>
+              <a:t>	</a:t>
+            </a:r>
+            <a:r>
+              <a:rPr lang="zh-CN" altLang="en-US" sz="1800" dirty="0"/>
+              <a:t>可以通过增加</a:t>
+            </a:r>
+            <a:r>
+              <a:rPr lang="en-US" altLang="zh-CN" sz="1800" dirty="0"/>
+              <a:t>children</a:t>
+            </a:r>
+            <a:r>
+              <a:rPr lang="zh-CN" altLang="en-US" sz="1800" dirty="0"/>
+              <a:t>嵌套路由，原来的组件中增加</a:t>
+            </a:r>
+            <a:r>
+              <a:rPr lang="en-US" altLang="zh-CN" sz="1800" dirty="0"/>
+              <a:t>&lt;</a:t>
+            </a:r>
+            <a:r>
+              <a:rPr lang="en-US" altLang="zh-CN" sz="1800" dirty="0">
+                <a:sym typeface="+mn-ea"/>
+              </a:rPr>
+              <a:t>router-view&gt;</a:t>
+            </a:r>
+            <a:r>
+              <a:rPr lang="zh-CN" altLang="en-US" sz="1800" dirty="0">
+                <a:sym typeface="+mn-ea"/>
+              </a:rPr>
+              <a:t>显示子组件</a:t>
+            </a:r>
+            <a:endParaRPr lang="zh-CN" altLang="en-US" sz="1800" dirty="0">
+              <a:sym typeface="+mn-ea"/>
+            </a:endParaRPr>
+          </a:p>
+          <a:p>
+            <a:pPr marL="0" indent="0">
+              <a:lnSpc>
+                <a:spcPct val="150000"/>
+              </a:lnSpc>
+              <a:buNone/>
+            </a:pPr>
+            <a:r>
+              <a:rPr lang="en-US" altLang="zh-CN" sz="1800" dirty="0">
+                <a:sym typeface="+mn-ea"/>
+              </a:rPr>
               <a:t>4</a:t>
+            </a:r>
+            <a:r>
+              <a:rPr lang="zh-CN" altLang="en-US" sz="1800" dirty="0">
+                <a:sym typeface="+mn-ea"/>
+              </a:rPr>
+              <a:t>）实例化路由： const router = new VueRouter({</a:t>
+            </a:r>
+            <a:r>
+              <a:rPr lang="en-US" altLang="zh-CN" sz="1800" dirty="0"/>
+              <a:t> routes })</a:t>
+            </a:r>
+            <a:endParaRPr lang="en-US" altLang="zh-CN" sz="1800" dirty="0"/>
+          </a:p>
+          <a:p>
+            <a:pPr marL="0" indent="0">
+              <a:lnSpc>
+                <a:spcPct val="150000"/>
+              </a:lnSpc>
+              <a:buNone/>
+            </a:pPr>
+            <a:r>
+              <a:rPr lang="en-US" altLang="zh-CN" sz="1800" dirty="0"/>
+              <a:t>5</a:t>
             </a:r>
             <a:r>
               <a:rPr lang="zh-CN" altLang="en-US" sz="1800" dirty="0"/>
@@ -24820,6 +25192,7 @@
               <a:rPr lang="zh-CN" altLang="en-US" sz="1800" dirty="0"/>
               <a:t>注入路由</a:t>
             </a:r>
+            <a:endParaRPr lang="zh-CN" altLang="en-US" sz="1800" dirty="0"/>
           </a:p>
         </p:txBody>
       </p:sp>
@@ -25044,6 +25417,7 @@
               <a:rPr lang="zh-CN" altLang="en-US" dirty="0"/>
               <a:t>创建项目</a:t>
             </a:r>
+            <a:endParaRPr lang="zh-CN" altLang="en-US" dirty="0"/>
           </a:p>
         </p:txBody>
       </p:sp>
@@ -25094,6 +25468,7 @@
               <a:rPr lang="zh-CN" altLang="en-US" dirty="0"/>
               <a:t>用法</a:t>
             </a:r>
+            <a:endParaRPr lang="zh-CN" altLang="en-US" dirty="0"/>
           </a:p>
         </p:txBody>
       </p:sp>
@@ -25106,7 +25481,7 @@
           <p:nvPr/>
         </p:nvPicPr>
         <p:blipFill>
-          <a:blip r:embed="rId3"/>
+          <a:blip r:embed="rId1"/>
           <a:stretch>
             <a:fillRect/>
           </a:stretch>
@@ -25656,6 +26031,7 @@
               <a:rPr lang="zh-CN" altLang="en-US" dirty="0"/>
               <a:t>、前后端分离初识</a:t>
             </a:r>
+            <a:endParaRPr lang="zh-CN" altLang="en-US" dirty="0"/>
           </a:p>
         </p:txBody>
       </p:sp>
@@ -25880,6 +26256,7 @@
               <a:rPr lang="zh-CN" altLang="en-US" dirty="0"/>
               <a:t> 实例</a:t>
             </a:r>
+            <a:endParaRPr lang="zh-CN" altLang="en-US" dirty="0"/>
           </a:p>
         </p:txBody>
       </p:sp>
@@ -25930,6 +26307,7 @@
               <a:rPr lang="zh-CN" altLang="en-US" dirty="0"/>
               <a:t>用法</a:t>
             </a:r>
+            <a:endParaRPr lang="zh-CN" altLang="en-US" dirty="0"/>
           </a:p>
         </p:txBody>
       </p:sp>
@@ -26152,6 +26530,7 @@
               <a:rPr lang="en-US" altLang="zh-CN" sz="1600" dirty="0"/>
               <a:t>id = app</a:t>
             </a:r>
+            <a:endParaRPr lang="en-US" altLang="zh-CN" sz="1600" dirty="0"/>
           </a:p>
         </p:txBody>
       </p:sp>
@@ -26164,7 +26543,7 @@
           <p:nvPr/>
         </p:nvPicPr>
         <p:blipFill>
-          <a:blip r:embed="rId3"/>
+          <a:blip r:embed="rId1"/>
           <a:stretch>
             <a:fillRect/>
           </a:stretch>
@@ -26188,7 +26567,7 @@
           <p:nvPr/>
         </p:nvPicPr>
         <p:blipFill>
-          <a:blip r:embed="rId4"/>
+          <a:blip r:embed="rId2"/>
           <a:stretch>
             <a:fillRect/>
           </a:stretch>
@@ -26213,8 +26592,8 @@
         </p:nvSpPr>
         <p:spPr bwMode="auto">
           <a:xfrm>
-            <a:off x="1233471" y="5447292"/>
-            <a:ext cx="6237995" cy="1146810"/>
+            <a:off x="1233471" y="5634617"/>
+            <a:ext cx="6237995" cy="772160"/>
           </a:xfrm>
           <a:prstGeom prst="rect">
             <a:avLst/>
@@ -26426,6 +26805,7 @@
               <a:rPr lang="zh-CN" altLang="en-US" sz="1600" dirty="0"/>
               <a:t>实例，引入父组件</a:t>
             </a:r>
+            <a:endParaRPr lang="zh-CN" altLang="en-US" sz="1600" dirty="0"/>
           </a:p>
           <a:p>
             <a:pPr marL="0" indent="0">
@@ -26436,19 +26816,7 @@
             </a:pPr>
             <a:r>
               <a:rPr lang="zh-CN" altLang="en-US" sz="1600" dirty="0"/>
-              <a:t>引入第三方组件</a:t>
-            </a:r>
-          </a:p>
-          <a:p>
-            <a:pPr marL="0" indent="0">
-              <a:lnSpc>
-                <a:spcPct val="100000"/>
-              </a:lnSpc>
-              <a:buNone/>
-            </a:pPr>
-            <a:r>
-              <a:rPr lang="zh-CN" altLang="en-US" sz="1600" dirty="0"/>
-              <a:t>注意，引用前需要用 </a:t>
+              <a:t>引入第三方组件（注意，引用前需要用 </a:t>
             </a:r>
             <a:r>
               <a:rPr lang="en-US" altLang="zh-CN" sz="1600" dirty="0"/>
@@ -26456,8 +26824,9 @@
             </a:r>
             <a:r>
               <a:rPr lang="zh-CN" altLang="en-US" sz="1600" dirty="0"/>
-              <a:t>安装</a:t>
-            </a:r>
+              <a:t>安装）</a:t>
+            </a:r>
+            <a:endParaRPr lang="zh-CN" altLang="en-US" sz="1600" dirty="0"/>
           </a:p>
         </p:txBody>
       </p:sp>
@@ -26682,6 +27051,7 @@
               <a:rPr lang="zh-CN" altLang="en-US" dirty="0"/>
               <a:t> 实例</a:t>
             </a:r>
+            <a:endParaRPr lang="zh-CN" altLang="en-US" dirty="0"/>
           </a:p>
         </p:txBody>
       </p:sp>
@@ -26732,6 +27102,7 @@
               <a:rPr lang="zh-CN" altLang="en-US" dirty="0"/>
               <a:t>用法</a:t>
             </a:r>
+            <a:endParaRPr lang="zh-CN" altLang="en-US" dirty="0"/>
           </a:p>
         </p:txBody>
       </p:sp>
@@ -27189,7 +27560,7 @@
               <a:rPr lang="zh-CN" altLang="en-US" sz="1600" dirty="0">
                 <a:sym typeface="+mn-ea"/>
               </a:rPr>
-              <a:t>引入组件，注册组件以及子组件</a:t>
+              <a:t>引入组件，注册组件，定义路由</a:t>
             </a:r>
             <a:endParaRPr lang="zh-CN" altLang="en-US" sz="1600" dirty="0"/>
           </a:p>
@@ -27204,7 +27575,7 @@
           <p:nvPr/>
         </p:nvPicPr>
         <p:blipFill>
-          <a:blip r:embed="rId3"/>
+          <a:blip r:embed="rId1"/>
           <a:stretch>
             <a:fillRect/>
           </a:stretch>
@@ -27228,7 +27599,7 @@
           <p:nvPr/>
         </p:nvPicPr>
         <p:blipFill>
-          <a:blip r:embed="rId4"/>
+          <a:blip r:embed="rId2"/>
           <a:stretch>
             <a:fillRect/>
           </a:stretch>
@@ -27464,6 +27835,7 @@
               <a:rPr lang="zh-CN" altLang="en-US" dirty="0"/>
               <a:t> 实例</a:t>
             </a:r>
+            <a:endParaRPr lang="zh-CN" altLang="en-US" dirty="0"/>
           </a:p>
         </p:txBody>
       </p:sp>
@@ -27514,6 +27886,7 @@
               <a:rPr lang="zh-CN" altLang="en-US" dirty="0"/>
               <a:t>用法</a:t>
             </a:r>
+            <a:endParaRPr lang="zh-CN" altLang="en-US" dirty="0"/>
           </a:p>
         </p:txBody>
       </p:sp>
@@ -27761,7 +28134,7 @@
           <p:nvPr/>
         </p:nvPicPr>
         <p:blipFill>
-          <a:blip r:embed="rId3"/>
+          <a:blip r:embed="rId1"/>
           <a:stretch>
             <a:fillRect/>
           </a:stretch>
@@ -27785,7 +28158,7 @@
           <p:nvPr/>
         </p:nvPicPr>
         <p:blipFill>
-          <a:blip r:embed="rId4"/>
+          <a:blip r:embed="rId2"/>
           <a:stretch>
             <a:fillRect/>
           </a:stretch>
@@ -28107,6 +28480,7 @@
               <a:rPr lang="zh-CN" altLang="en-US" dirty="0"/>
               <a:t>用法</a:t>
             </a:r>
+            <a:endParaRPr lang="zh-CN" altLang="en-US" dirty="0"/>
           </a:p>
         </p:txBody>
       </p:sp>
@@ -28556,6 +28930,11 @@
               </a:rPr>
               <a:t>mockjs</a:t>
             </a:r>
+            <a:endParaRPr lang="en-US" altLang="zh-CN" sz="1600" dirty="0" err="1">
+              <a:latin typeface="+mj-lt"/>
+              <a:ea typeface="+mj-ea"/>
+              <a:cs typeface="+mj-cs"/>
+            </a:endParaRPr>
           </a:p>
         </p:txBody>
       </p:sp>
@@ -28806,6 +29185,11 @@
               </a:rPr>
               <a:t>语法，创建数据模板即接口</a:t>
             </a:r>
+            <a:endParaRPr lang="zh-CN" altLang="en-US" sz="1600" dirty="0">
+              <a:latin typeface="+mj-lt"/>
+              <a:ea typeface="+mj-ea"/>
+              <a:cs typeface="+mj-cs"/>
+            </a:endParaRPr>
           </a:p>
         </p:txBody>
       </p:sp>
@@ -29048,6 +29432,11 @@
               </a:rPr>
               <a:t>require('/mock');</a:t>
             </a:r>
+            <a:endParaRPr lang="en-US" altLang="zh-CN" sz="1600" dirty="0">
+              <a:latin typeface="+mj-lt"/>
+              <a:ea typeface="+mj-ea"/>
+              <a:cs typeface="+mj-cs"/>
+            </a:endParaRPr>
           </a:p>
         </p:txBody>
       </p:sp>
@@ -29290,6 +29679,11 @@
               </a:rPr>
               <a:t>组件中请求数据</a:t>
             </a:r>
+            <a:endParaRPr lang="zh-CN" altLang="en-US" sz="1600" dirty="0">
+              <a:latin typeface="+mj-lt"/>
+              <a:ea typeface="+mj-ea"/>
+              <a:cs typeface="+mj-cs"/>
+            </a:endParaRPr>
           </a:p>
         </p:txBody>
       </p:sp>
@@ -29302,7 +29696,7 @@
           <p:nvPr/>
         </p:nvPicPr>
         <p:blipFill>
-          <a:blip r:embed="rId3"/>
+          <a:blip r:embed="rId1"/>
           <a:stretch>
             <a:fillRect/>
           </a:stretch>
@@ -29732,6 +30126,7 @@
               <a:rPr lang="zh-CN" altLang="en-US" sz="1600" dirty="0"/>
               <a:t>数据</a:t>
             </a:r>
+            <a:endParaRPr lang="zh-CN" altLang="en-US" sz="1600" dirty="0"/>
           </a:p>
         </p:txBody>
       </p:sp>
@@ -29807,6 +30202,7 @@
               <a:rPr lang="zh-CN" altLang="en-US" dirty="0"/>
               <a:t>用法</a:t>
             </a:r>
+            <a:endParaRPr lang="zh-CN" altLang="en-US" dirty="0"/>
           </a:p>
         </p:txBody>
       </p:sp>
@@ -30027,8 +30423,8 @@
         </p:nvSpPr>
         <p:spPr bwMode="auto">
           <a:xfrm>
-            <a:off x="1645772" y="3160896"/>
-            <a:ext cx="9889490" cy="522595"/>
+            <a:off x="1645772" y="3137396"/>
+            <a:ext cx="9889490" cy="569595"/>
           </a:xfrm>
           <a:prstGeom prst="rect">
             <a:avLst/>
@@ -30238,8 +30634,29 @@
                 <a:ea typeface="+mj-ea"/>
                 <a:cs typeface="+mj-cs"/>
               </a:rPr>
-              <a:t>ajax</a:t>
-            </a:r>
+              <a:t>$.ajax() </a:t>
+            </a:r>
+            <a:r>
+              <a:rPr lang="zh-CN" altLang="en-US" sz="1600" dirty="0">
+                <a:latin typeface="+mj-lt"/>
+                <a:ea typeface="+mj-ea"/>
+                <a:cs typeface="+mj-cs"/>
+              </a:rPr>
+              <a:t>需要引入</a:t>
+            </a:r>
+            <a:r>
+              <a:rPr lang="en-US" altLang="zh-CN" sz="1600" dirty="0">
+                <a:latin typeface="+mj-lt"/>
+                <a:ea typeface="+mj-ea"/>
+                <a:cs typeface="+mj-cs"/>
+              </a:rPr>
+              <a:t>jquery</a:t>
+            </a:r>
+            <a:endParaRPr lang="en-US" altLang="zh-CN" sz="1600" dirty="0">
+              <a:latin typeface="+mj-lt"/>
+              <a:ea typeface="+mj-ea"/>
+              <a:cs typeface="+mj-cs"/>
+            </a:endParaRPr>
           </a:p>
         </p:txBody>
       </p:sp>
@@ -30474,6 +30891,11 @@
               </a:rPr>
               <a:t>（官方推荐）</a:t>
             </a:r>
+            <a:endParaRPr lang="zh-CN" altLang="en-US" sz="1600" dirty="0">
+              <a:latin typeface="+mj-lt"/>
+              <a:ea typeface="+mj-ea"/>
+              <a:cs typeface="+mj-cs"/>
+            </a:endParaRPr>
           </a:p>
         </p:txBody>
       </p:sp>
@@ -30487,8 +30909,8 @@
         </p:nvSpPr>
         <p:spPr bwMode="auto">
           <a:xfrm>
-            <a:off x="1645772" y="3947551"/>
-            <a:ext cx="4450228" cy="1850138"/>
+            <a:off x="1645772" y="3929963"/>
+            <a:ext cx="4450228" cy="1885315"/>
           </a:xfrm>
           <a:prstGeom prst="rect">
             <a:avLst/>
@@ -30706,8 +31128,29 @@
                 <a:ea typeface="+mj-ea"/>
                 <a:cs typeface="+mj-cs"/>
               </a:rPr>
-              <a:t>-resource</a:t>
-            </a:r>
+              <a:t>-resource </a:t>
+            </a:r>
+            <a:r>
+              <a:rPr lang="zh-CN" altLang="en-US" sz="1600" dirty="0">
+                <a:latin typeface="+mj-lt"/>
+                <a:ea typeface="+mj-ea"/>
+                <a:cs typeface="+mj-cs"/>
+              </a:rPr>
+              <a:t>不需要</a:t>
+            </a:r>
+            <a:r>
+              <a:rPr lang="en-US" altLang="zh-CN" sz="1600" dirty="0">
+                <a:latin typeface="+mj-lt"/>
+                <a:ea typeface="+mj-ea"/>
+                <a:cs typeface="+mj-cs"/>
+              </a:rPr>
+              <a:t>jquery</a:t>
+            </a:r>
+            <a:endParaRPr lang="en-US" altLang="zh-CN" sz="1600" dirty="0">
+              <a:latin typeface="+mj-lt"/>
+              <a:ea typeface="+mj-ea"/>
+              <a:cs typeface="+mj-cs"/>
+            </a:endParaRPr>
           </a:p>
           <a:p>
             <a:pPr marL="0" indent="0">
@@ -30810,7 +31253,7 @@
           <p:nvPr/>
         </p:nvPicPr>
         <p:blipFill>
-          <a:blip r:embed="rId3"/>
+          <a:blip r:embed="rId1"/>
           <a:stretch>
             <a:fillRect/>
           </a:stretch>
@@ -31232,15 +31675,11 @@
               <a:rPr lang="zh-CN" altLang="en-US" sz="1600" dirty="0"/>
               <a:t>、请求数据</a:t>
             </a:r>
+            <a:endParaRPr lang="zh-CN" altLang="en-US" sz="1600" dirty="0"/>
           </a:p>
         </p:txBody>
       </p:sp>
     </p:spTree>
-    <p:extLst>
-      <p:ext uri="{BB962C8B-B14F-4D97-AF65-F5344CB8AC3E}">
-        <p14:creationId xmlns:p14="http://schemas.microsoft.com/office/powerpoint/2010/main" val="692108366"/>
-      </p:ext>
-    </p:extLst>
   </p:cSld>
   <p:clrMapOvr>
     <a:masterClrMapping/>
@@ -31312,6 +31751,7 @@
               <a:rPr lang="zh-CN" altLang="en-US" dirty="0"/>
               <a:t>用法</a:t>
             </a:r>
+            <a:endParaRPr lang="zh-CN" altLang="en-US" dirty="0"/>
           </a:p>
         </p:txBody>
       </p:sp>
@@ -32345,6 +32785,11 @@
               </a:rPr>
               <a:t>'</a:t>
             </a:r>
+            <a:endParaRPr lang="en-US" altLang="zh-CN" sz="1600" dirty="0">
+              <a:latin typeface="+mj-lt"/>
+              <a:ea typeface="+mj-ea"/>
+              <a:cs typeface="+mj-cs"/>
+            </a:endParaRPr>
           </a:p>
           <a:p>
             <a:pPr marL="0" indent="0">
@@ -32808,25 +33253,20 @@
               <a:rPr lang="zh-CN" altLang="en-US" sz="1600" dirty="0"/>
               <a:t>获取数据</a:t>
             </a:r>
+            <a:endParaRPr lang="zh-CN" altLang="en-US" sz="1600" dirty="0"/>
           </a:p>
         </p:txBody>
       </p:sp>
       <p:pic>
         <p:nvPicPr>
-          <p:cNvPr id="2" name="图片 1">
-            <a:extLst>
-              <a:ext uri="{FF2B5EF4-FFF2-40B4-BE49-F238E27FC236}">
-                <a16:creationId xmlns:a16="http://schemas.microsoft.com/office/drawing/2014/main" id="{E0E1A5F5-815D-410A-9149-33D6B744E0B6}"/>
-              </a:ext>
-            </a:extLst>
-          </p:cNvPr>
+          <p:cNvPr id="2" name="图片 1"/>
           <p:cNvPicPr>
             <a:picLocks noChangeAspect="1"/>
           </p:cNvPicPr>
           <p:nvPr/>
         </p:nvPicPr>
         <p:blipFill>
-          <a:blip r:embed="rId3"/>
+          <a:blip r:embed="rId1"/>
           <a:stretch>
             <a:fillRect/>
           </a:stretch>
@@ -32842,11 +33282,6 @@
         </p:spPr>
       </p:pic>
     </p:spTree>
-    <p:extLst>
-      <p:ext uri="{BB962C8B-B14F-4D97-AF65-F5344CB8AC3E}">
-        <p14:creationId xmlns:p14="http://schemas.microsoft.com/office/powerpoint/2010/main" val="2143249516"/>
-      </p:ext>
-    </p:extLst>
   </p:cSld>
   <p:clrMapOvr>
     <a:masterClrMapping/>
@@ -32881,8 +33316,8 @@
         </p:nvSpPr>
         <p:spPr bwMode="auto">
           <a:xfrm>
-            <a:off x="1370271" y="2876833"/>
-            <a:ext cx="4123809" cy="1572260"/>
+            <a:off x="1370330" y="3084195"/>
+            <a:ext cx="7026910" cy="1156970"/>
           </a:xfrm>
           <a:prstGeom prst="rect">
             <a:avLst/>
@@ -33102,6 +33537,11 @@
               </a:rPr>
               <a:t> run build</a:t>
             </a:r>
+            <a:endParaRPr lang="en-US" altLang="zh-CN" sz="1800" dirty="0">
+              <a:latin typeface="+mj-lt"/>
+              <a:ea typeface="+mj-ea"/>
+              <a:cs typeface="+mj-cs"/>
+            </a:endParaRPr>
           </a:p>
           <a:p>
             <a:pPr marL="0" indent="0">
@@ -33420,6 +33860,7 @@
               <a:rPr lang="zh-CN" altLang="en-US" dirty="0"/>
               <a:t>用法</a:t>
             </a:r>
+            <a:endParaRPr lang="zh-CN" altLang="en-US" dirty="0"/>
           </a:p>
         </p:txBody>
       </p:sp>
@@ -33611,6 +34052,7 @@
               <a:rPr lang="zh-CN" altLang="en-US" dirty="0"/>
               <a:t>打包部署</a:t>
             </a:r>
+            <a:endParaRPr lang="zh-CN" altLang="en-US" dirty="0"/>
           </a:p>
         </p:txBody>
       </p:sp>
@@ -33648,7 +34090,7 @@
           <p:nvPr/>
         </p:nvPicPr>
         <p:blipFill>
-          <a:blip r:embed="rId3"/>
+          <a:blip r:embed="rId1"/>
           <a:stretch>
             <a:fillRect/>
           </a:stretch>
@@ -33706,6 +34148,7 @@
               <a:rPr lang="zh-CN" altLang="en-US" dirty="0"/>
               <a:t>最终效果</a:t>
             </a:r>
+            <a:endParaRPr lang="zh-CN" altLang="en-US" dirty="0"/>
           </a:p>
         </p:txBody>
       </p:sp>
@@ -33734,1003 +34177,6 @@
           <a:chExt cx="0" cy="0"/>
         </a:xfrm>
       </p:grpSpPr>
-      <p:sp>
-        <p:nvSpPr>
-          <p:cNvPr id="7" name="内容占位符 2"/>
-          <p:cNvSpPr txBox="1"/>
-          <p:nvPr/>
-        </p:nvSpPr>
-        <p:spPr>
-          <a:xfrm>
-            <a:off x="838200" y="1820361"/>
-            <a:ext cx="10515600" cy="580725"/>
-          </a:xfrm>
-          <a:prstGeom prst="rect">
-            <a:avLst/>
-          </a:prstGeom>
-        </p:spPr>
-        <p:txBody>
-          <a:bodyPr vert="horz" lIns="91440" tIns="45720" rIns="91440" bIns="45720" rtlCol="0">
-            <a:normAutofit/>
-          </a:bodyPr>
-          <a:lstStyle>
-            <a:lvl1pPr marL="228600" indent="-228600" algn="l" defTabSz="914400" rtl="0" eaLnBrk="1" latinLnBrk="0" hangingPunct="1">
-              <a:lnSpc>
-                <a:spcPct val="90000"/>
-              </a:lnSpc>
-              <a:spcBef>
-                <a:spcPts val="1000"/>
-              </a:spcBef>
-              <a:buFont typeface="Arial" panose="020B0604020202020204" pitchFamily="34" charset="0"/>
-              <a:buChar char="•"/>
-              <a:defRPr sz="2800" kern="1200">
-                <a:solidFill>
-                  <a:schemeClr val="tx1"/>
-                </a:solidFill>
-                <a:latin typeface="+mn-lt"/>
-                <a:ea typeface="+mn-ea"/>
-                <a:cs typeface="+mn-cs"/>
-              </a:defRPr>
-            </a:lvl1pPr>
-            <a:lvl2pPr marL="685800" indent="-228600" algn="l" defTabSz="914400" rtl="0" eaLnBrk="1" latinLnBrk="0" hangingPunct="1">
-              <a:lnSpc>
-                <a:spcPct val="90000"/>
-              </a:lnSpc>
-              <a:spcBef>
-                <a:spcPts val="500"/>
-              </a:spcBef>
-              <a:buFont typeface="Arial" panose="020B0604020202020204" pitchFamily="34" charset="0"/>
-              <a:buChar char="•"/>
-              <a:defRPr sz="2400" kern="1200">
-                <a:solidFill>
-                  <a:schemeClr val="tx1"/>
-                </a:solidFill>
-                <a:latin typeface="+mn-lt"/>
-                <a:ea typeface="+mn-ea"/>
-                <a:cs typeface="+mn-cs"/>
-              </a:defRPr>
-            </a:lvl2pPr>
-            <a:lvl3pPr marL="1143000" indent="-228600" algn="l" defTabSz="914400" rtl="0" eaLnBrk="1" latinLnBrk="0" hangingPunct="1">
-              <a:lnSpc>
-                <a:spcPct val="90000"/>
-              </a:lnSpc>
-              <a:spcBef>
-                <a:spcPts val="500"/>
-              </a:spcBef>
-              <a:buFont typeface="Arial" panose="020B0604020202020204" pitchFamily="34" charset="0"/>
-              <a:buChar char="•"/>
-              <a:defRPr sz="2000" kern="1200">
-                <a:solidFill>
-                  <a:schemeClr val="tx1"/>
-                </a:solidFill>
-                <a:latin typeface="+mn-lt"/>
-                <a:ea typeface="+mn-ea"/>
-                <a:cs typeface="+mn-cs"/>
-              </a:defRPr>
-            </a:lvl3pPr>
-            <a:lvl4pPr marL="1600200" indent="-228600" algn="l" defTabSz="914400" rtl="0" eaLnBrk="1" latinLnBrk="0" hangingPunct="1">
-              <a:lnSpc>
-                <a:spcPct val="90000"/>
-              </a:lnSpc>
-              <a:spcBef>
-                <a:spcPts val="500"/>
-              </a:spcBef>
-              <a:buFont typeface="Arial" panose="020B0604020202020204" pitchFamily="34" charset="0"/>
-              <a:buChar char="•"/>
-              <a:defRPr sz="1800" kern="1200">
-                <a:solidFill>
-                  <a:schemeClr val="tx1"/>
-                </a:solidFill>
-                <a:latin typeface="+mn-lt"/>
-                <a:ea typeface="+mn-ea"/>
-                <a:cs typeface="+mn-cs"/>
-              </a:defRPr>
-            </a:lvl4pPr>
-            <a:lvl5pPr marL="2057400" indent="-228600" algn="l" defTabSz="914400" rtl="0" eaLnBrk="1" latinLnBrk="0" hangingPunct="1">
-              <a:lnSpc>
-                <a:spcPct val="90000"/>
-              </a:lnSpc>
-              <a:spcBef>
-                <a:spcPts val="500"/>
-              </a:spcBef>
-              <a:buFont typeface="Arial" panose="020B0604020202020204" pitchFamily="34" charset="0"/>
-              <a:buChar char="•"/>
-              <a:defRPr sz="1800" kern="1200">
-                <a:solidFill>
-                  <a:schemeClr val="tx1"/>
-                </a:solidFill>
-                <a:latin typeface="+mn-lt"/>
-                <a:ea typeface="+mn-ea"/>
-                <a:cs typeface="+mn-cs"/>
-              </a:defRPr>
-            </a:lvl5pPr>
-            <a:lvl6pPr marL="2514600" indent="-228600" algn="l" defTabSz="914400" rtl="0" eaLnBrk="1" latinLnBrk="0" hangingPunct="1">
-              <a:lnSpc>
-                <a:spcPct val="90000"/>
-              </a:lnSpc>
-              <a:spcBef>
-                <a:spcPts val="500"/>
-              </a:spcBef>
-              <a:buFont typeface="Arial" panose="020B0604020202020204" pitchFamily="34" charset="0"/>
-              <a:buChar char="•"/>
-              <a:defRPr sz="1800" kern="1200">
-                <a:solidFill>
-                  <a:schemeClr val="tx1"/>
-                </a:solidFill>
-                <a:latin typeface="+mn-lt"/>
-                <a:ea typeface="+mn-ea"/>
-                <a:cs typeface="+mn-cs"/>
-              </a:defRPr>
-            </a:lvl6pPr>
-            <a:lvl7pPr marL="2971800" indent="-228600" algn="l" defTabSz="914400" rtl="0" eaLnBrk="1" latinLnBrk="0" hangingPunct="1">
-              <a:lnSpc>
-                <a:spcPct val="90000"/>
-              </a:lnSpc>
-              <a:spcBef>
-                <a:spcPts val="500"/>
-              </a:spcBef>
-              <a:buFont typeface="Arial" panose="020B0604020202020204" pitchFamily="34" charset="0"/>
-              <a:buChar char="•"/>
-              <a:defRPr sz="1800" kern="1200">
-                <a:solidFill>
-                  <a:schemeClr val="tx1"/>
-                </a:solidFill>
-                <a:latin typeface="+mn-lt"/>
-                <a:ea typeface="+mn-ea"/>
-                <a:cs typeface="+mn-cs"/>
-              </a:defRPr>
-            </a:lvl7pPr>
-            <a:lvl8pPr marL="3429000" indent="-228600" algn="l" defTabSz="914400" rtl="0" eaLnBrk="1" latinLnBrk="0" hangingPunct="1">
-              <a:lnSpc>
-                <a:spcPct val="90000"/>
-              </a:lnSpc>
-              <a:spcBef>
-                <a:spcPts val="500"/>
-              </a:spcBef>
-              <a:buFont typeface="Arial" panose="020B0604020202020204" pitchFamily="34" charset="0"/>
-              <a:buChar char="•"/>
-              <a:defRPr sz="1800" kern="1200">
-                <a:solidFill>
-                  <a:schemeClr val="tx1"/>
-                </a:solidFill>
-                <a:latin typeface="+mn-lt"/>
-                <a:ea typeface="+mn-ea"/>
-                <a:cs typeface="+mn-cs"/>
-              </a:defRPr>
-            </a:lvl8pPr>
-            <a:lvl9pPr marL="3886200" indent="-228600" algn="l" defTabSz="914400" rtl="0" eaLnBrk="1" latinLnBrk="0" hangingPunct="1">
-              <a:lnSpc>
-                <a:spcPct val="90000"/>
-              </a:lnSpc>
-              <a:spcBef>
-                <a:spcPts val="500"/>
-              </a:spcBef>
-              <a:buFont typeface="Arial" panose="020B0604020202020204" pitchFamily="34" charset="0"/>
-              <a:buChar char="•"/>
-              <a:defRPr sz="1800" kern="1200">
-                <a:solidFill>
-                  <a:schemeClr val="tx1"/>
-                </a:solidFill>
-                <a:latin typeface="+mn-lt"/>
-                <a:ea typeface="+mn-ea"/>
-                <a:cs typeface="+mn-cs"/>
-              </a:defRPr>
-            </a:lvl9pPr>
-          </a:lstStyle>
-          <a:p>
-            <a:r>
-              <a:rPr lang="en-US" altLang="zh-CN" dirty="0"/>
-              <a:t>Webpack</a:t>
-            </a:r>
-            <a:r>
-              <a:rPr lang="zh-CN" altLang="en-US" dirty="0"/>
-              <a:t> 是什么</a:t>
-            </a:r>
-          </a:p>
-        </p:txBody>
-      </p:sp>
-      <p:sp>
-        <p:nvSpPr>
-          <p:cNvPr id="9" name="Rectangle 1"/>
-          <p:cNvSpPr txBox="1">
-            <a:spLocks noChangeArrowheads="1"/>
-          </p:cNvSpPr>
-          <p:nvPr/>
-        </p:nvSpPr>
-        <p:spPr bwMode="auto">
-          <a:xfrm>
-            <a:off x="1349025" y="3619316"/>
-            <a:ext cx="8843408" cy="1536700"/>
-          </a:xfrm>
-          <a:prstGeom prst="rect">
-            <a:avLst/>
-          </a:prstGeom>
-          <a:solidFill>
-            <a:schemeClr val="bg1"/>
-          </a:solidFill>
-          <a:ln>
-            <a:noFill/>
-          </a:ln>
-          <a:effectLst/>
-        </p:spPr>
-        <p:txBody>
-          <a:bodyPr vert="horz" wrap="square" lIns="0" tIns="0" rIns="0" bIns="152352" numCol="1" rtlCol="0" anchor="ctr" anchorCtr="0" compatLnSpc="1">
-            <a:spAutoFit/>
-          </a:bodyPr>
-          <a:lstStyle>
-            <a:lvl1pPr marL="228600" indent="-228600" algn="l" defTabSz="914400" rtl="0" eaLnBrk="1" latinLnBrk="0" hangingPunct="1">
-              <a:lnSpc>
-                <a:spcPct val="90000"/>
-              </a:lnSpc>
-              <a:spcBef>
-                <a:spcPts val="1000"/>
-              </a:spcBef>
-              <a:buFont typeface="Arial" panose="020B0604020202020204" pitchFamily="34" charset="0"/>
-              <a:buChar char="•"/>
-              <a:defRPr sz="2800" kern="1200">
-                <a:solidFill>
-                  <a:schemeClr val="tx1"/>
-                </a:solidFill>
-                <a:latin typeface="+mn-lt"/>
-                <a:ea typeface="+mn-ea"/>
-                <a:cs typeface="+mn-cs"/>
-              </a:defRPr>
-            </a:lvl1pPr>
-            <a:lvl2pPr marL="685800" indent="-228600" algn="l" defTabSz="914400" rtl="0" eaLnBrk="1" latinLnBrk="0" hangingPunct="1">
-              <a:lnSpc>
-                <a:spcPct val="90000"/>
-              </a:lnSpc>
-              <a:spcBef>
-                <a:spcPts val="500"/>
-              </a:spcBef>
-              <a:buFont typeface="Arial" panose="020B0604020202020204" pitchFamily="34" charset="0"/>
-              <a:buChar char="•"/>
-              <a:defRPr sz="2400" kern="1200">
-                <a:solidFill>
-                  <a:schemeClr val="tx1"/>
-                </a:solidFill>
-                <a:latin typeface="+mn-lt"/>
-                <a:ea typeface="+mn-ea"/>
-                <a:cs typeface="+mn-cs"/>
-              </a:defRPr>
-            </a:lvl2pPr>
-            <a:lvl3pPr marL="1143000" indent="-228600" algn="l" defTabSz="914400" rtl="0" eaLnBrk="1" latinLnBrk="0" hangingPunct="1">
-              <a:lnSpc>
-                <a:spcPct val="90000"/>
-              </a:lnSpc>
-              <a:spcBef>
-                <a:spcPts val="500"/>
-              </a:spcBef>
-              <a:buFont typeface="Arial" panose="020B0604020202020204" pitchFamily="34" charset="0"/>
-              <a:buChar char="•"/>
-              <a:defRPr sz="2000" kern="1200">
-                <a:solidFill>
-                  <a:schemeClr val="tx1"/>
-                </a:solidFill>
-                <a:latin typeface="+mn-lt"/>
-                <a:ea typeface="+mn-ea"/>
-                <a:cs typeface="+mn-cs"/>
-              </a:defRPr>
-            </a:lvl3pPr>
-            <a:lvl4pPr marL="1600200" indent="-228600" algn="l" defTabSz="914400" rtl="0" eaLnBrk="1" latinLnBrk="0" hangingPunct="1">
-              <a:lnSpc>
-                <a:spcPct val="90000"/>
-              </a:lnSpc>
-              <a:spcBef>
-                <a:spcPts val="500"/>
-              </a:spcBef>
-              <a:buFont typeface="Arial" panose="020B0604020202020204" pitchFamily="34" charset="0"/>
-              <a:buChar char="•"/>
-              <a:defRPr sz="1800" kern="1200">
-                <a:solidFill>
-                  <a:schemeClr val="tx1"/>
-                </a:solidFill>
-                <a:latin typeface="+mn-lt"/>
-                <a:ea typeface="+mn-ea"/>
-                <a:cs typeface="+mn-cs"/>
-              </a:defRPr>
-            </a:lvl4pPr>
-            <a:lvl5pPr marL="2057400" indent="-228600" algn="l" defTabSz="914400" rtl="0" eaLnBrk="1" latinLnBrk="0" hangingPunct="1">
-              <a:lnSpc>
-                <a:spcPct val="90000"/>
-              </a:lnSpc>
-              <a:spcBef>
-                <a:spcPts val="500"/>
-              </a:spcBef>
-              <a:buFont typeface="Arial" panose="020B0604020202020204" pitchFamily="34" charset="0"/>
-              <a:buChar char="•"/>
-              <a:defRPr sz="1800" kern="1200">
-                <a:solidFill>
-                  <a:schemeClr val="tx1"/>
-                </a:solidFill>
-                <a:latin typeface="+mn-lt"/>
-                <a:ea typeface="+mn-ea"/>
-                <a:cs typeface="+mn-cs"/>
-              </a:defRPr>
-            </a:lvl5pPr>
-            <a:lvl6pPr marL="2514600" indent="-228600" algn="l" defTabSz="914400" rtl="0" eaLnBrk="1" latinLnBrk="0" hangingPunct="1">
-              <a:lnSpc>
-                <a:spcPct val="90000"/>
-              </a:lnSpc>
-              <a:spcBef>
-                <a:spcPts val="500"/>
-              </a:spcBef>
-              <a:buFont typeface="Arial" panose="020B0604020202020204" pitchFamily="34" charset="0"/>
-              <a:buChar char="•"/>
-              <a:defRPr sz="1800" kern="1200">
-                <a:solidFill>
-                  <a:schemeClr val="tx1"/>
-                </a:solidFill>
-                <a:latin typeface="+mn-lt"/>
-                <a:ea typeface="+mn-ea"/>
-                <a:cs typeface="+mn-cs"/>
-              </a:defRPr>
-            </a:lvl6pPr>
-            <a:lvl7pPr marL="2971800" indent="-228600" algn="l" defTabSz="914400" rtl="0" eaLnBrk="1" latinLnBrk="0" hangingPunct="1">
-              <a:lnSpc>
-                <a:spcPct val="90000"/>
-              </a:lnSpc>
-              <a:spcBef>
-                <a:spcPts val="500"/>
-              </a:spcBef>
-              <a:buFont typeface="Arial" panose="020B0604020202020204" pitchFamily="34" charset="0"/>
-              <a:buChar char="•"/>
-              <a:defRPr sz="1800" kern="1200">
-                <a:solidFill>
-                  <a:schemeClr val="tx1"/>
-                </a:solidFill>
-                <a:latin typeface="+mn-lt"/>
-                <a:ea typeface="+mn-ea"/>
-                <a:cs typeface="+mn-cs"/>
-              </a:defRPr>
-            </a:lvl7pPr>
-            <a:lvl8pPr marL="3429000" indent="-228600" algn="l" defTabSz="914400" rtl="0" eaLnBrk="1" latinLnBrk="0" hangingPunct="1">
-              <a:lnSpc>
-                <a:spcPct val="90000"/>
-              </a:lnSpc>
-              <a:spcBef>
-                <a:spcPts val="500"/>
-              </a:spcBef>
-              <a:buFont typeface="Arial" panose="020B0604020202020204" pitchFamily="34" charset="0"/>
-              <a:buChar char="•"/>
-              <a:defRPr sz="1800" kern="1200">
-                <a:solidFill>
-                  <a:schemeClr val="tx1"/>
-                </a:solidFill>
-                <a:latin typeface="+mn-lt"/>
-                <a:ea typeface="+mn-ea"/>
-                <a:cs typeface="+mn-cs"/>
-              </a:defRPr>
-            </a:lvl8pPr>
-            <a:lvl9pPr marL="3886200" indent="-228600" algn="l" defTabSz="914400" rtl="0" eaLnBrk="1" latinLnBrk="0" hangingPunct="1">
-              <a:lnSpc>
-                <a:spcPct val="90000"/>
-              </a:lnSpc>
-              <a:spcBef>
-                <a:spcPts val="500"/>
-              </a:spcBef>
-              <a:buFont typeface="Arial" panose="020B0604020202020204" pitchFamily="34" charset="0"/>
-              <a:buChar char="•"/>
-              <a:defRPr sz="1800" kern="1200">
-                <a:solidFill>
-                  <a:schemeClr val="tx1"/>
-                </a:solidFill>
-                <a:latin typeface="+mn-lt"/>
-                <a:ea typeface="+mn-ea"/>
-                <a:cs typeface="+mn-cs"/>
-              </a:defRPr>
-            </a:lvl9pPr>
-          </a:lstStyle>
-          <a:p>
-            <a:pPr marL="0" indent="0" eaLnBrk="0" fontAlgn="base" hangingPunct="0">
-              <a:lnSpc>
-                <a:spcPct val="150000"/>
-              </a:lnSpc>
-              <a:spcBef>
-                <a:spcPct val="0"/>
-              </a:spcBef>
-              <a:spcAft>
-                <a:spcPct val="0"/>
-              </a:spcAft>
-              <a:buNone/>
-            </a:pPr>
-            <a:r>
-              <a:rPr lang="zh-CN" altLang="en-US" sz="2000" dirty="0">
-                <a:latin typeface="+mj-lt"/>
-                <a:ea typeface="+mj-ea"/>
-                <a:cs typeface="+mj-cs"/>
-              </a:rPr>
-              <a:t>通过 </a:t>
-            </a:r>
-            <a:r>
-              <a:rPr lang="en-US" altLang="zh-CN" sz="2000" dirty="0">
-                <a:latin typeface="+mj-lt"/>
-                <a:ea typeface="+mj-ea"/>
-                <a:cs typeface="+mj-cs"/>
-              </a:rPr>
-              <a:t>loader </a:t>
-            </a:r>
-            <a:r>
-              <a:rPr lang="zh-CN" altLang="en-US" sz="2000" dirty="0">
-                <a:latin typeface="+mj-lt"/>
-                <a:ea typeface="+mj-ea"/>
-                <a:cs typeface="+mj-cs"/>
-              </a:rPr>
-              <a:t>的转换，任何形式的资源都可以视作模块，</a:t>
-            </a:r>
-            <a:endParaRPr lang="en-US" altLang="zh-CN" sz="2000" dirty="0">
-              <a:latin typeface="+mj-lt"/>
-              <a:ea typeface="+mj-ea"/>
-              <a:cs typeface="+mj-cs"/>
-            </a:endParaRPr>
-          </a:p>
-          <a:p>
-            <a:pPr marL="0" indent="0" eaLnBrk="0" fontAlgn="base" hangingPunct="0">
-              <a:lnSpc>
-                <a:spcPct val="150000"/>
-              </a:lnSpc>
-              <a:spcBef>
-                <a:spcPct val="0"/>
-              </a:spcBef>
-              <a:spcAft>
-                <a:spcPct val="0"/>
-              </a:spcAft>
-              <a:buNone/>
-            </a:pPr>
-            <a:r>
-              <a:rPr lang="zh-CN" altLang="en-US" sz="2000" dirty="0">
-                <a:latin typeface="+mj-lt"/>
-                <a:ea typeface="+mj-ea"/>
-                <a:cs typeface="+mj-cs"/>
-              </a:rPr>
-              <a:t>比如 </a:t>
-            </a:r>
-            <a:r>
-              <a:rPr lang="en-US" altLang="zh-CN" sz="2000" dirty="0" err="1">
-                <a:latin typeface="+mj-lt"/>
-                <a:ea typeface="+mj-ea"/>
-                <a:cs typeface="+mj-cs"/>
-              </a:rPr>
-              <a:t>CommonJs</a:t>
-            </a:r>
-            <a:r>
-              <a:rPr lang="en-US" altLang="zh-CN" sz="2000" dirty="0">
-                <a:latin typeface="+mj-lt"/>
-                <a:ea typeface="+mj-ea"/>
-                <a:cs typeface="+mj-cs"/>
-              </a:rPr>
-              <a:t> </a:t>
-            </a:r>
-            <a:r>
-              <a:rPr lang="zh-CN" altLang="en-US" sz="2000" dirty="0">
-                <a:latin typeface="+mj-lt"/>
-                <a:ea typeface="+mj-ea"/>
-                <a:cs typeface="+mj-cs"/>
-              </a:rPr>
-              <a:t>模块、 </a:t>
-            </a:r>
-            <a:r>
-              <a:rPr lang="en-US" altLang="zh-CN" sz="2000" dirty="0">
-                <a:latin typeface="+mj-lt"/>
-                <a:ea typeface="+mj-ea"/>
-                <a:cs typeface="+mj-cs"/>
-              </a:rPr>
-              <a:t>AMD </a:t>
-            </a:r>
-            <a:r>
-              <a:rPr lang="zh-CN" altLang="en-US" sz="2000" dirty="0">
-                <a:latin typeface="+mj-lt"/>
-                <a:ea typeface="+mj-ea"/>
-                <a:cs typeface="+mj-cs"/>
-              </a:rPr>
-              <a:t>模块、 </a:t>
-            </a:r>
-            <a:r>
-              <a:rPr lang="en-US" altLang="zh-CN" sz="2000" dirty="0">
-                <a:latin typeface="+mj-lt"/>
-                <a:ea typeface="+mj-ea"/>
-                <a:cs typeface="+mj-cs"/>
-              </a:rPr>
-              <a:t>ES6 </a:t>
-            </a:r>
-            <a:r>
-              <a:rPr lang="zh-CN" altLang="en-US" sz="2000" dirty="0">
-                <a:latin typeface="+mj-lt"/>
-                <a:ea typeface="+mj-ea"/>
-                <a:cs typeface="+mj-cs"/>
-              </a:rPr>
-              <a:t>模块、</a:t>
-            </a:r>
-            <a:r>
-              <a:rPr lang="en-US" altLang="zh-CN" sz="2000" dirty="0">
-                <a:latin typeface="+mj-lt"/>
-                <a:ea typeface="+mj-ea"/>
-                <a:cs typeface="+mj-cs"/>
-              </a:rPr>
-              <a:t>CSS</a:t>
-            </a:r>
-            <a:r>
-              <a:rPr lang="zh-CN" altLang="en-US" sz="2000" dirty="0">
-                <a:latin typeface="+mj-lt"/>
-                <a:ea typeface="+mj-ea"/>
-                <a:cs typeface="+mj-cs"/>
-              </a:rPr>
-              <a:t>、图片、 </a:t>
-            </a:r>
-            <a:r>
-              <a:rPr lang="en-US" altLang="zh-CN" sz="2000" dirty="0">
-                <a:latin typeface="+mj-lt"/>
-                <a:ea typeface="+mj-ea"/>
-                <a:cs typeface="+mj-cs"/>
-              </a:rPr>
-              <a:t>JSON</a:t>
-            </a:r>
-            <a:r>
-              <a:rPr lang="zh-CN" altLang="en-US" sz="2000" dirty="0">
-                <a:latin typeface="+mj-lt"/>
-                <a:ea typeface="+mj-ea"/>
-                <a:cs typeface="+mj-cs"/>
-              </a:rPr>
-              <a:t>、</a:t>
-            </a:r>
-            <a:r>
-              <a:rPr lang="en-US" altLang="zh-CN" sz="2000" dirty="0" err="1">
-                <a:latin typeface="+mj-lt"/>
-                <a:ea typeface="+mj-ea"/>
-                <a:cs typeface="+mj-cs"/>
-              </a:rPr>
-              <a:t>Coffeescript</a:t>
-            </a:r>
-            <a:r>
-              <a:rPr lang="zh-CN" altLang="en-US" sz="2000" dirty="0">
-                <a:latin typeface="+mj-lt"/>
-                <a:ea typeface="+mj-ea"/>
-                <a:cs typeface="+mj-cs"/>
-              </a:rPr>
-              <a:t>、 </a:t>
-            </a:r>
-            <a:r>
-              <a:rPr lang="en-US" altLang="zh-CN" sz="2000" dirty="0">
-                <a:latin typeface="+mj-lt"/>
-                <a:ea typeface="+mj-ea"/>
-                <a:cs typeface="+mj-cs"/>
-              </a:rPr>
-              <a:t>LESS </a:t>
-            </a:r>
-            <a:r>
-              <a:rPr lang="zh-CN" altLang="en-US" sz="2000" dirty="0">
-                <a:latin typeface="+mj-lt"/>
-                <a:ea typeface="+mj-ea"/>
-                <a:cs typeface="+mj-cs"/>
-              </a:rPr>
-              <a:t>等，</a:t>
-            </a:r>
-          </a:p>
-        </p:txBody>
-      </p:sp>
-      <p:sp>
-        <p:nvSpPr>
-          <p:cNvPr id="10" name="标题 1"/>
-          <p:cNvSpPr txBox="1"/>
-          <p:nvPr/>
-        </p:nvSpPr>
-        <p:spPr>
-          <a:xfrm>
-            <a:off x="990600" y="517525"/>
-            <a:ext cx="10515600" cy="1325563"/>
-          </a:xfrm>
-          <a:prstGeom prst="rect">
-            <a:avLst/>
-          </a:prstGeom>
-        </p:spPr>
-        <p:txBody>
-          <a:bodyPr vert="horz" lIns="91440" tIns="45720" rIns="91440" bIns="45720" rtlCol="0" anchor="ctr">
-            <a:normAutofit/>
-          </a:bodyPr>
-          <a:lstStyle>
-            <a:lvl1pPr algn="l" defTabSz="914400" rtl="0" eaLnBrk="1" latinLnBrk="0" hangingPunct="1">
-              <a:lnSpc>
-                <a:spcPct val="90000"/>
-              </a:lnSpc>
-              <a:spcBef>
-                <a:spcPct val="0"/>
-              </a:spcBef>
-              <a:buNone/>
-              <a:defRPr sz="4400" kern="1200">
-                <a:solidFill>
-                  <a:schemeClr val="tx1"/>
-                </a:solidFill>
-                <a:latin typeface="+mj-lt"/>
-                <a:ea typeface="+mj-ea"/>
-                <a:cs typeface="+mj-cs"/>
-              </a:defRPr>
-            </a:lvl1pPr>
-          </a:lstStyle>
-          <a:p>
-            <a:r>
-              <a:rPr lang="en-US" altLang="zh-CN" dirty="0"/>
-              <a:t>Webpack</a:t>
-            </a:r>
-            <a:endParaRPr lang="zh-CN" altLang="en-US" dirty="0"/>
-          </a:p>
-        </p:txBody>
-      </p:sp>
-      <p:sp>
-        <p:nvSpPr>
-          <p:cNvPr id="2" name="Rectangle 1"/>
-          <p:cNvSpPr txBox="1">
-            <a:spLocks noChangeArrowheads="1"/>
-          </p:cNvSpPr>
-          <p:nvPr/>
-        </p:nvSpPr>
-        <p:spPr bwMode="auto">
-          <a:xfrm>
-            <a:off x="1349025" y="5054849"/>
-            <a:ext cx="8843408" cy="1536700"/>
-          </a:xfrm>
-          <a:prstGeom prst="rect">
-            <a:avLst/>
-          </a:prstGeom>
-          <a:solidFill>
-            <a:schemeClr val="bg1"/>
-          </a:solidFill>
-          <a:ln>
-            <a:noFill/>
-          </a:ln>
-          <a:effectLst/>
-        </p:spPr>
-        <p:txBody>
-          <a:bodyPr vert="horz" wrap="square" lIns="0" tIns="0" rIns="0" bIns="152352" numCol="1" rtlCol="0" anchor="ctr" anchorCtr="0" compatLnSpc="1">
-            <a:spAutoFit/>
-          </a:bodyPr>
-          <a:lstStyle>
-            <a:lvl1pPr marL="228600" indent="-228600" algn="l" defTabSz="914400" rtl="0" eaLnBrk="1" latinLnBrk="0" hangingPunct="1">
-              <a:lnSpc>
-                <a:spcPct val="90000"/>
-              </a:lnSpc>
-              <a:spcBef>
-                <a:spcPts val="1000"/>
-              </a:spcBef>
-              <a:buFont typeface="Arial" panose="020B0604020202020204" pitchFamily="34" charset="0"/>
-              <a:buChar char="•"/>
-              <a:defRPr sz="2800" kern="1200">
-                <a:solidFill>
-                  <a:schemeClr val="tx1"/>
-                </a:solidFill>
-                <a:latin typeface="+mn-lt"/>
-                <a:ea typeface="+mn-ea"/>
-                <a:cs typeface="+mn-cs"/>
-              </a:defRPr>
-            </a:lvl1pPr>
-            <a:lvl2pPr marL="685800" indent="-228600" algn="l" defTabSz="914400" rtl="0" eaLnBrk="1" latinLnBrk="0" hangingPunct="1">
-              <a:lnSpc>
-                <a:spcPct val="90000"/>
-              </a:lnSpc>
-              <a:spcBef>
-                <a:spcPts val="500"/>
-              </a:spcBef>
-              <a:buFont typeface="Arial" panose="020B0604020202020204" pitchFamily="34" charset="0"/>
-              <a:buChar char="•"/>
-              <a:defRPr sz="2400" kern="1200">
-                <a:solidFill>
-                  <a:schemeClr val="tx1"/>
-                </a:solidFill>
-                <a:latin typeface="+mn-lt"/>
-                <a:ea typeface="+mn-ea"/>
-                <a:cs typeface="+mn-cs"/>
-              </a:defRPr>
-            </a:lvl2pPr>
-            <a:lvl3pPr marL="1143000" indent="-228600" algn="l" defTabSz="914400" rtl="0" eaLnBrk="1" latinLnBrk="0" hangingPunct="1">
-              <a:lnSpc>
-                <a:spcPct val="90000"/>
-              </a:lnSpc>
-              <a:spcBef>
-                <a:spcPts val="500"/>
-              </a:spcBef>
-              <a:buFont typeface="Arial" panose="020B0604020202020204" pitchFamily="34" charset="0"/>
-              <a:buChar char="•"/>
-              <a:defRPr sz="2000" kern="1200">
-                <a:solidFill>
-                  <a:schemeClr val="tx1"/>
-                </a:solidFill>
-                <a:latin typeface="+mn-lt"/>
-                <a:ea typeface="+mn-ea"/>
-                <a:cs typeface="+mn-cs"/>
-              </a:defRPr>
-            </a:lvl3pPr>
-            <a:lvl4pPr marL="1600200" indent="-228600" algn="l" defTabSz="914400" rtl="0" eaLnBrk="1" latinLnBrk="0" hangingPunct="1">
-              <a:lnSpc>
-                <a:spcPct val="90000"/>
-              </a:lnSpc>
-              <a:spcBef>
-                <a:spcPts val="500"/>
-              </a:spcBef>
-              <a:buFont typeface="Arial" panose="020B0604020202020204" pitchFamily="34" charset="0"/>
-              <a:buChar char="•"/>
-              <a:defRPr sz="1800" kern="1200">
-                <a:solidFill>
-                  <a:schemeClr val="tx1"/>
-                </a:solidFill>
-                <a:latin typeface="+mn-lt"/>
-                <a:ea typeface="+mn-ea"/>
-                <a:cs typeface="+mn-cs"/>
-              </a:defRPr>
-            </a:lvl4pPr>
-            <a:lvl5pPr marL="2057400" indent="-228600" algn="l" defTabSz="914400" rtl="0" eaLnBrk="1" latinLnBrk="0" hangingPunct="1">
-              <a:lnSpc>
-                <a:spcPct val="90000"/>
-              </a:lnSpc>
-              <a:spcBef>
-                <a:spcPts val="500"/>
-              </a:spcBef>
-              <a:buFont typeface="Arial" panose="020B0604020202020204" pitchFamily="34" charset="0"/>
-              <a:buChar char="•"/>
-              <a:defRPr sz="1800" kern="1200">
-                <a:solidFill>
-                  <a:schemeClr val="tx1"/>
-                </a:solidFill>
-                <a:latin typeface="+mn-lt"/>
-                <a:ea typeface="+mn-ea"/>
-                <a:cs typeface="+mn-cs"/>
-              </a:defRPr>
-            </a:lvl5pPr>
-            <a:lvl6pPr marL="2514600" indent="-228600" algn="l" defTabSz="914400" rtl="0" eaLnBrk="1" latinLnBrk="0" hangingPunct="1">
-              <a:lnSpc>
-                <a:spcPct val="90000"/>
-              </a:lnSpc>
-              <a:spcBef>
-                <a:spcPts val="500"/>
-              </a:spcBef>
-              <a:buFont typeface="Arial" panose="020B0604020202020204" pitchFamily="34" charset="0"/>
-              <a:buChar char="•"/>
-              <a:defRPr sz="1800" kern="1200">
-                <a:solidFill>
-                  <a:schemeClr val="tx1"/>
-                </a:solidFill>
-                <a:latin typeface="+mn-lt"/>
-                <a:ea typeface="+mn-ea"/>
-                <a:cs typeface="+mn-cs"/>
-              </a:defRPr>
-            </a:lvl6pPr>
-            <a:lvl7pPr marL="2971800" indent="-228600" algn="l" defTabSz="914400" rtl="0" eaLnBrk="1" latinLnBrk="0" hangingPunct="1">
-              <a:lnSpc>
-                <a:spcPct val="90000"/>
-              </a:lnSpc>
-              <a:spcBef>
-                <a:spcPts val="500"/>
-              </a:spcBef>
-              <a:buFont typeface="Arial" panose="020B0604020202020204" pitchFamily="34" charset="0"/>
-              <a:buChar char="•"/>
-              <a:defRPr sz="1800" kern="1200">
-                <a:solidFill>
-                  <a:schemeClr val="tx1"/>
-                </a:solidFill>
-                <a:latin typeface="+mn-lt"/>
-                <a:ea typeface="+mn-ea"/>
-                <a:cs typeface="+mn-cs"/>
-              </a:defRPr>
-            </a:lvl7pPr>
-            <a:lvl8pPr marL="3429000" indent="-228600" algn="l" defTabSz="914400" rtl="0" eaLnBrk="1" latinLnBrk="0" hangingPunct="1">
-              <a:lnSpc>
-                <a:spcPct val="90000"/>
-              </a:lnSpc>
-              <a:spcBef>
-                <a:spcPts val="500"/>
-              </a:spcBef>
-              <a:buFont typeface="Arial" panose="020B0604020202020204" pitchFamily="34" charset="0"/>
-              <a:buChar char="•"/>
-              <a:defRPr sz="1800" kern="1200">
-                <a:solidFill>
-                  <a:schemeClr val="tx1"/>
-                </a:solidFill>
-                <a:latin typeface="+mn-lt"/>
-                <a:ea typeface="+mn-ea"/>
-                <a:cs typeface="+mn-cs"/>
-              </a:defRPr>
-            </a:lvl8pPr>
-            <a:lvl9pPr marL="3886200" indent="-228600" algn="l" defTabSz="914400" rtl="0" eaLnBrk="1" latinLnBrk="0" hangingPunct="1">
-              <a:lnSpc>
-                <a:spcPct val="90000"/>
-              </a:lnSpc>
-              <a:spcBef>
-                <a:spcPts val="500"/>
-              </a:spcBef>
-              <a:buFont typeface="Arial" panose="020B0604020202020204" pitchFamily="34" charset="0"/>
-              <a:buChar char="•"/>
-              <a:defRPr sz="1800" kern="1200">
-                <a:solidFill>
-                  <a:schemeClr val="tx1"/>
-                </a:solidFill>
-                <a:latin typeface="+mn-lt"/>
-                <a:ea typeface="+mn-ea"/>
-                <a:cs typeface="+mn-cs"/>
-              </a:defRPr>
-            </a:lvl9pPr>
-          </a:lstStyle>
-          <a:p>
-            <a:pPr marL="0" indent="0" eaLnBrk="0" fontAlgn="base" hangingPunct="0">
-              <a:lnSpc>
-                <a:spcPct val="150000"/>
-              </a:lnSpc>
-              <a:spcBef>
-                <a:spcPct val="0"/>
-              </a:spcBef>
-              <a:spcAft>
-                <a:spcPct val="0"/>
-              </a:spcAft>
-              <a:buFont typeface="Arial" panose="020B0604020202020204" pitchFamily="34" charset="0"/>
-              <a:buNone/>
-            </a:pPr>
-            <a:r>
-              <a:rPr lang="en-US" altLang="zh-CN" sz="2000" dirty="0" err="1">
-                <a:latin typeface="+mj-lt"/>
-                <a:ea typeface="+mj-ea"/>
-                <a:cs typeface="+mj-cs"/>
-                <a:sym typeface="+mn-ea"/>
-              </a:rPr>
-              <a:t>webapck</a:t>
-            </a:r>
-            <a:r>
-              <a:rPr lang="zh-CN" altLang="en-US" sz="2000" dirty="0">
-                <a:latin typeface="+mj-lt"/>
-                <a:ea typeface="+mj-ea"/>
-                <a:cs typeface="+mj-cs"/>
-              </a:rPr>
-              <a:t>可以将许多松散的模块，即</a:t>
-            </a:r>
-            <a:r>
-              <a:rPr lang="zh-CN" altLang="en-US" sz="2000" dirty="0">
-                <a:latin typeface="+mj-lt"/>
-                <a:ea typeface="+mj-ea"/>
-                <a:cs typeface="+mj-cs"/>
-                <a:sym typeface="+mn-ea"/>
-              </a:rPr>
-              <a:t>以上的这些文件，</a:t>
-            </a:r>
-            <a:r>
-              <a:rPr lang="zh-CN" altLang="en-US" sz="2000" dirty="0">
-                <a:latin typeface="+mj-lt"/>
-                <a:ea typeface="+mj-ea"/>
-                <a:cs typeface="+mj-cs"/>
-              </a:rPr>
-              <a:t>按照依赖和规则</a:t>
-            </a:r>
-            <a:r>
-              <a:rPr lang="zh-CN" altLang="en-US" sz="2000" dirty="0">
-                <a:latin typeface="+mj-lt"/>
-                <a:ea typeface="+mj-ea"/>
-                <a:cs typeface="+mj-cs"/>
-                <a:sym typeface="+mn-ea"/>
-              </a:rPr>
-              <a:t>进行压缩</a:t>
-            </a:r>
-            <a:r>
-              <a:rPr lang="zh-CN" altLang="en-US" sz="2000" dirty="0">
-                <a:latin typeface="+mj-lt"/>
-                <a:ea typeface="+mj-ea"/>
-                <a:cs typeface="+mj-cs"/>
-              </a:rPr>
-              <a:t>打包成符合生产环境部署的前端资源，最终生成一个</a:t>
-            </a:r>
-            <a:r>
-              <a:rPr lang="en-US" altLang="zh-CN" sz="2000" dirty="0">
-                <a:latin typeface="+mj-lt"/>
-                <a:ea typeface="+mj-ea"/>
-                <a:cs typeface="+mj-cs"/>
-              </a:rPr>
-              <a:t>js</a:t>
-            </a:r>
-            <a:r>
-              <a:rPr lang="zh-CN" altLang="en-US" sz="2000" dirty="0">
-                <a:latin typeface="+mj-lt"/>
-                <a:ea typeface="+mj-ea"/>
-                <a:cs typeface="+mj-cs"/>
-              </a:rPr>
-              <a:t>文件（一般情况下一个），</a:t>
-            </a:r>
-            <a:r>
-              <a:rPr lang="zh-CN" altLang="en-US" sz="2000" dirty="0">
-                <a:latin typeface="+mj-lt"/>
-                <a:ea typeface="+mj-ea"/>
-                <a:cs typeface="+mj-cs"/>
-                <a:sym typeface="+mn-ea"/>
-              </a:rPr>
-              <a:t>减少了</a:t>
-            </a:r>
-            <a:r>
-              <a:rPr lang="en-US" altLang="zh-CN" sz="2000" dirty="0">
-                <a:latin typeface="+mj-lt"/>
-                <a:ea typeface="+mj-ea"/>
-                <a:cs typeface="+mj-cs"/>
-                <a:sym typeface="+mn-ea"/>
-              </a:rPr>
-              <a:t>HTTP</a:t>
-            </a:r>
-            <a:r>
-              <a:rPr lang="zh-CN" altLang="en-US" sz="2000" dirty="0">
-                <a:latin typeface="+mj-lt"/>
-                <a:ea typeface="+mj-ea"/>
-                <a:cs typeface="+mj-cs"/>
-                <a:sym typeface="+mn-ea"/>
-              </a:rPr>
-              <a:t>的请求</a:t>
-            </a:r>
-            <a:endParaRPr lang="zh-CN" altLang="en-US" sz="2000" dirty="0">
-              <a:latin typeface="+mj-lt"/>
-              <a:ea typeface="+mj-ea"/>
-              <a:cs typeface="+mj-cs"/>
-            </a:endParaRPr>
-          </a:p>
-        </p:txBody>
-      </p:sp>
-      <p:sp>
-        <p:nvSpPr>
-          <p:cNvPr id="4" name="流程图: 终止 3"/>
-          <p:cNvSpPr/>
-          <p:nvPr/>
-        </p:nvSpPr>
-        <p:spPr>
-          <a:xfrm>
-            <a:off x="4241165" y="2401570"/>
-            <a:ext cx="1863725" cy="942340"/>
-          </a:xfrm>
-          <a:prstGeom prst="flowChartTerminator">
-            <a:avLst/>
-          </a:prstGeom>
-        </p:spPr>
-        <p:style>
-          <a:lnRef idx="2">
-            <a:schemeClr val="accent1">
-              <a:shade val="50000"/>
-            </a:schemeClr>
-          </a:lnRef>
-          <a:fillRef idx="1">
-            <a:schemeClr val="accent1"/>
-          </a:fillRef>
-          <a:effectRef idx="0">
-            <a:schemeClr val="accent1"/>
-          </a:effectRef>
-          <a:fontRef idx="minor">
-            <a:schemeClr val="lt1"/>
-          </a:fontRef>
-        </p:style>
-        <p:txBody>
-          <a:bodyPr rtlCol="0" anchor="ctr"/>
-          <a:lstStyle/>
-          <a:p>
-            <a:pPr algn="ctr"/>
-            <a:r>
-              <a:rPr lang="zh-CN" altLang="en-US"/>
-              <a:t>模块化打包机</a:t>
-            </a:r>
-          </a:p>
-        </p:txBody>
-      </p:sp>
-    </p:spTree>
-  </p:cSld>
-  <p:clrMapOvr>
-    <a:masterClrMapping/>
-  </p:clrMapOvr>
-</p:sld>
-</file>
-
-<file path=ppt/slides/slide39.xml><?xml version="1.0" encoding="utf-8"?>
-<p:sld xmlns:a="http://schemas.openxmlformats.org/drawingml/2006/main" xmlns:r="http://schemas.openxmlformats.org/officeDocument/2006/relationships" xmlns:p="http://schemas.openxmlformats.org/presentationml/2006/main">
-  <p:cSld>
-    <p:spTree>
-      <p:nvGrpSpPr>
-        <p:cNvPr id="1" name=""/>
-        <p:cNvGrpSpPr/>
-        <p:nvPr/>
-      </p:nvGrpSpPr>
-      <p:grpSpPr>
-        <a:xfrm>
-          <a:off x="0" y="0"/>
-          <a:ext cx="0" cy="0"/>
-          <a:chOff x="0" y="0"/>
-          <a:chExt cx="0" cy="0"/>
-        </a:xfrm>
-      </p:grpSpPr>
       <p:pic>
         <p:nvPicPr>
           <p:cNvPr id="6" name="图片 5"/>
@@ -34740,7 +34186,7 @@
           <p:nvPr/>
         </p:nvPicPr>
         <p:blipFill>
-          <a:blip r:embed="rId3"/>
+          <a:blip r:embed="rId1"/>
           <a:stretch>
             <a:fillRect/>
           </a:stretch>
@@ -35111,6 +34557,7 @@
               <a:rPr lang="zh-CN" altLang="en-US" dirty="0"/>
               <a:t> 是什么</a:t>
             </a:r>
+            <a:endParaRPr lang="zh-CN" altLang="en-US" dirty="0"/>
           </a:p>
         </p:txBody>
       </p:sp>
@@ -35158,6 +34605,1010 @@
               <a:t>Webpack</a:t>
             </a:r>
             <a:endParaRPr lang="zh-CN" altLang="en-US" dirty="0"/>
+          </a:p>
+        </p:txBody>
+      </p:sp>
+    </p:spTree>
+  </p:cSld>
+  <p:clrMapOvr>
+    <a:masterClrMapping/>
+  </p:clrMapOvr>
+</p:sld>
+</file>
+
+<file path=ppt/slides/slide39.xml><?xml version="1.0" encoding="utf-8"?>
+<p:sld xmlns:a="http://schemas.openxmlformats.org/drawingml/2006/main" xmlns:r="http://schemas.openxmlformats.org/officeDocument/2006/relationships" xmlns:p="http://schemas.openxmlformats.org/presentationml/2006/main">
+  <p:cSld>
+    <p:spTree>
+      <p:nvGrpSpPr>
+        <p:cNvPr id="1" name=""/>
+        <p:cNvGrpSpPr/>
+        <p:nvPr/>
+      </p:nvGrpSpPr>
+      <p:grpSpPr>
+        <a:xfrm>
+          <a:off x="0" y="0"/>
+          <a:ext cx="0" cy="0"/>
+          <a:chOff x="0" y="0"/>
+          <a:chExt cx="0" cy="0"/>
+        </a:xfrm>
+      </p:grpSpPr>
+      <p:sp>
+        <p:nvSpPr>
+          <p:cNvPr id="7" name="内容占位符 2"/>
+          <p:cNvSpPr txBox="1"/>
+          <p:nvPr/>
+        </p:nvSpPr>
+        <p:spPr>
+          <a:xfrm>
+            <a:off x="838200" y="1820361"/>
+            <a:ext cx="10515600" cy="580725"/>
+          </a:xfrm>
+          <a:prstGeom prst="rect">
+            <a:avLst/>
+          </a:prstGeom>
+        </p:spPr>
+        <p:txBody>
+          <a:bodyPr vert="horz" lIns="91440" tIns="45720" rIns="91440" bIns="45720" rtlCol="0">
+            <a:normAutofit/>
+          </a:bodyPr>
+          <a:lstStyle>
+            <a:lvl1pPr marL="228600" indent="-228600" algn="l" defTabSz="914400" rtl="0" eaLnBrk="1" latinLnBrk="0" hangingPunct="1">
+              <a:lnSpc>
+                <a:spcPct val="90000"/>
+              </a:lnSpc>
+              <a:spcBef>
+                <a:spcPts val="1000"/>
+              </a:spcBef>
+              <a:buFont typeface="Arial" panose="020B0604020202020204" pitchFamily="34" charset="0"/>
+              <a:buChar char="•"/>
+              <a:defRPr sz="2800" kern="1200">
+                <a:solidFill>
+                  <a:schemeClr val="tx1"/>
+                </a:solidFill>
+                <a:latin typeface="+mn-lt"/>
+                <a:ea typeface="+mn-ea"/>
+                <a:cs typeface="+mn-cs"/>
+              </a:defRPr>
+            </a:lvl1pPr>
+            <a:lvl2pPr marL="685800" indent="-228600" algn="l" defTabSz="914400" rtl="0" eaLnBrk="1" latinLnBrk="0" hangingPunct="1">
+              <a:lnSpc>
+                <a:spcPct val="90000"/>
+              </a:lnSpc>
+              <a:spcBef>
+                <a:spcPts val="500"/>
+              </a:spcBef>
+              <a:buFont typeface="Arial" panose="020B0604020202020204" pitchFamily="34" charset="0"/>
+              <a:buChar char="•"/>
+              <a:defRPr sz="2400" kern="1200">
+                <a:solidFill>
+                  <a:schemeClr val="tx1"/>
+                </a:solidFill>
+                <a:latin typeface="+mn-lt"/>
+                <a:ea typeface="+mn-ea"/>
+                <a:cs typeface="+mn-cs"/>
+              </a:defRPr>
+            </a:lvl2pPr>
+            <a:lvl3pPr marL="1143000" indent="-228600" algn="l" defTabSz="914400" rtl="0" eaLnBrk="1" latinLnBrk="0" hangingPunct="1">
+              <a:lnSpc>
+                <a:spcPct val="90000"/>
+              </a:lnSpc>
+              <a:spcBef>
+                <a:spcPts val="500"/>
+              </a:spcBef>
+              <a:buFont typeface="Arial" panose="020B0604020202020204" pitchFamily="34" charset="0"/>
+              <a:buChar char="•"/>
+              <a:defRPr sz="2000" kern="1200">
+                <a:solidFill>
+                  <a:schemeClr val="tx1"/>
+                </a:solidFill>
+                <a:latin typeface="+mn-lt"/>
+                <a:ea typeface="+mn-ea"/>
+                <a:cs typeface="+mn-cs"/>
+              </a:defRPr>
+            </a:lvl3pPr>
+            <a:lvl4pPr marL="1600200" indent="-228600" algn="l" defTabSz="914400" rtl="0" eaLnBrk="1" latinLnBrk="0" hangingPunct="1">
+              <a:lnSpc>
+                <a:spcPct val="90000"/>
+              </a:lnSpc>
+              <a:spcBef>
+                <a:spcPts val="500"/>
+              </a:spcBef>
+              <a:buFont typeface="Arial" panose="020B0604020202020204" pitchFamily="34" charset="0"/>
+              <a:buChar char="•"/>
+              <a:defRPr sz="1800" kern="1200">
+                <a:solidFill>
+                  <a:schemeClr val="tx1"/>
+                </a:solidFill>
+                <a:latin typeface="+mn-lt"/>
+                <a:ea typeface="+mn-ea"/>
+                <a:cs typeface="+mn-cs"/>
+              </a:defRPr>
+            </a:lvl4pPr>
+            <a:lvl5pPr marL="2057400" indent="-228600" algn="l" defTabSz="914400" rtl="0" eaLnBrk="1" latinLnBrk="0" hangingPunct="1">
+              <a:lnSpc>
+                <a:spcPct val="90000"/>
+              </a:lnSpc>
+              <a:spcBef>
+                <a:spcPts val="500"/>
+              </a:spcBef>
+              <a:buFont typeface="Arial" panose="020B0604020202020204" pitchFamily="34" charset="0"/>
+              <a:buChar char="•"/>
+              <a:defRPr sz="1800" kern="1200">
+                <a:solidFill>
+                  <a:schemeClr val="tx1"/>
+                </a:solidFill>
+                <a:latin typeface="+mn-lt"/>
+                <a:ea typeface="+mn-ea"/>
+                <a:cs typeface="+mn-cs"/>
+              </a:defRPr>
+            </a:lvl5pPr>
+            <a:lvl6pPr marL="2514600" indent="-228600" algn="l" defTabSz="914400" rtl="0" eaLnBrk="1" latinLnBrk="0" hangingPunct="1">
+              <a:lnSpc>
+                <a:spcPct val="90000"/>
+              </a:lnSpc>
+              <a:spcBef>
+                <a:spcPts val="500"/>
+              </a:spcBef>
+              <a:buFont typeface="Arial" panose="020B0604020202020204" pitchFamily="34" charset="0"/>
+              <a:buChar char="•"/>
+              <a:defRPr sz="1800" kern="1200">
+                <a:solidFill>
+                  <a:schemeClr val="tx1"/>
+                </a:solidFill>
+                <a:latin typeface="+mn-lt"/>
+                <a:ea typeface="+mn-ea"/>
+                <a:cs typeface="+mn-cs"/>
+              </a:defRPr>
+            </a:lvl6pPr>
+            <a:lvl7pPr marL="2971800" indent="-228600" algn="l" defTabSz="914400" rtl="0" eaLnBrk="1" latinLnBrk="0" hangingPunct="1">
+              <a:lnSpc>
+                <a:spcPct val="90000"/>
+              </a:lnSpc>
+              <a:spcBef>
+                <a:spcPts val="500"/>
+              </a:spcBef>
+              <a:buFont typeface="Arial" panose="020B0604020202020204" pitchFamily="34" charset="0"/>
+              <a:buChar char="•"/>
+              <a:defRPr sz="1800" kern="1200">
+                <a:solidFill>
+                  <a:schemeClr val="tx1"/>
+                </a:solidFill>
+                <a:latin typeface="+mn-lt"/>
+                <a:ea typeface="+mn-ea"/>
+                <a:cs typeface="+mn-cs"/>
+              </a:defRPr>
+            </a:lvl7pPr>
+            <a:lvl8pPr marL="3429000" indent="-228600" algn="l" defTabSz="914400" rtl="0" eaLnBrk="1" latinLnBrk="0" hangingPunct="1">
+              <a:lnSpc>
+                <a:spcPct val="90000"/>
+              </a:lnSpc>
+              <a:spcBef>
+                <a:spcPts val="500"/>
+              </a:spcBef>
+              <a:buFont typeface="Arial" panose="020B0604020202020204" pitchFamily="34" charset="0"/>
+              <a:buChar char="•"/>
+              <a:defRPr sz="1800" kern="1200">
+                <a:solidFill>
+                  <a:schemeClr val="tx1"/>
+                </a:solidFill>
+                <a:latin typeface="+mn-lt"/>
+                <a:ea typeface="+mn-ea"/>
+                <a:cs typeface="+mn-cs"/>
+              </a:defRPr>
+            </a:lvl8pPr>
+            <a:lvl9pPr marL="3886200" indent="-228600" algn="l" defTabSz="914400" rtl="0" eaLnBrk="1" latinLnBrk="0" hangingPunct="1">
+              <a:lnSpc>
+                <a:spcPct val="90000"/>
+              </a:lnSpc>
+              <a:spcBef>
+                <a:spcPts val="500"/>
+              </a:spcBef>
+              <a:buFont typeface="Arial" panose="020B0604020202020204" pitchFamily="34" charset="0"/>
+              <a:buChar char="•"/>
+              <a:defRPr sz="1800" kern="1200">
+                <a:solidFill>
+                  <a:schemeClr val="tx1"/>
+                </a:solidFill>
+                <a:latin typeface="+mn-lt"/>
+                <a:ea typeface="+mn-ea"/>
+                <a:cs typeface="+mn-cs"/>
+              </a:defRPr>
+            </a:lvl9pPr>
+          </a:lstStyle>
+          <a:p>
+            <a:r>
+              <a:rPr lang="en-US" altLang="zh-CN" dirty="0"/>
+              <a:t>Webpack</a:t>
+            </a:r>
+            <a:r>
+              <a:rPr lang="zh-CN" altLang="en-US" dirty="0"/>
+              <a:t> 是什么</a:t>
+            </a:r>
+            <a:endParaRPr lang="zh-CN" altLang="en-US" dirty="0"/>
+          </a:p>
+        </p:txBody>
+      </p:sp>
+      <p:sp>
+        <p:nvSpPr>
+          <p:cNvPr id="9" name="Rectangle 1"/>
+          <p:cNvSpPr txBox="1">
+            <a:spLocks noChangeArrowheads="1"/>
+          </p:cNvSpPr>
+          <p:nvPr/>
+        </p:nvSpPr>
+        <p:spPr bwMode="auto">
+          <a:xfrm>
+            <a:off x="1348740" y="3619500"/>
+            <a:ext cx="9443085" cy="1536700"/>
+          </a:xfrm>
+          <a:prstGeom prst="rect">
+            <a:avLst/>
+          </a:prstGeom>
+          <a:solidFill>
+            <a:schemeClr val="bg1"/>
+          </a:solidFill>
+          <a:ln>
+            <a:noFill/>
+          </a:ln>
+          <a:effectLst/>
+        </p:spPr>
+        <p:txBody>
+          <a:bodyPr vert="horz" wrap="square" lIns="0" tIns="0" rIns="0" bIns="152352" numCol="1" rtlCol="0" anchor="ctr" anchorCtr="0" compatLnSpc="1">
+            <a:spAutoFit/>
+          </a:bodyPr>
+          <a:lstStyle>
+            <a:lvl1pPr marL="228600" indent="-228600" algn="l" defTabSz="914400" rtl="0" eaLnBrk="1" latinLnBrk="0" hangingPunct="1">
+              <a:lnSpc>
+                <a:spcPct val="90000"/>
+              </a:lnSpc>
+              <a:spcBef>
+                <a:spcPts val="1000"/>
+              </a:spcBef>
+              <a:buFont typeface="Arial" panose="020B0604020202020204" pitchFamily="34" charset="0"/>
+              <a:buChar char="•"/>
+              <a:defRPr sz="2800" kern="1200">
+                <a:solidFill>
+                  <a:schemeClr val="tx1"/>
+                </a:solidFill>
+                <a:latin typeface="+mn-lt"/>
+                <a:ea typeface="+mn-ea"/>
+                <a:cs typeface="+mn-cs"/>
+              </a:defRPr>
+            </a:lvl1pPr>
+            <a:lvl2pPr marL="685800" indent="-228600" algn="l" defTabSz="914400" rtl="0" eaLnBrk="1" latinLnBrk="0" hangingPunct="1">
+              <a:lnSpc>
+                <a:spcPct val="90000"/>
+              </a:lnSpc>
+              <a:spcBef>
+                <a:spcPts val="500"/>
+              </a:spcBef>
+              <a:buFont typeface="Arial" panose="020B0604020202020204" pitchFamily="34" charset="0"/>
+              <a:buChar char="•"/>
+              <a:defRPr sz="2400" kern="1200">
+                <a:solidFill>
+                  <a:schemeClr val="tx1"/>
+                </a:solidFill>
+                <a:latin typeface="+mn-lt"/>
+                <a:ea typeface="+mn-ea"/>
+                <a:cs typeface="+mn-cs"/>
+              </a:defRPr>
+            </a:lvl2pPr>
+            <a:lvl3pPr marL="1143000" indent="-228600" algn="l" defTabSz="914400" rtl="0" eaLnBrk="1" latinLnBrk="0" hangingPunct="1">
+              <a:lnSpc>
+                <a:spcPct val="90000"/>
+              </a:lnSpc>
+              <a:spcBef>
+                <a:spcPts val="500"/>
+              </a:spcBef>
+              <a:buFont typeface="Arial" panose="020B0604020202020204" pitchFamily="34" charset="0"/>
+              <a:buChar char="•"/>
+              <a:defRPr sz="2000" kern="1200">
+                <a:solidFill>
+                  <a:schemeClr val="tx1"/>
+                </a:solidFill>
+                <a:latin typeface="+mn-lt"/>
+                <a:ea typeface="+mn-ea"/>
+                <a:cs typeface="+mn-cs"/>
+              </a:defRPr>
+            </a:lvl3pPr>
+            <a:lvl4pPr marL="1600200" indent="-228600" algn="l" defTabSz="914400" rtl="0" eaLnBrk="1" latinLnBrk="0" hangingPunct="1">
+              <a:lnSpc>
+                <a:spcPct val="90000"/>
+              </a:lnSpc>
+              <a:spcBef>
+                <a:spcPts val="500"/>
+              </a:spcBef>
+              <a:buFont typeface="Arial" panose="020B0604020202020204" pitchFamily="34" charset="0"/>
+              <a:buChar char="•"/>
+              <a:defRPr sz="1800" kern="1200">
+                <a:solidFill>
+                  <a:schemeClr val="tx1"/>
+                </a:solidFill>
+                <a:latin typeface="+mn-lt"/>
+                <a:ea typeface="+mn-ea"/>
+                <a:cs typeface="+mn-cs"/>
+              </a:defRPr>
+            </a:lvl4pPr>
+            <a:lvl5pPr marL="2057400" indent="-228600" algn="l" defTabSz="914400" rtl="0" eaLnBrk="1" latinLnBrk="0" hangingPunct="1">
+              <a:lnSpc>
+                <a:spcPct val="90000"/>
+              </a:lnSpc>
+              <a:spcBef>
+                <a:spcPts val="500"/>
+              </a:spcBef>
+              <a:buFont typeface="Arial" panose="020B0604020202020204" pitchFamily="34" charset="0"/>
+              <a:buChar char="•"/>
+              <a:defRPr sz="1800" kern="1200">
+                <a:solidFill>
+                  <a:schemeClr val="tx1"/>
+                </a:solidFill>
+                <a:latin typeface="+mn-lt"/>
+                <a:ea typeface="+mn-ea"/>
+                <a:cs typeface="+mn-cs"/>
+              </a:defRPr>
+            </a:lvl5pPr>
+            <a:lvl6pPr marL="2514600" indent="-228600" algn="l" defTabSz="914400" rtl="0" eaLnBrk="1" latinLnBrk="0" hangingPunct="1">
+              <a:lnSpc>
+                <a:spcPct val="90000"/>
+              </a:lnSpc>
+              <a:spcBef>
+                <a:spcPts val="500"/>
+              </a:spcBef>
+              <a:buFont typeface="Arial" panose="020B0604020202020204" pitchFamily="34" charset="0"/>
+              <a:buChar char="•"/>
+              <a:defRPr sz="1800" kern="1200">
+                <a:solidFill>
+                  <a:schemeClr val="tx1"/>
+                </a:solidFill>
+                <a:latin typeface="+mn-lt"/>
+                <a:ea typeface="+mn-ea"/>
+                <a:cs typeface="+mn-cs"/>
+              </a:defRPr>
+            </a:lvl6pPr>
+            <a:lvl7pPr marL="2971800" indent="-228600" algn="l" defTabSz="914400" rtl="0" eaLnBrk="1" latinLnBrk="0" hangingPunct="1">
+              <a:lnSpc>
+                <a:spcPct val="90000"/>
+              </a:lnSpc>
+              <a:spcBef>
+                <a:spcPts val="500"/>
+              </a:spcBef>
+              <a:buFont typeface="Arial" panose="020B0604020202020204" pitchFamily="34" charset="0"/>
+              <a:buChar char="•"/>
+              <a:defRPr sz="1800" kern="1200">
+                <a:solidFill>
+                  <a:schemeClr val="tx1"/>
+                </a:solidFill>
+                <a:latin typeface="+mn-lt"/>
+                <a:ea typeface="+mn-ea"/>
+                <a:cs typeface="+mn-cs"/>
+              </a:defRPr>
+            </a:lvl7pPr>
+            <a:lvl8pPr marL="3429000" indent="-228600" algn="l" defTabSz="914400" rtl="0" eaLnBrk="1" latinLnBrk="0" hangingPunct="1">
+              <a:lnSpc>
+                <a:spcPct val="90000"/>
+              </a:lnSpc>
+              <a:spcBef>
+                <a:spcPts val="500"/>
+              </a:spcBef>
+              <a:buFont typeface="Arial" panose="020B0604020202020204" pitchFamily="34" charset="0"/>
+              <a:buChar char="•"/>
+              <a:defRPr sz="1800" kern="1200">
+                <a:solidFill>
+                  <a:schemeClr val="tx1"/>
+                </a:solidFill>
+                <a:latin typeface="+mn-lt"/>
+                <a:ea typeface="+mn-ea"/>
+                <a:cs typeface="+mn-cs"/>
+              </a:defRPr>
+            </a:lvl8pPr>
+            <a:lvl9pPr marL="3886200" indent="-228600" algn="l" defTabSz="914400" rtl="0" eaLnBrk="1" latinLnBrk="0" hangingPunct="1">
+              <a:lnSpc>
+                <a:spcPct val="90000"/>
+              </a:lnSpc>
+              <a:spcBef>
+                <a:spcPts val="500"/>
+              </a:spcBef>
+              <a:buFont typeface="Arial" panose="020B0604020202020204" pitchFamily="34" charset="0"/>
+              <a:buChar char="•"/>
+              <a:defRPr sz="1800" kern="1200">
+                <a:solidFill>
+                  <a:schemeClr val="tx1"/>
+                </a:solidFill>
+                <a:latin typeface="+mn-lt"/>
+                <a:ea typeface="+mn-ea"/>
+                <a:cs typeface="+mn-cs"/>
+              </a:defRPr>
+            </a:lvl9pPr>
+          </a:lstStyle>
+          <a:p>
+            <a:pPr marL="0" indent="0" eaLnBrk="0" fontAlgn="base" hangingPunct="0">
+              <a:lnSpc>
+                <a:spcPct val="150000"/>
+              </a:lnSpc>
+              <a:spcBef>
+                <a:spcPct val="0"/>
+              </a:spcBef>
+              <a:spcAft>
+                <a:spcPct val="0"/>
+              </a:spcAft>
+              <a:buNone/>
+            </a:pPr>
+            <a:r>
+              <a:rPr lang="zh-CN" altLang="en-US" sz="2000" dirty="0">
+                <a:latin typeface="+mj-lt"/>
+                <a:ea typeface="+mj-ea"/>
+                <a:cs typeface="+mj-cs"/>
+              </a:rPr>
+              <a:t>通过 </a:t>
+            </a:r>
+            <a:r>
+              <a:rPr lang="en-US" altLang="zh-CN" sz="2000" dirty="0">
+                <a:latin typeface="+mj-lt"/>
+                <a:ea typeface="+mj-ea"/>
+                <a:cs typeface="+mj-cs"/>
+              </a:rPr>
+              <a:t>loader </a:t>
+            </a:r>
+            <a:r>
+              <a:rPr lang="zh-CN" altLang="en-US" sz="2000" dirty="0">
+                <a:latin typeface="+mj-lt"/>
+                <a:ea typeface="+mj-ea"/>
+                <a:cs typeface="+mj-cs"/>
+              </a:rPr>
+              <a:t>的转换，任何形式的资源都可以视作模块，</a:t>
+            </a:r>
+            <a:endParaRPr lang="en-US" altLang="zh-CN" sz="2000" dirty="0">
+              <a:latin typeface="+mj-lt"/>
+              <a:ea typeface="+mj-ea"/>
+              <a:cs typeface="+mj-cs"/>
+            </a:endParaRPr>
+          </a:p>
+          <a:p>
+            <a:pPr marL="0" indent="0" eaLnBrk="0" fontAlgn="base" hangingPunct="0">
+              <a:lnSpc>
+                <a:spcPct val="150000"/>
+              </a:lnSpc>
+              <a:spcBef>
+                <a:spcPct val="0"/>
+              </a:spcBef>
+              <a:spcAft>
+                <a:spcPct val="0"/>
+              </a:spcAft>
+              <a:buNone/>
+            </a:pPr>
+            <a:r>
+              <a:rPr lang="zh-CN" altLang="en-US" sz="2000" dirty="0">
+                <a:latin typeface="+mj-lt"/>
+                <a:ea typeface="+mj-ea"/>
+                <a:cs typeface="+mj-cs"/>
+              </a:rPr>
+              <a:t>比如 </a:t>
+            </a:r>
+            <a:r>
+              <a:rPr lang="en-US" altLang="zh-CN" sz="2000" dirty="0" err="1">
+                <a:latin typeface="+mj-lt"/>
+                <a:ea typeface="+mj-ea"/>
+                <a:cs typeface="+mj-cs"/>
+              </a:rPr>
+              <a:t>CommonJs</a:t>
+            </a:r>
+            <a:r>
+              <a:rPr lang="en-US" altLang="zh-CN" sz="2000" dirty="0">
+                <a:latin typeface="+mj-lt"/>
+                <a:ea typeface="+mj-ea"/>
+                <a:cs typeface="+mj-cs"/>
+              </a:rPr>
+              <a:t> </a:t>
+            </a:r>
+            <a:r>
+              <a:rPr lang="zh-CN" altLang="en-US" sz="2000" dirty="0">
+                <a:latin typeface="+mj-lt"/>
+                <a:ea typeface="+mj-ea"/>
+                <a:cs typeface="+mj-cs"/>
+              </a:rPr>
+              <a:t>模块、 </a:t>
+            </a:r>
+            <a:r>
+              <a:rPr lang="en-US" altLang="zh-CN" sz="2000" dirty="0">
+                <a:latin typeface="+mj-lt"/>
+                <a:ea typeface="+mj-ea"/>
+                <a:cs typeface="+mj-cs"/>
+              </a:rPr>
+              <a:t>AMD </a:t>
+            </a:r>
+            <a:r>
+              <a:rPr lang="zh-CN" altLang="en-US" sz="2000" dirty="0">
+                <a:latin typeface="+mj-lt"/>
+                <a:ea typeface="+mj-ea"/>
+                <a:cs typeface="+mj-cs"/>
+              </a:rPr>
+              <a:t>模块、 </a:t>
+            </a:r>
+            <a:r>
+              <a:rPr lang="en-US" altLang="zh-CN" sz="2000" dirty="0">
+                <a:latin typeface="+mj-lt"/>
+                <a:ea typeface="+mj-ea"/>
+                <a:cs typeface="+mj-cs"/>
+              </a:rPr>
+              <a:t>ES6 </a:t>
+            </a:r>
+            <a:r>
+              <a:rPr lang="zh-CN" altLang="en-US" sz="2000" dirty="0">
+                <a:latin typeface="+mj-lt"/>
+                <a:ea typeface="+mj-ea"/>
+                <a:cs typeface="+mj-cs"/>
+              </a:rPr>
+              <a:t>模块、</a:t>
+            </a:r>
+            <a:r>
+              <a:rPr lang="en-US" altLang="zh-CN" sz="2000" dirty="0">
+                <a:latin typeface="+mj-lt"/>
+                <a:ea typeface="+mj-ea"/>
+                <a:cs typeface="+mj-cs"/>
+              </a:rPr>
+              <a:t>CSS</a:t>
+            </a:r>
+            <a:r>
+              <a:rPr lang="zh-CN" altLang="en-US" sz="2000" dirty="0">
+                <a:latin typeface="+mj-lt"/>
+                <a:ea typeface="+mj-ea"/>
+                <a:cs typeface="+mj-cs"/>
+              </a:rPr>
+              <a:t>、图片、 </a:t>
+            </a:r>
+            <a:r>
+              <a:rPr lang="en-US" altLang="zh-CN" sz="2000" dirty="0">
+                <a:latin typeface="+mj-lt"/>
+                <a:ea typeface="+mj-ea"/>
+                <a:cs typeface="+mj-cs"/>
+              </a:rPr>
+              <a:t>JSON</a:t>
+            </a:r>
+            <a:r>
+              <a:rPr lang="zh-CN" altLang="en-US" sz="2000" dirty="0">
+                <a:latin typeface="+mj-lt"/>
+                <a:ea typeface="+mj-ea"/>
+                <a:cs typeface="+mj-cs"/>
+              </a:rPr>
+              <a:t>、</a:t>
+            </a:r>
+            <a:r>
+              <a:rPr lang="en-US" altLang="zh-CN" sz="2000" dirty="0" err="1">
+                <a:latin typeface="+mj-lt"/>
+                <a:ea typeface="+mj-ea"/>
+                <a:cs typeface="+mj-cs"/>
+              </a:rPr>
+              <a:t>Coffeescript</a:t>
+            </a:r>
+            <a:r>
+              <a:rPr lang="zh-CN" altLang="en-US" sz="2000" dirty="0">
+                <a:latin typeface="+mj-lt"/>
+                <a:ea typeface="+mj-ea"/>
+                <a:cs typeface="+mj-cs"/>
+              </a:rPr>
+              <a:t>、 </a:t>
+            </a:r>
+            <a:r>
+              <a:rPr lang="en-US" altLang="zh-CN" sz="2000" dirty="0">
+                <a:latin typeface="+mj-lt"/>
+                <a:ea typeface="+mj-ea"/>
+                <a:cs typeface="+mj-cs"/>
+              </a:rPr>
+              <a:t>LESS </a:t>
+            </a:r>
+            <a:r>
+              <a:rPr lang="zh-CN" altLang="en-US" sz="2000" dirty="0">
+                <a:latin typeface="+mj-lt"/>
+                <a:ea typeface="+mj-ea"/>
+                <a:cs typeface="+mj-cs"/>
+              </a:rPr>
+              <a:t>等，</a:t>
+            </a:r>
+            <a:endParaRPr lang="zh-CN" altLang="en-US" sz="2000" dirty="0">
+              <a:latin typeface="+mj-lt"/>
+              <a:ea typeface="+mj-ea"/>
+              <a:cs typeface="+mj-cs"/>
+            </a:endParaRPr>
+          </a:p>
+        </p:txBody>
+      </p:sp>
+      <p:sp>
+        <p:nvSpPr>
+          <p:cNvPr id="10" name="标题 1"/>
+          <p:cNvSpPr txBox="1"/>
+          <p:nvPr/>
+        </p:nvSpPr>
+        <p:spPr>
+          <a:xfrm>
+            <a:off x="990600" y="517525"/>
+            <a:ext cx="10515600" cy="1325563"/>
+          </a:xfrm>
+          <a:prstGeom prst="rect">
+            <a:avLst/>
+          </a:prstGeom>
+        </p:spPr>
+        <p:txBody>
+          <a:bodyPr vert="horz" lIns="91440" tIns="45720" rIns="91440" bIns="45720" rtlCol="0" anchor="ctr">
+            <a:normAutofit/>
+          </a:bodyPr>
+          <a:lstStyle>
+            <a:lvl1pPr algn="l" defTabSz="914400" rtl="0" eaLnBrk="1" latinLnBrk="0" hangingPunct="1">
+              <a:lnSpc>
+                <a:spcPct val="90000"/>
+              </a:lnSpc>
+              <a:spcBef>
+                <a:spcPct val="0"/>
+              </a:spcBef>
+              <a:buNone/>
+              <a:defRPr sz="4400" kern="1200">
+                <a:solidFill>
+                  <a:schemeClr val="tx1"/>
+                </a:solidFill>
+                <a:latin typeface="+mj-lt"/>
+                <a:ea typeface="+mj-ea"/>
+                <a:cs typeface="+mj-cs"/>
+              </a:defRPr>
+            </a:lvl1pPr>
+          </a:lstStyle>
+          <a:p>
+            <a:r>
+              <a:rPr lang="en-US" altLang="zh-CN" dirty="0"/>
+              <a:t>Webpack</a:t>
+            </a:r>
+            <a:endParaRPr lang="zh-CN" altLang="en-US" dirty="0"/>
+          </a:p>
+        </p:txBody>
+      </p:sp>
+      <p:sp>
+        <p:nvSpPr>
+          <p:cNvPr id="2" name="Rectangle 1"/>
+          <p:cNvSpPr txBox="1">
+            <a:spLocks noChangeArrowheads="1"/>
+          </p:cNvSpPr>
+          <p:nvPr/>
+        </p:nvSpPr>
+        <p:spPr bwMode="auto">
+          <a:xfrm>
+            <a:off x="1348740" y="5285423"/>
+            <a:ext cx="9443085" cy="1075055"/>
+          </a:xfrm>
+          <a:prstGeom prst="rect">
+            <a:avLst/>
+          </a:prstGeom>
+          <a:solidFill>
+            <a:schemeClr val="bg1"/>
+          </a:solidFill>
+          <a:ln>
+            <a:noFill/>
+          </a:ln>
+          <a:effectLst/>
+        </p:spPr>
+        <p:txBody>
+          <a:bodyPr vert="horz" wrap="square" lIns="0" tIns="0" rIns="0" bIns="152352" numCol="1" rtlCol="0" anchor="ctr" anchorCtr="0" compatLnSpc="1">
+            <a:spAutoFit/>
+          </a:bodyPr>
+          <a:lstStyle>
+            <a:lvl1pPr marL="228600" indent="-228600" algn="l" defTabSz="914400" rtl="0" eaLnBrk="1" latinLnBrk="0" hangingPunct="1">
+              <a:lnSpc>
+                <a:spcPct val="90000"/>
+              </a:lnSpc>
+              <a:spcBef>
+                <a:spcPts val="1000"/>
+              </a:spcBef>
+              <a:buFont typeface="Arial" panose="020B0604020202020204" pitchFamily="34" charset="0"/>
+              <a:buChar char="•"/>
+              <a:defRPr sz="2800" kern="1200">
+                <a:solidFill>
+                  <a:schemeClr val="tx1"/>
+                </a:solidFill>
+                <a:latin typeface="+mn-lt"/>
+                <a:ea typeface="+mn-ea"/>
+                <a:cs typeface="+mn-cs"/>
+              </a:defRPr>
+            </a:lvl1pPr>
+            <a:lvl2pPr marL="685800" indent="-228600" algn="l" defTabSz="914400" rtl="0" eaLnBrk="1" latinLnBrk="0" hangingPunct="1">
+              <a:lnSpc>
+                <a:spcPct val="90000"/>
+              </a:lnSpc>
+              <a:spcBef>
+                <a:spcPts val="500"/>
+              </a:spcBef>
+              <a:buFont typeface="Arial" panose="020B0604020202020204" pitchFamily="34" charset="0"/>
+              <a:buChar char="•"/>
+              <a:defRPr sz="2400" kern="1200">
+                <a:solidFill>
+                  <a:schemeClr val="tx1"/>
+                </a:solidFill>
+                <a:latin typeface="+mn-lt"/>
+                <a:ea typeface="+mn-ea"/>
+                <a:cs typeface="+mn-cs"/>
+              </a:defRPr>
+            </a:lvl2pPr>
+            <a:lvl3pPr marL="1143000" indent="-228600" algn="l" defTabSz="914400" rtl="0" eaLnBrk="1" latinLnBrk="0" hangingPunct="1">
+              <a:lnSpc>
+                <a:spcPct val="90000"/>
+              </a:lnSpc>
+              <a:spcBef>
+                <a:spcPts val="500"/>
+              </a:spcBef>
+              <a:buFont typeface="Arial" panose="020B0604020202020204" pitchFamily="34" charset="0"/>
+              <a:buChar char="•"/>
+              <a:defRPr sz="2000" kern="1200">
+                <a:solidFill>
+                  <a:schemeClr val="tx1"/>
+                </a:solidFill>
+                <a:latin typeface="+mn-lt"/>
+                <a:ea typeface="+mn-ea"/>
+                <a:cs typeface="+mn-cs"/>
+              </a:defRPr>
+            </a:lvl3pPr>
+            <a:lvl4pPr marL="1600200" indent="-228600" algn="l" defTabSz="914400" rtl="0" eaLnBrk="1" latinLnBrk="0" hangingPunct="1">
+              <a:lnSpc>
+                <a:spcPct val="90000"/>
+              </a:lnSpc>
+              <a:spcBef>
+                <a:spcPts val="500"/>
+              </a:spcBef>
+              <a:buFont typeface="Arial" panose="020B0604020202020204" pitchFamily="34" charset="0"/>
+              <a:buChar char="•"/>
+              <a:defRPr sz="1800" kern="1200">
+                <a:solidFill>
+                  <a:schemeClr val="tx1"/>
+                </a:solidFill>
+                <a:latin typeface="+mn-lt"/>
+                <a:ea typeface="+mn-ea"/>
+                <a:cs typeface="+mn-cs"/>
+              </a:defRPr>
+            </a:lvl4pPr>
+            <a:lvl5pPr marL="2057400" indent="-228600" algn="l" defTabSz="914400" rtl="0" eaLnBrk="1" latinLnBrk="0" hangingPunct="1">
+              <a:lnSpc>
+                <a:spcPct val="90000"/>
+              </a:lnSpc>
+              <a:spcBef>
+                <a:spcPts val="500"/>
+              </a:spcBef>
+              <a:buFont typeface="Arial" panose="020B0604020202020204" pitchFamily="34" charset="0"/>
+              <a:buChar char="•"/>
+              <a:defRPr sz="1800" kern="1200">
+                <a:solidFill>
+                  <a:schemeClr val="tx1"/>
+                </a:solidFill>
+                <a:latin typeface="+mn-lt"/>
+                <a:ea typeface="+mn-ea"/>
+                <a:cs typeface="+mn-cs"/>
+              </a:defRPr>
+            </a:lvl5pPr>
+            <a:lvl6pPr marL="2514600" indent="-228600" algn="l" defTabSz="914400" rtl="0" eaLnBrk="1" latinLnBrk="0" hangingPunct="1">
+              <a:lnSpc>
+                <a:spcPct val="90000"/>
+              </a:lnSpc>
+              <a:spcBef>
+                <a:spcPts val="500"/>
+              </a:spcBef>
+              <a:buFont typeface="Arial" panose="020B0604020202020204" pitchFamily="34" charset="0"/>
+              <a:buChar char="•"/>
+              <a:defRPr sz="1800" kern="1200">
+                <a:solidFill>
+                  <a:schemeClr val="tx1"/>
+                </a:solidFill>
+                <a:latin typeface="+mn-lt"/>
+                <a:ea typeface="+mn-ea"/>
+                <a:cs typeface="+mn-cs"/>
+              </a:defRPr>
+            </a:lvl6pPr>
+            <a:lvl7pPr marL="2971800" indent="-228600" algn="l" defTabSz="914400" rtl="0" eaLnBrk="1" latinLnBrk="0" hangingPunct="1">
+              <a:lnSpc>
+                <a:spcPct val="90000"/>
+              </a:lnSpc>
+              <a:spcBef>
+                <a:spcPts val="500"/>
+              </a:spcBef>
+              <a:buFont typeface="Arial" panose="020B0604020202020204" pitchFamily="34" charset="0"/>
+              <a:buChar char="•"/>
+              <a:defRPr sz="1800" kern="1200">
+                <a:solidFill>
+                  <a:schemeClr val="tx1"/>
+                </a:solidFill>
+                <a:latin typeface="+mn-lt"/>
+                <a:ea typeface="+mn-ea"/>
+                <a:cs typeface="+mn-cs"/>
+              </a:defRPr>
+            </a:lvl7pPr>
+            <a:lvl8pPr marL="3429000" indent="-228600" algn="l" defTabSz="914400" rtl="0" eaLnBrk="1" latinLnBrk="0" hangingPunct="1">
+              <a:lnSpc>
+                <a:spcPct val="90000"/>
+              </a:lnSpc>
+              <a:spcBef>
+                <a:spcPts val="500"/>
+              </a:spcBef>
+              <a:buFont typeface="Arial" panose="020B0604020202020204" pitchFamily="34" charset="0"/>
+              <a:buChar char="•"/>
+              <a:defRPr sz="1800" kern="1200">
+                <a:solidFill>
+                  <a:schemeClr val="tx1"/>
+                </a:solidFill>
+                <a:latin typeface="+mn-lt"/>
+                <a:ea typeface="+mn-ea"/>
+                <a:cs typeface="+mn-cs"/>
+              </a:defRPr>
+            </a:lvl8pPr>
+            <a:lvl9pPr marL="3886200" indent="-228600" algn="l" defTabSz="914400" rtl="0" eaLnBrk="1" latinLnBrk="0" hangingPunct="1">
+              <a:lnSpc>
+                <a:spcPct val="90000"/>
+              </a:lnSpc>
+              <a:spcBef>
+                <a:spcPts val="500"/>
+              </a:spcBef>
+              <a:buFont typeface="Arial" panose="020B0604020202020204" pitchFamily="34" charset="0"/>
+              <a:buChar char="•"/>
+              <a:defRPr sz="1800" kern="1200">
+                <a:solidFill>
+                  <a:schemeClr val="tx1"/>
+                </a:solidFill>
+                <a:latin typeface="+mn-lt"/>
+                <a:ea typeface="+mn-ea"/>
+                <a:cs typeface="+mn-cs"/>
+              </a:defRPr>
+            </a:lvl9pPr>
+          </a:lstStyle>
+          <a:p>
+            <a:pPr marL="0" indent="0" eaLnBrk="0" fontAlgn="base" hangingPunct="0">
+              <a:lnSpc>
+                <a:spcPct val="150000"/>
+              </a:lnSpc>
+              <a:spcBef>
+                <a:spcPct val="0"/>
+              </a:spcBef>
+              <a:spcAft>
+                <a:spcPct val="0"/>
+              </a:spcAft>
+              <a:buFont typeface="Arial" panose="020B0604020202020204" pitchFamily="34" charset="0"/>
+              <a:buNone/>
+            </a:pPr>
+            <a:r>
+              <a:rPr lang="en-US" altLang="zh-CN" sz="2000" dirty="0" err="1">
+                <a:latin typeface="+mj-lt"/>
+                <a:ea typeface="+mj-ea"/>
+                <a:cs typeface="+mj-cs"/>
+                <a:sym typeface="+mn-ea"/>
+              </a:rPr>
+              <a:t>webapck</a:t>
+            </a:r>
+            <a:r>
+              <a:rPr lang="zh-CN" altLang="en-US" sz="2000" dirty="0">
+                <a:latin typeface="+mj-lt"/>
+                <a:ea typeface="+mj-ea"/>
+                <a:cs typeface="+mj-cs"/>
+              </a:rPr>
+              <a:t>可以将许多松散的模块</a:t>
+            </a:r>
+            <a:r>
+              <a:rPr lang="zh-CN" altLang="en-US" sz="2000" dirty="0">
+                <a:latin typeface="+mj-lt"/>
+                <a:ea typeface="+mj-ea"/>
+                <a:cs typeface="+mj-cs"/>
+                <a:sym typeface="+mn-ea"/>
+              </a:rPr>
+              <a:t>，</a:t>
+            </a:r>
+            <a:r>
+              <a:rPr lang="zh-CN" altLang="en-US" sz="2000" dirty="0">
+                <a:latin typeface="+mj-lt"/>
+                <a:ea typeface="+mj-ea"/>
+                <a:cs typeface="+mj-cs"/>
+              </a:rPr>
+              <a:t>按照依赖和规则</a:t>
+            </a:r>
+            <a:r>
+              <a:rPr lang="zh-CN" altLang="en-US" sz="2000" dirty="0">
+                <a:latin typeface="+mj-lt"/>
+                <a:ea typeface="+mj-ea"/>
+                <a:cs typeface="+mj-cs"/>
+                <a:sym typeface="+mn-ea"/>
+              </a:rPr>
+              <a:t>进行压缩</a:t>
+            </a:r>
+            <a:r>
+              <a:rPr lang="zh-CN" altLang="en-US" sz="2000" dirty="0">
+                <a:latin typeface="+mj-lt"/>
+                <a:ea typeface="+mj-ea"/>
+                <a:cs typeface="+mj-cs"/>
+              </a:rPr>
+              <a:t>打包成符合生产环境部署的前端资源，最终生成一个</a:t>
+            </a:r>
+            <a:r>
+              <a:rPr lang="en-US" altLang="zh-CN" sz="2000" dirty="0">
+                <a:latin typeface="+mj-lt"/>
+                <a:ea typeface="+mj-ea"/>
+                <a:cs typeface="+mj-cs"/>
+              </a:rPr>
+              <a:t>js</a:t>
+            </a:r>
+            <a:r>
+              <a:rPr lang="zh-CN" altLang="en-US" sz="2000" dirty="0">
+                <a:latin typeface="+mj-lt"/>
+                <a:ea typeface="+mj-ea"/>
+                <a:cs typeface="+mj-cs"/>
+              </a:rPr>
+              <a:t>文件（一般情况下一个），</a:t>
+            </a:r>
+            <a:r>
+              <a:rPr lang="zh-CN" altLang="en-US" sz="2000" dirty="0">
+                <a:latin typeface="+mj-lt"/>
+                <a:ea typeface="+mj-ea"/>
+                <a:cs typeface="+mj-cs"/>
+                <a:sym typeface="+mn-ea"/>
+              </a:rPr>
+              <a:t>减少了</a:t>
+            </a:r>
+            <a:r>
+              <a:rPr lang="en-US" altLang="zh-CN" sz="2000" dirty="0">
+                <a:latin typeface="+mj-lt"/>
+                <a:ea typeface="+mj-ea"/>
+                <a:cs typeface="+mj-cs"/>
+                <a:sym typeface="+mn-ea"/>
+              </a:rPr>
+              <a:t>HTTP</a:t>
+            </a:r>
+            <a:r>
+              <a:rPr lang="zh-CN" altLang="en-US" sz="2000" dirty="0">
+                <a:latin typeface="+mj-lt"/>
+                <a:ea typeface="+mj-ea"/>
+                <a:cs typeface="+mj-cs"/>
+                <a:sym typeface="+mn-ea"/>
+              </a:rPr>
+              <a:t>的请求</a:t>
+            </a:r>
+            <a:endParaRPr lang="zh-CN" altLang="en-US" sz="2000" dirty="0">
+              <a:latin typeface="+mj-lt"/>
+              <a:ea typeface="+mj-ea"/>
+              <a:cs typeface="+mj-cs"/>
+            </a:endParaRPr>
+          </a:p>
+        </p:txBody>
+      </p:sp>
+      <p:sp>
+        <p:nvSpPr>
+          <p:cNvPr id="4" name="流程图: 终止 3"/>
+          <p:cNvSpPr/>
+          <p:nvPr/>
+        </p:nvSpPr>
+        <p:spPr>
+          <a:xfrm>
+            <a:off x="4241165" y="2401570"/>
+            <a:ext cx="1863725" cy="942340"/>
+          </a:xfrm>
+          <a:prstGeom prst="flowChartTerminator">
+            <a:avLst/>
+          </a:prstGeom>
+        </p:spPr>
+        <p:style>
+          <a:lnRef idx="2">
+            <a:schemeClr val="accent1">
+              <a:shade val="50000"/>
+            </a:schemeClr>
+          </a:lnRef>
+          <a:fillRef idx="1">
+            <a:schemeClr val="accent1"/>
+          </a:fillRef>
+          <a:effectRef idx="0">
+            <a:schemeClr val="accent1"/>
+          </a:effectRef>
+          <a:fontRef idx="minor">
+            <a:schemeClr val="lt1"/>
+          </a:fontRef>
+        </p:style>
+        <p:txBody>
+          <a:bodyPr rtlCol="0" anchor="ctr"/>
+          <a:lstStyle/>
+          <a:p>
+            <a:pPr algn="ctr"/>
+            <a:r>
+              <a:rPr lang="zh-CN" altLang="en-US"/>
+              <a:t>模块化打包机</a:t>
+            </a:r>
+            <a:endParaRPr lang="zh-CN" altLang="en-US"/>
           </a:p>
         </p:txBody>
       </p:sp>
@@ -35205,6 +35656,7 @@
               <a:rPr lang="zh-CN" altLang="en-US" dirty="0"/>
               <a:t>什么是前后端分离</a:t>
             </a:r>
+            <a:endParaRPr lang="zh-CN" altLang="en-US" dirty="0"/>
           </a:p>
         </p:txBody>
       </p:sp>
@@ -35410,18 +35862,13 @@
               <a:rPr lang="zh-CN" altLang="en-US" sz="1800" dirty="0"/>
               <a:t>应用开发中，大多数的程序员会将浏览器作为前后端的分界线。将浏览器中为用户进行页面展示的部分称之为前端，而将运行在服务器，为前端提供业务逻辑和数据准备的所有代码统称为后端</a:t>
             </a:r>
+            <a:endParaRPr lang="zh-CN" altLang="en-US" sz="1800" dirty="0"/>
           </a:p>
         </p:txBody>
       </p:sp>
       <p:sp>
         <p:nvSpPr>
-          <p:cNvPr id="4" name="内容占位符 2">
-            <a:extLst>
-              <a:ext uri="{FF2B5EF4-FFF2-40B4-BE49-F238E27FC236}">
-                <a16:creationId xmlns:a16="http://schemas.microsoft.com/office/drawing/2014/main" id="{3104A0BE-C0B3-46AC-83A6-7624D8FD066C}"/>
-              </a:ext>
-            </a:extLst>
-          </p:cNvPr>
+          <p:cNvPr id="4" name="内容占位符 2"/>
           <p:cNvSpPr txBox="1"/>
           <p:nvPr/>
         </p:nvSpPr>
@@ -35615,13 +36062,7 @@
       </p:sp>
       <p:sp>
         <p:nvSpPr>
-          <p:cNvPr id="5" name="内容占位符 2">
-            <a:extLst>
-              <a:ext uri="{FF2B5EF4-FFF2-40B4-BE49-F238E27FC236}">
-                <a16:creationId xmlns:a16="http://schemas.microsoft.com/office/drawing/2014/main" id="{2841343B-4CDD-4AA6-BB08-5E751C558087}"/>
-              </a:ext>
-            </a:extLst>
-          </p:cNvPr>
+          <p:cNvPr id="5" name="内容占位符 2"/>
           <p:cNvSpPr txBox="1"/>
           <p:nvPr/>
         </p:nvSpPr>
@@ -35815,13 +36256,7 @@
       </p:sp>
       <p:sp>
         <p:nvSpPr>
-          <p:cNvPr id="7" name="内容占位符 2">
-            <a:extLst>
-              <a:ext uri="{FF2B5EF4-FFF2-40B4-BE49-F238E27FC236}">
-                <a16:creationId xmlns:a16="http://schemas.microsoft.com/office/drawing/2014/main" id="{5DD72C52-C443-4D3A-A04B-AB471F82AAD5}"/>
-              </a:ext>
-            </a:extLst>
-          </p:cNvPr>
+          <p:cNvPr id="7" name="内容占位符 2"/>
           <p:cNvSpPr txBox="1"/>
           <p:nvPr/>
         </p:nvSpPr>
@@ -36280,6 +36715,7 @@
               <a:rPr lang="zh-CN" altLang="en-US" dirty="0"/>
               <a:t>为什么要打包</a:t>
             </a:r>
+            <a:endParaRPr lang="zh-CN" altLang="en-US" dirty="0"/>
           </a:p>
         </p:txBody>
       </p:sp>
@@ -36494,6 +36930,9 @@
               </a:rPr>
               <a:t>模块加载</a:t>
             </a:r>
+            <a:endParaRPr lang="zh-CN" altLang="en-US" sz="2000" dirty="0">
+              <a:sym typeface="+mn-ea"/>
+            </a:endParaRPr>
           </a:p>
           <a:p>
             <a:pPr marL="0" indent="0" eaLnBrk="0" fontAlgn="base" hangingPunct="0">
@@ -36517,6 +36956,12 @@
               </a:rPr>
               <a:t>前端加载模块希望模块分块传输， 按需进行懒加载， 在实际用到某些模块的时候再增量更新，</a:t>
             </a:r>
+            <a:endParaRPr lang="zh-CN" altLang="en-US" sz="1800" dirty="0">
+              <a:latin typeface="+mj-lt"/>
+              <a:ea typeface="+mj-ea"/>
+              <a:cs typeface="+mj-cs"/>
+              <a:sym typeface="+mn-ea"/>
+            </a:endParaRPr>
           </a:p>
           <a:p>
             <a:pPr marL="0" indent="0" eaLnBrk="0" fontAlgn="base" hangingPunct="0">
@@ -36538,7 +36983,36 @@
                 <a:cs typeface="+mj-cs"/>
                 <a:sym typeface="+mn-ea"/>
               </a:rPr>
-              <a:t>要实现模块的按需加载， 就需要一个对整个代码库中的模块进行静态分析、 编译打包，且希望所有资源都可以视作模块， 都可以通过 </a:t>
+              <a:t>要实现模块的按需加载， 就需要一个对整个代码库中的模块进行静态分析、 编译打包，</a:t>
+            </a:r>
+            <a:endParaRPr lang="zh-CN" altLang="en-US" sz="1800" dirty="0">
+              <a:latin typeface="+mj-lt"/>
+              <a:ea typeface="+mj-ea"/>
+              <a:cs typeface="+mj-cs"/>
+              <a:sym typeface="+mn-ea"/>
+            </a:endParaRPr>
+          </a:p>
+          <a:p>
+            <a:pPr marL="0" indent="0" eaLnBrk="0" fontAlgn="base" hangingPunct="0">
+              <a:lnSpc>
+                <a:spcPct val="150000"/>
+              </a:lnSpc>
+              <a:spcBef>
+                <a:spcPct val="0"/>
+              </a:spcBef>
+              <a:spcAft>
+                <a:spcPct val="0"/>
+              </a:spcAft>
+              <a:buNone/>
+            </a:pPr>
+            <a:r>
+              <a:rPr lang="zh-CN" altLang="en-US" sz="1800" dirty="0">
+                <a:latin typeface="+mj-lt"/>
+                <a:ea typeface="+mj-ea"/>
+                <a:cs typeface="+mj-cs"/>
+                <a:sym typeface="+mn-ea"/>
+              </a:rPr>
+              <a:t>且希望所有资源都可以视作模块， 都可以通过 </a:t>
             </a:r>
             <a:r>
               <a:rPr lang="en-US" altLang="zh-CN" sz="1800" dirty="0">
@@ -36556,8 +37030,14 @@
                 <a:cs typeface="+mj-cs"/>
                 <a:sym typeface="+mn-ea"/>
               </a:rPr>
-              <a:t>的方式来加载，实现资源的统一加载</a:t>
-            </a:r>
+              <a:t>的方式来加载</a:t>
+            </a:r>
+            <a:endParaRPr lang="zh-CN" altLang="en-US" sz="1800" dirty="0">
+              <a:latin typeface="+mj-lt"/>
+              <a:ea typeface="+mj-ea"/>
+              <a:cs typeface="+mj-cs"/>
+              <a:sym typeface="+mn-ea"/>
+            </a:endParaRPr>
           </a:p>
         </p:txBody>
       </p:sp>
@@ -36619,7 +37099,7 @@
         <p:spPr bwMode="auto">
           <a:xfrm>
             <a:off x="1345565" y="4441825"/>
-            <a:ext cx="10079355" cy="2275205"/>
+            <a:ext cx="9726295" cy="2275205"/>
           </a:xfrm>
           <a:prstGeom prst="rect">
             <a:avLst/>
@@ -36820,6 +37300,9 @@
               </a:rPr>
               <a:t>静态分析</a:t>
             </a:r>
+            <a:endParaRPr lang="zh-CN" altLang="en-US" sz="2000" dirty="0">
+              <a:sym typeface="+mn-ea"/>
+            </a:endParaRPr>
           </a:p>
           <a:p>
             <a:pPr marL="0" indent="0" eaLnBrk="0" fontAlgn="base" hangingPunct="0">
@@ -36841,7 +37324,7 @@
                 <a:cs typeface="+mj-cs"/>
                 <a:sym typeface="+mn-ea"/>
               </a:rPr>
-              <a:t>在编译的时候， 要对整个代码进行静态分析， 分析出各个模块的类型和它们依赖关系， 然后将不同类型的模块提交给适配的加载器来处理</a:t>
+              <a:t>在编译的时候， 分析出各个模块的类型和它们依赖关系， 然后将不同类型的模块提交给适配的加载器来处理</a:t>
             </a:r>
             <a:endParaRPr lang="zh-CN" altLang="en-US" sz="1800" dirty="0">
               <a:latin typeface="+mj-lt"/>
@@ -36869,8 +37352,14 @@
                 <a:cs typeface="+mj-cs"/>
                 <a:sym typeface="+mn-ea"/>
               </a:rPr>
-              <a:t>同时， 希望有一个模块加载的兼容策略，以便于利用已经存在的各种框架、 库和已经写好的文件， 来避免重写所有的模块</a:t>
-            </a:r>
+              <a:t>同时， 希望有一个模块加载的策略，定义模块加载的顺序，是否需要异步加载，以及利用已经存在的各种框架、 库， 来避免重写所有的模块</a:t>
+            </a:r>
+            <a:endParaRPr lang="zh-CN" altLang="en-US" sz="1800" dirty="0">
+              <a:latin typeface="+mj-lt"/>
+              <a:ea typeface="+mj-ea"/>
+              <a:cs typeface="+mj-cs"/>
+              <a:sym typeface="+mn-ea"/>
+            </a:endParaRPr>
           </a:p>
         </p:txBody>
       </p:sp>
@@ -37104,6 +37593,12 @@
               </a:rPr>
               <a:t>全局安装：npm install webpack -g </a:t>
             </a:r>
+            <a:endParaRPr lang="zh-CN" altLang="en-US" sz="2000" dirty="0">
+              <a:latin typeface="+mj-lt"/>
+              <a:ea typeface="+mj-ea"/>
+              <a:cs typeface="+mj-cs"/>
+              <a:sym typeface="Arial" panose="020B0604020202020204"/>
+            </a:endParaRPr>
           </a:p>
           <a:p>
             <a:pPr marL="0" indent="0">
@@ -37118,6 +37613,12 @@
               </a:rPr>
               <a:t>目录中安装：npm init</a:t>
             </a:r>
+            <a:endParaRPr lang="zh-CN" altLang="en-US" sz="2000" dirty="0">
+              <a:latin typeface="+mj-lt"/>
+              <a:ea typeface="+mj-ea"/>
+              <a:cs typeface="+mj-cs"/>
+              <a:sym typeface="Arial" panose="020B0604020202020204"/>
+            </a:endParaRPr>
           </a:p>
           <a:p>
             <a:pPr marL="0" indent="0">
@@ -37399,7 +37900,7 @@
               <p:nvPr/>
             </p:nvPicPr>
             <p:blipFill rotWithShape="1">
-              <a:blip r:embed="rId3"/>
+              <a:blip r:embed="rId1"/>
               <a:srcRect r="57335"/>
               <a:stretch>
                 <a:fillRect/>
@@ -37510,6 +38011,11 @@
                   </a:rPr>
                   <a:t>文件，加载器，插件等</a:t>
                 </a:r>
+                <a:endParaRPr lang="zh-CN" altLang="en-US" sz="1600" dirty="0">
+                  <a:solidFill>
+                    <a:srgbClr val="FF0000"/>
+                  </a:solidFill>
+                </a:endParaRPr>
               </a:p>
               <a:p>
                 <a:endParaRPr lang="zh-CN" altLang="en-US" sz="1600" dirty="0">
@@ -37567,6 +38073,11 @@
                   </a:rPr>
                   <a:t>保存打包后的文件</a:t>
                 </a:r>
+                <a:endParaRPr lang="zh-CN" altLang="en-US" sz="1600" dirty="0">
+                  <a:solidFill>
+                    <a:srgbClr val="FF0000"/>
+                  </a:solidFill>
+                </a:endParaRPr>
               </a:p>
             </p:txBody>
           </p:sp>
@@ -37633,6 +38144,11 @@
                   </a:rPr>
                   <a:t>要用到的源码文件</a:t>
                 </a:r>
+                <a:endParaRPr lang="zh-CN" altLang="en-US" sz="1600" dirty="0">
+                  <a:solidFill>
+                    <a:srgbClr val="FF0000"/>
+                  </a:solidFill>
+                </a:endParaRPr>
               </a:p>
             </p:txBody>
           </p:sp>
@@ -37731,6 +38247,11 @@
                   </a:rPr>
                   <a:t>文件</a:t>
                 </a:r>
+                <a:endParaRPr lang="zh-CN" altLang="en-US" sz="1600" dirty="0">
+                  <a:solidFill>
+                    <a:srgbClr val="FF0000"/>
+                  </a:solidFill>
+                </a:endParaRPr>
               </a:p>
             </p:txBody>
           </p:sp>
@@ -37781,6 +38302,11 @@
                   </a:rPr>
                   <a:t>显示项目的名称、版本作者、协议等信息</a:t>
                 </a:r>
+                <a:endParaRPr lang="zh-CN" altLang="en-US" sz="1600" dirty="0">
+                  <a:solidFill>
+                    <a:srgbClr val="FF0000"/>
+                  </a:solidFill>
+                </a:endParaRPr>
               </a:p>
             </p:txBody>
           </p:sp>
@@ -37832,6 +38358,11 @@
                 </a:rPr>
                 <a:t>锁定安装时的包的版本号</a:t>
               </a:r>
+              <a:endParaRPr lang="zh-CN" altLang="en-US" sz="1600" dirty="0">
+                <a:solidFill>
+                  <a:srgbClr val="FF0000"/>
+                </a:solidFill>
+              </a:endParaRPr>
             </a:p>
           </p:txBody>
         </p:sp>
@@ -38075,6 +38606,7 @@
               <a:rPr lang="zh-CN" altLang="en-US" dirty="0"/>
               <a:t>安装</a:t>
             </a:r>
+            <a:endParaRPr lang="zh-CN" altLang="en-US" dirty="0"/>
           </a:p>
         </p:txBody>
       </p:sp>
@@ -38308,6 +38840,12 @@
               </a:rPr>
               <a:t>命令行运行：webpack hello.js hello.bundle.js</a:t>
             </a:r>
+            <a:endParaRPr lang="zh-CN" altLang="en-US" sz="2000" dirty="0">
+              <a:latin typeface="+mj-lt"/>
+              <a:ea typeface="+mj-ea"/>
+              <a:cs typeface="+mj-cs"/>
+              <a:sym typeface="Arial" panose="020B0604020202020204"/>
+            </a:endParaRPr>
           </a:p>
           <a:p>
             <a:pPr marL="0" indent="0">
@@ -38331,6 +38869,12 @@
               </a:rPr>
               <a:t>webpack --config webpack.config.js		</a:t>
             </a:r>
+            <a:endParaRPr lang="en-US" altLang="zh-CN" sz="2000" dirty="0">
+              <a:latin typeface="+mj-lt"/>
+              <a:ea typeface="+mj-ea"/>
+              <a:cs typeface="+mj-cs"/>
+              <a:sym typeface="Arial" panose="020B0604020202020204"/>
+            </a:endParaRPr>
           </a:p>
         </p:txBody>
       </p:sp>
@@ -38573,6 +39117,7 @@
               <a:rPr lang="zh-CN" altLang="en-US" dirty="0"/>
               <a:t>打包</a:t>
             </a:r>
+            <a:endParaRPr lang="zh-CN" altLang="en-US" dirty="0"/>
           </a:p>
         </p:txBody>
       </p:sp>
@@ -38610,7 +39155,7 @@
           <p:nvPr/>
         </p:nvPicPr>
         <p:blipFill>
-          <a:blip r:embed="rId3"/>
+          <a:blip r:embed="rId1"/>
           <a:stretch>
             <a:fillRect/>
           </a:stretch>
@@ -38687,6 +39232,11 @@
               </a:rPr>
               <a:t>定义整个编译过程的起点</a:t>
             </a:r>
+            <a:endParaRPr lang="zh-CN" altLang="en-US" dirty="0">
+              <a:latin typeface="+mj-lt"/>
+              <a:ea typeface="+mj-ea"/>
+              <a:cs typeface="+mj-cs"/>
+            </a:endParaRPr>
           </a:p>
           <a:p>
             <a:pPr lvl="1">
@@ -38730,6 +39280,11 @@
               </a:rPr>
               <a:t>定义整个编译过程的终点</a:t>
             </a:r>
+            <a:endParaRPr lang="zh-CN" altLang="en-US" dirty="0">
+              <a:latin typeface="+mj-lt"/>
+              <a:ea typeface="+mj-ea"/>
+              <a:cs typeface="+mj-cs"/>
+            </a:endParaRPr>
           </a:p>
           <a:p>
             <a:pPr lvl="1">
@@ -38909,6 +39464,11 @@
               </a:rPr>
               <a:t>，压缩图片）</a:t>
             </a:r>
+            <a:endParaRPr lang="zh-CN" altLang="en-US" dirty="0">
+              <a:latin typeface="+mj-lt"/>
+              <a:ea typeface="+mj-ea"/>
+              <a:cs typeface="+mj-cs"/>
+            </a:endParaRPr>
           </a:p>
           <a:p>
             <a:pPr lvl="1">
@@ -38975,6 +39535,7 @@
               <a:rPr lang="zh-CN" altLang="en-US" dirty="0"/>
               <a:t>配置文件</a:t>
             </a:r>
+            <a:endParaRPr lang="zh-CN" altLang="en-US" dirty="0"/>
           </a:p>
         </p:txBody>
       </p:sp>
@@ -39226,7 +39787,7 @@
           <p:nvPr/>
         </p:nvPicPr>
         <p:blipFill>
-          <a:blip r:embed="rId3"/>
+          <a:blip r:embed="rId1"/>
           <a:stretch>
             <a:fillRect/>
           </a:stretch>
@@ -39250,7 +39811,7 @@
           <p:nvPr/>
         </p:nvPicPr>
         <p:blipFill>
-          <a:blip r:embed="rId4"/>
+          <a:blip r:embed="rId2"/>
           <a:stretch>
             <a:fillRect/>
           </a:stretch>
@@ -39312,6 +39873,7 @@
               <a:rPr lang="zh-CN" altLang="en-US" dirty="0"/>
               <a:t>实例</a:t>
             </a:r>
+            <a:endParaRPr lang="zh-CN" altLang="en-US" dirty="0"/>
           </a:p>
         </p:txBody>
       </p:sp>
@@ -39563,39 +40125,15 @@
           <p:nvPr/>
         </p:nvPicPr>
         <p:blipFill>
-          <a:blip r:embed="rId3"/>
+          <a:blip r:embed="rId1"/>
           <a:stretch>
             <a:fillRect/>
           </a:stretch>
         </p:blipFill>
         <p:spPr>
           <a:xfrm>
-            <a:off x="7657465" y="2466340"/>
+            <a:off x="2000885" y="3698875"/>
             <a:ext cx="4322445" cy="2526030"/>
-          </a:xfrm>
-          <a:prstGeom prst="rect">
-            <a:avLst/>
-          </a:prstGeom>
-        </p:spPr>
-      </p:pic>
-      <p:pic>
-        <p:nvPicPr>
-          <p:cNvPr id="8" name="图片 7"/>
-          <p:cNvPicPr>
-            <a:picLocks noChangeAspect="1"/>
-          </p:cNvPicPr>
-          <p:nvPr/>
-        </p:nvPicPr>
-        <p:blipFill>
-          <a:blip r:embed="rId4"/>
-          <a:stretch>
-            <a:fillRect/>
-          </a:stretch>
-        </p:blipFill>
-        <p:spPr>
-          <a:xfrm>
-            <a:off x="1068705" y="2466340"/>
-            <a:ext cx="6473825" cy="3361690"/>
           </a:xfrm>
           <a:prstGeom prst="rect">
             <a:avLst/>
@@ -39649,9 +40187,34 @@
               <a:rPr lang="zh-CN" altLang="en-US" dirty="0"/>
               <a:t>实例</a:t>
             </a:r>
+            <a:endParaRPr lang="zh-CN" altLang="en-US" dirty="0"/>
           </a:p>
         </p:txBody>
       </p:sp>
+      <p:pic>
+        <p:nvPicPr>
+          <p:cNvPr id="2" name="图片 1"/>
+          <p:cNvPicPr>
+            <a:picLocks noChangeAspect="1"/>
+          </p:cNvPicPr>
+          <p:nvPr/>
+        </p:nvPicPr>
+        <p:blipFill>
+          <a:blip r:embed="rId2"/>
+          <a:stretch>
+            <a:fillRect/>
+          </a:stretch>
+        </p:blipFill>
+        <p:spPr>
+          <a:xfrm>
+            <a:off x="990600" y="2063750"/>
+            <a:ext cx="6914515" cy="1414780"/>
+          </a:xfrm>
+          <a:prstGeom prst="rect">
+            <a:avLst/>
+          </a:prstGeom>
+        </p:spPr>
+      </p:pic>
     </p:spTree>
   </p:cSld>
   <p:clrMapOvr>
@@ -39694,7 +40257,7 @@
         </p:spPr>
         <p:txBody>
           <a:bodyPr vert="horz" lIns="91440" tIns="45720" rIns="91440" bIns="45720" rtlCol="0">
-            <a:normAutofit fontScale="92500" lnSpcReduction="10000"/>
+            <a:normAutofit fontScale="82500"/>
           </a:bodyPr>
           <a:lstStyle>
             <a:lvl1pPr marL="228600" indent="-228600" algn="l" defTabSz="914400" rtl="0" eaLnBrk="1" latinLnBrk="0" hangingPunct="1">
@@ -39956,7 +40519,7 @@
                 <a:ea typeface="+mj-ea"/>
                 <a:cs typeface="+mj-cs"/>
               </a:rPr>
-              <a:t>值作为文件名，当文件内容不更新时，浏览器直接读取缓存文件</a:t>
+              <a:t>值作为文件名，通过文件名判断内容是否更新，当文件内容不更新时，浏览器直接读取缓存文件</a:t>
             </a:r>
             <a:endParaRPr lang="zh-CN" altLang="zh-CN" sz="2400" dirty="0">
               <a:latin typeface="+mj-lt"/>
@@ -40020,6 +40583,7 @@
               <a:rPr lang="zh-CN" altLang="en-US" dirty="0"/>
               <a:t>进行性能优化</a:t>
             </a:r>
+            <a:endParaRPr lang="zh-CN" altLang="en-US" dirty="0"/>
           </a:p>
         </p:txBody>
       </p:sp>
@@ -40073,6 +40637,7 @@
               <a:rPr lang="zh-CN" altLang="en-US" dirty="0"/>
               <a:t>https://panjiachen.github.io/vue-element-admin/#/example/create</a:t>
             </a:r>
+            <a:endParaRPr lang="zh-CN" altLang="en-US" dirty="0"/>
           </a:p>
         </p:txBody>
       </p:sp>
@@ -40085,7 +40650,7 @@
           <p:nvPr/>
         </p:nvPicPr>
         <p:blipFill>
-          <a:blip r:embed="rId3"/>
+          <a:blip r:embed="rId1"/>
           <a:stretch>
             <a:fillRect/>
           </a:stretch>
@@ -40134,6 +40699,7 @@
               <a:rPr lang="zh-CN" altLang="en-US" sz="4000" dirty="0"/>
               <a:t>的后台管理系统</a:t>
             </a:r>
+            <a:endParaRPr lang="zh-CN" altLang="en-US" sz="4000" dirty="0"/>
           </a:p>
         </p:txBody>
       </p:sp>
@@ -40196,6 +40762,7 @@
               <a:rPr lang="zh-CN" altLang="en-US" sz="4000" dirty="0"/>
               <a:t>的后台管理系统</a:t>
             </a:r>
+            <a:endParaRPr lang="zh-CN" altLang="en-US" sz="4000" dirty="0"/>
           </a:p>
         </p:txBody>
       </p:sp>
@@ -40224,6 +40791,7 @@
               <a:rPr lang="zh-CN" altLang="en-US" dirty="0"/>
               <a:t>https://panjiachen.github.io/vue-element-admin/#/example/create</a:t>
             </a:r>
+            <a:endParaRPr lang="zh-CN" altLang="en-US" dirty="0"/>
           </a:p>
         </p:txBody>
       </p:sp>
@@ -40236,7 +40804,7 @@
           <p:nvPr/>
         </p:nvPicPr>
         <p:blipFill>
-          <a:blip r:embed="rId3"/>
+          <a:blip r:embed="rId1"/>
           <a:stretch>
             <a:fillRect/>
           </a:stretch>
@@ -40464,6 +41032,7 @@
               <a:rPr lang="zh-CN" altLang="en-US" dirty="0"/>
               <a:t>职责划分</a:t>
             </a:r>
+            <a:endParaRPr lang="zh-CN" altLang="en-US" dirty="0"/>
           </a:p>
         </p:txBody>
       </p:sp>
@@ -40491,6 +41060,7 @@
               <a:rPr lang="zh-CN" altLang="en-US" dirty="0"/>
               <a:t>什么是前端分离方式</a:t>
             </a:r>
+            <a:endParaRPr lang="zh-CN" altLang="en-US" dirty="0"/>
           </a:p>
         </p:txBody>
       </p:sp>
@@ -40503,7 +41073,7 @@
           <p:nvPr/>
         </p:nvPicPr>
         <p:blipFill>
-          <a:blip r:embed="rId3"/>
+          <a:blip r:embed="rId1"/>
           <a:stretch>
             <a:fillRect/>
           </a:stretch>
@@ -40552,7 +41122,7 @@
           <p:nvPr/>
         </p:nvPicPr>
         <p:blipFill rotWithShape="1">
-          <a:blip r:embed="rId3"/>
+          <a:blip r:embed="rId1"/>
           <a:srcRect t="13713" b="3035"/>
           <a:stretch>
             <a:fillRect/>
@@ -40794,6 +41364,7 @@
               <a:rPr lang="zh-CN" altLang="en-US" dirty="0"/>
               <a:t>什么是前端分离方式</a:t>
             </a:r>
+            <a:endParaRPr lang="zh-CN" altLang="en-US" dirty="0"/>
           </a:p>
         </p:txBody>
       </p:sp>
@@ -40841,6 +41412,7 @@
               <a:rPr lang="zh-CN" altLang="en-US" sz="1400" dirty="0"/>
               <a:t>；      </a:t>
             </a:r>
+            <a:endParaRPr lang="zh-CN" altLang="en-US" sz="1400" dirty="0"/>
           </a:p>
           <a:p>
             <a:pPr marL="0" indent="0">
@@ -40881,6 +41453,7 @@
               <a:rPr lang="zh-CN" altLang="en-US" sz="1400" dirty="0"/>
               <a:t>（请求后端数据）；      </a:t>
             </a:r>
+            <a:endParaRPr lang="zh-CN" altLang="en-US" sz="1400" dirty="0"/>
           </a:p>
           <a:p>
             <a:pPr marL="0" indent="0">
@@ -40929,6 +41502,7 @@
               <a:rPr lang="zh-CN" altLang="en-US" sz="1400" dirty="0"/>
               <a:t>（不是直接将页面返回给浏览器）；     </a:t>
             </a:r>
+            <a:endParaRPr lang="zh-CN" altLang="en-US" sz="1400" dirty="0"/>
           </a:p>
           <a:p>
             <a:pPr marL="0" indent="0">
@@ -40969,6 +41543,7 @@
               <a:rPr lang="zh-CN" altLang="en-US" sz="1400" dirty="0"/>
               <a:t>页面；      </a:t>
             </a:r>
+            <a:endParaRPr lang="zh-CN" altLang="en-US" sz="1400" dirty="0"/>
           </a:p>
           <a:p>
             <a:pPr marL="0" indent="0">
@@ -41009,6 +41584,7 @@
               <a:rPr lang="zh-CN" altLang="en-US" sz="1400" dirty="0"/>
               <a:t>到浏览器；</a:t>
             </a:r>
+            <a:endParaRPr lang="zh-CN" altLang="en-US" sz="1400" dirty="0"/>
           </a:p>
           <a:p>
             <a:pPr marL="0" indent="0">
@@ -41062,6 +41638,7 @@
               <a:rPr lang="zh-CN" altLang="en-US" dirty="0"/>
               <a:t>什么是前后端分离</a:t>
             </a:r>
+            <a:endParaRPr lang="zh-CN" altLang="en-US" dirty="0"/>
           </a:p>
         </p:txBody>
       </p:sp>
@@ -41074,7 +41651,7 @@
           <p:nvPr/>
         </p:nvPicPr>
         <p:blipFill>
-          <a:blip r:embed="rId3"/>
+          <a:blip r:embed="rId1"/>
           <a:srcRect/>
           <a:stretch>
             <a:fillRect/>
@@ -41286,6 +41863,7 @@
               <a:rPr lang="zh-CN" altLang="en-US" dirty="0"/>
               <a:t>开发模式</a:t>
             </a:r>
+            <a:endParaRPr lang="zh-CN" altLang="en-US" dirty="0"/>
           </a:p>
         </p:txBody>
       </p:sp>
@@ -41333,6 +41911,7 @@
               <a:rPr lang="zh-CN" altLang="en-US" dirty="0"/>
               <a:t>为什么要前后端分离</a:t>
             </a:r>
+            <a:endParaRPr lang="zh-CN" altLang="en-US" dirty="0"/>
           </a:p>
         </p:txBody>
       </p:sp>
@@ -41364,6 +41943,7 @@
               <a:rPr lang="zh-CN" altLang="en-US" dirty="0"/>
               <a:t>方式</a:t>
             </a:r>
+            <a:endParaRPr lang="zh-CN" altLang="en-US" dirty="0"/>
           </a:p>
         </p:txBody>
       </p:sp>
@@ -41659,7 +42239,7 @@
           <p:nvPr/>
         </p:nvPicPr>
         <p:blipFill>
-          <a:blip r:embed="rId3"/>
+          <a:blip r:embed="rId1"/>
           <a:stretch>
             <a:fillRect/>
           </a:stretch>
@@ -41748,6 +42328,7 @@
               <a:rPr lang="zh-CN" altLang="en-US" dirty="0"/>
               <a:t>局限性</a:t>
             </a:r>
+            <a:endParaRPr lang="zh-CN" altLang="en-US" dirty="0"/>
           </a:p>
         </p:txBody>
       </p:sp>
@@ -42224,8 +42805,6 @@
       </a:bgFillStyleLst>
     </a:fmtScheme>
   </a:themeElements>
-  <a:objectDefaults/>
-  <a:extraClrSchemeLst/>
   <a:extLst>
     <a:ext uri="{05A4C25C-085E-4340-85A3-A5531E510DB2}">
       <thm15:themeFamily xmlns:thm15="http://schemas.microsoft.com/office/thememl/2012/main" name="Office Theme" id="{62F939B6-93AF-4DB8-9C6B-D6C7DFDC589F}" vid="{4A3C46E8-61CC-4603-A589-7422A47A8E4A}"/>
@@ -42485,8 +43064,6 @@
       </a:bgFillStyleLst>
     </a:fmtScheme>
   </a:themeElements>
-  <a:objectDefaults/>
-  <a:extraClrSchemeLst/>
   <a:extLst>
     <a:ext uri="{05A4C25C-085E-4340-85A3-A5531E510DB2}">
       <thm15:themeFamily xmlns:thm15="http://schemas.microsoft.com/office/thememl/2012/main" name="Office Theme" id="{62F939B6-93AF-4DB8-9C6B-D6C7DFDC589F}" vid="{4A3C46E8-61CC-4603-A589-7422A47A8E4A}"/>
@@ -42746,8 +43323,6 @@
       </a:bgFillStyleLst>
     </a:fmtScheme>
   </a:themeElements>
-  <a:objectDefaults/>
-  <a:extraClrSchemeLst/>
   <a:extLst>
     <a:ext uri="{05A4C25C-085E-4340-85A3-A5531E510DB2}">
       <thm15:themeFamily xmlns:thm15="http://schemas.microsoft.com/office/thememl/2012/main" name="Office Theme" id="{62F939B6-93AF-4DB8-9C6B-D6C7DFDC589F}" vid="{4A3C46E8-61CC-4603-A589-7422A47A8E4A}"/>
